--- a/Final_Project/CA Housing Prices Analysis.pptx
+++ b/Final_Project/CA Housing Prices Analysis.pptx
@@ -5,26 +5,27 @@
     <p:sldMasterId id="2147483712" r:id="rId4"/>
   </p:sldMasterIdLst>
   <p:notesMasterIdLst>
-    <p:notesMasterId r:id="rId22"/>
+    <p:notesMasterId r:id="rId23"/>
   </p:notesMasterIdLst>
   <p:sldIdLst>
     <p:sldId id="259" r:id="rId5"/>
     <p:sldId id="260" r:id="rId6"/>
     <p:sldId id="261" r:id="rId7"/>
     <p:sldId id="262" r:id="rId8"/>
-    <p:sldId id="265" r:id="rId9"/>
-    <p:sldId id="268" r:id="rId10"/>
-    <p:sldId id="270" r:id="rId11"/>
-    <p:sldId id="269" r:id="rId12"/>
-    <p:sldId id="272" r:id="rId13"/>
-    <p:sldId id="274" r:id="rId14"/>
-    <p:sldId id="275" r:id="rId15"/>
-    <p:sldId id="266" r:id="rId16"/>
-    <p:sldId id="267" r:id="rId17"/>
-    <p:sldId id="263" r:id="rId18"/>
-    <p:sldId id="264" r:id="rId19"/>
-    <p:sldId id="273" r:id="rId20"/>
-    <p:sldId id="271" r:id="rId21"/>
+    <p:sldId id="268" r:id="rId9"/>
+    <p:sldId id="276" r:id="rId10"/>
+    <p:sldId id="277" r:id="rId11"/>
+    <p:sldId id="278" r:id="rId12"/>
+    <p:sldId id="270" r:id="rId13"/>
+    <p:sldId id="267" r:id="rId14"/>
+    <p:sldId id="264" r:id="rId15"/>
+    <p:sldId id="263" r:id="rId16"/>
+    <p:sldId id="273" r:id="rId17"/>
+    <p:sldId id="265" r:id="rId18"/>
+    <p:sldId id="271" r:id="rId19"/>
+    <p:sldId id="272" r:id="rId20"/>
+    <p:sldId id="274" r:id="rId21"/>
+    <p:sldId id="275" r:id="rId22"/>
   </p:sldIdLst>
   <p:sldSz cx="12192000" cy="6858000"/>
   <p:notesSz cx="6858000" cy="9144000"/>
@@ -142,349 +143,6 @@
 <file path=ppt/changesInfos/changesInfo1.xml><?xml version="1.0" encoding="utf-8"?>
 <pc:chgInfo xmlns:a="http://schemas.openxmlformats.org/drawingml/2006/main" xmlns:r="http://schemas.openxmlformats.org/officeDocument/2006/relationships" xmlns:ac="http://schemas.microsoft.com/office/drawing/2013/main/command" xmlns:pc="http://schemas.microsoft.com/office/powerpoint/2013/main/command">
   <pc:docChgLst>
-    <pc:chgData name="mikez zaatri" userId="dc7c058cd1c617f1" providerId="LiveId" clId="{FDA6E28C-406E-41EE-A1DD-C474C9987713}"/>
-    <pc:docChg chg="undo custSel addSld modSld">
-      <pc:chgData name="mikez zaatri" userId="dc7c058cd1c617f1" providerId="LiveId" clId="{FDA6E28C-406E-41EE-A1DD-C474C9987713}" dt="2021-08-07T13:40:14.128" v="134" actId="14100"/>
-      <pc:docMkLst>
-        <pc:docMk/>
-      </pc:docMkLst>
-      <pc:sldChg chg="addSp delSp modSp mod">
-        <pc:chgData name="mikez zaatri" userId="dc7c058cd1c617f1" providerId="LiveId" clId="{FDA6E28C-406E-41EE-A1DD-C474C9987713}" dt="2021-08-07T13:35:28.994" v="81" actId="20577"/>
-        <pc:sldMkLst>
-          <pc:docMk/>
-          <pc:sldMk cId="922754118" sldId="265"/>
-        </pc:sldMkLst>
-        <pc:spChg chg="add del mod">
-          <ac:chgData name="mikez zaatri" userId="dc7c058cd1c617f1" providerId="LiveId" clId="{FDA6E28C-406E-41EE-A1DD-C474C9987713}" dt="2021-08-07T13:34:45.838" v="8" actId="478"/>
-          <ac:spMkLst>
-            <pc:docMk/>
-            <pc:sldMk cId="922754118" sldId="265"/>
-            <ac:spMk id="3" creationId="{9B9D776D-4660-4635-A72D-050A7A2907AB}"/>
-          </ac:spMkLst>
-        </pc:spChg>
-        <pc:spChg chg="mod">
-          <ac:chgData name="mikez zaatri" userId="dc7c058cd1c617f1" providerId="LiveId" clId="{FDA6E28C-406E-41EE-A1DD-C474C9987713}" dt="2021-08-07T13:35:28.994" v="81" actId="20577"/>
-          <ac:spMkLst>
-            <pc:docMk/>
-            <pc:sldMk cId="922754118" sldId="265"/>
-            <ac:spMk id="158" creationId="{00000000-0000-0000-0000-000000000000}"/>
-          </ac:spMkLst>
-        </pc:spChg>
-        <pc:spChg chg="del">
-          <ac:chgData name="mikez zaatri" userId="dc7c058cd1c617f1" providerId="LiveId" clId="{FDA6E28C-406E-41EE-A1DD-C474C9987713}" dt="2021-08-07T13:34:31.601" v="0" actId="478"/>
-          <ac:spMkLst>
-            <pc:docMk/>
-            <pc:sldMk cId="922754118" sldId="265"/>
-            <ac:spMk id="159" creationId="{00000000-0000-0000-0000-000000000000}"/>
-          </ac:spMkLst>
-        </pc:spChg>
-        <pc:picChg chg="add mod">
-          <ac:chgData name="mikez zaatri" userId="dc7c058cd1c617f1" providerId="LiveId" clId="{FDA6E28C-406E-41EE-A1DD-C474C9987713}" dt="2021-08-07T13:34:50.903" v="9" actId="1076"/>
-          <ac:picMkLst>
-            <pc:docMk/>
-            <pc:sldMk cId="922754118" sldId="265"/>
-            <ac:picMk id="5" creationId="{A927BE9B-8008-4904-97B8-4BEBB47CDA94}"/>
-          </ac:picMkLst>
-        </pc:picChg>
-      </pc:sldChg>
-      <pc:sldChg chg="addSp delSp modSp add mod setBg addAnim delAnim setClrOvrMap">
-        <pc:chgData name="mikez zaatri" userId="dc7c058cd1c617f1" providerId="LiveId" clId="{FDA6E28C-406E-41EE-A1DD-C474C9987713}" dt="2021-08-07T13:40:14.128" v="134" actId="14100"/>
-        <pc:sldMkLst>
-          <pc:docMk/>
-          <pc:sldMk cId="3828626221" sldId="268"/>
-        </pc:sldMkLst>
-        <pc:spChg chg="add del">
-          <ac:chgData name="mikez zaatri" userId="dc7c058cd1c617f1" providerId="LiveId" clId="{FDA6E28C-406E-41EE-A1DD-C474C9987713}" dt="2021-08-07T13:39:01.654" v="113" actId="26606"/>
-          <ac:spMkLst>
-            <pc:docMk/>
-            <pc:sldMk cId="3828626221" sldId="268"/>
-            <ac:spMk id="99" creationId="{DD651B61-325E-4E73-8445-38B0DE8AAAB6}"/>
-          </ac:spMkLst>
-        </pc:spChg>
-        <pc:spChg chg="add del">
-          <ac:chgData name="mikez zaatri" userId="dc7c058cd1c617f1" providerId="LiveId" clId="{FDA6E28C-406E-41EE-A1DD-C474C9987713}" dt="2021-08-07T13:39:01.654" v="113" actId="26606"/>
-          <ac:spMkLst>
-            <pc:docMk/>
-            <pc:sldMk cId="3828626221" sldId="268"/>
-            <ac:spMk id="101" creationId="{B42E5253-D3AC-4AC2-B766-8B34F13C2F5E}"/>
-          </ac:spMkLst>
-        </pc:spChg>
-        <pc:spChg chg="add del">
-          <ac:chgData name="mikez zaatri" userId="dc7c058cd1c617f1" providerId="LiveId" clId="{FDA6E28C-406E-41EE-A1DD-C474C9987713}" dt="2021-08-07T13:39:01.654" v="113" actId="26606"/>
-          <ac:spMkLst>
-            <pc:docMk/>
-            <pc:sldMk cId="3828626221" sldId="268"/>
-            <ac:spMk id="103" creationId="{10AE8D57-436A-4073-9A75-15BB5949F8B4}"/>
-          </ac:spMkLst>
-        </pc:spChg>
-        <pc:spChg chg="add del">
-          <ac:chgData name="mikez zaatri" userId="dc7c058cd1c617f1" providerId="LiveId" clId="{FDA6E28C-406E-41EE-A1DD-C474C9987713}" dt="2021-08-07T13:39:01.654" v="113" actId="26606"/>
-          <ac:spMkLst>
-            <pc:docMk/>
-            <pc:sldMk cId="3828626221" sldId="268"/>
-            <ac:spMk id="105" creationId="{E2852671-8EB6-4EAF-8AF8-65CF3FD66456}"/>
-          </ac:spMkLst>
-        </pc:spChg>
-        <pc:spChg chg="add del">
-          <ac:chgData name="mikez zaatri" userId="dc7c058cd1c617f1" providerId="LiveId" clId="{FDA6E28C-406E-41EE-A1DD-C474C9987713}" dt="2021-08-07T13:39:01.654" v="113" actId="26606"/>
-          <ac:spMkLst>
-            <pc:docMk/>
-            <pc:sldMk cId="3828626221" sldId="268"/>
-            <ac:spMk id="107" creationId="{26B4480E-B7FF-4481-890E-043A69AE6FE2}"/>
-          </ac:spMkLst>
-        </pc:spChg>
-        <pc:spChg chg="add del">
-          <ac:chgData name="mikez zaatri" userId="dc7c058cd1c617f1" providerId="LiveId" clId="{FDA6E28C-406E-41EE-A1DD-C474C9987713}" dt="2021-08-07T13:39:02.410" v="115" actId="26606"/>
-          <ac:spMkLst>
-            <pc:docMk/>
-            <pc:sldMk cId="3828626221" sldId="268"/>
-            <ac:spMk id="111" creationId="{8CF5084D-B617-4011-8406-A93B64723187}"/>
-          </ac:spMkLst>
-        </pc:spChg>
-        <pc:spChg chg="mod">
-          <ac:chgData name="mikez zaatri" userId="dc7c058cd1c617f1" providerId="LiveId" clId="{FDA6E28C-406E-41EE-A1DD-C474C9987713}" dt="2021-08-07T13:40:09.751" v="133"/>
-          <ac:spMkLst>
-            <pc:docMk/>
-            <pc:sldMk cId="3828626221" sldId="268"/>
-            <ac:spMk id="158" creationId="{00000000-0000-0000-0000-000000000000}"/>
-          </ac:spMkLst>
-        </pc:spChg>
-        <pc:spChg chg="add del">
-          <ac:chgData name="mikez zaatri" userId="dc7c058cd1c617f1" providerId="LiveId" clId="{FDA6E28C-406E-41EE-A1DD-C474C9987713}" dt="2021-08-07T13:39:02.410" v="115" actId="26606"/>
-          <ac:spMkLst>
-            <pc:docMk/>
-            <pc:sldMk cId="3828626221" sldId="268"/>
-            <ac:spMk id="160" creationId="{DD651B61-325E-4E73-8445-38B0DE8AAAB6}"/>
-          </ac:spMkLst>
-        </pc:spChg>
-        <pc:spChg chg="add del">
-          <ac:chgData name="mikez zaatri" userId="dc7c058cd1c617f1" providerId="LiveId" clId="{FDA6E28C-406E-41EE-A1DD-C474C9987713}" dt="2021-08-07T13:39:02.410" v="115" actId="26606"/>
-          <ac:spMkLst>
-            <pc:docMk/>
-            <pc:sldMk cId="3828626221" sldId="268"/>
-            <ac:spMk id="161" creationId="{B42E5253-D3AC-4AC2-B766-8B34F13C2F5E}"/>
-          </ac:spMkLst>
-        </pc:spChg>
-        <pc:spChg chg="add del">
-          <ac:chgData name="mikez zaatri" userId="dc7c058cd1c617f1" providerId="LiveId" clId="{FDA6E28C-406E-41EE-A1DD-C474C9987713}" dt="2021-08-07T13:39:02.410" v="115" actId="26606"/>
-          <ac:spMkLst>
-            <pc:docMk/>
-            <pc:sldMk cId="3828626221" sldId="268"/>
-            <ac:spMk id="162" creationId="{10AE8D57-436A-4073-9A75-15BB5949F8B4}"/>
-          </ac:spMkLst>
-        </pc:spChg>
-        <pc:spChg chg="add del">
-          <ac:chgData name="mikez zaatri" userId="dc7c058cd1c617f1" providerId="LiveId" clId="{FDA6E28C-406E-41EE-A1DD-C474C9987713}" dt="2021-08-07T13:39:02.410" v="115" actId="26606"/>
-          <ac:spMkLst>
-            <pc:docMk/>
-            <pc:sldMk cId="3828626221" sldId="268"/>
-            <ac:spMk id="163" creationId="{E2852671-8EB6-4EAF-8AF8-65CF3FD66456}"/>
-          </ac:spMkLst>
-        </pc:spChg>
-        <pc:spChg chg="add del">
-          <ac:chgData name="mikez zaatri" userId="dc7c058cd1c617f1" providerId="LiveId" clId="{FDA6E28C-406E-41EE-A1DD-C474C9987713}" dt="2021-08-07T13:39:02.410" v="115" actId="26606"/>
-          <ac:spMkLst>
-            <pc:docMk/>
-            <pc:sldMk cId="3828626221" sldId="268"/>
-            <ac:spMk id="164" creationId="{26B4480E-B7FF-4481-890E-043A69AE6FE2}"/>
-          </ac:spMkLst>
-        </pc:spChg>
-        <pc:spChg chg="add del">
-          <ac:chgData name="mikez zaatri" userId="dc7c058cd1c617f1" providerId="LiveId" clId="{FDA6E28C-406E-41EE-A1DD-C474C9987713}" dt="2021-08-07T13:39:02.410" v="115" actId="26606"/>
-          <ac:spMkLst>
-            <pc:docMk/>
-            <pc:sldMk cId="3828626221" sldId="268"/>
-            <ac:spMk id="165" creationId="{8C2840C6-6494-4E12-A428-2012DA7DDF8A}"/>
-          </ac:spMkLst>
-        </pc:spChg>
-        <pc:spChg chg="add del">
-          <ac:chgData name="mikez zaatri" userId="dc7c058cd1c617f1" providerId="LiveId" clId="{FDA6E28C-406E-41EE-A1DD-C474C9987713}" dt="2021-08-07T13:39:04.424" v="117" actId="26606"/>
-          <ac:spMkLst>
-            <pc:docMk/>
-            <pc:sldMk cId="3828626221" sldId="268"/>
-            <ac:spMk id="167" creationId="{DD651B61-325E-4E73-8445-38B0DE8AAAB6}"/>
-          </ac:spMkLst>
-        </pc:spChg>
-        <pc:spChg chg="add del">
-          <ac:chgData name="mikez zaatri" userId="dc7c058cd1c617f1" providerId="LiveId" clId="{FDA6E28C-406E-41EE-A1DD-C474C9987713}" dt="2021-08-07T13:39:04.424" v="117" actId="26606"/>
-          <ac:spMkLst>
-            <pc:docMk/>
-            <pc:sldMk cId="3828626221" sldId="268"/>
-            <ac:spMk id="168" creationId="{B42E5253-D3AC-4AC2-B766-8B34F13C2F5E}"/>
-          </ac:spMkLst>
-        </pc:spChg>
-        <pc:spChg chg="add del">
-          <ac:chgData name="mikez zaatri" userId="dc7c058cd1c617f1" providerId="LiveId" clId="{FDA6E28C-406E-41EE-A1DD-C474C9987713}" dt="2021-08-07T13:39:04.424" v="117" actId="26606"/>
-          <ac:spMkLst>
-            <pc:docMk/>
-            <pc:sldMk cId="3828626221" sldId="268"/>
-            <ac:spMk id="169" creationId="{10AE8D57-436A-4073-9A75-15BB5949F8B4}"/>
-          </ac:spMkLst>
-        </pc:spChg>
-        <pc:spChg chg="add del">
-          <ac:chgData name="mikez zaatri" userId="dc7c058cd1c617f1" providerId="LiveId" clId="{FDA6E28C-406E-41EE-A1DD-C474C9987713}" dt="2021-08-07T13:39:04.424" v="117" actId="26606"/>
-          <ac:spMkLst>
-            <pc:docMk/>
-            <pc:sldMk cId="3828626221" sldId="268"/>
-            <ac:spMk id="170" creationId="{E2852671-8EB6-4EAF-8AF8-65CF3FD66456}"/>
-          </ac:spMkLst>
-        </pc:spChg>
-        <pc:spChg chg="add del">
-          <ac:chgData name="mikez zaatri" userId="dc7c058cd1c617f1" providerId="LiveId" clId="{FDA6E28C-406E-41EE-A1DD-C474C9987713}" dt="2021-08-07T13:39:04.424" v="117" actId="26606"/>
-          <ac:spMkLst>
-            <pc:docMk/>
-            <pc:sldMk cId="3828626221" sldId="268"/>
-            <ac:spMk id="171" creationId="{F7207B7B-5C57-458C-BE38-95D2CD7655BB}"/>
-          </ac:spMkLst>
-        </pc:spChg>
-        <pc:spChg chg="add del">
-          <ac:chgData name="mikez zaatri" userId="dc7c058cd1c617f1" providerId="LiveId" clId="{FDA6E28C-406E-41EE-A1DD-C474C9987713}" dt="2021-08-07T13:39:04.424" v="117" actId="26606"/>
-          <ac:spMkLst>
-            <pc:docMk/>
-            <pc:sldMk cId="3828626221" sldId="268"/>
-            <ac:spMk id="172" creationId="{9822E561-F97C-4CBB-A9A6-A6BF6317BC84}"/>
-          </ac:spMkLst>
-        </pc:spChg>
-        <pc:spChg chg="add del">
-          <ac:chgData name="mikez zaatri" userId="dc7c058cd1c617f1" providerId="LiveId" clId="{FDA6E28C-406E-41EE-A1DD-C474C9987713}" dt="2021-08-07T13:39:04.424" v="117" actId="26606"/>
-          <ac:spMkLst>
-            <pc:docMk/>
-            <pc:sldMk cId="3828626221" sldId="268"/>
-            <ac:spMk id="173" creationId="{B01B0E58-A5C8-4CDA-A2E0-35DF94E59857}"/>
-          </ac:spMkLst>
-        </pc:spChg>
-        <pc:spChg chg="add del">
-          <ac:chgData name="mikez zaatri" userId="dc7c058cd1c617f1" providerId="LiveId" clId="{FDA6E28C-406E-41EE-A1DD-C474C9987713}" dt="2021-08-07T13:39:08.168" v="120" actId="26606"/>
-          <ac:spMkLst>
-            <pc:docMk/>
-            <pc:sldMk cId="3828626221" sldId="268"/>
-            <ac:spMk id="175" creationId="{E6C8E6EB-4C59-429B-97E4-72A058CFC4FB}"/>
-          </ac:spMkLst>
-        </pc:spChg>
-        <pc:spChg chg="add del">
-          <ac:chgData name="mikez zaatri" userId="dc7c058cd1c617f1" providerId="LiveId" clId="{FDA6E28C-406E-41EE-A1DD-C474C9987713}" dt="2021-08-07T13:39:08.168" v="120" actId="26606"/>
-          <ac:spMkLst>
-            <pc:docMk/>
-            <pc:sldMk cId="3828626221" sldId="268"/>
-            <ac:spMk id="176" creationId="{B5B90362-AFCC-46A9-B41C-A257A8C5B314}"/>
-          </ac:spMkLst>
-        </pc:spChg>
-        <pc:spChg chg="add del">
-          <ac:chgData name="mikez zaatri" userId="dc7c058cd1c617f1" providerId="LiveId" clId="{FDA6E28C-406E-41EE-A1DD-C474C9987713}" dt="2021-08-07T13:39:08.168" v="120" actId="26606"/>
-          <ac:spMkLst>
-            <pc:docMk/>
-            <pc:sldMk cId="3828626221" sldId="268"/>
-            <ac:spMk id="177" creationId="{F71EF7F1-38BA-471D-8CD4-2A9AE8E35527}"/>
-          </ac:spMkLst>
-        </pc:spChg>
-        <pc:spChg chg="add del">
-          <ac:chgData name="mikez zaatri" userId="dc7c058cd1c617f1" providerId="LiveId" clId="{FDA6E28C-406E-41EE-A1DD-C474C9987713}" dt="2021-08-07T13:39:08.168" v="120" actId="26606"/>
-          <ac:spMkLst>
-            <pc:docMk/>
-            <pc:sldMk cId="3828626221" sldId="268"/>
-            <ac:spMk id="178" creationId="{C0524398-BFB4-4C4A-8317-83B8729F9B26}"/>
-          </ac:spMkLst>
-        </pc:spChg>
-        <pc:spChg chg="add del">
-          <ac:chgData name="mikez zaatri" userId="dc7c058cd1c617f1" providerId="LiveId" clId="{FDA6E28C-406E-41EE-A1DD-C474C9987713}" dt="2021-08-07T13:39:08.168" v="120" actId="26606"/>
-          <ac:spMkLst>
-            <pc:docMk/>
-            <pc:sldMk cId="3828626221" sldId="268"/>
-            <ac:spMk id="179" creationId="{E08D4B6A-8113-4DFB-B82E-B60CAC8E0A50}"/>
-          </ac:spMkLst>
-        </pc:spChg>
-        <pc:spChg chg="add del">
-          <ac:chgData name="mikez zaatri" userId="dc7c058cd1c617f1" providerId="LiveId" clId="{FDA6E28C-406E-41EE-A1DD-C474C9987713}" dt="2021-08-07T13:39:08.168" v="120" actId="26606"/>
-          <ac:spMkLst>
-            <pc:docMk/>
-            <pc:sldMk cId="3828626221" sldId="268"/>
-            <ac:spMk id="180" creationId="{9822E561-F97C-4CBB-A9A6-A6BF6317BC84}"/>
-          </ac:spMkLst>
-        </pc:spChg>
-        <pc:spChg chg="add del">
-          <ac:chgData name="mikez zaatri" userId="dc7c058cd1c617f1" providerId="LiveId" clId="{FDA6E28C-406E-41EE-A1DD-C474C9987713}" dt="2021-08-07T13:39:08.168" v="120" actId="26606"/>
-          <ac:spMkLst>
-            <pc:docMk/>
-            <pc:sldMk cId="3828626221" sldId="268"/>
-            <ac:spMk id="181" creationId="{B01B0E58-A5C8-4CDA-A2E0-35DF94E59857}"/>
-          </ac:spMkLst>
-        </pc:spChg>
-        <pc:spChg chg="add">
-          <ac:chgData name="mikez zaatri" userId="dc7c058cd1c617f1" providerId="LiveId" clId="{FDA6E28C-406E-41EE-A1DD-C474C9987713}" dt="2021-08-07T13:39:08.180" v="121" actId="26606"/>
-          <ac:spMkLst>
-            <pc:docMk/>
-            <pc:sldMk cId="3828626221" sldId="268"/>
-            <ac:spMk id="183" creationId="{DD651B61-325E-4E73-8445-38B0DE8AAAB6}"/>
-          </ac:spMkLst>
-        </pc:spChg>
-        <pc:spChg chg="add">
-          <ac:chgData name="mikez zaatri" userId="dc7c058cd1c617f1" providerId="LiveId" clId="{FDA6E28C-406E-41EE-A1DD-C474C9987713}" dt="2021-08-07T13:39:08.180" v="121" actId="26606"/>
-          <ac:spMkLst>
-            <pc:docMk/>
-            <pc:sldMk cId="3828626221" sldId="268"/>
-            <ac:spMk id="184" creationId="{B42E5253-D3AC-4AC2-B766-8B34F13C2F5E}"/>
-          </ac:spMkLst>
-        </pc:spChg>
-        <pc:spChg chg="add">
-          <ac:chgData name="mikez zaatri" userId="dc7c058cd1c617f1" providerId="LiveId" clId="{FDA6E28C-406E-41EE-A1DD-C474C9987713}" dt="2021-08-07T13:39:08.180" v="121" actId="26606"/>
-          <ac:spMkLst>
-            <pc:docMk/>
-            <pc:sldMk cId="3828626221" sldId="268"/>
-            <ac:spMk id="185" creationId="{10AE8D57-436A-4073-9A75-15BB5949F8B4}"/>
-          </ac:spMkLst>
-        </pc:spChg>
-        <pc:spChg chg="add">
-          <ac:chgData name="mikez zaatri" userId="dc7c058cd1c617f1" providerId="LiveId" clId="{FDA6E28C-406E-41EE-A1DD-C474C9987713}" dt="2021-08-07T13:39:08.180" v="121" actId="26606"/>
-          <ac:spMkLst>
-            <pc:docMk/>
-            <pc:sldMk cId="3828626221" sldId="268"/>
-            <ac:spMk id="186" creationId="{E2852671-8EB6-4EAF-8AF8-65CF3FD66456}"/>
-          </ac:spMkLst>
-        </pc:spChg>
-        <pc:spChg chg="add">
-          <ac:chgData name="mikez zaatri" userId="dc7c058cd1c617f1" providerId="LiveId" clId="{FDA6E28C-406E-41EE-A1DD-C474C9987713}" dt="2021-08-07T13:39:08.180" v="121" actId="26606"/>
-          <ac:spMkLst>
-            <pc:docMk/>
-            <pc:sldMk cId="3828626221" sldId="268"/>
-            <ac:spMk id="187" creationId="{26B4480E-B7FF-4481-890E-043A69AE6FE2}"/>
-          </ac:spMkLst>
-        </pc:spChg>
-        <pc:grpChg chg="add del">
-          <ac:chgData name="mikez zaatri" userId="dc7c058cd1c617f1" providerId="LiveId" clId="{FDA6E28C-406E-41EE-A1DD-C474C9987713}" dt="2021-08-07T13:39:01.654" v="113" actId="26606"/>
-          <ac:grpSpMkLst>
-            <pc:docMk/>
-            <pc:sldMk cId="3828626221" sldId="268"/>
-            <ac:grpSpMk id="109" creationId="{79394E1F-0B5F-497D-B2A6-8383A2A54834}"/>
-          </ac:grpSpMkLst>
-        </pc:grpChg>
-        <pc:grpChg chg="add">
-          <ac:chgData name="mikez zaatri" userId="dc7c058cd1c617f1" providerId="LiveId" clId="{FDA6E28C-406E-41EE-A1DD-C474C9987713}" dt="2021-08-07T13:39:08.180" v="121" actId="26606"/>
-          <ac:grpSpMkLst>
-            <pc:docMk/>
-            <pc:sldMk cId="3828626221" sldId="268"/>
-            <ac:grpSpMk id="188" creationId="{79394E1F-0B5F-497D-B2A6-8383A2A54834}"/>
-          </ac:grpSpMkLst>
-        </pc:grpChg>
-        <pc:picChg chg="add mod">
-          <ac:chgData name="mikez zaatri" userId="dc7c058cd1c617f1" providerId="LiveId" clId="{FDA6E28C-406E-41EE-A1DD-C474C9987713}" dt="2021-08-07T13:40:14.128" v="134" actId="14100"/>
-          <ac:picMkLst>
-            <pc:docMk/>
-            <pc:sldMk cId="3828626221" sldId="268"/>
-            <ac:picMk id="3" creationId="{AD8AA16E-F466-497A-8EF3-A2A20A46F7E2}"/>
-          </ac:picMkLst>
-        </pc:picChg>
-        <pc:picChg chg="del">
-          <ac:chgData name="mikez zaatri" userId="dc7c058cd1c617f1" providerId="LiveId" clId="{FDA6E28C-406E-41EE-A1DD-C474C9987713}" dt="2021-08-07T13:35:54.705" v="107" actId="478"/>
-          <ac:picMkLst>
-            <pc:docMk/>
-            <pc:sldMk cId="3828626221" sldId="268"/>
-            <ac:picMk id="5" creationId="{A927BE9B-8008-4904-97B8-4BEBB47CDA94}"/>
-          </ac:picMkLst>
-        </pc:picChg>
-      </pc:sldChg>
-    </pc:docChg>
-  </pc:docChgLst>
-  <pc:docChgLst>
     <pc:chgData name="mikez zaatri" userId="dc7c058cd1c617f1" providerId="LiveId" clId="{3609CF1C-7F59-43CD-9E2F-3C5D15BF5220}"/>
     <pc:docChg chg="undo custSel addSld modSld sldOrd">
       <pc:chgData name="mikez zaatri" userId="dc7c058cd1c617f1" providerId="LiveId" clId="{3609CF1C-7F59-43CD-9E2F-3C5D15BF5220}" dt="2021-08-08T21:30:48.042" v="544" actId="14100"/>
@@ -1951,6 +1609,349 @@
             <pc:docMk/>
             <pc:sldMk cId="480309411" sldId="275"/>
             <ac:picMk id="29" creationId="{15F85C90-A1A2-4C76-BB0A-9470D9430338}"/>
+          </ac:picMkLst>
+        </pc:picChg>
+      </pc:sldChg>
+    </pc:docChg>
+  </pc:docChgLst>
+  <pc:docChgLst>
+    <pc:chgData name="mikez zaatri" userId="dc7c058cd1c617f1" providerId="LiveId" clId="{FDA6E28C-406E-41EE-A1DD-C474C9987713}"/>
+    <pc:docChg chg="undo custSel addSld modSld">
+      <pc:chgData name="mikez zaatri" userId="dc7c058cd1c617f1" providerId="LiveId" clId="{FDA6E28C-406E-41EE-A1DD-C474C9987713}" dt="2021-08-07T13:40:14.128" v="134" actId="14100"/>
+      <pc:docMkLst>
+        <pc:docMk/>
+      </pc:docMkLst>
+      <pc:sldChg chg="addSp delSp modSp mod">
+        <pc:chgData name="mikez zaatri" userId="dc7c058cd1c617f1" providerId="LiveId" clId="{FDA6E28C-406E-41EE-A1DD-C474C9987713}" dt="2021-08-07T13:35:28.994" v="81" actId="20577"/>
+        <pc:sldMkLst>
+          <pc:docMk/>
+          <pc:sldMk cId="922754118" sldId="265"/>
+        </pc:sldMkLst>
+        <pc:spChg chg="add del mod">
+          <ac:chgData name="mikez zaatri" userId="dc7c058cd1c617f1" providerId="LiveId" clId="{FDA6E28C-406E-41EE-A1DD-C474C9987713}" dt="2021-08-07T13:34:45.838" v="8" actId="478"/>
+          <ac:spMkLst>
+            <pc:docMk/>
+            <pc:sldMk cId="922754118" sldId="265"/>
+            <ac:spMk id="3" creationId="{9B9D776D-4660-4635-A72D-050A7A2907AB}"/>
+          </ac:spMkLst>
+        </pc:spChg>
+        <pc:spChg chg="mod">
+          <ac:chgData name="mikez zaatri" userId="dc7c058cd1c617f1" providerId="LiveId" clId="{FDA6E28C-406E-41EE-A1DD-C474C9987713}" dt="2021-08-07T13:35:28.994" v="81" actId="20577"/>
+          <ac:spMkLst>
+            <pc:docMk/>
+            <pc:sldMk cId="922754118" sldId="265"/>
+            <ac:spMk id="158" creationId="{00000000-0000-0000-0000-000000000000}"/>
+          </ac:spMkLst>
+        </pc:spChg>
+        <pc:spChg chg="del">
+          <ac:chgData name="mikez zaatri" userId="dc7c058cd1c617f1" providerId="LiveId" clId="{FDA6E28C-406E-41EE-A1DD-C474C9987713}" dt="2021-08-07T13:34:31.601" v="0" actId="478"/>
+          <ac:spMkLst>
+            <pc:docMk/>
+            <pc:sldMk cId="922754118" sldId="265"/>
+            <ac:spMk id="159" creationId="{00000000-0000-0000-0000-000000000000}"/>
+          </ac:spMkLst>
+        </pc:spChg>
+        <pc:picChg chg="add mod">
+          <ac:chgData name="mikez zaatri" userId="dc7c058cd1c617f1" providerId="LiveId" clId="{FDA6E28C-406E-41EE-A1DD-C474C9987713}" dt="2021-08-07T13:34:50.903" v="9" actId="1076"/>
+          <ac:picMkLst>
+            <pc:docMk/>
+            <pc:sldMk cId="922754118" sldId="265"/>
+            <ac:picMk id="5" creationId="{A927BE9B-8008-4904-97B8-4BEBB47CDA94}"/>
+          </ac:picMkLst>
+        </pc:picChg>
+      </pc:sldChg>
+      <pc:sldChg chg="addSp delSp modSp add mod setBg addAnim delAnim setClrOvrMap">
+        <pc:chgData name="mikez zaatri" userId="dc7c058cd1c617f1" providerId="LiveId" clId="{FDA6E28C-406E-41EE-A1DD-C474C9987713}" dt="2021-08-07T13:40:14.128" v="134" actId="14100"/>
+        <pc:sldMkLst>
+          <pc:docMk/>
+          <pc:sldMk cId="3828626221" sldId="268"/>
+        </pc:sldMkLst>
+        <pc:spChg chg="add del">
+          <ac:chgData name="mikez zaatri" userId="dc7c058cd1c617f1" providerId="LiveId" clId="{FDA6E28C-406E-41EE-A1DD-C474C9987713}" dt="2021-08-07T13:39:01.654" v="113" actId="26606"/>
+          <ac:spMkLst>
+            <pc:docMk/>
+            <pc:sldMk cId="3828626221" sldId="268"/>
+            <ac:spMk id="99" creationId="{DD651B61-325E-4E73-8445-38B0DE8AAAB6}"/>
+          </ac:spMkLst>
+        </pc:spChg>
+        <pc:spChg chg="add del">
+          <ac:chgData name="mikez zaatri" userId="dc7c058cd1c617f1" providerId="LiveId" clId="{FDA6E28C-406E-41EE-A1DD-C474C9987713}" dt="2021-08-07T13:39:01.654" v="113" actId="26606"/>
+          <ac:spMkLst>
+            <pc:docMk/>
+            <pc:sldMk cId="3828626221" sldId="268"/>
+            <ac:spMk id="101" creationId="{B42E5253-D3AC-4AC2-B766-8B34F13C2F5E}"/>
+          </ac:spMkLst>
+        </pc:spChg>
+        <pc:spChg chg="add del">
+          <ac:chgData name="mikez zaatri" userId="dc7c058cd1c617f1" providerId="LiveId" clId="{FDA6E28C-406E-41EE-A1DD-C474C9987713}" dt="2021-08-07T13:39:01.654" v="113" actId="26606"/>
+          <ac:spMkLst>
+            <pc:docMk/>
+            <pc:sldMk cId="3828626221" sldId="268"/>
+            <ac:spMk id="103" creationId="{10AE8D57-436A-4073-9A75-15BB5949F8B4}"/>
+          </ac:spMkLst>
+        </pc:spChg>
+        <pc:spChg chg="add del">
+          <ac:chgData name="mikez zaatri" userId="dc7c058cd1c617f1" providerId="LiveId" clId="{FDA6E28C-406E-41EE-A1DD-C474C9987713}" dt="2021-08-07T13:39:01.654" v="113" actId="26606"/>
+          <ac:spMkLst>
+            <pc:docMk/>
+            <pc:sldMk cId="3828626221" sldId="268"/>
+            <ac:spMk id="105" creationId="{E2852671-8EB6-4EAF-8AF8-65CF3FD66456}"/>
+          </ac:spMkLst>
+        </pc:spChg>
+        <pc:spChg chg="add del">
+          <ac:chgData name="mikez zaatri" userId="dc7c058cd1c617f1" providerId="LiveId" clId="{FDA6E28C-406E-41EE-A1DD-C474C9987713}" dt="2021-08-07T13:39:01.654" v="113" actId="26606"/>
+          <ac:spMkLst>
+            <pc:docMk/>
+            <pc:sldMk cId="3828626221" sldId="268"/>
+            <ac:spMk id="107" creationId="{26B4480E-B7FF-4481-890E-043A69AE6FE2}"/>
+          </ac:spMkLst>
+        </pc:spChg>
+        <pc:spChg chg="add del">
+          <ac:chgData name="mikez zaatri" userId="dc7c058cd1c617f1" providerId="LiveId" clId="{FDA6E28C-406E-41EE-A1DD-C474C9987713}" dt="2021-08-07T13:39:02.410" v="115" actId="26606"/>
+          <ac:spMkLst>
+            <pc:docMk/>
+            <pc:sldMk cId="3828626221" sldId="268"/>
+            <ac:spMk id="111" creationId="{8CF5084D-B617-4011-8406-A93B64723187}"/>
+          </ac:spMkLst>
+        </pc:spChg>
+        <pc:spChg chg="mod">
+          <ac:chgData name="mikez zaatri" userId="dc7c058cd1c617f1" providerId="LiveId" clId="{FDA6E28C-406E-41EE-A1DD-C474C9987713}" dt="2021-08-07T13:40:09.751" v="133"/>
+          <ac:spMkLst>
+            <pc:docMk/>
+            <pc:sldMk cId="3828626221" sldId="268"/>
+            <ac:spMk id="158" creationId="{00000000-0000-0000-0000-000000000000}"/>
+          </ac:spMkLst>
+        </pc:spChg>
+        <pc:spChg chg="add del">
+          <ac:chgData name="mikez zaatri" userId="dc7c058cd1c617f1" providerId="LiveId" clId="{FDA6E28C-406E-41EE-A1DD-C474C9987713}" dt="2021-08-07T13:39:02.410" v="115" actId="26606"/>
+          <ac:spMkLst>
+            <pc:docMk/>
+            <pc:sldMk cId="3828626221" sldId="268"/>
+            <ac:spMk id="160" creationId="{DD651B61-325E-4E73-8445-38B0DE8AAAB6}"/>
+          </ac:spMkLst>
+        </pc:spChg>
+        <pc:spChg chg="add del">
+          <ac:chgData name="mikez zaatri" userId="dc7c058cd1c617f1" providerId="LiveId" clId="{FDA6E28C-406E-41EE-A1DD-C474C9987713}" dt="2021-08-07T13:39:02.410" v="115" actId="26606"/>
+          <ac:spMkLst>
+            <pc:docMk/>
+            <pc:sldMk cId="3828626221" sldId="268"/>
+            <ac:spMk id="161" creationId="{B42E5253-D3AC-4AC2-B766-8B34F13C2F5E}"/>
+          </ac:spMkLst>
+        </pc:spChg>
+        <pc:spChg chg="add del">
+          <ac:chgData name="mikez zaatri" userId="dc7c058cd1c617f1" providerId="LiveId" clId="{FDA6E28C-406E-41EE-A1DD-C474C9987713}" dt="2021-08-07T13:39:02.410" v="115" actId="26606"/>
+          <ac:spMkLst>
+            <pc:docMk/>
+            <pc:sldMk cId="3828626221" sldId="268"/>
+            <ac:spMk id="162" creationId="{10AE8D57-436A-4073-9A75-15BB5949F8B4}"/>
+          </ac:spMkLst>
+        </pc:spChg>
+        <pc:spChg chg="add del">
+          <ac:chgData name="mikez zaatri" userId="dc7c058cd1c617f1" providerId="LiveId" clId="{FDA6E28C-406E-41EE-A1DD-C474C9987713}" dt="2021-08-07T13:39:02.410" v="115" actId="26606"/>
+          <ac:spMkLst>
+            <pc:docMk/>
+            <pc:sldMk cId="3828626221" sldId="268"/>
+            <ac:spMk id="163" creationId="{E2852671-8EB6-4EAF-8AF8-65CF3FD66456}"/>
+          </ac:spMkLst>
+        </pc:spChg>
+        <pc:spChg chg="add del">
+          <ac:chgData name="mikez zaatri" userId="dc7c058cd1c617f1" providerId="LiveId" clId="{FDA6E28C-406E-41EE-A1DD-C474C9987713}" dt="2021-08-07T13:39:02.410" v="115" actId="26606"/>
+          <ac:spMkLst>
+            <pc:docMk/>
+            <pc:sldMk cId="3828626221" sldId="268"/>
+            <ac:spMk id="164" creationId="{26B4480E-B7FF-4481-890E-043A69AE6FE2}"/>
+          </ac:spMkLst>
+        </pc:spChg>
+        <pc:spChg chg="add del">
+          <ac:chgData name="mikez zaatri" userId="dc7c058cd1c617f1" providerId="LiveId" clId="{FDA6E28C-406E-41EE-A1DD-C474C9987713}" dt="2021-08-07T13:39:02.410" v="115" actId="26606"/>
+          <ac:spMkLst>
+            <pc:docMk/>
+            <pc:sldMk cId="3828626221" sldId="268"/>
+            <ac:spMk id="165" creationId="{8C2840C6-6494-4E12-A428-2012DA7DDF8A}"/>
+          </ac:spMkLst>
+        </pc:spChg>
+        <pc:spChg chg="add del">
+          <ac:chgData name="mikez zaatri" userId="dc7c058cd1c617f1" providerId="LiveId" clId="{FDA6E28C-406E-41EE-A1DD-C474C9987713}" dt="2021-08-07T13:39:04.424" v="117" actId="26606"/>
+          <ac:spMkLst>
+            <pc:docMk/>
+            <pc:sldMk cId="3828626221" sldId="268"/>
+            <ac:spMk id="167" creationId="{DD651B61-325E-4E73-8445-38B0DE8AAAB6}"/>
+          </ac:spMkLst>
+        </pc:spChg>
+        <pc:spChg chg="add del">
+          <ac:chgData name="mikez zaatri" userId="dc7c058cd1c617f1" providerId="LiveId" clId="{FDA6E28C-406E-41EE-A1DD-C474C9987713}" dt="2021-08-07T13:39:04.424" v="117" actId="26606"/>
+          <ac:spMkLst>
+            <pc:docMk/>
+            <pc:sldMk cId="3828626221" sldId="268"/>
+            <ac:spMk id="168" creationId="{B42E5253-D3AC-4AC2-B766-8B34F13C2F5E}"/>
+          </ac:spMkLst>
+        </pc:spChg>
+        <pc:spChg chg="add del">
+          <ac:chgData name="mikez zaatri" userId="dc7c058cd1c617f1" providerId="LiveId" clId="{FDA6E28C-406E-41EE-A1DD-C474C9987713}" dt="2021-08-07T13:39:04.424" v="117" actId="26606"/>
+          <ac:spMkLst>
+            <pc:docMk/>
+            <pc:sldMk cId="3828626221" sldId="268"/>
+            <ac:spMk id="169" creationId="{10AE8D57-436A-4073-9A75-15BB5949F8B4}"/>
+          </ac:spMkLst>
+        </pc:spChg>
+        <pc:spChg chg="add del">
+          <ac:chgData name="mikez zaatri" userId="dc7c058cd1c617f1" providerId="LiveId" clId="{FDA6E28C-406E-41EE-A1DD-C474C9987713}" dt="2021-08-07T13:39:04.424" v="117" actId="26606"/>
+          <ac:spMkLst>
+            <pc:docMk/>
+            <pc:sldMk cId="3828626221" sldId="268"/>
+            <ac:spMk id="170" creationId="{E2852671-8EB6-4EAF-8AF8-65CF3FD66456}"/>
+          </ac:spMkLst>
+        </pc:spChg>
+        <pc:spChg chg="add del">
+          <ac:chgData name="mikez zaatri" userId="dc7c058cd1c617f1" providerId="LiveId" clId="{FDA6E28C-406E-41EE-A1DD-C474C9987713}" dt="2021-08-07T13:39:04.424" v="117" actId="26606"/>
+          <ac:spMkLst>
+            <pc:docMk/>
+            <pc:sldMk cId="3828626221" sldId="268"/>
+            <ac:spMk id="171" creationId="{F7207B7B-5C57-458C-BE38-95D2CD7655BB}"/>
+          </ac:spMkLst>
+        </pc:spChg>
+        <pc:spChg chg="add del">
+          <ac:chgData name="mikez zaatri" userId="dc7c058cd1c617f1" providerId="LiveId" clId="{FDA6E28C-406E-41EE-A1DD-C474C9987713}" dt="2021-08-07T13:39:04.424" v="117" actId="26606"/>
+          <ac:spMkLst>
+            <pc:docMk/>
+            <pc:sldMk cId="3828626221" sldId="268"/>
+            <ac:spMk id="172" creationId="{9822E561-F97C-4CBB-A9A6-A6BF6317BC84}"/>
+          </ac:spMkLst>
+        </pc:spChg>
+        <pc:spChg chg="add del">
+          <ac:chgData name="mikez zaatri" userId="dc7c058cd1c617f1" providerId="LiveId" clId="{FDA6E28C-406E-41EE-A1DD-C474C9987713}" dt="2021-08-07T13:39:04.424" v="117" actId="26606"/>
+          <ac:spMkLst>
+            <pc:docMk/>
+            <pc:sldMk cId="3828626221" sldId="268"/>
+            <ac:spMk id="173" creationId="{B01B0E58-A5C8-4CDA-A2E0-35DF94E59857}"/>
+          </ac:spMkLst>
+        </pc:spChg>
+        <pc:spChg chg="add del">
+          <ac:chgData name="mikez zaatri" userId="dc7c058cd1c617f1" providerId="LiveId" clId="{FDA6E28C-406E-41EE-A1DD-C474C9987713}" dt="2021-08-07T13:39:08.168" v="120" actId="26606"/>
+          <ac:spMkLst>
+            <pc:docMk/>
+            <pc:sldMk cId="3828626221" sldId="268"/>
+            <ac:spMk id="175" creationId="{E6C8E6EB-4C59-429B-97E4-72A058CFC4FB}"/>
+          </ac:spMkLst>
+        </pc:spChg>
+        <pc:spChg chg="add del">
+          <ac:chgData name="mikez zaatri" userId="dc7c058cd1c617f1" providerId="LiveId" clId="{FDA6E28C-406E-41EE-A1DD-C474C9987713}" dt="2021-08-07T13:39:08.168" v="120" actId="26606"/>
+          <ac:spMkLst>
+            <pc:docMk/>
+            <pc:sldMk cId="3828626221" sldId="268"/>
+            <ac:spMk id="176" creationId="{B5B90362-AFCC-46A9-B41C-A257A8C5B314}"/>
+          </ac:spMkLst>
+        </pc:spChg>
+        <pc:spChg chg="add del">
+          <ac:chgData name="mikez zaatri" userId="dc7c058cd1c617f1" providerId="LiveId" clId="{FDA6E28C-406E-41EE-A1DD-C474C9987713}" dt="2021-08-07T13:39:08.168" v="120" actId="26606"/>
+          <ac:spMkLst>
+            <pc:docMk/>
+            <pc:sldMk cId="3828626221" sldId="268"/>
+            <ac:spMk id="177" creationId="{F71EF7F1-38BA-471D-8CD4-2A9AE8E35527}"/>
+          </ac:spMkLst>
+        </pc:spChg>
+        <pc:spChg chg="add del">
+          <ac:chgData name="mikez zaatri" userId="dc7c058cd1c617f1" providerId="LiveId" clId="{FDA6E28C-406E-41EE-A1DD-C474C9987713}" dt="2021-08-07T13:39:08.168" v="120" actId="26606"/>
+          <ac:spMkLst>
+            <pc:docMk/>
+            <pc:sldMk cId="3828626221" sldId="268"/>
+            <ac:spMk id="178" creationId="{C0524398-BFB4-4C4A-8317-83B8729F9B26}"/>
+          </ac:spMkLst>
+        </pc:spChg>
+        <pc:spChg chg="add del">
+          <ac:chgData name="mikez zaatri" userId="dc7c058cd1c617f1" providerId="LiveId" clId="{FDA6E28C-406E-41EE-A1DD-C474C9987713}" dt="2021-08-07T13:39:08.168" v="120" actId="26606"/>
+          <ac:spMkLst>
+            <pc:docMk/>
+            <pc:sldMk cId="3828626221" sldId="268"/>
+            <ac:spMk id="179" creationId="{E08D4B6A-8113-4DFB-B82E-B60CAC8E0A50}"/>
+          </ac:spMkLst>
+        </pc:spChg>
+        <pc:spChg chg="add del">
+          <ac:chgData name="mikez zaatri" userId="dc7c058cd1c617f1" providerId="LiveId" clId="{FDA6E28C-406E-41EE-A1DD-C474C9987713}" dt="2021-08-07T13:39:08.168" v="120" actId="26606"/>
+          <ac:spMkLst>
+            <pc:docMk/>
+            <pc:sldMk cId="3828626221" sldId="268"/>
+            <ac:spMk id="180" creationId="{9822E561-F97C-4CBB-A9A6-A6BF6317BC84}"/>
+          </ac:spMkLst>
+        </pc:spChg>
+        <pc:spChg chg="add del">
+          <ac:chgData name="mikez zaatri" userId="dc7c058cd1c617f1" providerId="LiveId" clId="{FDA6E28C-406E-41EE-A1DD-C474C9987713}" dt="2021-08-07T13:39:08.168" v="120" actId="26606"/>
+          <ac:spMkLst>
+            <pc:docMk/>
+            <pc:sldMk cId="3828626221" sldId="268"/>
+            <ac:spMk id="181" creationId="{B01B0E58-A5C8-4CDA-A2E0-35DF94E59857}"/>
+          </ac:spMkLst>
+        </pc:spChg>
+        <pc:spChg chg="add">
+          <ac:chgData name="mikez zaatri" userId="dc7c058cd1c617f1" providerId="LiveId" clId="{FDA6E28C-406E-41EE-A1DD-C474C9987713}" dt="2021-08-07T13:39:08.180" v="121" actId="26606"/>
+          <ac:spMkLst>
+            <pc:docMk/>
+            <pc:sldMk cId="3828626221" sldId="268"/>
+            <ac:spMk id="183" creationId="{DD651B61-325E-4E73-8445-38B0DE8AAAB6}"/>
+          </ac:spMkLst>
+        </pc:spChg>
+        <pc:spChg chg="add">
+          <ac:chgData name="mikez zaatri" userId="dc7c058cd1c617f1" providerId="LiveId" clId="{FDA6E28C-406E-41EE-A1DD-C474C9987713}" dt="2021-08-07T13:39:08.180" v="121" actId="26606"/>
+          <ac:spMkLst>
+            <pc:docMk/>
+            <pc:sldMk cId="3828626221" sldId="268"/>
+            <ac:spMk id="184" creationId="{B42E5253-D3AC-4AC2-B766-8B34F13C2F5E}"/>
+          </ac:spMkLst>
+        </pc:spChg>
+        <pc:spChg chg="add">
+          <ac:chgData name="mikez zaatri" userId="dc7c058cd1c617f1" providerId="LiveId" clId="{FDA6E28C-406E-41EE-A1DD-C474C9987713}" dt="2021-08-07T13:39:08.180" v="121" actId="26606"/>
+          <ac:spMkLst>
+            <pc:docMk/>
+            <pc:sldMk cId="3828626221" sldId="268"/>
+            <ac:spMk id="185" creationId="{10AE8D57-436A-4073-9A75-15BB5949F8B4}"/>
+          </ac:spMkLst>
+        </pc:spChg>
+        <pc:spChg chg="add">
+          <ac:chgData name="mikez zaatri" userId="dc7c058cd1c617f1" providerId="LiveId" clId="{FDA6E28C-406E-41EE-A1DD-C474C9987713}" dt="2021-08-07T13:39:08.180" v="121" actId="26606"/>
+          <ac:spMkLst>
+            <pc:docMk/>
+            <pc:sldMk cId="3828626221" sldId="268"/>
+            <ac:spMk id="186" creationId="{E2852671-8EB6-4EAF-8AF8-65CF3FD66456}"/>
+          </ac:spMkLst>
+        </pc:spChg>
+        <pc:spChg chg="add">
+          <ac:chgData name="mikez zaatri" userId="dc7c058cd1c617f1" providerId="LiveId" clId="{FDA6E28C-406E-41EE-A1DD-C474C9987713}" dt="2021-08-07T13:39:08.180" v="121" actId="26606"/>
+          <ac:spMkLst>
+            <pc:docMk/>
+            <pc:sldMk cId="3828626221" sldId="268"/>
+            <ac:spMk id="187" creationId="{26B4480E-B7FF-4481-890E-043A69AE6FE2}"/>
+          </ac:spMkLst>
+        </pc:spChg>
+        <pc:grpChg chg="add del">
+          <ac:chgData name="mikez zaatri" userId="dc7c058cd1c617f1" providerId="LiveId" clId="{FDA6E28C-406E-41EE-A1DD-C474C9987713}" dt="2021-08-07T13:39:01.654" v="113" actId="26606"/>
+          <ac:grpSpMkLst>
+            <pc:docMk/>
+            <pc:sldMk cId="3828626221" sldId="268"/>
+            <ac:grpSpMk id="109" creationId="{79394E1F-0B5F-497D-B2A6-8383A2A54834}"/>
+          </ac:grpSpMkLst>
+        </pc:grpChg>
+        <pc:grpChg chg="add">
+          <ac:chgData name="mikez zaatri" userId="dc7c058cd1c617f1" providerId="LiveId" clId="{FDA6E28C-406E-41EE-A1DD-C474C9987713}" dt="2021-08-07T13:39:08.180" v="121" actId="26606"/>
+          <ac:grpSpMkLst>
+            <pc:docMk/>
+            <pc:sldMk cId="3828626221" sldId="268"/>
+            <ac:grpSpMk id="188" creationId="{79394E1F-0B5F-497D-B2A6-8383A2A54834}"/>
+          </ac:grpSpMkLst>
+        </pc:grpChg>
+        <pc:picChg chg="add mod">
+          <ac:chgData name="mikez zaatri" userId="dc7c058cd1c617f1" providerId="LiveId" clId="{FDA6E28C-406E-41EE-A1DD-C474C9987713}" dt="2021-08-07T13:40:14.128" v="134" actId="14100"/>
+          <ac:picMkLst>
+            <pc:docMk/>
+            <pc:sldMk cId="3828626221" sldId="268"/>
+            <ac:picMk id="3" creationId="{AD8AA16E-F466-497A-8EF3-A2A20A46F7E2}"/>
+          </ac:picMkLst>
+        </pc:picChg>
+        <pc:picChg chg="del">
+          <ac:chgData name="mikez zaatri" userId="dc7c058cd1c617f1" providerId="LiveId" clId="{FDA6E28C-406E-41EE-A1DD-C474C9987713}" dt="2021-08-07T13:35:54.705" v="107" actId="478"/>
+          <ac:picMkLst>
+            <pc:docMk/>
+            <pc:sldMk cId="3828626221" sldId="268"/>
+            <ac:picMk id="5" creationId="{A927BE9B-8008-4904-97B8-4BEBB47CDA94}"/>
           </ac:picMkLst>
         </pc:picChg>
       </pc:sldChg>
@@ -2041,7 +2042,7 @@
           <a:p>
             <a:fld id="{C53F64A6-729C-462D-B75E-C4CFD7D8CEA1}" type="datetimeFigureOut">
               <a:rPr lang="en-US" smtClean="0"/>
-              <a:t>8/8/2021</a:t>
+              <a:t>8/15/2021</a:t>
             </a:fld>
             <a:endParaRPr lang="en-US"/>
           </a:p>
@@ -2441,7 +2442,7 @@
         </p:nvSpPr>
         <p:spPr>
           <a:xfrm>
-            <a:off x="381300" y="685800"/>
+            <a:off x="381000" y="685800"/>
             <a:ext cx="6096000" cy="3429000"/>
           </a:xfrm>
           <a:custGeom>
@@ -2521,7 +2522,7 @@
   <p:cSld>
     <p:spTree>
       <p:nvGrpSpPr>
-        <p:cNvPr id="1" name="Shape 178"/>
+        <p:cNvPr id="1" name="Shape 172"/>
         <p:cNvGrpSpPr/>
         <p:nvPr/>
       </p:nvGrpSpPr>
@@ -2535,7 +2536,7 @@
       </p:grpSpPr>
       <p:sp>
         <p:nvSpPr>
-          <p:cNvPr id="179" name="Google Shape;179;gb84fc85c23_0_1552:notes"/>
+          <p:cNvPr id="173" name="Google Shape;173;gb84fc85c23_0_1547:notes"/>
           <p:cNvSpPr>
             <a:spLocks noGrp="1" noRot="1" noChangeAspect="1"/>
           </p:cNvSpPr>
@@ -2576,7 +2577,7 @@
       </p:sp>
       <p:sp>
         <p:nvSpPr>
-          <p:cNvPr id="180" name="Google Shape;180;gb84fc85c23_0_1552:notes"/>
+          <p:cNvPr id="174" name="Google Shape;174;gb84fc85c23_0_1547:notes"/>
           <p:cNvSpPr txBox="1">
             <a:spLocks noGrp="1"/>
           </p:cNvSpPr>
@@ -2613,9 +2614,222 @@
         </p:txBody>
       </p:sp>
     </p:spTree>
+  </p:cSld>
+  <p:clrMapOvr>
+    <a:masterClrMapping/>
+  </p:clrMapOvr>
+</p:notes>
+</file>
+
+<file path=ppt/notesSlides/notesSlide12.xml><?xml version="1.0" encoding="utf-8"?>
+<p:notes xmlns:a="http://schemas.openxmlformats.org/drawingml/2006/main" xmlns:r="http://schemas.openxmlformats.org/officeDocument/2006/relationships" xmlns:p="http://schemas.openxmlformats.org/presentationml/2006/main" showMasterSp="0" showMasterPhAnim="0">
+  <p:cSld>
+    <p:spTree>
+      <p:nvGrpSpPr>
+        <p:cNvPr id="1" name="Shape 178"/>
+        <p:cNvGrpSpPr/>
+        <p:nvPr/>
+      </p:nvGrpSpPr>
+      <p:grpSpPr>
+        <a:xfrm>
+          <a:off x="0" y="0"/>
+          <a:ext cx="0" cy="0"/>
+          <a:chOff x="0" y="0"/>
+          <a:chExt cx="0" cy="0"/>
+        </a:xfrm>
+      </p:grpSpPr>
+      <p:sp>
+        <p:nvSpPr>
+          <p:cNvPr id="179" name="Google Shape;179;gb84fc85c23_0_1552:notes"/>
+          <p:cNvSpPr>
+            <a:spLocks noGrp="1" noRot="1" noChangeAspect="1"/>
+          </p:cNvSpPr>
+          <p:nvPr>
+            <p:ph type="sldImg" idx="2"/>
+          </p:nvPr>
+        </p:nvSpPr>
+        <p:spPr>
+          <a:xfrm>
+            <a:off x="381000" y="685800"/>
+            <a:ext cx="6096000" cy="3429000"/>
+          </a:xfrm>
+          <a:custGeom>
+            <a:avLst/>
+            <a:gdLst/>
+            <a:ahLst/>
+            <a:cxnLst/>
+            <a:rect l="l" t="t" r="r" b="b"/>
+            <a:pathLst>
+              <a:path w="120000" h="120000" extrusionOk="0">
+                <a:moveTo>
+                  <a:pt x="0" y="0"/>
+                </a:moveTo>
+                <a:lnTo>
+                  <a:pt x="120000" y="0"/>
+                </a:lnTo>
+                <a:lnTo>
+                  <a:pt x="120000" y="120000"/>
+                </a:lnTo>
+                <a:lnTo>
+                  <a:pt x="0" y="120000"/>
+                </a:lnTo>
+                <a:close/>
+              </a:path>
+            </a:pathLst>
+          </a:custGeom>
+        </p:spPr>
+      </p:sp>
+      <p:sp>
+        <p:nvSpPr>
+          <p:cNvPr id="180" name="Google Shape;180;gb84fc85c23_0_1552:notes"/>
+          <p:cNvSpPr txBox="1">
+            <a:spLocks noGrp="1"/>
+          </p:cNvSpPr>
+          <p:nvPr>
+            <p:ph type="body" idx="1"/>
+          </p:nvPr>
+        </p:nvSpPr>
+        <p:spPr>
+          <a:xfrm>
+            <a:off x="685800" y="4343400"/>
+            <a:ext cx="5486400" cy="4114800"/>
+          </a:xfrm>
+          <a:prstGeom prst="rect">
+            <a:avLst/>
+          </a:prstGeom>
+        </p:spPr>
+        <p:txBody>
+          <a:bodyPr spcFirstLastPara="1" wrap="square" lIns="91425" tIns="91425" rIns="91425" bIns="91425" anchor="t" anchorCtr="0">
+            <a:noAutofit/>
+          </a:bodyPr>
+          <a:lstStyle/>
+          <a:p>
+            <a:pPr marL="0" lvl="0" indent="0" algn="l" rtl="0">
+              <a:spcBef>
+                <a:spcPts val="0"/>
+              </a:spcBef>
+              <a:spcAft>
+                <a:spcPts val="0"/>
+              </a:spcAft>
+              <a:buNone/>
+            </a:pPr>
+            <a:endParaRPr/>
+          </a:p>
+        </p:txBody>
+      </p:sp>
+    </p:spTree>
     <p:extLst>
       <p:ext uri="{BB962C8B-B14F-4D97-AF65-F5344CB8AC3E}">
         <p14:creationId xmlns:p14="http://schemas.microsoft.com/office/powerpoint/2010/main" val="3707278395"/>
+      </p:ext>
+    </p:extLst>
+  </p:cSld>
+  <p:clrMapOvr>
+    <a:masterClrMapping/>
+  </p:clrMapOvr>
+</p:notes>
+</file>
+
+<file path=ppt/notesSlides/notesSlide13.xml><?xml version="1.0" encoding="utf-8"?>
+<p:notes xmlns:a="http://schemas.openxmlformats.org/drawingml/2006/main" xmlns:r="http://schemas.openxmlformats.org/officeDocument/2006/relationships" xmlns:p="http://schemas.openxmlformats.org/presentationml/2006/main" showMasterSp="0" showMasterPhAnim="0">
+  <p:cSld>
+    <p:spTree>
+      <p:nvGrpSpPr>
+        <p:cNvPr id="1" name="Shape 154"/>
+        <p:cNvGrpSpPr/>
+        <p:nvPr/>
+      </p:nvGrpSpPr>
+      <p:grpSpPr>
+        <a:xfrm>
+          <a:off x="0" y="0"/>
+          <a:ext cx="0" cy="0"/>
+          <a:chOff x="0" y="0"/>
+          <a:chExt cx="0" cy="0"/>
+        </a:xfrm>
+      </p:grpSpPr>
+      <p:sp>
+        <p:nvSpPr>
+          <p:cNvPr id="155" name="Google Shape;155;gb84fc85c23_0_1532:notes"/>
+          <p:cNvSpPr>
+            <a:spLocks noGrp="1" noRot="1" noChangeAspect="1"/>
+          </p:cNvSpPr>
+          <p:nvPr>
+            <p:ph type="sldImg" idx="2"/>
+          </p:nvPr>
+        </p:nvSpPr>
+        <p:spPr>
+          <a:xfrm>
+            <a:off x="381000" y="685800"/>
+            <a:ext cx="6096000" cy="3429000"/>
+          </a:xfrm>
+          <a:custGeom>
+            <a:avLst/>
+            <a:gdLst/>
+            <a:ahLst/>
+            <a:cxnLst/>
+            <a:rect l="l" t="t" r="r" b="b"/>
+            <a:pathLst>
+              <a:path w="120000" h="120000" extrusionOk="0">
+                <a:moveTo>
+                  <a:pt x="0" y="0"/>
+                </a:moveTo>
+                <a:lnTo>
+                  <a:pt x="120000" y="0"/>
+                </a:lnTo>
+                <a:lnTo>
+                  <a:pt x="120000" y="120000"/>
+                </a:lnTo>
+                <a:lnTo>
+                  <a:pt x="0" y="120000"/>
+                </a:lnTo>
+                <a:close/>
+              </a:path>
+            </a:pathLst>
+          </a:custGeom>
+        </p:spPr>
+      </p:sp>
+      <p:sp>
+        <p:nvSpPr>
+          <p:cNvPr id="156" name="Google Shape;156;gb84fc85c23_0_1532:notes"/>
+          <p:cNvSpPr txBox="1">
+            <a:spLocks noGrp="1"/>
+          </p:cNvSpPr>
+          <p:nvPr>
+            <p:ph type="body" idx="1"/>
+          </p:nvPr>
+        </p:nvSpPr>
+        <p:spPr>
+          <a:xfrm>
+            <a:off x="685800" y="4343400"/>
+            <a:ext cx="5486400" cy="4114800"/>
+          </a:xfrm>
+          <a:prstGeom prst="rect">
+            <a:avLst/>
+          </a:prstGeom>
+        </p:spPr>
+        <p:txBody>
+          <a:bodyPr spcFirstLastPara="1" wrap="square" lIns="91425" tIns="91425" rIns="91425" bIns="91425" anchor="t" anchorCtr="0">
+            <a:noAutofit/>
+          </a:bodyPr>
+          <a:lstStyle/>
+          <a:p>
+            <a:pPr marL="0" lvl="0" indent="0" algn="l" rtl="0">
+              <a:spcBef>
+                <a:spcPts val="0"/>
+              </a:spcBef>
+              <a:spcAft>
+                <a:spcPts val="0"/>
+              </a:spcAft>
+              <a:buNone/>
+            </a:pPr>
+            <a:endParaRPr/>
+          </a:p>
+        </p:txBody>
+      </p:sp>
+    </p:spTree>
+    <p:extLst>
+      <p:ext uri="{BB962C8B-B14F-4D97-AF65-F5344CB8AC3E}">
+        <p14:creationId xmlns:p14="http://schemas.microsoft.com/office/powerpoint/2010/main" val="3478723507"/>
       </p:ext>
     </p:extLst>
   </p:cSld>
@@ -3036,7 +3250,7 @@
     </p:spTree>
     <p:extLst>
       <p:ext uri="{BB962C8B-B14F-4D97-AF65-F5344CB8AC3E}">
-        <p14:creationId xmlns:p14="http://schemas.microsoft.com/office/powerpoint/2010/main" val="3478723507"/>
+        <p14:creationId xmlns:p14="http://schemas.microsoft.com/office/powerpoint/2010/main" val="3169095312"/>
       </p:ext>
     </p:extLst>
   </p:cSld>
@@ -3145,7 +3359,7 @@
     </p:spTree>
     <p:extLst>
       <p:ext uri="{BB962C8B-B14F-4D97-AF65-F5344CB8AC3E}">
-        <p14:creationId xmlns:p14="http://schemas.microsoft.com/office/powerpoint/2010/main" val="3169095312"/>
+        <p14:creationId xmlns:p14="http://schemas.microsoft.com/office/powerpoint/2010/main" val="3293620000"/>
       </p:ext>
     </p:extLst>
   </p:cSld>
@@ -3160,7 +3374,7 @@
   <p:cSld>
     <p:spTree>
       <p:nvGrpSpPr>
-        <p:cNvPr id="1" name="Shape 160"/>
+        <p:cNvPr id="1" name="Shape 154"/>
         <p:cNvGrpSpPr/>
         <p:nvPr/>
       </p:nvGrpSpPr>
@@ -3174,7 +3388,7 @@
       </p:grpSpPr>
       <p:sp>
         <p:nvSpPr>
-          <p:cNvPr id="161" name="Google Shape;161;gb84fc85c23_0_1537:notes"/>
+          <p:cNvPr id="155" name="Google Shape;155;gb84fc85c23_0_1532:notes"/>
           <p:cNvSpPr>
             <a:spLocks noGrp="1" noRot="1" noChangeAspect="1"/>
           </p:cNvSpPr>
@@ -3184,7 +3398,7 @@
         </p:nvSpPr>
         <p:spPr>
           <a:xfrm>
-            <a:off x="381300" y="685800"/>
+            <a:off x="381000" y="685800"/>
             <a:ext cx="6096000" cy="3429000"/>
           </a:xfrm>
           <a:custGeom>
@@ -3215,7 +3429,7 @@
       </p:sp>
       <p:sp>
         <p:nvSpPr>
-          <p:cNvPr id="162" name="Google Shape;162;gb84fc85c23_0_1537:notes"/>
+          <p:cNvPr id="156" name="Google Shape;156;gb84fc85c23_0_1532:notes"/>
           <p:cNvSpPr txBox="1">
             <a:spLocks noGrp="1"/>
           </p:cNvSpPr>
@@ -3252,6 +3466,11 @@
         </p:txBody>
       </p:sp>
     </p:spTree>
+    <p:extLst>
+      <p:ext uri="{BB962C8B-B14F-4D97-AF65-F5344CB8AC3E}">
+        <p14:creationId xmlns:p14="http://schemas.microsoft.com/office/powerpoint/2010/main" val="3536140491"/>
+      </p:ext>
+    </p:extLst>
   </p:cSld>
   <p:clrMapOvr>
     <a:masterClrMapping/>
@@ -3264,7 +3483,7 @@
   <p:cSld>
     <p:spTree>
       <p:nvGrpSpPr>
-        <p:cNvPr id="1" name="Shape 166"/>
+        <p:cNvPr id="1" name="Shape 154"/>
         <p:cNvGrpSpPr/>
         <p:nvPr/>
       </p:nvGrpSpPr>
@@ -3278,7 +3497,7 @@
       </p:grpSpPr>
       <p:sp>
         <p:nvSpPr>
-          <p:cNvPr id="167" name="Google Shape;167;gb84fc85c23_0_1542:notes"/>
+          <p:cNvPr id="155" name="Google Shape;155;gb84fc85c23_0_1532:notes"/>
           <p:cNvSpPr>
             <a:spLocks noGrp="1" noRot="1" noChangeAspect="1"/>
           </p:cNvSpPr>
@@ -3288,7 +3507,7 @@
         </p:nvSpPr>
         <p:spPr>
           <a:xfrm>
-            <a:off x="381300" y="685800"/>
+            <a:off x="381000" y="685800"/>
             <a:ext cx="6096000" cy="3429000"/>
           </a:xfrm>
           <a:custGeom>
@@ -3319,7 +3538,7 @@
       </p:sp>
       <p:sp>
         <p:nvSpPr>
-          <p:cNvPr id="168" name="Google Shape;168;gb84fc85c23_0_1542:notes"/>
+          <p:cNvPr id="156" name="Google Shape;156;gb84fc85c23_0_1532:notes"/>
           <p:cNvSpPr txBox="1">
             <a:spLocks noGrp="1"/>
           </p:cNvSpPr>
@@ -3356,6 +3575,11 @@
         </p:txBody>
       </p:sp>
     </p:spTree>
+    <p:extLst>
+      <p:ext uri="{BB962C8B-B14F-4D97-AF65-F5344CB8AC3E}">
+        <p14:creationId xmlns:p14="http://schemas.microsoft.com/office/powerpoint/2010/main" val="2616825144"/>
+      </p:ext>
+    </p:extLst>
   </p:cSld>
   <p:clrMapOvr>
     <a:masterClrMapping/>
@@ -3368,7 +3592,7 @@
   <p:cSld>
     <p:spTree>
       <p:nvGrpSpPr>
-        <p:cNvPr id="1" name="Shape 172"/>
+        <p:cNvPr id="1" name="Shape 166"/>
         <p:cNvGrpSpPr/>
         <p:nvPr/>
       </p:nvGrpSpPr>
@@ -3382,7 +3606,7 @@
       </p:grpSpPr>
       <p:sp>
         <p:nvSpPr>
-          <p:cNvPr id="173" name="Google Shape;173;gb84fc85c23_0_1547:notes"/>
+          <p:cNvPr id="167" name="Google Shape;167;gb84fc85c23_0_1542:notes"/>
           <p:cNvSpPr>
             <a:spLocks noGrp="1" noRot="1" noChangeAspect="1"/>
           </p:cNvSpPr>
@@ -3392,7 +3616,7 @@
         </p:nvSpPr>
         <p:spPr>
           <a:xfrm>
-            <a:off x="381300" y="685800"/>
+            <a:off x="381000" y="685800"/>
             <a:ext cx="6096000" cy="3429000"/>
           </a:xfrm>
           <a:custGeom>
@@ -3423,7 +3647,7 @@
       </p:sp>
       <p:sp>
         <p:nvSpPr>
-          <p:cNvPr id="174" name="Google Shape;174;gb84fc85c23_0_1547:notes"/>
+          <p:cNvPr id="168" name="Google Shape;168;gb84fc85c23_0_1542:notes"/>
           <p:cNvSpPr txBox="1">
             <a:spLocks noGrp="1"/>
           </p:cNvSpPr>
@@ -3705,7 +3929,7 @@
           <a:p>
             <a:fld id="{ED291B17-9318-49DB-B28B-6E5994AE9581}" type="datetime1">
               <a:rPr lang="en-US" smtClean="0"/>
-              <a:t>8/8/2021</a:t>
+              <a:t>8/15/2021</a:t>
             </a:fld>
             <a:endParaRPr lang="en-US" dirty="0"/>
           </a:p>
@@ -3908,7 +4132,7 @@
           <a:p>
             <a:fld id="{2CED4963-E985-44C4-B8C4-FDD613B7C2F8}" type="datetime1">
               <a:rPr lang="en-US" smtClean="0"/>
-              <a:t>8/8/2021</a:t>
+              <a:t>8/15/2021</a:t>
             </a:fld>
             <a:endParaRPr lang="en-US" dirty="0"/>
           </a:p>
@@ -4270,7 +4494,7 @@
           <a:p>
             <a:fld id="{ED291B17-9318-49DB-B28B-6E5994AE9581}" type="datetime1">
               <a:rPr lang="en-US" smtClean="0"/>
-              <a:t>8/8/2021</a:t>
+              <a:t>8/15/2021</a:t>
             </a:fld>
             <a:endParaRPr lang="en-US" dirty="0"/>
           </a:p>
@@ -4926,7 +5150,7 @@
           <a:p>
             <a:fld id="{78DD82B9-B8EE-4375-B6FF-88FA6ABB15D9}" type="datetime1">
               <a:rPr lang="en-US" smtClean="0"/>
-              <a:t>8/8/2021</a:t>
+              <a:t>8/15/2021</a:t>
             </a:fld>
             <a:endParaRPr lang="en-US" dirty="0"/>
           </a:p>
@@ -5238,7 +5462,7 @@
           <a:p>
             <a:fld id="{B2497495-0637-405E-AE64-5CC7506D51F5}" type="datetime1">
               <a:rPr lang="en-US" smtClean="0"/>
-              <a:t>8/8/2021</a:t>
+              <a:t>8/15/2021</a:t>
             </a:fld>
             <a:endParaRPr lang="en-US" dirty="0"/>
           </a:p>
@@ -5491,7 +5715,7 @@
           <a:p>
             <a:fld id="{7BFFD690-9426-415D-8B65-26881E07B2D4}" type="datetime1">
               <a:rPr lang="en-US" smtClean="0"/>
-              <a:t>8/8/2021</a:t>
+              <a:t>8/15/2021</a:t>
             </a:fld>
             <a:endParaRPr lang="en-US" dirty="0"/>
           </a:p>
@@ -5913,7 +6137,7 @@
           <a:p>
             <a:fld id="{04C4989A-474C-40DE-95B9-011C28B71673}" type="datetime1">
               <a:rPr lang="en-US" smtClean="0"/>
-              <a:t>8/8/2021</a:t>
+              <a:t>8/15/2021</a:t>
             </a:fld>
             <a:endParaRPr lang="en-US" dirty="0"/>
           </a:p>
@@ -6036,7 +6260,7 @@
           <a:p>
             <a:fld id="{5DB4ED54-5B5E-4A04-93D3-5772E3CE3818}" type="datetime1">
               <a:rPr lang="en-US" smtClean="0"/>
-              <a:t>8/8/2021</a:t>
+              <a:t>8/15/2021</a:t>
             </a:fld>
             <a:endParaRPr lang="en-US" dirty="0"/>
           </a:p>
@@ -6131,7 +6355,7 @@
           <a:p>
             <a:fld id="{4EDE50D6-574B-40AF-946F-D52A04ADE379}" type="datetime1">
               <a:rPr lang="en-US" smtClean="0"/>
-              <a:t>8/8/2021</a:t>
+              <a:t>8/15/2021</a:t>
             </a:fld>
             <a:endParaRPr lang="en-US" dirty="0"/>
           </a:p>
@@ -6508,7 +6732,7 @@
           <a:p>
             <a:fld id="{D82884F1-FFEA-405F-9602-3DCA865EDA4E}" type="datetime1">
               <a:rPr lang="en-US" smtClean="0"/>
-              <a:t>8/8/2021</a:t>
+              <a:t>8/15/2021</a:t>
             </a:fld>
             <a:endParaRPr lang="en-US" dirty="0"/>
           </a:p>
@@ -6801,7 +7025,7 @@
           <a:p>
             <a:fld id="{7E18DB4A-8810-4A10-AD5C-D5E2C667F5B3}" type="datetime1">
               <a:rPr lang="en-US" smtClean="0"/>
-              <a:t>8/8/2021</a:t>
+              <a:t>8/15/2021</a:t>
             </a:fld>
             <a:endParaRPr lang="en-US" dirty="0"/>
           </a:p>
@@ -7016,7 +7240,7 @@
           <a:p>
             <a:fld id="{ED291B17-9318-49DB-B28B-6E5994AE9581}" type="datetime1">
               <a:rPr lang="en-US" smtClean="0"/>
-              <a:t>8/8/2021</a:t>
+              <a:t>8/15/2021</a:t>
             </a:fld>
             <a:endParaRPr lang="en-US" dirty="0"/>
           </a:p>
@@ -7827,17 +8051,9 @@
 <file path=ppt/slides/slide10.xml><?xml version="1.0" encoding="utf-8"?>
 <p:sld xmlns:a="http://schemas.openxmlformats.org/drawingml/2006/main" xmlns:r="http://schemas.openxmlformats.org/officeDocument/2006/relationships" xmlns:p="http://schemas.openxmlformats.org/presentationml/2006/main">
   <p:cSld>
-    <p:bg>
-      <p:bgPr>
-        <a:solidFill>
-          <a:schemeClr val="bg1"/>
-        </a:solidFill>
-        <a:effectLst/>
-      </p:bgPr>
-    </p:bg>
     <p:spTree>
       <p:nvGrpSpPr>
-        <p:cNvPr id="1" name=""/>
+        <p:cNvPr id="1" name="Shape 169"/>
         <p:cNvGrpSpPr/>
         <p:nvPr/>
       </p:nvGrpSpPr>
@@ -7851,575 +8067,615 @@
       </p:grpSpPr>
       <p:sp>
         <p:nvSpPr>
-          <p:cNvPr id="10" name="Rectangle 9">
+          <p:cNvPr id="170" name="Google Shape;170;p19"/>
+          <p:cNvSpPr txBox="1">
+            <a:spLocks noGrp="1"/>
+          </p:cNvSpPr>
+          <p:nvPr>
+            <p:ph type="title"/>
+          </p:nvPr>
+        </p:nvSpPr>
+        <p:spPr>
+          <a:xfrm>
+            <a:off x="1730000" y="525000"/>
+            <a:ext cx="9385200" cy="1218800"/>
+          </a:xfrm>
+          <a:prstGeom prst="rect">
+            <a:avLst/>
+          </a:prstGeom>
+        </p:spPr>
+        <p:txBody>
+          <a:bodyPr spcFirstLastPara="1" vert="horz" wrap="square" lIns="121900" tIns="121900" rIns="121900" bIns="121900" rtlCol="0" anchor="t" anchorCtr="0">
+            <a:normAutofit/>
+          </a:bodyPr>
+          <a:lstStyle/>
+          <a:p>
+            <a:pPr>
+              <a:buSzPts val="990"/>
+            </a:pPr>
+            <a:r>
+              <a:rPr lang="en" sz="2800">
+                <a:latin typeface="Lato"/>
+                <a:ea typeface="Lato"/>
+                <a:cs typeface="Lato"/>
+                <a:sym typeface="Lato"/>
+              </a:rPr>
+              <a:t>Final Project outcome , Dashboard and visualization</a:t>
+            </a:r>
+            <a:endParaRPr sz="2800">
+              <a:latin typeface="Lato"/>
+              <a:ea typeface="Lato"/>
+              <a:cs typeface="Lato"/>
+              <a:sym typeface="Lato"/>
+            </a:endParaRPr>
+          </a:p>
+        </p:txBody>
+      </p:sp>
+      <p:sp>
+        <p:nvSpPr>
+          <p:cNvPr id="171" name="Google Shape;171;p19"/>
+          <p:cNvSpPr txBox="1">
+            <a:spLocks noGrp="1"/>
+          </p:cNvSpPr>
+          <p:nvPr>
+            <p:ph type="body" idx="1"/>
+          </p:nvPr>
+        </p:nvSpPr>
+        <p:spPr>
+          <a:xfrm>
+            <a:off x="1730000" y="2090067"/>
+            <a:ext cx="9385200" cy="3881600"/>
+          </a:xfrm>
+          <a:prstGeom prst="rect">
+            <a:avLst/>
+          </a:prstGeom>
+        </p:spPr>
+        <p:txBody>
+          <a:bodyPr spcFirstLastPara="1" vert="horz" wrap="square" lIns="121900" tIns="121900" rIns="121900" bIns="121900" rtlCol="0" anchor="t" anchorCtr="0">
+            <a:normAutofit/>
+          </a:bodyPr>
+          <a:lstStyle/>
+          <a:p>
+            <a:r>
+              <a:rPr lang="en" dirty="0"/>
+              <a:t>Using  Tableau to visualize the following analysis outcome:</a:t>
+            </a:r>
+            <a:endParaRPr dirty="0"/>
+          </a:p>
+          <a:p>
+            <a:pPr lvl="1"/>
+            <a:r>
+              <a:rPr lang="en" dirty="0"/>
+              <a:t>Present at the county level in Ca  the  Avg. Sale Price vs. Predicted Ang. Price, Min Max Price Per SQF </a:t>
+            </a:r>
+            <a:endParaRPr dirty="0"/>
+          </a:p>
+          <a:p>
+            <a:pPr lvl="1"/>
+            <a:r>
+              <a:rPr lang="en" dirty="0"/>
+              <a:t>Top 5 Areas with the Highest prices. </a:t>
+            </a:r>
+            <a:endParaRPr dirty="0"/>
+          </a:p>
+          <a:p>
+            <a:pPr lvl="1"/>
+            <a:r>
+              <a:rPr lang="en" dirty="0"/>
+              <a:t>Bottom 5 areas with the lowest prices. l </a:t>
+            </a:r>
+            <a:endParaRPr dirty="0"/>
+          </a:p>
+        </p:txBody>
+      </p:sp>
+      <p:sp>
+        <p:nvSpPr>
+          <p:cNvPr id="4" name="TextBox 3">
             <a:extLst>
               <a:ext uri="{FF2B5EF4-FFF2-40B4-BE49-F238E27FC236}">
-                <a16:creationId xmlns:a16="http://schemas.microsoft.com/office/drawing/2014/main" id="{DD651B61-325E-4E73-8445-38B0DE8AAAB6}"/>
-              </a:ext>
-              <a:ext uri="{C183D7F6-B498-43B3-948B-1728B52AA6E4}">
-                <adec:decorative xmlns:adec="http://schemas.microsoft.com/office/drawing/2017/decorative" val="1"/>
+                <a16:creationId xmlns:a16="http://schemas.microsoft.com/office/drawing/2014/main" id="{54751FBC-7BCC-4392-925A-25CAC9EB7E35}"/>
               </a:ext>
             </a:extLst>
           </p:cNvPr>
-          <p:cNvSpPr>
-            <a:spLocks noGrp="1" noRot="1" noChangeAspect="1" noMove="1" noResize="1" noEditPoints="1" noAdjustHandles="1" noChangeArrowheads="1" noChangeShapeType="1" noTextEdit="1"/>
-          </p:cNvSpPr>
-          <p:nvPr>
-            <p:extLst>
-              <p:ext uri="{386F3935-93C4-4BCD-93E2-E3B085C9AB24}">
-                <p16:designElem xmlns:p16="http://schemas.microsoft.com/office/powerpoint/2015/main" val="1"/>
-              </p:ext>
-            </p:extLst>
-          </p:nvPr>
-        </p:nvSpPr>
-        <p:spPr>
-          <a:xfrm>
-            <a:off x="446534" y="457200"/>
-            <a:ext cx="3703320" cy="94997"/>
+          <p:cNvSpPr txBox="1"/>
+          <p:nvPr/>
+        </p:nvSpPr>
+        <p:spPr>
+          <a:xfrm>
+            <a:off x="4475748" y="2698902"/>
+            <a:ext cx="6096000" cy="369332"/>
           </a:xfrm>
           <a:prstGeom prst="rect">
             <a:avLst/>
           </a:prstGeom>
-          <a:solidFill>
-            <a:srgbClr val="465359"/>
-          </a:solidFill>
-          <a:ln>
-            <a:noFill/>
-          </a:ln>
-          <a:effectLst/>
-        </p:spPr>
-        <p:style>
-          <a:lnRef idx="1">
-            <a:schemeClr val="accent1"/>
-          </a:lnRef>
-          <a:fillRef idx="3">
-            <a:schemeClr val="accent1"/>
-          </a:fillRef>
-          <a:effectRef idx="2">
-            <a:schemeClr val="accent1"/>
-          </a:effectRef>
-          <a:fontRef idx="minor">
-            <a:schemeClr val="lt1"/>
-          </a:fontRef>
-        </p:style>
-      </p:sp>
-      <p:sp>
-        <p:nvSpPr>
-          <p:cNvPr id="12" name="Rectangle 11">
+          <a:noFill/>
+        </p:spPr>
+        <p:txBody>
+          <a:bodyPr wrap="square">
+            <a:spAutoFit/>
+          </a:bodyPr>
+          <a:lstStyle/>
+          <a:p>
+            <a:r>
+              <a:rPr lang="en-US" dirty="0">
+                <a:solidFill>
+                  <a:srgbClr val="FF0000"/>
+                </a:solidFill>
+                <a:highlight>
+                  <a:srgbClr val="FFFF00"/>
+                </a:highlight>
+              </a:rPr>
+              <a:t>Michael</a:t>
+            </a:r>
+            <a:r>
+              <a:rPr lang="en-US" dirty="0">
+                <a:highlight>
+                  <a:srgbClr val="FFFF00"/>
+                </a:highlight>
+              </a:rPr>
+              <a:t>  to add key point to describe the Process </a:t>
+            </a:r>
+          </a:p>
+        </p:txBody>
+      </p:sp>
+    </p:spTree>
+  </p:cSld>
+  <p:clrMapOvr>
+    <a:masterClrMapping/>
+  </p:clrMapOvr>
+</p:sld>
+</file>
+
+<file path=ppt/slides/slide11.xml><?xml version="1.0" encoding="utf-8"?>
+<p:sld xmlns:a="http://schemas.openxmlformats.org/drawingml/2006/main" xmlns:r="http://schemas.openxmlformats.org/officeDocument/2006/relationships" xmlns:p="http://schemas.openxmlformats.org/presentationml/2006/main">
+  <p:cSld>
+    <p:spTree>
+      <p:nvGrpSpPr>
+        <p:cNvPr id="1" name="Shape 181"/>
+        <p:cNvGrpSpPr/>
+        <p:nvPr/>
+      </p:nvGrpSpPr>
+      <p:grpSpPr>
+        <a:xfrm>
+          <a:off x="0" y="0"/>
+          <a:ext cx="0" cy="0"/>
+          <a:chOff x="0" y="0"/>
+          <a:chExt cx="0" cy="0"/>
+        </a:xfrm>
+      </p:grpSpPr>
+      <p:sp>
+        <p:nvSpPr>
+          <p:cNvPr id="182" name="Google Shape;182;p21"/>
+          <p:cNvSpPr txBox="1">
+            <a:spLocks noGrp="1"/>
+          </p:cNvSpPr>
+          <p:nvPr>
+            <p:ph type="title"/>
+          </p:nvPr>
+        </p:nvSpPr>
+        <p:spPr>
+          <a:xfrm>
+            <a:off x="1730000" y="525000"/>
+            <a:ext cx="9385200" cy="1218800"/>
+          </a:xfrm>
+          <a:prstGeom prst="rect">
+            <a:avLst/>
+          </a:prstGeom>
+        </p:spPr>
+        <p:txBody>
+          <a:bodyPr spcFirstLastPara="1" vert="horz" wrap="square" lIns="121900" tIns="121900" rIns="121900" bIns="121900" rtlCol="0" anchor="t" anchorCtr="0">
+            <a:normAutofit/>
+          </a:bodyPr>
+          <a:lstStyle/>
+          <a:p>
+            <a:r>
+              <a:rPr lang="en" sz="2800">
+                <a:latin typeface="Lato"/>
+                <a:ea typeface="Lato"/>
+                <a:cs typeface="Lato"/>
+                <a:sym typeface="Lato"/>
+              </a:rPr>
+              <a:t>Recommendation for future analysis</a:t>
+            </a:r>
+            <a:endParaRPr sz="2800">
+              <a:latin typeface="Lato"/>
+              <a:ea typeface="Lato"/>
+              <a:cs typeface="Lato"/>
+              <a:sym typeface="Lato"/>
+            </a:endParaRPr>
+          </a:p>
+        </p:txBody>
+      </p:sp>
+      <p:sp>
+        <p:nvSpPr>
+          <p:cNvPr id="183" name="Google Shape;183;p21"/>
+          <p:cNvSpPr txBox="1">
+            <a:spLocks noGrp="1"/>
+          </p:cNvSpPr>
+          <p:nvPr>
+            <p:ph type="body" idx="1"/>
+          </p:nvPr>
+        </p:nvSpPr>
+        <p:spPr>
+          <a:xfrm>
+            <a:off x="1730000" y="2090067"/>
+            <a:ext cx="9385200" cy="3881600"/>
+          </a:xfrm>
+          <a:prstGeom prst="rect">
+            <a:avLst/>
+          </a:prstGeom>
+        </p:spPr>
+        <p:txBody>
+          <a:bodyPr spcFirstLastPara="1" vert="horz" wrap="square" lIns="121900" tIns="121900" rIns="121900" bIns="121900" rtlCol="0" anchor="t" anchorCtr="0">
+            <a:normAutofit/>
+          </a:bodyPr>
+          <a:lstStyle/>
+          <a:p>
+            <a:pPr marL="0" indent="0">
+              <a:spcAft>
+                <a:spcPts val="1600"/>
+              </a:spcAft>
+              <a:buNone/>
+            </a:pPr>
+            <a:r>
+              <a:rPr lang="en"/>
+              <a:t>TBD </a:t>
+            </a:r>
+            <a:endParaRPr/>
+          </a:p>
+        </p:txBody>
+      </p:sp>
+      <p:sp>
+        <p:nvSpPr>
+          <p:cNvPr id="4" name="TextBox 3">
             <a:extLst>
               <a:ext uri="{FF2B5EF4-FFF2-40B4-BE49-F238E27FC236}">
-                <a16:creationId xmlns:a16="http://schemas.microsoft.com/office/drawing/2014/main" id="{B42E5253-D3AC-4AC2-B766-8B34F13C2F5E}"/>
-              </a:ext>
-              <a:ext uri="{C183D7F6-B498-43B3-948B-1728B52AA6E4}">
-                <adec:decorative xmlns:adec="http://schemas.microsoft.com/office/drawing/2017/decorative" val="1"/>
+                <a16:creationId xmlns:a16="http://schemas.microsoft.com/office/drawing/2014/main" id="{518EAEA7-0B74-4BEC-9516-1ED4161D7DF1}"/>
               </a:ext>
             </a:extLst>
           </p:cNvPr>
-          <p:cNvSpPr>
-            <a:spLocks noGrp="1" noRot="1" noChangeAspect="1" noMove="1" noResize="1" noEditPoints="1" noAdjustHandles="1" noChangeArrowheads="1" noChangeShapeType="1" noTextEdit="1"/>
-          </p:cNvSpPr>
-          <p:nvPr>
-            <p:extLst>
-              <p:ext uri="{386F3935-93C4-4BCD-93E2-E3B085C9AB24}">
-                <p16:designElem xmlns:p16="http://schemas.microsoft.com/office/powerpoint/2015/main" val="1"/>
-              </p:ext>
-            </p:extLst>
-          </p:nvPr>
-        </p:nvSpPr>
-        <p:spPr>
-          <a:xfrm>
-            <a:off x="8042147" y="453643"/>
-            <a:ext cx="3703320" cy="98554"/>
+          <p:cNvSpPr txBox="1"/>
+          <p:nvPr/>
+        </p:nvSpPr>
+        <p:spPr>
+          <a:xfrm>
+            <a:off x="2727159" y="3565175"/>
+            <a:ext cx="6096000" cy="369332"/>
           </a:xfrm>
           <a:prstGeom prst="rect">
             <a:avLst/>
           </a:prstGeom>
-          <a:solidFill>
-            <a:srgbClr val="969FA7"/>
-          </a:solidFill>
-          <a:ln>
-            <a:noFill/>
-          </a:ln>
-          <a:effectLst/>
-        </p:spPr>
-        <p:style>
-          <a:lnRef idx="1">
-            <a:schemeClr val="accent1"/>
-          </a:lnRef>
-          <a:fillRef idx="3">
-            <a:schemeClr val="accent1"/>
-          </a:fillRef>
-          <a:effectRef idx="2">
-            <a:schemeClr val="accent1"/>
-          </a:effectRef>
-          <a:fontRef idx="minor">
-            <a:schemeClr val="lt1"/>
-          </a:fontRef>
-        </p:style>
-      </p:sp>
-      <p:sp>
-        <p:nvSpPr>
-          <p:cNvPr id="14" name="Rectangle 13">
-            <a:extLst>
-              <a:ext uri="{FF2B5EF4-FFF2-40B4-BE49-F238E27FC236}">
-                <a16:creationId xmlns:a16="http://schemas.microsoft.com/office/drawing/2014/main" id="{10AE8D57-436A-4073-9A75-15BB5949F8B4}"/>
-              </a:ext>
-              <a:ext uri="{C183D7F6-B498-43B3-948B-1728B52AA6E4}">
-                <adec:decorative xmlns:adec="http://schemas.microsoft.com/office/drawing/2017/decorative" val="1"/>
-              </a:ext>
-            </a:extLst>
-          </p:cNvPr>
-          <p:cNvSpPr>
-            <a:spLocks noGrp="1" noRot="1" noChangeAspect="1" noMove="1" noResize="1" noEditPoints="1" noAdjustHandles="1" noChangeArrowheads="1" noChangeShapeType="1" noTextEdit="1"/>
-          </p:cNvSpPr>
-          <p:nvPr>
-            <p:extLst>
-              <p:ext uri="{386F3935-93C4-4BCD-93E2-E3B085C9AB24}">
-                <p16:designElem xmlns:p16="http://schemas.microsoft.com/office/powerpoint/2015/main" val="1"/>
-              </p:ext>
-            </p:extLst>
-          </p:nvPr>
-        </p:nvSpPr>
-        <p:spPr>
-          <a:xfrm>
-            <a:off x="4241830" y="457200"/>
-            <a:ext cx="3703320" cy="91440"/>
+          <a:noFill/>
+        </p:spPr>
+        <p:txBody>
+          <a:bodyPr wrap="square">
+            <a:spAutoFit/>
+          </a:bodyPr>
+          <a:lstStyle/>
+          <a:p>
+            <a:r>
+              <a:rPr lang="en-US" dirty="0">
+                <a:solidFill>
+                  <a:srgbClr val="FF0000"/>
+                </a:solidFill>
+                <a:highlight>
+                  <a:srgbClr val="FFFF00"/>
+                </a:highlight>
+              </a:rPr>
+              <a:t>Michael</a:t>
+            </a:r>
+            <a:r>
+              <a:rPr lang="en-US" dirty="0">
+                <a:highlight>
+                  <a:srgbClr val="FFFF00"/>
+                </a:highlight>
+              </a:rPr>
+              <a:t>  to add key point to describe the Process </a:t>
+            </a:r>
+          </a:p>
+        </p:txBody>
+      </p:sp>
+    </p:spTree>
+  </p:cSld>
+  <p:clrMapOvr>
+    <a:masterClrMapping/>
+  </p:clrMapOvr>
+</p:sld>
+</file>
+
+<file path=ppt/slides/slide12.xml><?xml version="1.0" encoding="utf-8"?>
+<p:sld xmlns:a="http://schemas.openxmlformats.org/drawingml/2006/main" xmlns:r="http://schemas.openxmlformats.org/officeDocument/2006/relationships" xmlns:p="http://schemas.openxmlformats.org/presentationml/2006/main">
+  <p:cSld>
+    <p:spTree>
+      <p:nvGrpSpPr>
+        <p:cNvPr id="1" name="Shape 175"/>
+        <p:cNvGrpSpPr/>
+        <p:nvPr/>
+      </p:nvGrpSpPr>
+      <p:grpSpPr>
+        <a:xfrm>
+          <a:off x="0" y="0"/>
+          <a:ext cx="0" cy="0"/>
+          <a:chOff x="0" y="0"/>
+          <a:chExt cx="0" cy="0"/>
+        </a:xfrm>
+      </p:grpSpPr>
+      <p:sp>
+        <p:nvSpPr>
+          <p:cNvPr id="176" name="Google Shape;176;p20"/>
+          <p:cNvSpPr txBox="1">
+            <a:spLocks noGrp="1"/>
+          </p:cNvSpPr>
+          <p:nvPr>
+            <p:ph type="title"/>
+          </p:nvPr>
+        </p:nvSpPr>
+        <p:spPr>
+          <a:xfrm>
+            <a:off x="1730000" y="525000"/>
+            <a:ext cx="9385200" cy="1218800"/>
           </a:xfrm>
           <a:prstGeom prst="rect">
             <a:avLst/>
           </a:prstGeom>
-          <a:solidFill>
-            <a:schemeClr val="accent1"/>
-          </a:solidFill>
-          <a:ln>
-            <a:noFill/>
-          </a:ln>
-          <a:effectLst/>
-        </p:spPr>
-        <p:style>
-          <a:lnRef idx="1">
-            <a:schemeClr val="accent1"/>
-          </a:lnRef>
-          <a:fillRef idx="3">
-            <a:schemeClr val="accent1"/>
-          </a:fillRef>
-          <a:effectRef idx="2">
-            <a:schemeClr val="accent1"/>
-          </a:effectRef>
-          <a:fontRef idx="minor">
-            <a:schemeClr val="lt1"/>
-          </a:fontRef>
-        </p:style>
-      </p:sp>
-      <p:sp>
-        <p:nvSpPr>
-          <p:cNvPr id="16" name="Rectangle 15">
-            <a:extLst>
-              <a:ext uri="{FF2B5EF4-FFF2-40B4-BE49-F238E27FC236}">
-                <a16:creationId xmlns:a16="http://schemas.microsoft.com/office/drawing/2014/main" id="{E9751CB9-7B25-4EB8-9A6F-82F822549F12}"/>
-              </a:ext>
-              <a:ext uri="{C183D7F6-B498-43B3-948B-1728B52AA6E4}">
-                <adec:decorative xmlns:adec="http://schemas.microsoft.com/office/drawing/2017/decorative" val="1"/>
-              </a:ext>
-            </a:extLst>
-          </p:cNvPr>
-          <p:cNvSpPr>
-            <a:spLocks noGrp="1" noRot="1" noChangeAspect="1" noMove="1" noResize="1" noEditPoints="1" noAdjustHandles="1" noChangeArrowheads="1" noChangeShapeType="1" noTextEdit="1"/>
-          </p:cNvSpPr>
-          <p:nvPr>
-            <p:extLst>
-              <p:ext uri="{386F3935-93C4-4BCD-93E2-E3B085C9AB24}">
-                <p16:designElem xmlns:p16="http://schemas.microsoft.com/office/powerpoint/2015/main" val="1"/>
-              </p:ext>
-            </p:extLst>
-          </p:nvPr>
-        </p:nvSpPr>
-        <p:spPr>
-          <a:xfrm>
-            <a:off x="0" y="0"/>
-            <a:ext cx="12192000" cy="6858000"/>
+        </p:spPr>
+        <p:txBody>
+          <a:bodyPr spcFirstLastPara="1" vert="horz" wrap="square" lIns="121900" tIns="121900" rIns="121900" bIns="121900" rtlCol="0" anchor="t" anchorCtr="0">
+            <a:normAutofit/>
+          </a:bodyPr>
+          <a:lstStyle/>
+          <a:p>
+            <a:r>
+              <a:rPr lang="en" sz="2800">
+                <a:latin typeface="Lato"/>
+                <a:ea typeface="Lato"/>
+                <a:cs typeface="Lato"/>
+                <a:sym typeface="Lato"/>
+              </a:rPr>
+              <a:t>Technologies, languages, tools, and algorithms used throughout the project</a:t>
+            </a:r>
+            <a:endParaRPr sz="2800">
+              <a:latin typeface="Lato"/>
+              <a:ea typeface="Lato"/>
+              <a:cs typeface="Lato"/>
+              <a:sym typeface="Lato"/>
+            </a:endParaRPr>
+          </a:p>
+        </p:txBody>
+      </p:sp>
+      <p:sp>
+        <p:nvSpPr>
+          <p:cNvPr id="177" name="Google Shape;177;p20"/>
+          <p:cNvSpPr txBox="1">
+            <a:spLocks noGrp="1"/>
+          </p:cNvSpPr>
+          <p:nvPr>
+            <p:ph type="body" idx="1"/>
+          </p:nvPr>
+        </p:nvSpPr>
+        <p:spPr>
+          <a:xfrm>
+            <a:off x="1730000" y="2090067"/>
+            <a:ext cx="9385200" cy="3881600"/>
           </a:xfrm>
           <a:prstGeom prst="rect">
             <a:avLst/>
           </a:prstGeom>
-          <a:solidFill>
-            <a:srgbClr val="FFFFFF"/>
-          </a:solidFill>
-          <a:ln>
-            <a:noFill/>
-          </a:ln>
-        </p:spPr>
-        <p:style>
-          <a:lnRef idx="2">
-            <a:schemeClr val="accent1">
-              <a:shade val="50000"/>
-            </a:schemeClr>
-          </a:lnRef>
-          <a:fillRef idx="1">
-            <a:schemeClr val="accent1"/>
-          </a:fillRef>
-          <a:effectRef idx="0">
-            <a:schemeClr val="accent1"/>
-          </a:effectRef>
-          <a:fontRef idx="minor">
-            <a:schemeClr val="lt1"/>
-          </a:fontRef>
-        </p:style>
+        </p:spPr>
         <p:txBody>
-          <a:bodyPr rtlCol="0" anchor="ctr"/>
+          <a:bodyPr spcFirstLastPara="1" vert="horz" wrap="square" lIns="121900" tIns="121900" rIns="121900" bIns="121900" rtlCol="0" anchor="t" anchorCtr="0">
+            <a:normAutofit/>
+          </a:bodyPr>
           <a:lstStyle/>
           <a:p>
-            <a:pPr algn="ctr"/>
-            <a:endParaRPr lang="en-US"/>
+            <a:r>
+              <a:rPr lang="en"/>
+              <a:t>Python :  Pandas, PySpark </a:t>
+            </a:r>
+            <a:endParaRPr/>
+          </a:p>
+          <a:p>
+            <a:r>
+              <a:rPr lang="en"/>
+              <a:t>SQLAlchemy </a:t>
+            </a:r>
+            <a:endParaRPr/>
+          </a:p>
+          <a:p>
+            <a:r>
+              <a:rPr lang="en"/>
+              <a:t>Postgres </a:t>
+            </a:r>
+            <a:endParaRPr/>
+          </a:p>
+          <a:p>
+            <a:r>
+              <a:rPr lang="en"/>
+              <a:t>Google CoLab </a:t>
+            </a:r>
+            <a:endParaRPr/>
+          </a:p>
+          <a:p>
+            <a:r>
+              <a:rPr lang="en"/>
+              <a:t>Google Docs. </a:t>
+            </a:r>
+            <a:endParaRPr/>
+          </a:p>
+          <a:p>
+            <a:r>
+              <a:rPr lang="en"/>
+              <a:t>Python ML Models: Linear regression , Keras for neural network ML Model. </a:t>
+            </a:r>
+            <a:endParaRPr/>
           </a:p>
         </p:txBody>
       </p:sp>
-      <p:sp>
-        <p:nvSpPr>
-          <p:cNvPr id="18" name="Rectangle 17">
-            <a:extLst>
-              <a:ext uri="{FF2B5EF4-FFF2-40B4-BE49-F238E27FC236}">
-                <a16:creationId xmlns:a16="http://schemas.microsoft.com/office/drawing/2014/main" id="{E1317383-CF3B-4B02-9512-BECBEF6362A4}"/>
-              </a:ext>
-              <a:ext uri="{C183D7F6-B498-43B3-948B-1728B52AA6E4}">
-                <adec:decorative xmlns:adec="http://schemas.microsoft.com/office/drawing/2017/decorative" val="1"/>
-              </a:ext>
-            </a:extLst>
-          </p:cNvPr>
-          <p:cNvSpPr>
-            <a:spLocks noGrp="1" noRot="1" noChangeAspect="1" noMove="1" noResize="1" noEditPoints="1" noAdjustHandles="1" noChangeArrowheads="1" noChangeShapeType="1" noTextEdit="1"/>
-          </p:cNvSpPr>
-          <p:nvPr>
-            <p:extLst>
-              <p:ext uri="{386F3935-93C4-4BCD-93E2-E3B085C9AB24}">
-                <p16:designElem xmlns:p16="http://schemas.microsoft.com/office/powerpoint/2015/main" val="1"/>
-              </p:ext>
-            </p:extLst>
-          </p:nvPr>
-        </p:nvSpPr>
-        <p:spPr>
-          <a:xfrm>
-            <a:off x="446534" y="457200"/>
-            <a:ext cx="3703320" cy="94997"/>
+    </p:spTree>
+  </p:cSld>
+  <p:clrMapOvr>
+    <a:masterClrMapping/>
+  </p:clrMapOvr>
+</p:sld>
+</file>
+
+<file path=ppt/slides/slide13.xml><?xml version="1.0" encoding="utf-8"?>
+<p:sld xmlns:a="http://schemas.openxmlformats.org/drawingml/2006/main" xmlns:r="http://schemas.openxmlformats.org/officeDocument/2006/relationships" xmlns:p="http://schemas.openxmlformats.org/presentationml/2006/main">
+  <p:cSld>
+    <p:spTree>
+      <p:nvGrpSpPr>
+        <p:cNvPr id="1" name="Shape 181"/>
+        <p:cNvGrpSpPr/>
+        <p:nvPr/>
+      </p:nvGrpSpPr>
+      <p:grpSpPr>
+        <a:xfrm>
+          <a:off x="0" y="0"/>
+          <a:ext cx="0" cy="0"/>
+          <a:chOff x="0" y="0"/>
+          <a:chExt cx="0" cy="0"/>
+        </a:xfrm>
+      </p:grpSpPr>
+      <p:sp>
+        <p:nvSpPr>
+          <p:cNvPr id="182" name="Google Shape;182;p21"/>
+          <p:cNvSpPr txBox="1">
+            <a:spLocks noGrp="1"/>
+          </p:cNvSpPr>
+          <p:nvPr>
+            <p:ph type="title"/>
+          </p:nvPr>
+        </p:nvSpPr>
+        <p:spPr>
+          <a:xfrm>
+            <a:off x="1525814" y="3126157"/>
+            <a:ext cx="9385200" cy="1218800"/>
           </a:xfrm>
           <a:prstGeom prst="rect">
             <a:avLst/>
           </a:prstGeom>
-          <a:solidFill>
-            <a:srgbClr val="465359"/>
-          </a:solidFill>
-          <a:ln>
-            <a:noFill/>
-          </a:ln>
-          <a:effectLst/>
-        </p:spPr>
-        <p:style>
-          <a:lnRef idx="1">
-            <a:schemeClr val="accent1"/>
-          </a:lnRef>
-          <a:fillRef idx="3">
-            <a:schemeClr val="accent1"/>
-          </a:fillRef>
-          <a:effectRef idx="2">
-            <a:schemeClr val="accent1"/>
-          </a:effectRef>
-          <a:fontRef idx="minor">
-            <a:schemeClr val="lt1"/>
-          </a:fontRef>
-        </p:style>
-      </p:sp>
-      <p:sp>
-        <p:nvSpPr>
-          <p:cNvPr id="20" name="Rectangle 19">
-            <a:extLst>
-              <a:ext uri="{FF2B5EF4-FFF2-40B4-BE49-F238E27FC236}">
-                <a16:creationId xmlns:a16="http://schemas.microsoft.com/office/drawing/2014/main" id="{B1D4C7A0-6DF2-4F2D-A45D-F111582974C7}"/>
-              </a:ext>
-              <a:ext uri="{C183D7F6-B498-43B3-948B-1728B52AA6E4}">
-                <adec:decorative xmlns:adec="http://schemas.microsoft.com/office/drawing/2017/decorative" val="1"/>
-              </a:ext>
-            </a:extLst>
-          </p:cNvPr>
-          <p:cNvSpPr>
-            <a:spLocks noGrp="1" noRot="1" noChangeAspect="1" noMove="1" noResize="1" noEditPoints="1" noAdjustHandles="1" noChangeArrowheads="1" noChangeShapeType="1" noTextEdit="1"/>
-          </p:cNvSpPr>
-          <p:nvPr>
-            <p:extLst>
-              <p:ext uri="{386F3935-93C4-4BCD-93E2-E3B085C9AB24}">
-                <p16:designElem xmlns:p16="http://schemas.microsoft.com/office/powerpoint/2015/main" val="1"/>
-              </p:ext>
-            </p:extLst>
-          </p:nvPr>
-        </p:nvSpPr>
-        <p:spPr>
-          <a:xfrm>
-            <a:off x="4241830" y="457200"/>
-            <a:ext cx="3703320" cy="91440"/>
+        </p:spPr>
+        <p:txBody>
+          <a:bodyPr spcFirstLastPara="1" vert="horz" wrap="square" lIns="121900" tIns="121900" rIns="121900" bIns="121900" rtlCol="0" anchor="t" anchorCtr="0">
+            <a:normAutofit/>
+          </a:bodyPr>
+          <a:lstStyle/>
+          <a:p>
+            <a:r>
+              <a:rPr lang="en" sz="2800" dirty="0">
+                <a:latin typeface="Lato"/>
+                <a:ea typeface="Lato"/>
+                <a:cs typeface="Lato"/>
+                <a:sym typeface="Lato"/>
+              </a:rPr>
+              <a:t>Backup</a:t>
+            </a:r>
+            <a:endParaRPr sz="2800" dirty="0">
+              <a:latin typeface="Lato"/>
+              <a:ea typeface="Lato"/>
+              <a:cs typeface="Lato"/>
+              <a:sym typeface="Lato"/>
+            </a:endParaRPr>
+          </a:p>
+        </p:txBody>
+      </p:sp>
+    </p:spTree>
+    <p:extLst>
+      <p:ext uri="{BB962C8B-B14F-4D97-AF65-F5344CB8AC3E}">
+        <p14:creationId xmlns:p14="http://schemas.microsoft.com/office/powerpoint/2010/main" val="3099164048"/>
+      </p:ext>
+    </p:extLst>
+  </p:cSld>
+  <p:clrMapOvr>
+    <a:masterClrMapping/>
+  </p:clrMapOvr>
+</p:sld>
+</file>
+
+<file path=ppt/slides/slide14.xml><?xml version="1.0" encoding="utf-8"?>
+<p:sld xmlns:a="http://schemas.openxmlformats.org/drawingml/2006/main" xmlns:r="http://schemas.openxmlformats.org/officeDocument/2006/relationships" xmlns:p="http://schemas.openxmlformats.org/presentationml/2006/main">
+  <p:cSld>
+    <p:spTree>
+      <p:nvGrpSpPr>
+        <p:cNvPr id="1" name="Shape 157"/>
+        <p:cNvGrpSpPr/>
+        <p:nvPr/>
+      </p:nvGrpSpPr>
+      <p:grpSpPr>
+        <a:xfrm>
+          <a:off x="0" y="0"/>
+          <a:ext cx="0" cy="0"/>
+          <a:chOff x="0" y="0"/>
+          <a:chExt cx="0" cy="0"/>
+        </a:xfrm>
+      </p:grpSpPr>
+      <p:sp>
+        <p:nvSpPr>
+          <p:cNvPr id="158" name="Google Shape;158;p17"/>
+          <p:cNvSpPr txBox="1">
+            <a:spLocks noGrp="1"/>
+          </p:cNvSpPr>
+          <p:nvPr>
+            <p:ph type="title"/>
+          </p:nvPr>
+        </p:nvSpPr>
+        <p:spPr>
+          <a:xfrm>
+            <a:off x="1730000" y="525000"/>
+            <a:ext cx="9385200" cy="945600"/>
           </a:xfrm>
           <a:prstGeom prst="rect">
             <a:avLst/>
           </a:prstGeom>
-          <a:solidFill>
-            <a:schemeClr val="accent1"/>
-          </a:solidFill>
-          <a:ln>
-            <a:noFill/>
-          </a:ln>
-          <a:effectLst/>
-        </p:spPr>
-        <p:style>
-          <a:lnRef idx="1">
-            <a:schemeClr val="accent1"/>
-          </a:lnRef>
-          <a:fillRef idx="3">
-            <a:schemeClr val="accent1"/>
-          </a:fillRef>
-          <a:effectRef idx="2">
-            <a:schemeClr val="accent1"/>
-          </a:effectRef>
-          <a:fontRef idx="minor">
-            <a:schemeClr val="lt1"/>
-          </a:fontRef>
-        </p:style>
-      </p:sp>
-      <p:sp>
-        <p:nvSpPr>
-          <p:cNvPr id="22" name="Rectangle 21">
-            <a:extLst>
-              <a:ext uri="{FF2B5EF4-FFF2-40B4-BE49-F238E27FC236}">
-                <a16:creationId xmlns:a16="http://schemas.microsoft.com/office/drawing/2014/main" id="{DBF3943D-BCB6-4B31-809D-A005686483B4}"/>
-              </a:ext>
-              <a:ext uri="{C183D7F6-B498-43B3-948B-1728B52AA6E4}">
-                <adec:decorative xmlns:adec="http://schemas.microsoft.com/office/drawing/2017/decorative" val="1"/>
-              </a:ext>
-            </a:extLst>
-          </p:cNvPr>
-          <p:cNvSpPr>
-            <a:spLocks noGrp="1" noRot="1" noChangeAspect="1" noMove="1" noResize="1" noEditPoints="1" noAdjustHandles="1" noChangeArrowheads="1" noChangeShapeType="1" noTextEdit="1"/>
-          </p:cNvSpPr>
-          <p:nvPr>
-            <p:extLst>
-              <p:ext uri="{386F3935-93C4-4BCD-93E2-E3B085C9AB24}">
-                <p16:designElem xmlns:p16="http://schemas.microsoft.com/office/powerpoint/2015/main" val="1"/>
-              </p:ext>
-            </p:extLst>
-          </p:nvPr>
-        </p:nvSpPr>
-        <p:spPr>
-          <a:xfrm>
-            <a:off x="8042147" y="453643"/>
-            <a:ext cx="3703320" cy="98554"/>
-          </a:xfrm>
-          <a:prstGeom prst="rect">
-            <a:avLst/>
-          </a:prstGeom>
-          <a:solidFill>
-            <a:srgbClr val="969FA7"/>
-          </a:solidFill>
-          <a:ln>
-            <a:noFill/>
-          </a:ln>
-          <a:effectLst/>
-        </p:spPr>
-        <p:style>
-          <a:lnRef idx="1">
-            <a:schemeClr val="accent1"/>
-          </a:lnRef>
-          <a:fillRef idx="3">
-            <a:schemeClr val="accent1"/>
-          </a:fillRef>
-          <a:effectRef idx="2">
-            <a:schemeClr val="accent1"/>
-          </a:effectRef>
-          <a:fontRef idx="minor">
-            <a:schemeClr val="lt1"/>
-          </a:fontRef>
-        </p:style>
-      </p:sp>
-      <p:sp>
-        <p:nvSpPr>
-          <p:cNvPr id="24" name="Rectangle 23">
-            <a:extLst>
-              <a:ext uri="{FF2B5EF4-FFF2-40B4-BE49-F238E27FC236}">
-                <a16:creationId xmlns:a16="http://schemas.microsoft.com/office/drawing/2014/main" id="{39373A6F-2E1F-4613-8E1D-D68057D29F31}"/>
-              </a:ext>
-              <a:ext uri="{C183D7F6-B498-43B3-948B-1728B52AA6E4}">
-                <adec:decorative xmlns:adec="http://schemas.microsoft.com/office/drawing/2017/decorative" val="1"/>
-              </a:ext>
-            </a:extLst>
-          </p:cNvPr>
-          <p:cNvSpPr>
-            <a:spLocks noGrp="1" noRot="1" noChangeAspect="1" noMove="1" noResize="1" noEditPoints="1" noAdjustHandles="1" noChangeArrowheads="1" noChangeShapeType="1" noTextEdit="1"/>
-          </p:cNvSpPr>
-          <p:nvPr>
-            <p:extLst>
-              <p:ext uri="{386F3935-93C4-4BCD-93E2-E3B085C9AB24}">
-                <p16:designElem xmlns:p16="http://schemas.microsoft.com/office/powerpoint/2015/main" val="1"/>
-              </p:ext>
-            </p:extLst>
-          </p:nvPr>
-        </p:nvSpPr>
-        <p:spPr>
-          <a:xfrm>
-            <a:off x="442377" y="601200"/>
-            <a:ext cx="3707477" cy="5624979"/>
-          </a:xfrm>
-          <a:prstGeom prst="rect">
-            <a:avLst/>
-          </a:prstGeom>
-          <a:solidFill>
-            <a:srgbClr val="465359"/>
-          </a:solidFill>
-          <a:ln>
-            <a:noFill/>
-          </a:ln>
-          <a:effectLst/>
-        </p:spPr>
-        <p:style>
-          <a:lnRef idx="1">
-            <a:schemeClr val="accent1"/>
-          </a:lnRef>
-          <a:fillRef idx="3">
-            <a:schemeClr val="accent1"/>
-          </a:fillRef>
-          <a:effectRef idx="2">
-            <a:schemeClr val="accent1"/>
-          </a:effectRef>
-          <a:fontRef idx="minor">
-            <a:schemeClr val="lt1"/>
-          </a:fontRef>
-        </p:style>
-      </p:sp>
-      <p:sp>
-        <p:nvSpPr>
-          <p:cNvPr id="2" name="Title 1">
-            <a:extLst>
-              <a:ext uri="{FF2B5EF4-FFF2-40B4-BE49-F238E27FC236}">
-                <a16:creationId xmlns:a16="http://schemas.microsoft.com/office/drawing/2014/main" id="{B55F5714-2E8E-4ACD-A2CD-04641C08956A}"/>
-              </a:ext>
-            </a:extLst>
-          </p:cNvPr>
-          <p:cNvSpPr>
-            <a:spLocks noGrp="1"/>
-          </p:cNvSpPr>
-          <p:nvPr>
-            <p:ph type="title"/>
-          </p:nvPr>
-        </p:nvSpPr>
-        <p:spPr>
-          <a:xfrm>
-            <a:off x="601255" y="702155"/>
-            <a:ext cx="3409783" cy="1300365"/>
-          </a:xfrm>
         </p:spPr>
         <p:txBody>
-          <a:bodyPr vert="horz" lIns="91440" tIns="45720" rIns="91440" bIns="45720" rtlCol="0" anchor="b">
+          <a:bodyPr spcFirstLastPara="1" vert="horz" wrap="square" lIns="121900" tIns="121900" rIns="121900" bIns="121900" rtlCol="0" anchor="t" anchorCtr="0">
             <a:normAutofit/>
           </a:bodyPr>
           <a:lstStyle/>
           <a:p>
-            <a:pPr>
-              <a:spcBef>
-                <a:spcPct val="0"/>
-              </a:spcBef>
-            </a:pPr>
+            <a:r>
+              <a:rPr lang="en" sz="2800" dirty="0">
+                <a:latin typeface="Lato"/>
+                <a:ea typeface="Lato"/>
+                <a:cs typeface="Lato"/>
+                <a:sym typeface="Lato"/>
+              </a:rPr>
+              <a:t>Initial E</a:t>
+            </a:r>
             <a:r>
               <a:rPr lang="en-US" sz="2800" dirty="0">
-                <a:solidFill>
-                  <a:srgbClr val="FFFFFF"/>
-                </a:solidFill>
+                <a:latin typeface="Lato"/>
+                <a:ea typeface="Lato"/>
+                <a:cs typeface="Lato"/>
+                <a:sym typeface="Lato"/>
               </a:rPr>
-              <a:t>Deep Learning  model</a:t>
-            </a:r>
+              <a:t>t</a:t>
+            </a:r>
+            <a:r>
+              <a:rPr lang="en" sz="2800" dirty="0">
+                <a:latin typeface="Lato"/>
+                <a:ea typeface="Lato"/>
+                <a:cs typeface="Lato"/>
+                <a:sym typeface="Lato"/>
+              </a:rPr>
+              <a:t>l process</a:t>
+            </a:r>
+            <a:endParaRPr sz="2800" dirty="0">
+              <a:latin typeface="Lato"/>
+              <a:ea typeface="Lato"/>
+              <a:cs typeface="Lato"/>
+              <a:sym typeface="Lato"/>
+            </a:endParaRPr>
           </a:p>
         </p:txBody>
       </p:sp>
-      <p:sp>
-        <p:nvSpPr>
-          <p:cNvPr id="3" name="Text Placeholder 2">
+      <p:pic>
+        <p:nvPicPr>
+          <p:cNvPr id="5" name="Picture 4" descr="Diagram&#10;&#10;Description automatically generated">
             <a:extLst>
               <a:ext uri="{FF2B5EF4-FFF2-40B4-BE49-F238E27FC236}">
-                <a16:creationId xmlns:a16="http://schemas.microsoft.com/office/drawing/2014/main" id="{69967516-9E99-4B4D-AD6B-5B2B788CBAC4}"/>
-              </a:ext>
-            </a:extLst>
-          </p:cNvPr>
-          <p:cNvSpPr>
-            <a:spLocks noGrp="1"/>
-          </p:cNvSpPr>
-          <p:nvPr>
-            <p:ph type="body" idx="1"/>
-          </p:nvPr>
-        </p:nvSpPr>
-        <p:spPr>
-          <a:xfrm>
-            <a:off x="601255" y="2177142"/>
-            <a:ext cx="3409782" cy="3823607"/>
-          </a:xfrm>
-        </p:spPr>
-        <p:txBody>
-          <a:bodyPr vert="horz" lIns="91440" tIns="45720" rIns="91440" bIns="45720" rtlCol="0" anchor="ctr">
-            <a:normAutofit/>
-          </a:bodyPr>
-          <a:lstStyle/>
-          <a:p>
-            <a:pPr>
-              <a:spcBef>
-                <a:spcPct val="20000"/>
-              </a:spcBef>
-              <a:spcAft>
-                <a:spcPts val="600"/>
-              </a:spcAft>
-              <a:buSzPct val="92000"/>
-              <a:buFont typeface="Wingdings 2" panose="05020102010507070707" pitchFamily="18" charset="2"/>
-              <a:buChar char=""/>
-            </a:pPr>
-            <a:r>
-              <a:rPr lang="en-US" dirty="0">
-                <a:solidFill>
-                  <a:srgbClr val="FFFFFF"/>
-                </a:solidFill>
-              </a:rPr>
-              <a:t>Run ML Neural Network DL ML Model </a:t>
-            </a:r>
-          </a:p>
-        </p:txBody>
-      </p:sp>
-      <p:pic>
-        <p:nvPicPr>
-          <p:cNvPr id="5" name="Picture 4" descr="Text&#10;&#10;Description automatically generated">
-            <a:extLst>
-              <a:ext uri="{FF2B5EF4-FFF2-40B4-BE49-F238E27FC236}">
-                <a16:creationId xmlns:a16="http://schemas.microsoft.com/office/drawing/2014/main" id="{5D8CD567-4A52-4166-8A27-0CD5C20D03BA}"/>
-              </a:ext>
-            </a:extLst>
-          </p:cNvPr>
-          <p:cNvPicPr>
-            <a:picLocks noChangeAspect="1"/>
-          </p:cNvPicPr>
-          <p:nvPr/>
-        </p:nvPicPr>
-        <p:blipFill>
-          <a:blip r:embed="rId2"/>
-          <a:stretch>
-            <a:fillRect/>
-          </a:stretch>
-        </p:blipFill>
-        <p:spPr>
-          <a:xfrm>
-            <a:off x="4592230" y="841237"/>
-            <a:ext cx="7337529" cy="1467504"/>
-          </a:xfrm>
-          <a:prstGeom prst="rect">
-            <a:avLst/>
-          </a:prstGeom>
-        </p:spPr>
-      </p:pic>
-      <p:pic>
-        <p:nvPicPr>
-          <p:cNvPr id="8" name="Picture 7" descr="Text&#10;&#10;Description automatically generated">
-            <a:extLst>
-              <a:ext uri="{FF2B5EF4-FFF2-40B4-BE49-F238E27FC236}">
-                <a16:creationId xmlns:a16="http://schemas.microsoft.com/office/drawing/2014/main" id="{DD4EC2D4-8A09-42FF-AF5F-35A756471C4B}"/>
+                <a16:creationId xmlns:a16="http://schemas.microsoft.com/office/drawing/2014/main" id="{A927BE9B-8008-4904-97B8-4BEBB47CDA94}"/>
               </a:ext>
             </a:extLst>
           </p:cNvPr>
@@ -8436,8 +8692,8 @@
         </p:blipFill>
         <p:spPr>
           <a:xfrm>
-            <a:off x="4592230" y="2601339"/>
-            <a:ext cx="7335903" cy="3399410"/>
+            <a:off x="1649896" y="1942128"/>
+            <a:ext cx="9721298" cy="4761608"/>
           </a:xfrm>
           <a:prstGeom prst="rect">
             <a:avLst/>
@@ -8447,17 +8703,17 @@
     </p:spTree>
     <p:extLst>
       <p:ext uri="{BB962C8B-B14F-4D97-AF65-F5344CB8AC3E}">
-        <p14:creationId xmlns:p14="http://schemas.microsoft.com/office/powerpoint/2010/main" val="451091568"/>
+        <p14:creationId xmlns:p14="http://schemas.microsoft.com/office/powerpoint/2010/main" val="922754118"/>
       </p:ext>
     </p:extLst>
   </p:cSld>
   <p:clrMapOvr>
-    <a:overrideClrMapping bg1="dk1" tx1="lt1" bg2="dk2" tx2="lt2" accent1="accent1" accent2="accent2" accent3="accent3" accent4="accent4" accent5="accent5" accent6="accent6" hlink="hlink" folHlink="folHlink"/>
+    <a:masterClrMapping/>
   </p:clrMapOvr>
 </p:sld>
 </file>
 
-<file path=ppt/slides/slide11.xml><?xml version="1.0" encoding="utf-8"?>
+<file path=ppt/slides/slide15.xml><?xml version="1.0" encoding="utf-8"?>
 <p:sld xmlns:a="http://schemas.openxmlformats.org/drawingml/2006/main" xmlns:r="http://schemas.openxmlformats.org/officeDocument/2006/relationships" xmlns:p="http://schemas.openxmlformats.org/presentationml/2006/main">
   <p:cSld>
     <p:bg>
@@ -8484,10 +8740,10 @@
       </p:grpSpPr>
       <p:sp>
         <p:nvSpPr>
-          <p:cNvPr id="74" name="Rectangle 73">
+          <p:cNvPr id="10" name="Rectangle 9">
             <a:extLst>
               <a:ext uri="{FF2B5EF4-FFF2-40B4-BE49-F238E27FC236}">
-                <a16:creationId xmlns:a16="http://schemas.microsoft.com/office/drawing/2014/main" id="{910015B9-6046-41B8-83BD-71778D2F9798}"/>
+                <a16:creationId xmlns:a16="http://schemas.microsoft.com/office/drawing/2014/main" id="{DD651B61-325E-4E73-8445-38B0DE8AAAB6}"/>
               </a:ext>
               <a:ext uri="{C183D7F6-B498-43B3-948B-1728B52AA6E4}">
                 <adec:decorative xmlns:adec="http://schemas.microsoft.com/office/drawing/2017/decorative" val="1"/>
@@ -8538,10 +8794,10 @@
       </p:sp>
       <p:sp>
         <p:nvSpPr>
-          <p:cNvPr id="76" name="Rectangle 75">
+          <p:cNvPr id="12" name="Rectangle 11">
             <a:extLst>
               <a:ext uri="{FF2B5EF4-FFF2-40B4-BE49-F238E27FC236}">
-                <a16:creationId xmlns:a16="http://schemas.microsoft.com/office/drawing/2014/main" id="{53908232-52E2-4794-A6C1-54300FB98919}"/>
+                <a16:creationId xmlns:a16="http://schemas.microsoft.com/office/drawing/2014/main" id="{B42E5253-D3AC-4AC2-B766-8B34F13C2F5E}"/>
               </a:ext>
               <a:ext uri="{C183D7F6-B498-43B3-948B-1728B52AA6E4}">
                 <adec:decorative xmlns:adec="http://schemas.microsoft.com/office/drawing/2017/decorative" val="1"/>
@@ -8592,10 +8848,10 @@
       </p:sp>
       <p:sp>
         <p:nvSpPr>
-          <p:cNvPr id="78" name="Rectangle 77">
+          <p:cNvPr id="14" name="Rectangle 13">
             <a:extLst>
               <a:ext uri="{FF2B5EF4-FFF2-40B4-BE49-F238E27FC236}">
-                <a16:creationId xmlns:a16="http://schemas.microsoft.com/office/drawing/2014/main" id="{D2B9299F-BED7-44C5-9CC5-E542F9193C2F}"/>
+                <a16:creationId xmlns:a16="http://schemas.microsoft.com/office/drawing/2014/main" id="{10AE8D57-436A-4073-9A75-15BB5949F8B4}"/>
               </a:ext>
               <a:ext uri="{C183D7F6-B498-43B3-948B-1728B52AA6E4}">
                 <adec:decorative xmlns:adec="http://schemas.microsoft.com/office/drawing/2017/decorative" val="1"/>
@@ -8646,10 +8902,10 @@
       </p:sp>
       <p:sp>
         <p:nvSpPr>
-          <p:cNvPr id="80" name="Rectangle 79">
+          <p:cNvPr id="16" name="Rectangle 15">
             <a:extLst>
               <a:ext uri="{FF2B5EF4-FFF2-40B4-BE49-F238E27FC236}">
-                <a16:creationId xmlns:a16="http://schemas.microsoft.com/office/drawing/2014/main" id="{E9DDF273-E040-4765-AD05-872458E1370A}"/>
+                <a16:creationId xmlns:a16="http://schemas.microsoft.com/office/drawing/2014/main" id="{E9751CB9-7B25-4EB8-9A6F-82F822549F12}"/>
               </a:ext>
               <a:ext uri="{C183D7F6-B498-43B3-948B-1728B52AA6E4}">
                 <adec:decorative xmlns:adec="http://schemas.microsoft.com/office/drawing/2017/decorative" val="1"/>
@@ -8669,66 +8925,15 @@
         </p:nvSpPr>
         <p:spPr>
           <a:xfrm>
-            <a:off x="446534" y="3085764"/>
-            <a:ext cx="11298932" cy="3338149"/>
+            <a:off x="0" y="0"/>
+            <a:ext cx="12192000" cy="6858000"/>
           </a:xfrm>
           <a:prstGeom prst="rect">
             <a:avLst/>
           </a:prstGeom>
           <a:solidFill>
-            <a:srgbClr val="465359"/>
+            <a:srgbClr val="FFFFFF"/>
           </a:solidFill>
-          <a:ln>
-            <a:noFill/>
-          </a:ln>
-          <a:effectLst/>
-        </p:spPr>
-        <p:style>
-          <a:lnRef idx="1">
-            <a:schemeClr val="accent1"/>
-          </a:lnRef>
-          <a:fillRef idx="3">
-            <a:schemeClr val="accent1"/>
-          </a:fillRef>
-          <a:effectRef idx="2">
-            <a:schemeClr val="accent1"/>
-          </a:effectRef>
-          <a:fontRef idx="minor">
-            <a:schemeClr val="lt1"/>
-          </a:fontRef>
-        </p:style>
-      </p:sp>
-      <p:sp useBgFill="1">
-        <p:nvSpPr>
-          <p:cNvPr id="82" name="Rectangle 81">
-            <a:extLst>
-              <a:ext uri="{FF2B5EF4-FFF2-40B4-BE49-F238E27FC236}">
-                <a16:creationId xmlns:a16="http://schemas.microsoft.com/office/drawing/2014/main" id="{C592B42C-58FA-4A86-86F9-BA64DFB52839}"/>
-              </a:ext>
-              <a:ext uri="{C183D7F6-B498-43B3-948B-1728B52AA6E4}">
-                <adec:decorative xmlns:adec="http://schemas.microsoft.com/office/drawing/2017/decorative" val="1"/>
-              </a:ext>
-            </a:extLst>
-          </p:cNvPr>
-          <p:cNvSpPr>
-            <a:spLocks noGrp="1" noRot="1" noChangeAspect="1" noMove="1" noResize="1" noEditPoints="1" noAdjustHandles="1" noChangeArrowheads="1" noChangeShapeType="1" noTextEdit="1"/>
-          </p:cNvSpPr>
-          <p:nvPr>
-            <p:extLst>
-              <p:ext uri="{386F3935-93C4-4BCD-93E2-E3B085C9AB24}">
-                <p16:designElem xmlns:p16="http://schemas.microsoft.com/office/powerpoint/2015/main" val="1"/>
-              </p:ext>
-            </p:extLst>
-          </p:nvPr>
-        </p:nvSpPr>
-        <p:spPr>
-          <a:xfrm>
-            <a:off x="0" y="1"/>
-            <a:ext cx="12191999" cy="6858000"/>
-          </a:xfrm>
-          <a:prstGeom prst="rect">
-            <a:avLst/>
-          </a:prstGeom>
           <a:ln>
             <a:noFill/>
           </a:ln>
@@ -8760,10 +8965,10 @@
       </p:sp>
       <p:sp>
         <p:nvSpPr>
-          <p:cNvPr id="84" name="Rectangle 83">
+          <p:cNvPr id="18" name="Rectangle 17">
             <a:extLst>
               <a:ext uri="{FF2B5EF4-FFF2-40B4-BE49-F238E27FC236}">
-                <a16:creationId xmlns:a16="http://schemas.microsoft.com/office/drawing/2014/main" id="{49AE81AC-D16D-497C-95C0-16E491F119CE}"/>
+                <a16:creationId xmlns:a16="http://schemas.microsoft.com/office/drawing/2014/main" id="{E1317383-CF3B-4B02-9512-BECBEF6362A4}"/>
               </a:ext>
               <a:ext uri="{C183D7F6-B498-43B3-948B-1728B52AA6E4}">
                 <adec:decorative xmlns:adec="http://schemas.microsoft.com/office/drawing/2017/decorative" val="1"/>
@@ -8814,10 +9019,10 @@
       </p:sp>
       <p:sp>
         <p:nvSpPr>
-          <p:cNvPr id="86" name="Rectangle 85">
+          <p:cNvPr id="20" name="Rectangle 19">
             <a:extLst>
               <a:ext uri="{FF2B5EF4-FFF2-40B4-BE49-F238E27FC236}">
-                <a16:creationId xmlns:a16="http://schemas.microsoft.com/office/drawing/2014/main" id="{2465720C-012A-4C28-8AA5-75E0C7CC2AE8}"/>
+                <a16:creationId xmlns:a16="http://schemas.microsoft.com/office/drawing/2014/main" id="{B1D4C7A0-6DF2-4F2D-A45D-F111582974C7}"/>
               </a:ext>
               <a:ext uri="{C183D7F6-B498-43B3-948B-1728B52AA6E4}">
                 <adec:decorative xmlns:adec="http://schemas.microsoft.com/office/drawing/2017/decorative" val="1"/>
@@ -8837,7 +9042,7 @@
         </p:nvSpPr>
         <p:spPr>
           <a:xfrm>
-            <a:off x="4244340" y="453643"/>
+            <a:off x="4241830" y="457200"/>
             <a:ext cx="3703320" cy="91440"/>
           </a:xfrm>
           <a:prstGeom prst="rect">
@@ -8868,10 +9073,10 @@
       </p:sp>
       <p:sp>
         <p:nvSpPr>
-          <p:cNvPr id="88" name="Rectangle 87">
+          <p:cNvPr id="22" name="Rectangle 21">
             <a:extLst>
               <a:ext uri="{FF2B5EF4-FFF2-40B4-BE49-F238E27FC236}">
-                <a16:creationId xmlns:a16="http://schemas.microsoft.com/office/drawing/2014/main" id="{F2137993-2819-4F0D-9767-4F7C41F33D97}"/>
+                <a16:creationId xmlns:a16="http://schemas.microsoft.com/office/drawing/2014/main" id="{DBF3943D-BCB6-4B31-809D-A005686483B4}"/>
               </a:ext>
               <a:ext uri="{C183D7F6-B498-43B3-948B-1728B52AA6E4}">
                 <adec:decorative xmlns:adec="http://schemas.microsoft.com/office/drawing/2017/decorative" val="1"/>
@@ -8922,10 +9127,10 @@
       </p:sp>
       <p:sp>
         <p:nvSpPr>
-          <p:cNvPr id="90" name="Rectangle 89">
+          <p:cNvPr id="24" name="Rectangle 23">
             <a:extLst>
               <a:ext uri="{FF2B5EF4-FFF2-40B4-BE49-F238E27FC236}">
-                <a16:creationId xmlns:a16="http://schemas.microsoft.com/office/drawing/2014/main" id="{FC9E8B1E-9FF3-4471-BF13-F774FD86EABB}"/>
+                <a16:creationId xmlns:a16="http://schemas.microsoft.com/office/drawing/2014/main" id="{39373A6F-2E1F-4613-8E1D-D68057D29F31}"/>
               </a:ext>
               <a:ext uri="{C183D7F6-B498-43B3-948B-1728B52AA6E4}">
                 <adec:decorative xmlns:adec="http://schemas.microsoft.com/office/drawing/2017/decorative" val="1"/>
@@ -8945,8 +9150,8 @@
         </p:nvSpPr>
         <p:spPr>
           <a:xfrm>
-            <a:off x="448652" y="638175"/>
-            <a:ext cx="3700760" cy="5752390"/>
+            <a:off x="442377" y="601200"/>
+            <a:ext cx="3707477" cy="5624979"/>
           </a:xfrm>
           <a:prstGeom prst="rect">
             <a:avLst/>
@@ -8974,6 +9179,603 @@
           </a:fontRef>
         </p:style>
       </p:sp>
+      <p:sp>
+        <p:nvSpPr>
+          <p:cNvPr id="2" name="Title 1">
+            <a:extLst>
+              <a:ext uri="{FF2B5EF4-FFF2-40B4-BE49-F238E27FC236}">
+                <a16:creationId xmlns:a16="http://schemas.microsoft.com/office/drawing/2014/main" id="{B55F5714-2E8E-4ACD-A2CD-04641C08956A}"/>
+              </a:ext>
+            </a:extLst>
+          </p:cNvPr>
+          <p:cNvSpPr>
+            <a:spLocks noGrp="1"/>
+          </p:cNvSpPr>
+          <p:nvPr>
+            <p:ph type="title"/>
+          </p:nvPr>
+        </p:nvSpPr>
+        <p:spPr>
+          <a:xfrm>
+            <a:off x="601255" y="702155"/>
+            <a:ext cx="3409783" cy="1300365"/>
+          </a:xfrm>
+        </p:spPr>
+        <p:txBody>
+          <a:bodyPr vert="horz" lIns="91440" tIns="45720" rIns="91440" bIns="45720" rtlCol="0" anchor="b">
+            <a:normAutofit/>
+          </a:bodyPr>
+          <a:lstStyle/>
+          <a:p>
+            <a:pPr>
+              <a:spcBef>
+                <a:spcPct val="0"/>
+              </a:spcBef>
+            </a:pPr>
+            <a:r>
+              <a:rPr lang="en-US" sz="2800" dirty="0">
+                <a:solidFill>
+                  <a:srgbClr val="FFFFFF"/>
+                </a:solidFill>
+              </a:rPr>
+              <a:t>REGRESSION model</a:t>
+            </a:r>
+          </a:p>
+        </p:txBody>
+      </p:sp>
+      <p:sp>
+        <p:nvSpPr>
+          <p:cNvPr id="3" name="Text Placeholder 2">
+            <a:extLst>
+              <a:ext uri="{FF2B5EF4-FFF2-40B4-BE49-F238E27FC236}">
+                <a16:creationId xmlns:a16="http://schemas.microsoft.com/office/drawing/2014/main" id="{69967516-9E99-4B4D-AD6B-5B2B788CBAC4}"/>
+              </a:ext>
+            </a:extLst>
+          </p:cNvPr>
+          <p:cNvSpPr>
+            <a:spLocks noGrp="1"/>
+          </p:cNvSpPr>
+          <p:nvPr>
+            <p:ph type="body" idx="1"/>
+          </p:nvPr>
+        </p:nvSpPr>
+        <p:spPr>
+          <a:xfrm>
+            <a:off x="601255" y="2177142"/>
+            <a:ext cx="3409782" cy="3823607"/>
+          </a:xfrm>
+        </p:spPr>
+        <p:txBody>
+          <a:bodyPr vert="horz" lIns="91440" tIns="45720" rIns="91440" bIns="45720" rtlCol="0" anchor="ctr">
+            <a:normAutofit/>
+          </a:bodyPr>
+          <a:lstStyle/>
+          <a:p>
+            <a:pPr>
+              <a:spcBef>
+                <a:spcPct val="20000"/>
+              </a:spcBef>
+              <a:spcAft>
+                <a:spcPts val="600"/>
+              </a:spcAft>
+              <a:buSzPct val="92000"/>
+              <a:buFont typeface="Wingdings 2" panose="05020102010507070707" pitchFamily="18" charset="2"/>
+              <a:buChar char=""/>
+            </a:pPr>
+            <a:r>
+              <a:rPr lang="en-US" dirty="0">
+                <a:solidFill>
+                  <a:srgbClr val="FFFFFF"/>
+                </a:solidFill>
+              </a:rPr>
+              <a:t>Run ML Linear regression using </a:t>
+            </a:r>
+            <a:r>
+              <a:rPr lang="en-US" dirty="0" err="1">
+                <a:solidFill>
+                  <a:srgbClr val="FFFFFF"/>
+                </a:solidFill>
+              </a:rPr>
+              <a:t>sklearn</a:t>
+            </a:r>
+            <a:r>
+              <a:rPr lang="en-US" dirty="0">
+                <a:solidFill>
+                  <a:srgbClr val="FFFFFF"/>
+                </a:solidFill>
+              </a:rPr>
+              <a:t>  model</a:t>
+            </a:r>
+          </a:p>
+        </p:txBody>
+      </p:sp>
+      <p:pic>
+        <p:nvPicPr>
+          <p:cNvPr id="5" name="Picture 4" descr="Graphical user interface, text&#10;&#10;Description automatically generated">
+            <a:extLst>
+              <a:ext uri="{FF2B5EF4-FFF2-40B4-BE49-F238E27FC236}">
+                <a16:creationId xmlns:a16="http://schemas.microsoft.com/office/drawing/2014/main" id="{41973571-4714-4A37-9A12-B8EF6AD2B962}"/>
+              </a:ext>
+            </a:extLst>
+          </p:cNvPr>
+          <p:cNvPicPr>
+            <a:picLocks noChangeAspect="1"/>
+          </p:cNvPicPr>
+          <p:nvPr/>
+        </p:nvPicPr>
+        <p:blipFill>
+          <a:blip r:embed="rId2"/>
+          <a:stretch>
+            <a:fillRect/>
+          </a:stretch>
+        </p:blipFill>
+        <p:spPr>
+          <a:xfrm>
+            <a:off x="4529398" y="788989"/>
+            <a:ext cx="6831503" cy="1998215"/>
+          </a:xfrm>
+          <a:prstGeom prst="rect">
+            <a:avLst/>
+          </a:prstGeom>
+        </p:spPr>
+      </p:pic>
+      <p:pic>
+        <p:nvPicPr>
+          <p:cNvPr id="8" name="Picture 7" descr="Graphical user interface, text, application&#10;&#10;Description automatically generated">
+            <a:extLst>
+              <a:ext uri="{FF2B5EF4-FFF2-40B4-BE49-F238E27FC236}">
+                <a16:creationId xmlns:a16="http://schemas.microsoft.com/office/drawing/2014/main" id="{947C76F2-46F3-40B9-8D7A-B1625DFB2D13}"/>
+              </a:ext>
+            </a:extLst>
+          </p:cNvPr>
+          <p:cNvPicPr>
+            <a:picLocks noChangeAspect="1"/>
+          </p:cNvPicPr>
+          <p:nvPr/>
+        </p:nvPicPr>
+        <p:blipFill>
+          <a:blip r:embed="rId3"/>
+          <a:stretch>
+            <a:fillRect/>
+          </a:stretch>
+        </p:blipFill>
+        <p:spPr>
+          <a:xfrm>
+            <a:off x="4733218" y="3576193"/>
+            <a:ext cx="6627683" cy="1413256"/>
+          </a:xfrm>
+          <a:prstGeom prst="rect">
+            <a:avLst/>
+          </a:prstGeom>
+        </p:spPr>
+      </p:pic>
+    </p:spTree>
+    <p:extLst>
+      <p:ext uri="{BB962C8B-B14F-4D97-AF65-F5344CB8AC3E}">
+        <p14:creationId xmlns:p14="http://schemas.microsoft.com/office/powerpoint/2010/main" val="4032735044"/>
+      </p:ext>
+    </p:extLst>
+  </p:cSld>
+  <p:clrMapOvr>
+    <a:overrideClrMapping bg1="dk1" tx1="lt1" bg2="dk2" tx2="lt2" accent1="accent1" accent2="accent2" accent3="accent3" accent4="accent4" accent5="accent5" accent6="accent6" hlink="hlink" folHlink="folHlink"/>
+  </p:clrMapOvr>
+</p:sld>
+</file>
+
+<file path=ppt/slides/slide16.xml><?xml version="1.0" encoding="utf-8"?>
+<p:sld xmlns:a="http://schemas.openxmlformats.org/drawingml/2006/main" xmlns:r="http://schemas.openxmlformats.org/officeDocument/2006/relationships" xmlns:p="http://schemas.openxmlformats.org/presentationml/2006/main">
+  <p:cSld>
+    <p:spTree>
+      <p:nvGrpSpPr>
+        <p:cNvPr id="1" name=""/>
+        <p:cNvGrpSpPr/>
+        <p:nvPr/>
+      </p:nvGrpSpPr>
+      <p:grpSpPr>
+        <a:xfrm>
+          <a:off x="0" y="0"/>
+          <a:ext cx="0" cy="0"/>
+          <a:chOff x="0" y="0"/>
+          <a:chExt cx="0" cy="0"/>
+        </a:xfrm>
+      </p:grpSpPr>
+      <p:sp>
+        <p:nvSpPr>
+          <p:cNvPr id="2" name="Title 1">
+            <a:extLst>
+              <a:ext uri="{FF2B5EF4-FFF2-40B4-BE49-F238E27FC236}">
+                <a16:creationId xmlns:a16="http://schemas.microsoft.com/office/drawing/2014/main" id="{B55F5714-2E8E-4ACD-A2CD-04641C08956A}"/>
+              </a:ext>
+            </a:extLst>
+          </p:cNvPr>
+          <p:cNvSpPr>
+            <a:spLocks noGrp="1"/>
+          </p:cNvSpPr>
+          <p:nvPr>
+            <p:ph type="title"/>
+          </p:nvPr>
+        </p:nvSpPr>
+        <p:spPr>
+          <a:xfrm>
+            <a:off x="601255" y="702155"/>
+            <a:ext cx="3409783" cy="1300365"/>
+          </a:xfrm>
+        </p:spPr>
+        <p:txBody>
+          <a:bodyPr vert="horz" lIns="91440" tIns="45720" rIns="91440" bIns="45720" rtlCol="0" anchor="b">
+            <a:normAutofit/>
+          </a:bodyPr>
+          <a:lstStyle/>
+          <a:p>
+            <a:pPr>
+              <a:spcBef>
+                <a:spcPct val="0"/>
+              </a:spcBef>
+            </a:pPr>
+            <a:r>
+              <a:rPr lang="en-US" sz="2800" dirty="0">
+                <a:solidFill>
+                  <a:srgbClr val="FFFFFF"/>
+                </a:solidFill>
+              </a:rPr>
+              <a:t>REGRESSION </a:t>
+            </a:r>
+            <a:r>
+              <a:rPr lang="en-US" sz="2800" dirty="0" err="1">
+                <a:solidFill>
+                  <a:srgbClr val="FFFFFF"/>
+                </a:solidFill>
+              </a:rPr>
+              <a:t>mODEL</a:t>
+            </a:r>
+            <a:endParaRPr lang="en-US" sz="2800" dirty="0">
+              <a:solidFill>
+                <a:srgbClr val="FFFFFF"/>
+              </a:solidFill>
+            </a:endParaRPr>
+          </a:p>
+        </p:txBody>
+      </p:sp>
+      <p:sp>
+        <p:nvSpPr>
+          <p:cNvPr id="3" name="Text Placeholder 2">
+            <a:extLst>
+              <a:ext uri="{FF2B5EF4-FFF2-40B4-BE49-F238E27FC236}">
+                <a16:creationId xmlns:a16="http://schemas.microsoft.com/office/drawing/2014/main" id="{69967516-9E99-4B4D-AD6B-5B2B788CBAC4}"/>
+              </a:ext>
+            </a:extLst>
+          </p:cNvPr>
+          <p:cNvSpPr>
+            <a:spLocks noGrp="1"/>
+          </p:cNvSpPr>
+          <p:nvPr>
+            <p:ph type="body" idx="1"/>
+          </p:nvPr>
+        </p:nvSpPr>
+        <p:spPr>
+          <a:xfrm>
+            <a:off x="601255" y="2177142"/>
+            <a:ext cx="3409782" cy="3823607"/>
+          </a:xfrm>
+        </p:spPr>
+        <p:txBody>
+          <a:bodyPr vert="horz" lIns="91440" tIns="45720" rIns="91440" bIns="45720" rtlCol="0" anchor="ctr">
+            <a:normAutofit/>
+          </a:bodyPr>
+          <a:lstStyle/>
+          <a:p>
+            <a:pPr>
+              <a:spcBef>
+                <a:spcPct val="20000"/>
+              </a:spcBef>
+              <a:spcAft>
+                <a:spcPts val="600"/>
+              </a:spcAft>
+              <a:buSzPct val="92000"/>
+              <a:buFont typeface="Wingdings 2" panose="05020102010507070707" pitchFamily="18" charset="2"/>
+              <a:buChar char=""/>
+            </a:pPr>
+            <a:r>
+              <a:rPr lang="en-US" dirty="0">
+                <a:solidFill>
+                  <a:srgbClr val="FFFFFF"/>
+                </a:solidFill>
+              </a:rPr>
+              <a:t>Run ML Linear regression using </a:t>
+            </a:r>
+            <a:r>
+              <a:rPr lang="en-US" dirty="0" err="1">
+                <a:solidFill>
+                  <a:srgbClr val="FFFFFF"/>
+                </a:solidFill>
+              </a:rPr>
+              <a:t>sklearn</a:t>
+            </a:r>
+            <a:r>
+              <a:rPr lang="en-US" dirty="0">
+                <a:solidFill>
+                  <a:srgbClr val="FFFFFF"/>
+                </a:solidFill>
+              </a:rPr>
+              <a:t>  model</a:t>
+            </a:r>
+          </a:p>
+        </p:txBody>
+      </p:sp>
+      <p:pic>
+        <p:nvPicPr>
+          <p:cNvPr id="6" name="Picture 5" descr="Text&#10;&#10;Description automatically generated">
+            <a:extLst>
+              <a:ext uri="{FF2B5EF4-FFF2-40B4-BE49-F238E27FC236}">
+                <a16:creationId xmlns:a16="http://schemas.microsoft.com/office/drawing/2014/main" id="{7DF77E5E-41BD-46EE-A3A3-AAFB002A5046}"/>
+              </a:ext>
+            </a:extLst>
+          </p:cNvPr>
+          <p:cNvPicPr>
+            <a:picLocks noChangeAspect="1"/>
+          </p:cNvPicPr>
+          <p:nvPr/>
+        </p:nvPicPr>
+        <p:blipFill>
+          <a:blip r:embed="rId2"/>
+          <a:stretch>
+            <a:fillRect/>
+          </a:stretch>
+        </p:blipFill>
+        <p:spPr>
+          <a:xfrm>
+            <a:off x="4592231" y="702155"/>
+            <a:ext cx="6831503" cy="3227884"/>
+          </a:xfrm>
+          <a:prstGeom prst="rect">
+            <a:avLst/>
+          </a:prstGeom>
+        </p:spPr>
+      </p:pic>
+      <p:pic>
+        <p:nvPicPr>
+          <p:cNvPr id="9" name="Picture 8">
+            <a:extLst>
+              <a:ext uri="{FF2B5EF4-FFF2-40B4-BE49-F238E27FC236}">
+                <a16:creationId xmlns:a16="http://schemas.microsoft.com/office/drawing/2014/main" id="{8E762E97-C788-474E-9807-95085FC407C2}"/>
+              </a:ext>
+            </a:extLst>
+          </p:cNvPr>
+          <p:cNvPicPr>
+            <a:picLocks noChangeAspect="1"/>
+          </p:cNvPicPr>
+          <p:nvPr/>
+        </p:nvPicPr>
+        <p:blipFill>
+          <a:blip r:embed="rId3"/>
+          <a:stretch>
+            <a:fillRect/>
+          </a:stretch>
+        </p:blipFill>
+        <p:spPr>
+          <a:xfrm>
+            <a:off x="4592231" y="3981443"/>
+            <a:ext cx="6908032" cy="750420"/>
+          </a:xfrm>
+          <a:prstGeom prst="rect">
+            <a:avLst/>
+          </a:prstGeom>
+        </p:spPr>
+      </p:pic>
+    </p:spTree>
+    <p:extLst>
+      <p:ext uri="{BB962C8B-B14F-4D97-AF65-F5344CB8AC3E}">
+        <p14:creationId xmlns:p14="http://schemas.microsoft.com/office/powerpoint/2010/main" val="2431828473"/>
+      </p:ext>
+    </p:extLst>
+  </p:cSld>
+  <p:clrMapOvr>
+    <a:masterClrMapping/>
+  </p:clrMapOvr>
+</p:sld>
+</file>
+
+<file path=ppt/slides/slide17.xml><?xml version="1.0" encoding="utf-8"?>
+<p:sld xmlns:a="http://schemas.openxmlformats.org/drawingml/2006/main" xmlns:r="http://schemas.openxmlformats.org/officeDocument/2006/relationships" xmlns:p="http://schemas.openxmlformats.org/presentationml/2006/main">
+  <p:cSld>
+    <p:spTree>
+      <p:nvGrpSpPr>
+        <p:cNvPr id="1" name=""/>
+        <p:cNvGrpSpPr/>
+        <p:nvPr/>
+      </p:nvGrpSpPr>
+      <p:grpSpPr>
+        <a:xfrm>
+          <a:off x="0" y="0"/>
+          <a:ext cx="0" cy="0"/>
+          <a:chOff x="0" y="0"/>
+          <a:chExt cx="0" cy="0"/>
+        </a:xfrm>
+      </p:grpSpPr>
+      <p:sp>
+        <p:nvSpPr>
+          <p:cNvPr id="2" name="Title 1">
+            <a:extLst>
+              <a:ext uri="{FF2B5EF4-FFF2-40B4-BE49-F238E27FC236}">
+                <a16:creationId xmlns:a16="http://schemas.microsoft.com/office/drawing/2014/main" id="{B55F5714-2E8E-4ACD-A2CD-04641C08956A}"/>
+              </a:ext>
+            </a:extLst>
+          </p:cNvPr>
+          <p:cNvSpPr>
+            <a:spLocks noGrp="1"/>
+          </p:cNvSpPr>
+          <p:nvPr>
+            <p:ph type="title"/>
+          </p:nvPr>
+        </p:nvSpPr>
+        <p:spPr>
+          <a:xfrm>
+            <a:off x="601255" y="702155"/>
+            <a:ext cx="3409783" cy="1300365"/>
+          </a:xfrm>
+        </p:spPr>
+        <p:txBody>
+          <a:bodyPr vert="horz" lIns="91440" tIns="45720" rIns="91440" bIns="45720" rtlCol="0" anchor="b">
+            <a:normAutofit/>
+          </a:bodyPr>
+          <a:lstStyle/>
+          <a:p>
+            <a:pPr>
+              <a:spcBef>
+                <a:spcPct val="0"/>
+              </a:spcBef>
+            </a:pPr>
+            <a:r>
+              <a:rPr lang="en-US" sz="2800" dirty="0">
+                <a:solidFill>
+                  <a:srgbClr val="FFFFFF"/>
+                </a:solidFill>
+              </a:rPr>
+              <a:t>Deep Learning  model</a:t>
+            </a:r>
+          </a:p>
+        </p:txBody>
+      </p:sp>
+      <p:sp>
+        <p:nvSpPr>
+          <p:cNvPr id="3" name="Text Placeholder 2">
+            <a:extLst>
+              <a:ext uri="{FF2B5EF4-FFF2-40B4-BE49-F238E27FC236}">
+                <a16:creationId xmlns:a16="http://schemas.microsoft.com/office/drawing/2014/main" id="{69967516-9E99-4B4D-AD6B-5B2B788CBAC4}"/>
+              </a:ext>
+            </a:extLst>
+          </p:cNvPr>
+          <p:cNvSpPr>
+            <a:spLocks noGrp="1"/>
+          </p:cNvSpPr>
+          <p:nvPr>
+            <p:ph type="body" idx="1"/>
+          </p:nvPr>
+        </p:nvSpPr>
+        <p:spPr>
+          <a:xfrm>
+            <a:off x="601255" y="2177142"/>
+            <a:ext cx="3409782" cy="3823607"/>
+          </a:xfrm>
+        </p:spPr>
+        <p:txBody>
+          <a:bodyPr vert="horz" lIns="91440" tIns="45720" rIns="91440" bIns="45720" rtlCol="0" anchor="ctr">
+            <a:normAutofit/>
+          </a:bodyPr>
+          <a:lstStyle/>
+          <a:p>
+            <a:pPr>
+              <a:spcBef>
+                <a:spcPct val="20000"/>
+              </a:spcBef>
+              <a:spcAft>
+                <a:spcPts val="600"/>
+              </a:spcAft>
+              <a:buSzPct val="92000"/>
+              <a:buFont typeface="Wingdings 2" panose="05020102010507070707" pitchFamily="18" charset="2"/>
+              <a:buChar char=""/>
+            </a:pPr>
+            <a:r>
+              <a:rPr lang="en-US" dirty="0">
+                <a:solidFill>
+                  <a:srgbClr val="FFFFFF"/>
+                </a:solidFill>
+              </a:rPr>
+              <a:t>Run ML Neural Network DL ML Model </a:t>
+            </a:r>
+          </a:p>
+        </p:txBody>
+      </p:sp>
+      <p:pic>
+        <p:nvPicPr>
+          <p:cNvPr id="5" name="Picture 4" descr="Text&#10;&#10;Description automatically generated">
+            <a:extLst>
+              <a:ext uri="{FF2B5EF4-FFF2-40B4-BE49-F238E27FC236}">
+                <a16:creationId xmlns:a16="http://schemas.microsoft.com/office/drawing/2014/main" id="{5D8CD567-4A52-4166-8A27-0CD5C20D03BA}"/>
+              </a:ext>
+            </a:extLst>
+          </p:cNvPr>
+          <p:cNvPicPr>
+            <a:picLocks noChangeAspect="1"/>
+          </p:cNvPicPr>
+          <p:nvPr/>
+        </p:nvPicPr>
+        <p:blipFill>
+          <a:blip r:embed="rId2"/>
+          <a:stretch>
+            <a:fillRect/>
+          </a:stretch>
+        </p:blipFill>
+        <p:spPr>
+          <a:xfrm>
+            <a:off x="4592230" y="841237"/>
+            <a:ext cx="7337529" cy="1467504"/>
+          </a:xfrm>
+          <a:prstGeom prst="rect">
+            <a:avLst/>
+          </a:prstGeom>
+        </p:spPr>
+      </p:pic>
+      <p:pic>
+        <p:nvPicPr>
+          <p:cNvPr id="8" name="Picture 7" descr="Text&#10;&#10;Description automatically generated">
+            <a:extLst>
+              <a:ext uri="{FF2B5EF4-FFF2-40B4-BE49-F238E27FC236}">
+                <a16:creationId xmlns:a16="http://schemas.microsoft.com/office/drawing/2014/main" id="{DD4EC2D4-8A09-42FF-AF5F-35A756471C4B}"/>
+              </a:ext>
+            </a:extLst>
+          </p:cNvPr>
+          <p:cNvPicPr>
+            <a:picLocks noChangeAspect="1"/>
+          </p:cNvPicPr>
+          <p:nvPr/>
+        </p:nvPicPr>
+        <p:blipFill>
+          <a:blip r:embed="rId3"/>
+          <a:stretch>
+            <a:fillRect/>
+          </a:stretch>
+        </p:blipFill>
+        <p:spPr>
+          <a:xfrm>
+            <a:off x="4592230" y="2601339"/>
+            <a:ext cx="7335903" cy="3399410"/>
+          </a:xfrm>
+          <a:prstGeom prst="rect">
+            <a:avLst/>
+          </a:prstGeom>
+        </p:spPr>
+      </p:pic>
+    </p:spTree>
+    <p:extLst>
+      <p:ext uri="{BB962C8B-B14F-4D97-AF65-F5344CB8AC3E}">
+        <p14:creationId xmlns:p14="http://schemas.microsoft.com/office/powerpoint/2010/main" val="2030732977"/>
+      </p:ext>
+    </p:extLst>
+  </p:cSld>
+  <p:clrMapOvr>
+    <a:masterClrMapping/>
+  </p:clrMapOvr>
+</p:sld>
+</file>
+
+<file path=ppt/slides/slide18.xml><?xml version="1.0" encoding="utf-8"?>
+<p:sld xmlns:a="http://schemas.openxmlformats.org/drawingml/2006/main" xmlns:r="http://schemas.openxmlformats.org/officeDocument/2006/relationships" xmlns:p="http://schemas.openxmlformats.org/presentationml/2006/main">
+  <p:cSld>
+    <p:spTree>
+      <p:nvGrpSpPr>
+        <p:cNvPr id="1" name=""/>
+        <p:cNvGrpSpPr/>
+        <p:nvPr/>
+      </p:nvGrpSpPr>
+      <p:grpSpPr>
+        <a:xfrm>
+          <a:off x="0" y="0"/>
+          <a:ext cx="0" cy="0"/>
+          <a:chOff x="0" y="0"/>
+          <a:chExt cx="0" cy="0"/>
+        </a:xfrm>
+      </p:grpSpPr>
       <p:sp>
         <p:nvSpPr>
           <p:cNvPr id="2" name="Title 1">
@@ -9132,1316 +9934,12 @@
     </p:spTree>
     <p:extLst>
       <p:ext uri="{BB962C8B-B14F-4D97-AF65-F5344CB8AC3E}">
-        <p14:creationId xmlns:p14="http://schemas.microsoft.com/office/powerpoint/2010/main" val="480309411"/>
+        <p14:creationId xmlns:p14="http://schemas.microsoft.com/office/powerpoint/2010/main" val="4051875976"/>
       </p:ext>
     </p:extLst>
   </p:cSld>
   <p:clrMapOvr>
     <a:masterClrMapping/>
-  </p:clrMapOvr>
-</p:sld>
-</file>
-
-<file path=ppt/slides/slide12.xml><?xml version="1.0" encoding="utf-8"?>
-<p:sld xmlns:a="http://schemas.openxmlformats.org/drawingml/2006/main" xmlns:r="http://schemas.openxmlformats.org/officeDocument/2006/relationships" xmlns:p="http://schemas.openxmlformats.org/presentationml/2006/main">
-  <p:cSld>
-    <p:spTree>
-      <p:nvGrpSpPr>
-        <p:cNvPr id="1" name="Shape 163"/>
-        <p:cNvGrpSpPr/>
-        <p:nvPr/>
-      </p:nvGrpSpPr>
-      <p:grpSpPr>
-        <a:xfrm>
-          <a:off x="0" y="0"/>
-          <a:ext cx="0" cy="0"/>
-          <a:chOff x="0" y="0"/>
-          <a:chExt cx="0" cy="0"/>
-        </a:xfrm>
-      </p:grpSpPr>
-      <p:sp>
-        <p:nvSpPr>
-          <p:cNvPr id="164" name="Google Shape;164;p18"/>
-          <p:cNvSpPr txBox="1">
-            <a:spLocks noGrp="1"/>
-          </p:cNvSpPr>
-          <p:nvPr>
-            <p:ph type="title"/>
-          </p:nvPr>
-        </p:nvSpPr>
-        <p:spPr>
-          <a:xfrm>
-            <a:off x="1730000" y="525000"/>
-            <a:ext cx="9385200" cy="1218800"/>
-          </a:xfrm>
-          <a:prstGeom prst="rect">
-            <a:avLst/>
-          </a:prstGeom>
-        </p:spPr>
-        <p:txBody>
-          <a:bodyPr spcFirstLastPara="1" vert="horz" wrap="square" lIns="121900" tIns="121900" rIns="121900" bIns="121900" rtlCol="0" anchor="t" anchorCtr="0">
-            <a:normAutofit/>
-          </a:bodyPr>
-          <a:lstStyle/>
-          <a:p>
-            <a:r>
-              <a:rPr lang="en" sz="2800">
-                <a:latin typeface="Lato"/>
-                <a:ea typeface="Lato"/>
-                <a:cs typeface="Lato"/>
-                <a:sym typeface="Lato"/>
-              </a:rPr>
-              <a:t>Project Analysis Machine Learning Model</a:t>
-            </a:r>
-            <a:endParaRPr sz="2800">
-              <a:latin typeface="Lato"/>
-              <a:ea typeface="Lato"/>
-              <a:cs typeface="Lato"/>
-              <a:sym typeface="Lato"/>
-            </a:endParaRPr>
-          </a:p>
-        </p:txBody>
-      </p:sp>
-      <p:sp>
-        <p:nvSpPr>
-          <p:cNvPr id="165" name="Google Shape;165;p18"/>
-          <p:cNvSpPr txBox="1">
-            <a:spLocks noGrp="1"/>
-          </p:cNvSpPr>
-          <p:nvPr>
-            <p:ph type="body" idx="1"/>
-          </p:nvPr>
-        </p:nvSpPr>
-        <p:spPr>
-          <a:xfrm>
-            <a:off x="1730000" y="2090067"/>
-            <a:ext cx="9385200" cy="3881600"/>
-          </a:xfrm>
-          <a:prstGeom prst="rect">
-            <a:avLst/>
-          </a:prstGeom>
-        </p:spPr>
-        <p:txBody>
-          <a:bodyPr spcFirstLastPara="1" vert="horz" wrap="square" lIns="121900" tIns="121900" rIns="121900" bIns="121900" rtlCol="0" anchor="t" anchorCtr="0">
-            <a:normAutofit/>
-          </a:bodyPr>
-          <a:lstStyle/>
-          <a:p>
-            <a:r>
-              <a:rPr lang="en"/>
-              <a:t>Once ETL process is completed, we will use the Data Frame to run two Machine Learning models:</a:t>
-            </a:r>
-            <a:endParaRPr/>
-          </a:p>
-          <a:p>
-            <a:pPr lvl="1"/>
-            <a:r>
-              <a:rPr lang="en" b="1">
-                <a:solidFill>
-                  <a:srgbClr val="008000"/>
-                </a:solidFill>
-                <a:highlight>
-                  <a:srgbClr val="F7F7F7"/>
-                </a:highlight>
-                <a:latin typeface="Arial"/>
-                <a:ea typeface="Arial"/>
-                <a:cs typeface="Arial"/>
-                <a:sym typeface="Arial"/>
-              </a:rPr>
-              <a:t>Linear Regression </a:t>
-            </a:r>
-            <a:endParaRPr b="1">
-              <a:solidFill>
-                <a:srgbClr val="008000"/>
-              </a:solidFill>
-              <a:highlight>
-                <a:srgbClr val="F7F7F7"/>
-              </a:highlight>
-              <a:latin typeface="Arial"/>
-              <a:ea typeface="Arial"/>
-              <a:cs typeface="Arial"/>
-              <a:sym typeface="Arial"/>
-            </a:endParaRPr>
-          </a:p>
-          <a:p>
-            <a:pPr marL="0" indent="0">
-              <a:spcBef>
-                <a:spcPts val="1600"/>
-              </a:spcBef>
-              <a:buNone/>
-            </a:pPr>
-            <a:endParaRPr sz="1400" b="1">
-              <a:solidFill>
-                <a:srgbClr val="008000"/>
-              </a:solidFill>
-              <a:highlight>
-                <a:srgbClr val="F7F7F7"/>
-              </a:highlight>
-              <a:latin typeface="Arial"/>
-              <a:ea typeface="Arial"/>
-              <a:cs typeface="Arial"/>
-              <a:sym typeface="Arial"/>
-            </a:endParaRPr>
-          </a:p>
-          <a:p>
-            <a:pPr marL="0" indent="0">
-              <a:spcBef>
-                <a:spcPts val="1600"/>
-              </a:spcBef>
-              <a:buNone/>
-            </a:pPr>
-            <a:endParaRPr sz="1400" b="1">
-              <a:solidFill>
-                <a:srgbClr val="008000"/>
-              </a:solidFill>
-              <a:highlight>
-                <a:srgbClr val="F7F7F7"/>
-              </a:highlight>
-              <a:latin typeface="Arial"/>
-              <a:ea typeface="Arial"/>
-              <a:cs typeface="Arial"/>
-              <a:sym typeface="Arial"/>
-            </a:endParaRPr>
-          </a:p>
-          <a:p>
-            <a:pPr indent="-393690">
-              <a:spcBef>
-                <a:spcPts val="1600"/>
-              </a:spcBef>
-              <a:buClr>
-                <a:srgbClr val="008000"/>
-              </a:buClr>
-              <a:buSzPts val="1050"/>
-              <a:buFont typeface="Arial"/>
-              <a:buChar char="●"/>
-            </a:pPr>
-            <a:r>
-              <a:rPr lang="en" sz="1400" b="1">
-                <a:solidFill>
-                  <a:srgbClr val="008000"/>
-                </a:solidFill>
-                <a:highlight>
-                  <a:srgbClr val="F7F7F7"/>
-                </a:highlight>
-                <a:latin typeface="Arial"/>
-                <a:ea typeface="Arial"/>
-                <a:cs typeface="Arial"/>
-                <a:sym typeface="Arial"/>
-              </a:rPr>
-              <a:t>Neural Network ML Model</a:t>
-            </a:r>
-            <a:endParaRPr sz="1400" b="1">
-              <a:solidFill>
-                <a:srgbClr val="008000"/>
-              </a:solidFill>
-              <a:highlight>
-                <a:srgbClr val="F7F7F7"/>
-              </a:highlight>
-              <a:latin typeface="Arial"/>
-              <a:ea typeface="Arial"/>
-              <a:cs typeface="Arial"/>
-              <a:sym typeface="Arial"/>
-            </a:endParaRPr>
-          </a:p>
-        </p:txBody>
-      </p:sp>
-    </p:spTree>
-  </p:cSld>
-  <p:clrMapOvr>
-    <a:masterClrMapping/>
-  </p:clrMapOvr>
-</p:sld>
-</file>
-
-<file path=ppt/slides/slide13.xml><?xml version="1.0" encoding="utf-8"?>
-<p:sld xmlns:a="http://schemas.openxmlformats.org/drawingml/2006/main" xmlns:r="http://schemas.openxmlformats.org/officeDocument/2006/relationships" xmlns:p="http://schemas.openxmlformats.org/presentationml/2006/main">
-  <p:cSld>
-    <p:spTree>
-      <p:nvGrpSpPr>
-        <p:cNvPr id="1" name="Shape 169"/>
-        <p:cNvGrpSpPr/>
-        <p:nvPr/>
-      </p:nvGrpSpPr>
-      <p:grpSpPr>
-        <a:xfrm>
-          <a:off x="0" y="0"/>
-          <a:ext cx="0" cy="0"/>
-          <a:chOff x="0" y="0"/>
-          <a:chExt cx="0" cy="0"/>
-        </a:xfrm>
-      </p:grpSpPr>
-      <p:sp>
-        <p:nvSpPr>
-          <p:cNvPr id="170" name="Google Shape;170;p19"/>
-          <p:cNvSpPr txBox="1">
-            <a:spLocks noGrp="1"/>
-          </p:cNvSpPr>
-          <p:nvPr>
-            <p:ph type="title"/>
-          </p:nvPr>
-        </p:nvSpPr>
-        <p:spPr>
-          <a:xfrm>
-            <a:off x="1730000" y="525000"/>
-            <a:ext cx="9385200" cy="1218800"/>
-          </a:xfrm>
-          <a:prstGeom prst="rect">
-            <a:avLst/>
-          </a:prstGeom>
-        </p:spPr>
-        <p:txBody>
-          <a:bodyPr spcFirstLastPara="1" vert="horz" wrap="square" lIns="121900" tIns="121900" rIns="121900" bIns="121900" rtlCol="0" anchor="t" anchorCtr="0">
-            <a:normAutofit/>
-          </a:bodyPr>
-          <a:lstStyle/>
-          <a:p>
-            <a:pPr>
-              <a:buSzPts val="990"/>
-            </a:pPr>
-            <a:r>
-              <a:rPr lang="en" sz="2800">
-                <a:latin typeface="Lato"/>
-                <a:ea typeface="Lato"/>
-                <a:cs typeface="Lato"/>
-                <a:sym typeface="Lato"/>
-              </a:rPr>
-              <a:t>Final Project outcome , Dashboard and visualization</a:t>
-            </a:r>
-            <a:endParaRPr sz="2800">
-              <a:latin typeface="Lato"/>
-              <a:ea typeface="Lato"/>
-              <a:cs typeface="Lato"/>
-              <a:sym typeface="Lato"/>
-            </a:endParaRPr>
-          </a:p>
-        </p:txBody>
-      </p:sp>
-      <p:sp>
-        <p:nvSpPr>
-          <p:cNvPr id="171" name="Google Shape;171;p19"/>
-          <p:cNvSpPr txBox="1">
-            <a:spLocks noGrp="1"/>
-          </p:cNvSpPr>
-          <p:nvPr>
-            <p:ph type="body" idx="1"/>
-          </p:nvPr>
-        </p:nvSpPr>
-        <p:spPr>
-          <a:xfrm>
-            <a:off x="1730000" y="2090067"/>
-            <a:ext cx="9385200" cy="3881600"/>
-          </a:xfrm>
-          <a:prstGeom prst="rect">
-            <a:avLst/>
-          </a:prstGeom>
-        </p:spPr>
-        <p:txBody>
-          <a:bodyPr spcFirstLastPara="1" vert="horz" wrap="square" lIns="121900" tIns="121900" rIns="121900" bIns="121900" rtlCol="0" anchor="t" anchorCtr="0">
-            <a:normAutofit/>
-          </a:bodyPr>
-          <a:lstStyle/>
-          <a:p>
-            <a:r>
-              <a:rPr lang="en"/>
-              <a:t>Using  Tableau to visualize the following analysis outcome:</a:t>
-            </a:r>
-            <a:endParaRPr/>
-          </a:p>
-          <a:p>
-            <a:pPr lvl="1"/>
-            <a:r>
-              <a:rPr lang="en"/>
-              <a:t>Present at the county level in Ca  the  Avg. Sale Price vs. Predicted Ang. Price, Min Max Price Per SQF </a:t>
-            </a:r>
-            <a:endParaRPr/>
-          </a:p>
-          <a:p>
-            <a:pPr lvl="1"/>
-            <a:r>
-              <a:rPr lang="en"/>
-              <a:t>Top 5 Areas with the Highest prices. </a:t>
-            </a:r>
-            <a:endParaRPr/>
-          </a:p>
-          <a:p>
-            <a:pPr lvl="1"/>
-            <a:r>
-              <a:rPr lang="en"/>
-              <a:t>Bottom 5 areas with the lowest prices. l </a:t>
-            </a:r>
-            <a:endParaRPr/>
-          </a:p>
-        </p:txBody>
-      </p:sp>
-    </p:spTree>
-  </p:cSld>
-  <p:clrMapOvr>
-    <a:masterClrMapping/>
-  </p:clrMapOvr>
-</p:sld>
-</file>
-
-<file path=ppt/slides/slide14.xml><?xml version="1.0" encoding="utf-8"?>
-<p:sld xmlns:a="http://schemas.openxmlformats.org/drawingml/2006/main" xmlns:r="http://schemas.openxmlformats.org/officeDocument/2006/relationships" xmlns:p="http://schemas.openxmlformats.org/presentationml/2006/main">
-  <p:cSld>
-    <p:spTree>
-      <p:nvGrpSpPr>
-        <p:cNvPr id="1" name="Shape 175"/>
-        <p:cNvGrpSpPr/>
-        <p:nvPr/>
-      </p:nvGrpSpPr>
-      <p:grpSpPr>
-        <a:xfrm>
-          <a:off x="0" y="0"/>
-          <a:ext cx="0" cy="0"/>
-          <a:chOff x="0" y="0"/>
-          <a:chExt cx="0" cy="0"/>
-        </a:xfrm>
-      </p:grpSpPr>
-      <p:sp>
-        <p:nvSpPr>
-          <p:cNvPr id="176" name="Google Shape;176;p20"/>
-          <p:cNvSpPr txBox="1">
-            <a:spLocks noGrp="1"/>
-          </p:cNvSpPr>
-          <p:nvPr>
-            <p:ph type="title"/>
-          </p:nvPr>
-        </p:nvSpPr>
-        <p:spPr>
-          <a:xfrm>
-            <a:off x="1730000" y="525000"/>
-            <a:ext cx="9385200" cy="1218800"/>
-          </a:xfrm>
-          <a:prstGeom prst="rect">
-            <a:avLst/>
-          </a:prstGeom>
-        </p:spPr>
-        <p:txBody>
-          <a:bodyPr spcFirstLastPara="1" vert="horz" wrap="square" lIns="121900" tIns="121900" rIns="121900" bIns="121900" rtlCol="0" anchor="t" anchorCtr="0">
-            <a:normAutofit/>
-          </a:bodyPr>
-          <a:lstStyle/>
-          <a:p>
-            <a:r>
-              <a:rPr lang="en" sz="2800">
-                <a:latin typeface="Lato"/>
-                <a:ea typeface="Lato"/>
-                <a:cs typeface="Lato"/>
-                <a:sym typeface="Lato"/>
-              </a:rPr>
-              <a:t>Technologies, languages, tools, and algorithms used throughout the project</a:t>
-            </a:r>
-            <a:endParaRPr sz="2800">
-              <a:latin typeface="Lato"/>
-              <a:ea typeface="Lato"/>
-              <a:cs typeface="Lato"/>
-              <a:sym typeface="Lato"/>
-            </a:endParaRPr>
-          </a:p>
-        </p:txBody>
-      </p:sp>
-      <p:sp>
-        <p:nvSpPr>
-          <p:cNvPr id="177" name="Google Shape;177;p20"/>
-          <p:cNvSpPr txBox="1">
-            <a:spLocks noGrp="1"/>
-          </p:cNvSpPr>
-          <p:nvPr>
-            <p:ph type="body" idx="1"/>
-          </p:nvPr>
-        </p:nvSpPr>
-        <p:spPr>
-          <a:xfrm>
-            <a:off x="1730000" y="2090067"/>
-            <a:ext cx="9385200" cy="3881600"/>
-          </a:xfrm>
-          <a:prstGeom prst="rect">
-            <a:avLst/>
-          </a:prstGeom>
-        </p:spPr>
-        <p:txBody>
-          <a:bodyPr spcFirstLastPara="1" vert="horz" wrap="square" lIns="121900" tIns="121900" rIns="121900" bIns="121900" rtlCol="0" anchor="t" anchorCtr="0">
-            <a:normAutofit/>
-          </a:bodyPr>
-          <a:lstStyle/>
-          <a:p>
-            <a:r>
-              <a:rPr lang="en"/>
-              <a:t>Python :  Pandas, PySpark </a:t>
-            </a:r>
-            <a:endParaRPr/>
-          </a:p>
-          <a:p>
-            <a:r>
-              <a:rPr lang="en"/>
-              <a:t>SQLAlchemy </a:t>
-            </a:r>
-            <a:endParaRPr/>
-          </a:p>
-          <a:p>
-            <a:r>
-              <a:rPr lang="en"/>
-              <a:t>Postgres </a:t>
-            </a:r>
-            <a:endParaRPr/>
-          </a:p>
-          <a:p>
-            <a:r>
-              <a:rPr lang="en"/>
-              <a:t>Google CoLab </a:t>
-            </a:r>
-            <a:endParaRPr/>
-          </a:p>
-          <a:p>
-            <a:r>
-              <a:rPr lang="en"/>
-              <a:t>Google Docs. </a:t>
-            </a:r>
-            <a:endParaRPr/>
-          </a:p>
-          <a:p>
-            <a:r>
-              <a:rPr lang="en"/>
-              <a:t>Python ML Models: Linear regression , Keras for neural network ML Model. </a:t>
-            </a:r>
-            <a:endParaRPr/>
-          </a:p>
-        </p:txBody>
-      </p:sp>
-    </p:spTree>
-  </p:cSld>
-  <p:clrMapOvr>
-    <a:masterClrMapping/>
-  </p:clrMapOvr>
-</p:sld>
-</file>
-
-<file path=ppt/slides/slide15.xml><?xml version="1.0" encoding="utf-8"?>
-<p:sld xmlns:a="http://schemas.openxmlformats.org/drawingml/2006/main" xmlns:r="http://schemas.openxmlformats.org/officeDocument/2006/relationships" xmlns:p="http://schemas.openxmlformats.org/presentationml/2006/main">
-  <p:cSld>
-    <p:spTree>
-      <p:nvGrpSpPr>
-        <p:cNvPr id="1" name="Shape 181"/>
-        <p:cNvGrpSpPr/>
-        <p:nvPr/>
-      </p:nvGrpSpPr>
-      <p:grpSpPr>
-        <a:xfrm>
-          <a:off x="0" y="0"/>
-          <a:ext cx="0" cy="0"/>
-          <a:chOff x="0" y="0"/>
-          <a:chExt cx="0" cy="0"/>
-        </a:xfrm>
-      </p:grpSpPr>
-      <p:sp>
-        <p:nvSpPr>
-          <p:cNvPr id="182" name="Google Shape;182;p21"/>
-          <p:cNvSpPr txBox="1">
-            <a:spLocks noGrp="1"/>
-          </p:cNvSpPr>
-          <p:nvPr>
-            <p:ph type="title"/>
-          </p:nvPr>
-        </p:nvSpPr>
-        <p:spPr>
-          <a:xfrm>
-            <a:off x="1730000" y="525000"/>
-            <a:ext cx="9385200" cy="1218800"/>
-          </a:xfrm>
-          <a:prstGeom prst="rect">
-            <a:avLst/>
-          </a:prstGeom>
-        </p:spPr>
-        <p:txBody>
-          <a:bodyPr spcFirstLastPara="1" vert="horz" wrap="square" lIns="121900" tIns="121900" rIns="121900" bIns="121900" rtlCol="0" anchor="t" anchorCtr="0">
-            <a:normAutofit/>
-          </a:bodyPr>
-          <a:lstStyle/>
-          <a:p>
-            <a:r>
-              <a:rPr lang="en" sz="2800">
-                <a:latin typeface="Lato"/>
-                <a:ea typeface="Lato"/>
-                <a:cs typeface="Lato"/>
-                <a:sym typeface="Lato"/>
-              </a:rPr>
-              <a:t>Recommendation for future analysis</a:t>
-            </a:r>
-            <a:endParaRPr sz="2800">
-              <a:latin typeface="Lato"/>
-              <a:ea typeface="Lato"/>
-              <a:cs typeface="Lato"/>
-              <a:sym typeface="Lato"/>
-            </a:endParaRPr>
-          </a:p>
-        </p:txBody>
-      </p:sp>
-      <p:sp>
-        <p:nvSpPr>
-          <p:cNvPr id="183" name="Google Shape;183;p21"/>
-          <p:cNvSpPr txBox="1">
-            <a:spLocks noGrp="1"/>
-          </p:cNvSpPr>
-          <p:nvPr>
-            <p:ph type="body" idx="1"/>
-          </p:nvPr>
-        </p:nvSpPr>
-        <p:spPr>
-          <a:xfrm>
-            <a:off x="1730000" y="2090067"/>
-            <a:ext cx="9385200" cy="3881600"/>
-          </a:xfrm>
-          <a:prstGeom prst="rect">
-            <a:avLst/>
-          </a:prstGeom>
-        </p:spPr>
-        <p:txBody>
-          <a:bodyPr spcFirstLastPara="1" vert="horz" wrap="square" lIns="121900" tIns="121900" rIns="121900" bIns="121900" rtlCol="0" anchor="t" anchorCtr="0">
-            <a:normAutofit/>
-          </a:bodyPr>
-          <a:lstStyle/>
-          <a:p>
-            <a:pPr marL="0" indent="0">
-              <a:spcAft>
-                <a:spcPts val="1600"/>
-              </a:spcAft>
-              <a:buNone/>
-            </a:pPr>
-            <a:r>
-              <a:rPr lang="en"/>
-              <a:t>TBD </a:t>
-            </a:r>
-            <a:endParaRPr/>
-          </a:p>
-        </p:txBody>
-      </p:sp>
-    </p:spTree>
-  </p:cSld>
-  <p:clrMapOvr>
-    <a:masterClrMapping/>
-  </p:clrMapOvr>
-</p:sld>
-</file>
-
-<file path=ppt/slides/slide16.xml><?xml version="1.0" encoding="utf-8"?>
-<p:sld xmlns:a="http://schemas.openxmlformats.org/drawingml/2006/main" xmlns:r="http://schemas.openxmlformats.org/officeDocument/2006/relationships" xmlns:p="http://schemas.openxmlformats.org/presentationml/2006/main">
-  <p:cSld>
-    <p:spTree>
-      <p:nvGrpSpPr>
-        <p:cNvPr id="1" name="Shape 181"/>
-        <p:cNvGrpSpPr/>
-        <p:nvPr/>
-      </p:nvGrpSpPr>
-      <p:grpSpPr>
-        <a:xfrm>
-          <a:off x="0" y="0"/>
-          <a:ext cx="0" cy="0"/>
-          <a:chOff x="0" y="0"/>
-          <a:chExt cx="0" cy="0"/>
-        </a:xfrm>
-      </p:grpSpPr>
-      <p:sp>
-        <p:nvSpPr>
-          <p:cNvPr id="182" name="Google Shape;182;p21"/>
-          <p:cNvSpPr txBox="1">
-            <a:spLocks noGrp="1"/>
-          </p:cNvSpPr>
-          <p:nvPr>
-            <p:ph type="title"/>
-          </p:nvPr>
-        </p:nvSpPr>
-        <p:spPr>
-          <a:xfrm>
-            <a:off x="1525814" y="3126157"/>
-            <a:ext cx="9385200" cy="1218800"/>
-          </a:xfrm>
-          <a:prstGeom prst="rect">
-            <a:avLst/>
-          </a:prstGeom>
-        </p:spPr>
-        <p:txBody>
-          <a:bodyPr spcFirstLastPara="1" vert="horz" wrap="square" lIns="121900" tIns="121900" rIns="121900" bIns="121900" rtlCol="0" anchor="t" anchorCtr="0">
-            <a:normAutofit/>
-          </a:bodyPr>
-          <a:lstStyle/>
-          <a:p>
-            <a:r>
-              <a:rPr lang="en" sz="2800" dirty="0">
-                <a:latin typeface="Lato"/>
-                <a:ea typeface="Lato"/>
-                <a:cs typeface="Lato"/>
-                <a:sym typeface="Lato"/>
-              </a:rPr>
-              <a:t>Backup</a:t>
-            </a:r>
-            <a:endParaRPr sz="2800" dirty="0">
-              <a:latin typeface="Lato"/>
-              <a:ea typeface="Lato"/>
-              <a:cs typeface="Lato"/>
-              <a:sym typeface="Lato"/>
-            </a:endParaRPr>
-          </a:p>
-        </p:txBody>
-      </p:sp>
-    </p:spTree>
-    <p:extLst>
-      <p:ext uri="{BB962C8B-B14F-4D97-AF65-F5344CB8AC3E}">
-        <p14:creationId xmlns:p14="http://schemas.microsoft.com/office/powerpoint/2010/main" val="3099164048"/>
-      </p:ext>
-    </p:extLst>
-  </p:cSld>
-  <p:clrMapOvr>
-    <a:masterClrMapping/>
-  </p:clrMapOvr>
-</p:sld>
-</file>
-
-<file path=ppt/slides/slide17.xml><?xml version="1.0" encoding="utf-8"?>
-<p:sld xmlns:a="http://schemas.openxmlformats.org/drawingml/2006/main" xmlns:r="http://schemas.openxmlformats.org/officeDocument/2006/relationships" xmlns:p="http://schemas.openxmlformats.org/presentationml/2006/main">
-  <p:cSld>
-    <p:bg>
-      <p:bgPr>
-        <a:solidFill>
-          <a:schemeClr val="bg1"/>
-        </a:solidFill>
-        <a:effectLst/>
-      </p:bgPr>
-    </p:bg>
-    <p:spTree>
-      <p:nvGrpSpPr>
-        <p:cNvPr id="1" name=""/>
-        <p:cNvGrpSpPr/>
-        <p:nvPr/>
-      </p:nvGrpSpPr>
-      <p:grpSpPr>
-        <a:xfrm>
-          <a:off x="0" y="0"/>
-          <a:ext cx="0" cy="0"/>
-          <a:chOff x="0" y="0"/>
-          <a:chExt cx="0" cy="0"/>
-        </a:xfrm>
-      </p:grpSpPr>
-      <p:sp>
-        <p:nvSpPr>
-          <p:cNvPr id="10" name="Rectangle 9">
-            <a:extLst>
-              <a:ext uri="{FF2B5EF4-FFF2-40B4-BE49-F238E27FC236}">
-                <a16:creationId xmlns:a16="http://schemas.microsoft.com/office/drawing/2014/main" id="{DD651B61-325E-4E73-8445-38B0DE8AAAB6}"/>
-              </a:ext>
-              <a:ext uri="{C183D7F6-B498-43B3-948B-1728B52AA6E4}">
-                <adec:decorative xmlns:adec="http://schemas.microsoft.com/office/drawing/2017/decorative" val="1"/>
-              </a:ext>
-            </a:extLst>
-          </p:cNvPr>
-          <p:cNvSpPr>
-            <a:spLocks noGrp="1" noRot="1" noChangeAspect="1" noMove="1" noResize="1" noEditPoints="1" noAdjustHandles="1" noChangeArrowheads="1" noChangeShapeType="1" noTextEdit="1"/>
-          </p:cNvSpPr>
-          <p:nvPr>
-            <p:extLst>
-              <p:ext uri="{386F3935-93C4-4BCD-93E2-E3B085C9AB24}">
-                <p16:designElem xmlns:p16="http://schemas.microsoft.com/office/powerpoint/2015/main" val="1"/>
-              </p:ext>
-            </p:extLst>
-          </p:nvPr>
-        </p:nvSpPr>
-        <p:spPr>
-          <a:xfrm>
-            <a:off x="446534" y="457200"/>
-            <a:ext cx="3703320" cy="94997"/>
-          </a:xfrm>
-          <a:prstGeom prst="rect">
-            <a:avLst/>
-          </a:prstGeom>
-          <a:solidFill>
-            <a:srgbClr val="465359"/>
-          </a:solidFill>
-          <a:ln>
-            <a:noFill/>
-          </a:ln>
-          <a:effectLst/>
-        </p:spPr>
-        <p:style>
-          <a:lnRef idx="1">
-            <a:schemeClr val="accent1"/>
-          </a:lnRef>
-          <a:fillRef idx="3">
-            <a:schemeClr val="accent1"/>
-          </a:fillRef>
-          <a:effectRef idx="2">
-            <a:schemeClr val="accent1"/>
-          </a:effectRef>
-          <a:fontRef idx="minor">
-            <a:schemeClr val="lt1"/>
-          </a:fontRef>
-        </p:style>
-      </p:sp>
-      <p:sp>
-        <p:nvSpPr>
-          <p:cNvPr id="12" name="Rectangle 11">
-            <a:extLst>
-              <a:ext uri="{FF2B5EF4-FFF2-40B4-BE49-F238E27FC236}">
-                <a16:creationId xmlns:a16="http://schemas.microsoft.com/office/drawing/2014/main" id="{B42E5253-D3AC-4AC2-B766-8B34F13C2F5E}"/>
-              </a:ext>
-              <a:ext uri="{C183D7F6-B498-43B3-948B-1728B52AA6E4}">
-                <adec:decorative xmlns:adec="http://schemas.microsoft.com/office/drawing/2017/decorative" val="1"/>
-              </a:ext>
-            </a:extLst>
-          </p:cNvPr>
-          <p:cNvSpPr>
-            <a:spLocks noGrp="1" noRot="1" noChangeAspect="1" noMove="1" noResize="1" noEditPoints="1" noAdjustHandles="1" noChangeArrowheads="1" noChangeShapeType="1" noTextEdit="1"/>
-          </p:cNvSpPr>
-          <p:nvPr>
-            <p:extLst>
-              <p:ext uri="{386F3935-93C4-4BCD-93E2-E3B085C9AB24}">
-                <p16:designElem xmlns:p16="http://schemas.microsoft.com/office/powerpoint/2015/main" val="1"/>
-              </p:ext>
-            </p:extLst>
-          </p:nvPr>
-        </p:nvSpPr>
-        <p:spPr>
-          <a:xfrm>
-            <a:off x="8042147" y="453643"/>
-            <a:ext cx="3703320" cy="98554"/>
-          </a:xfrm>
-          <a:prstGeom prst="rect">
-            <a:avLst/>
-          </a:prstGeom>
-          <a:solidFill>
-            <a:srgbClr val="969FA7"/>
-          </a:solidFill>
-          <a:ln>
-            <a:noFill/>
-          </a:ln>
-          <a:effectLst/>
-        </p:spPr>
-        <p:style>
-          <a:lnRef idx="1">
-            <a:schemeClr val="accent1"/>
-          </a:lnRef>
-          <a:fillRef idx="3">
-            <a:schemeClr val="accent1"/>
-          </a:fillRef>
-          <a:effectRef idx="2">
-            <a:schemeClr val="accent1"/>
-          </a:effectRef>
-          <a:fontRef idx="minor">
-            <a:schemeClr val="lt1"/>
-          </a:fontRef>
-        </p:style>
-      </p:sp>
-      <p:sp>
-        <p:nvSpPr>
-          <p:cNvPr id="14" name="Rectangle 13">
-            <a:extLst>
-              <a:ext uri="{FF2B5EF4-FFF2-40B4-BE49-F238E27FC236}">
-                <a16:creationId xmlns:a16="http://schemas.microsoft.com/office/drawing/2014/main" id="{10AE8D57-436A-4073-9A75-15BB5949F8B4}"/>
-              </a:ext>
-              <a:ext uri="{C183D7F6-B498-43B3-948B-1728B52AA6E4}">
-                <adec:decorative xmlns:adec="http://schemas.microsoft.com/office/drawing/2017/decorative" val="1"/>
-              </a:ext>
-            </a:extLst>
-          </p:cNvPr>
-          <p:cNvSpPr>
-            <a:spLocks noGrp="1" noRot="1" noChangeAspect="1" noMove="1" noResize="1" noEditPoints="1" noAdjustHandles="1" noChangeArrowheads="1" noChangeShapeType="1" noTextEdit="1"/>
-          </p:cNvSpPr>
-          <p:nvPr>
-            <p:extLst>
-              <p:ext uri="{386F3935-93C4-4BCD-93E2-E3B085C9AB24}">
-                <p16:designElem xmlns:p16="http://schemas.microsoft.com/office/powerpoint/2015/main" val="1"/>
-              </p:ext>
-            </p:extLst>
-          </p:nvPr>
-        </p:nvSpPr>
-        <p:spPr>
-          <a:xfrm>
-            <a:off x="4241830" y="457200"/>
-            <a:ext cx="3703320" cy="91440"/>
-          </a:xfrm>
-          <a:prstGeom prst="rect">
-            <a:avLst/>
-          </a:prstGeom>
-          <a:solidFill>
-            <a:schemeClr val="accent1"/>
-          </a:solidFill>
-          <a:ln>
-            <a:noFill/>
-          </a:ln>
-          <a:effectLst/>
-        </p:spPr>
-        <p:style>
-          <a:lnRef idx="1">
-            <a:schemeClr val="accent1"/>
-          </a:lnRef>
-          <a:fillRef idx="3">
-            <a:schemeClr val="accent1"/>
-          </a:fillRef>
-          <a:effectRef idx="2">
-            <a:schemeClr val="accent1"/>
-          </a:effectRef>
-          <a:fontRef idx="minor">
-            <a:schemeClr val="lt1"/>
-          </a:fontRef>
-        </p:style>
-      </p:sp>
-      <p:sp>
-        <p:nvSpPr>
-          <p:cNvPr id="16" name="Rectangle 15">
-            <a:extLst>
-              <a:ext uri="{FF2B5EF4-FFF2-40B4-BE49-F238E27FC236}">
-                <a16:creationId xmlns:a16="http://schemas.microsoft.com/office/drawing/2014/main" id="{E9751CB9-7B25-4EB8-9A6F-82F822549F12}"/>
-              </a:ext>
-              <a:ext uri="{C183D7F6-B498-43B3-948B-1728B52AA6E4}">
-                <adec:decorative xmlns:adec="http://schemas.microsoft.com/office/drawing/2017/decorative" val="1"/>
-              </a:ext>
-            </a:extLst>
-          </p:cNvPr>
-          <p:cNvSpPr>
-            <a:spLocks noGrp="1" noRot="1" noChangeAspect="1" noMove="1" noResize="1" noEditPoints="1" noAdjustHandles="1" noChangeArrowheads="1" noChangeShapeType="1" noTextEdit="1"/>
-          </p:cNvSpPr>
-          <p:nvPr>
-            <p:extLst>
-              <p:ext uri="{386F3935-93C4-4BCD-93E2-E3B085C9AB24}">
-                <p16:designElem xmlns:p16="http://schemas.microsoft.com/office/powerpoint/2015/main" val="1"/>
-              </p:ext>
-            </p:extLst>
-          </p:nvPr>
-        </p:nvSpPr>
-        <p:spPr>
-          <a:xfrm>
-            <a:off x="0" y="0"/>
-            <a:ext cx="12192000" cy="6858000"/>
-          </a:xfrm>
-          <a:prstGeom prst="rect">
-            <a:avLst/>
-          </a:prstGeom>
-          <a:solidFill>
-            <a:srgbClr val="FFFFFF"/>
-          </a:solidFill>
-          <a:ln>
-            <a:noFill/>
-          </a:ln>
-        </p:spPr>
-        <p:style>
-          <a:lnRef idx="2">
-            <a:schemeClr val="accent1">
-              <a:shade val="50000"/>
-            </a:schemeClr>
-          </a:lnRef>
-          <a:fillRef idx="1">
-            <a:schemeClr val="accent1"/>
-          </a:fillRef>
-          <a:effectRef idx="0">
-            <a:schemeClr val="accent1"/>
-          </a:effectRef>
-          <a:fontRef idx="minor">
-            <a:schemeClr val="lt1"/>
-          </a:fontRef>
-        </p:style>
-        <p:txBody>
-          <a:bodyPr rtlCol="0" anchor="ctr"/>
-          <a:lstStyle/>
-          <a:p>
-            <a:pPr algn="ctr"/>
-            <a:endParaRPr lang="en-US"/>
-          </a:p>
-        </p:txBody>
-      </p:sp>
-      <p:sp>
-        <p:nvSpPr>
-          <p:cNvPr id="18" name="Rectangle 17">
-            <a:extLst>
-              <a:ext uri="{FF2B5EF4-FFF2-40B4-BE49-F238E27FC236}">
-                <a16:creationId xmlns:a16="http://schemas.microsoft.com/office/drawing/2014/main" id="{E1317383-CF3B-4B02-9512-BECBEF6362A4}"/>
-              </a:ext>
-              <a:ext uri="{C183D7F6-B498-43B3-948B-1728B52AA6E4}">
-                <adec:decorative xmlns:adec="http://schemas.microsoft.com/office/drawing/2017/decorative" val="1"/>
-              </a:ext>
-            </a:extLst>
-          </p:cNvPr>
-          <p:cNvSpPr>
-            <a:spLocks noGrp="1" noRot="1" noChangeAspect="1" noMove="1" noResize="1" noEditPoints="1" noAdjustHandles="1" noChangeArrowheads="1" noChangeShapeType="1" noTextEdit="1"/>
-          </p:cNvSpPr>
-          <p:nvPr>
-            <p:extLst>
-              <p:ext uri="{386F3935-93C4-4BCD-93E2-E3B085C9AB24}">
-                <p16:designElem xmlns:p16="http://schemas.microsoft.com/office/powerpoint/2015/main" val="1"/>
-              </p:ext>
-            </p:extLst>
-          </p:nvPr>
-        </p:nvSpPr>
-        <p:spPr>
-          <a:xfrm>
-            <a:off x="446534" y="457200"/>
-            <a:ext cx="3703320" cy="94997"/>
-          </a:xfrm>
-          <a:prstGeom prst="rect">
-            <a:avLst/>
-          </a:prstGeom>
-          <a:solidFill>
-            <a:srgbClr val="465359"/>
-          </a:solidFill>
-          <a:ln>
-            <a:noFill/>
-          </a:ln>
-          <a:effectLst/>
-        </p:spPr>
-        <p:style>
-          <a:lnRef idx="1">
-            <a:schemeClr val="accent1"/>
-          </a:lnRef>
-          <a:fillRef idx="3">
-            <a:schemeClr val="accent1"/>
-          </a:fillRef>
-          <a:effectRef idx="2">
-            <a:schemeClr val="accent1"/>
-          </a:effectRef>
-          <a:fontRef idx="minor">
-            <a:schemeClr val="lt1"/>
-          </a:fontRef>
-        </p:style>
-      </p:sp>
-      <p:sp>
-        <p:nvSpPr>
-          <p:cNvPr id="20" name="Rectangle 19">
-            <a:extLst>
-              <a:ext uri="{FF2B5EF4-FFF2-40B4-BE49-F238E27FC236}">
-                <a16:creationId xmlns:a16="http://schemas.microsoft.com/office/drawing/2014/main" id="{B1D4C7A0-6DF2-4F2D-A45D-F111582974C7}"/>
-              </a:ext>
-              <a:ext uri="{C183D7F6-B498-43B3-948B-1728B52AA6E4}">
-                <adec:decorative xmlns:adec="http://schemas.microsoft.com/office/drawing/2017/decorative" val="1"/>
-              </a:ext>
-            </a:extLst>
-          </p:cNvPr>
-          <p:cNvSpPr>
-            <a:spLocks noGrp="1" noRot="1" noChangeAspect="1" noMove="1" noResize="1" noEditPoints="1" noAdjustHandles="1" noChangeArrowheads="1" noChangeShapeType="1" noTextEdit="1"/>
-          </p:cNvSpPr>
-          <p:nvPr>
-            <p:extLst>
-              <p:ext uri="{386F3935-93C4-4BCD-93E2-E3B085C9AB24}">
-                <p16:designElem xmlns:p16="http://schemas.microsoft.com/office/powerpoint/2015/main" val="1"/>
-              </p:ext>
-            </p:extLst>
-          </p:nvPr>
-        </p:nvSpPr>
-        <p:spPr>
-          <a:xfrm>
-            <a:off x="4241830" y="457200"/>
-            <a:ext cx="3703320" cy="91440"/>
-          </a:xfrm>
-          <a:prstGeom prst="rect">
-            <a:avLst/>
-          </a:prstGeom>
-          <a:solidFill>
-            <a:schemeClr val="accent1"/>
-          </a:solidFill>
-          <a:ln>
-            <a:noFill/>
-          </a:ln>
-          <a:effectLst/>
-        </p:spPr>
-        <p:style>
-          <a:lnRef idx="1">
-            <a:schemeClr val="accent1"/>
-          </a:lnRef>
-          <a:fillRef idx="3">
-            <a:schemeClr val="accent1"/>
-          </a:fillRef>
-          <a:effectRef idx="2">
-            <a:schemeClr val="accent1"/>
-          </a:effectRef>
-          <a:fontRef idx="minor">
-            <a:schemeClr val="lt1"/>
-          </a:fontRef>
-        </p:style>
-      </p:sp>
-      <p:sp>
-        <p:nvSpPr>
-          <p:cNvPr id="22" name="Rectangle 21">
-            <a:extLst>
-              <a:ext uri="{FF2B5EF4-FFF2-40B4-BE49-F238E27FC236}">
-                <a16:creationId xmlns:a16="http://schemas.microsoft.com/office/drawing/2014/main" id="{DBF3943D-BCB6-4B31-809D-A005686483B4}"/>
-              </a:ext>
-              <a:ext uri="{C183D7F6-B498-43B3-948B-1728B52AA6E4}">
-                <adec:decorative xmlns:adec="http://schemas.microsoft.com/office/drawing/2017/decorative" val="1"/>
-              </a:ext>
-            </a:extLst>
-          </p:cNvPr>
-          <p:cNvSpPr>
-            <a:spLocks noGrp="1" noRot="1" noChangeAspect="1" noMove="1" noResize="1" noEditPoints="1" noAdjustHandles="1" noChangeArrowheads="1" noChangeShapeType="1" noTextEdit="1"/>
-          </p:cNvSpPr>
-          <p:nvPr>
-            <p:extLst>
-              <p:ext uri="{386F3935-93C4-4BCD-93E2-E3B085C9AB24}">
-                <p16:designElem xmlns:p16="http://schemas.microsoft.com/office/powerpoint/2015/main" val="1"/>
-              </p:ext>
-            </p:extLst>
-          </p:nvPr>
-        </p:nvSpPr>
-        <p:spPr>
-          <a:xfrm>
-            <a:off x="8042147" y="453643"/>
-            <a:ext cx="3703320" cy="98554"/>
-          </a:xfrm>
-          <a:prstGeom prst="rect">
-            <a:avLst/>
-          </a:prstGeom>
-          <a:solidFill>
-            <a:srgbClr val="969FA7"/>
-          </a:solidFill>
-          <a:ln>
-            <a:noFill/>
-          </a:ln>
-          <a:effectLst/>
-        </p:spPr>
-        <p:style>
-          <a:lnRef idx="1">
-            <a:schemeClr val="accent1"/>
-          </a:lnRef>
-          <a:fillRef idx="3">
-            <a:schemeClr val="accent1"/>
-          </a:fillRef>
-          <a:effectRef idx="2">
-            <a:schemeClr val="accent1"/>
-          </a:effectRef>
-          <a:fontRef idx="minor">
-            <a:schemeClr val="lt1"/>
-          </a:fontRef>
-        </p:style>
-      </p:sp>
-      <p:sp>
-        <p:nvSpPr>
-          <p:cNvPr id="24" name="Rectangle 23">
-            <a:extLst>
-              <a:ext uri="{FF2B5EF4-FFF2-40B4-BE49-F238E27FC236}">
-                <a16:creationId xmlns:a16="http://schemas.microsoft.com/office/drawing/2014/main" id="{39373A6F-2E1F-4613-8E1D-D68057D29F31}"/>
-              </a:ext>
-              <a:ext uri="{C183D7F6-B498-43B3-948B-1728B52AA6E4}">
-                <adec:decorative xmlns:adec="http://schemas.microsoft.com/office/drawing/2017/decorative" val="1"/>
-              </a:ext>
-            </a:extLst>
-          </p:cNvPr>
-          <p:cNvSpPr>
-            <a:spLocks noGrp="1" noRot="1" noChangeAspect="1" noMove="1" noResize="1" noEditPoints="1" noAdjustHandles="1" noChangeArrowheads="1" noChangeShapeType="1" noTextEdit="1"/>
-          </p:cNvSpPr>
-          <p:nvPr>
-            <p:extLst>
-              <p:ext uri="{386F3935-93C4-4BCD-93E2-E3B085C9AB24}">
-                <p16:designElem xmlns:p16="http://schemas.microsoft.com/office/powerpoint/2015/main" val="1"/>
-              </p:ext>
-            </p:extLst>
-          </p:nvPr>
-        </p:nvSpPr>
-        <p:spPr>
-          <a:xfrm>
-            <a:off x="442377" y="601200"/>
-            <a:ext cx="3707477" cy="5624979"/>
-          </a:xfrm>
-          <a:prstGeom prst="rect">
-            <a:avLst/>
-          </a:prstGeom>
-          <a:solidFill>
-            <a:srgbClr val="465359"/>
-          </a:solidFill>
-          <a:ln>
-            <a:noFill/>
-          </a:ln>
-          <a:effectLst/>
-        </p:spPr>
-        <p:style>
-          <a:lnRef idx="1">
-            <a:schemeClr val="accent1"/>
-          </a:lnRef>
-          <a:fillRef idx="3">
-            <a:schemeClr val="accent1"/>
-          </a:fillRef>
-          <a:effectRef idx="2">
-            <a:schemeClr val="accent1"/>
-          </a:effectRef>
-          <a:fontRef idx="minor">
-            <a:schemeClr val="lt1"/>
-          </a:fontRef>
-        </p:style>
-      </p:sp>
-      <p:sp>
-        <p:nvSpPr>
-          <p:cNvPr id="2" name="Title 1">
-            <a:extLst>
-              <a:ext uri="{FF2B5EF4-FFF2-40B4-BE49-F238E27FC236}">
-                <a16:creationId xmlns:a16="http://schemas.microsoft.com/office/drawing/2014/main" id="{B55F5714-2E8E-4ACD-A2CD-04641C08956A}"/>
-              </a:ext>
-            </a:extLst>
-          </p:cNvPr>
-          <p:cNvSpPr>
-            <a:spLocks noGrp="1"/>
-          </p:cNvSpPr>
-          <p:nvPr>
-            <p:ph type="title"/>
-          </p:nvPr>
-        </p:nvSpPr>
-        <p:spPr>
-          <a:xfrm>
-            <a:off x="601255" y="702155"/>
-            <a:ext cx="3409783" cy="1300365"/>
-          </a:xfrm>
-        </p:spPr>
-        <p:txBody>
-          <a:bodyPr vert="horz" lIns="91440" tIns="45720" rIns="91440" bIns="45720" rtlCol="0" anchor="b">
-            <a:normAutofit/>
-          </a:bodyPr>
-          <a:lstStyle/>
-          <a:p>
-            <a:pPr>
-              <a:spcBef>
-                <a:spcPct val="0"/>
-              </a:spcBef>
-            </a:pPr>
-            <a:r>
-              <a:rPr lang="en-US" sz="2800" dirty="0">
-                <a:solidFill>
-                  <a:srgbClr val="FFFFFF"/>
-                </a:solidFill>
-              </a:rPr>
-              <a:t>REGRESSION model</a:t>
-            </a:r>
-          </a:p>
-        </p:txBody>
-      </p:sp>
-      <p:sp>
-        <p:nvSpPr>
-          <p:cNvPr id="3" name="Text Placeholder 2">
-            <a:extLst>
-              <a:ext uri="{FF2B5EF4-FFF2-40B4-BE49-F238E27FC236}">
-                <a16:creationId xmlns:a16="http://schemas.microsoft.com/office/drawing/2014/main" id="{69967516-9E99-4B4D-AD6B-5B2B788CBAC4}"/>
-              </a:ext>
-            </a:extLst>
-          </p:cNvPr>
-          <p:cNvSpPr>
-            <a:spLocks noGrp="1"/>
-          </p:cNvSpPr>
-          <p:nvPr>
-            <p:ph type="body" idx="1"/>
-          </p:nvPr>
-        </p:nvSpPr>
-        <p:spPr>
-          <a:xfrm>
-            <a:off x="601255" y="2177142"/>
-            <a:ext cx="3409782" cy="3823607"/>
-          </a:xfrm>
-        </p:spPr>
-        <p:txBody>
-          <a:bodyPr vert="horz" lIns="91440" tIns="45720" rIns="91440" bIns="45720" rtlCol="0" anchor="ctr">
-            <a:normAutofit/>
-          </a:bodyPr>
-          <a:lstStyle/>
-          <a:p>
-            <a:pPr>
-              <a:spcBef>
-                <a:spcPct val="20000"/>
-              </a:spcBef>
-              <a:spcAft>
-                <a:spcPts val="600"/>
-              </a:spcAft>
-              <a:buSzPct val="92000"/>
-              <a:buFont typeface="Wingdings 2" panose="05020102010507070707" pitchFamily="18" charset="2"/>
-              <a:buChar char=""/>
-            </a:pPr>
-            <a:r>
-              <a:rPr lang="en-US" dirty="0">
-                <a:solidFill>
-                  <a:srgbClr val="FFFFFF"/>
-                </a:solidFill>
-              </a:rPr>
-              <a:t>Run ML Linear regression using </a:t>
-            </a:r>
-            <a:r>
-              <a:rPr lang="en-US" dirty="0" err="1">
-                <a:solidFill>
-                  <a:srgbClr val="FFFFFF"/>
-                </a:solidFill>
-              </a:rPr>
-              <a:t>sklearn</a:t>
-            </a:r>
-            <a:r>
-              <a:rPr lang="en-US" dirty="0">
-                <a:solidFill>
-                  <a:srgbClr val="FFFFFF"/>
-                </a:solidFill>
-              </a:rPr>
-              <a:t>  model</a:t>
-            </a:r>
-          </a:p>
-        </p:txBody>
-      </p:sp>
-      <p:pic>
-        <p:nvPicPr>
-          <p:cNvPr id="5" name="Picture 4" descr="Graphical user interface, text&#10;&#10;Description automatically generated">
-            <a:extLst>
-              <a:ext uri="{FF2B5EF4-FFF2-40B4-BE49-F238E27FC236}">
-                <a16:creationId xmlns:a16="http://schemas.microsoft.com/office/drawing/2014/main" id="{41973571-4714-4A37-9A12-B8EF6AD2B962}"/>
-              </a:ext>
-            </a:extLst>
-          </p:cNvPr>
-          <p:cNvPicPr>
-            <a:picLocks noChangeAspect="1"/>
-          </p:cNvPicPr>
-          <p:nvPr/>
-        </p:nvPicPr>
-        <p:blipFill>
-          <a:blip r:embed="rId2"/>
-          <a:stretch>
-            <a:fillRect/>
-          </a:stretch>
-        </p:blipFill>
-        <p:spPr>
-          <a:xfrm>
-            <a:off x="4529398" y="788989"/>
-            <a:ext cx="6831503" cy="1998215"/>
-          </a:xfrm>
-          <a:prstGeom prst="rect">
-            <a:avLst/>
-          </a:prstGeom>
-        </p:spPr>
-      </p:pic>
-      <p:pic>
-        <p:nvPicPr>
-          <p:cNvPr id="8" name="Picture 7" descr="Graphical user interface, text, application&#10;&#10;Description automatically generated">
-            <a:extLst>
-              <a:ext uri="{FF2B5EF4-FFF2-40B4-BE49-F238E27FC236}">
-                <a16:creationId xmlns:a16="http://schemas.microsoft.com/office/drawing/2014/main" id="{947C76F2-46F3-40B9-8D7A-B1625DFB2D13}"/>
-              </a:ext>
-            </a:extLst>
-          </p:cNvPr>
-          <p:cNvPicPr>
-            <a:picLocks noChangeAspect="1"/>
-          </p:cNvPicPr>
-          <p:nvPr/>
-        </p:nvPicPr>
-        <p:blipFill>
-          <a:blip r:embed="rId3"/>
-          <a:stretch>
-            <a:fillRect/>
-          </a:stretch>
-        </p:blipFill>
-        <p:spPr>
-          <a:xfrm>
-            <a:off x="4733218" y="3576193"/>
-            <a:ext cx="6627683" cy="1413256"/>
-          </a:xfrm>
-          <a:prstGeom prst="rect">
-            <a:avLst/>
-          </a:prstGeom>
-        </p:spPr>
-      </p:pic>
-    </p:spTree>
-    <p:extLst>
-      <p:ext uri="{BB962C8B-B14F-4D97-AF65-F5344CB8AC3E}">
-        <p14:creationId xmlns:p14="http://schemas.microsoft.com/office/powerpoint/2010/main" val="4032735044"/>
-      </p:ext>
-    </p:extLst>
-  </p:cSld>
-  <p:clrMapOvr>
-    <a:overrideClrMapping bg1="dk1" tx1="lt1" bg2="dk2" tx2="lt2" accent1="accent1" accent2="accent2" accent3="accent3" accent4="accent4" accent5="accent5" accent6="accent6" hlink="hlink" folHlink="folHlink"/>
   </p:clrMapOvr>
 </p:sld>
 </file>
@@ -11049,127 +10547,6 @@
 <file path=ppt/slides/slide5.xml><?xml version="1.0" encoding="utf-8"?>
 <p:sld xmlns:a="http://schemas.openxmlformats.org/drawingml/2006/main" xmlns:r="http://schemas.openxmlformats.org/officeDocument/2006/relationships" xmlns:p="http://schemas.openxmlformats.org/presentationml/2006/main">
   <p:cSld>
-    <p:spTree>
-      <p:nvGrpSpPr>
-        <p:cNvPr id="1" name="Shape 157"/>
-        <p:cNvGrpSpPr/>
-        <p:nvPr/>
-      </p:nvGrpSpPr>
-      <p:grpSpPr>
-        <a:xfrm>
-          <a:off x="0" y="0"/>
-          <a:ext cx="0" cy="0"/>
-          <a:chOff x="0" y="0"/>
-          <a:chExt cx="0" cy="0"/>
-        </a:xfrm>
-      </p:grpSpPr>
-      <p:sp>
-        <p:nvSpPr>
-          <p:cNvPr id="158" name="Google Shape;158;p17"/>
-          <p:cNvSpPr txBox="1">
-            <a:spLocks noGrp="1"/>
-          </p:cNvSpPr>
-          <p:nvPr>
-            <p:ph type="title"/>
-          </p:nvPr>
-        </p:nvSpPr>
-        <p:spPr>
-          <a:xfrm>
-            <a:off x="1730000" y="525000"/>
-            <a:ext cx="9385200" cy="945600"/>
-          </a:xfrm>
-          <a:prstGeom prst="rect">
-            <a:avLst/>
-          </a:prstGeom>
-        </p:spPr>
-        <p:txBody>
-          <a:bodyPr spcFirstLastPara="1" vert="horz" wrap="square" lIns="121900" tIns="121900" rIns="121900" bIns="121900" rtlCol="0" anchor="t" anchorCtr="0">
-            <a:normAutofit/>
-          </a:bodyPr>
-          <a:lstStyle/>
-          <a:p>
-            <a:r>
-              <a:rPr lang="en" sz="2800" dirty="0">
-                <a:latin typeface="Lato"/>
-                <a:ea typeface="Lato"/>
-                <a:cs typeface="Lato"/>
-                <a:sym typeface="Lato"/>
-              </a:rPr>
-              <a:t>Initial E</a:t>
-            </a:r>
-            <a:r>
-              <a:rPr lang="en-US" sz="2800" dirty="0">
-                <a:latin typeface="Lato"/>
-                <a:ea typeface="Lato"/>
-                <a:cs typeface="Lato"/>
-                <a:sym typeface="Lato"/>
-              </a:rPr>
-              <a:t>t</a:t>
-            </a:r>
-            <a:r>
-              <a:rPr lang="en" sz="2800" dirty="0">
-                <a:latin typeface="Lato"/>
-                <a:ea typeface="Lato"/>
-                <a:cs typeface="Lato"/>
-                <a:sym typeface="Lato"/>
-              </a:rPr>
-              <a:t>l process</a:t>
-            </a:r>
-            <a:endParaRPr sz="2800" dirty="0">
-              <a:latin typeface="Lato"/>
-              <a:ea typeface="Lato"/>
-              <a:cs typeface="Lato"/>
-              <a:sym typeface="Lato"/>
-            </a:endParaRPr>
-          </a:p>
-        </p:txBody>
-      </p:sp>
-      <p:pic>
-        <p:nvPicPr>
-          <p:cNvPr id="5" name="Picture 4" descr="Diagram&#10;&#10;Description automatically generated">
-            <a:extLst>
-              <a:ext uri="{FF2B5EF4-FFF2-40B4-BE49-F238E27FC236}">
-                <a16:creationId xmlns:a16="http://schemas.microsoft.com/office/drawing/2014/main" id="{A927BE9B-8008-4904-97B8-4BEBB47CDA94}"/>
-              </a:ext>
-            </a:extLst>
-          </p:cNvPr>
-          <p:cNvPicPr>
-            <a:picLocks noChangeAspect="1"/>
-          </p:cNvPicPr>
-          <p:nvPr/>
-        </p:nvPicPr>
-        <p:blipFill>
-          <a:blip r:embed="rId3"/>
-          <a:stretch>
-            <a:fillRect/>
-          </a:stretch>
-        </p:blipFill>
-        <p:spPr>
-          <a:xfrm>
-            <a:off x="1649896" y="1942128"/>
-            <a:ext cx="9721298" cy="4761608"/>
-          </a:xfrm>
-          <a:prstGeom prst="rect">
-            <a:avLst/>
-          </a:prstGeom>
-        </p:spPr>
-      </p:pic>
-    </p:spTree>
-    <p:extLst>
-      <p:ext uri="{BB962C8B-B14F-4D97-AF65-F5344CB8AC3E}">
-        <p14:creationId xmlns:p14="http://schemas.microsoft.com/office/powerpoint/2010/main" val="922754118"/>
-      </p:ext>
-    </p:extLst>
-  </p:cSld>
-  <p:clrMapOvr>
-    <a:masterClrMapping/>
-  </p:clrMapOvr>
-</p:sld>
-</file>
-
-<file path=ppt/slides/slide6.xml><?xml version="1.0" encoding="utf-8"?>
-<p:sld xmlns:a="http://schemas.openxmlformats.org/drawingml/2006/main" xmlns:r="http://schemas.openxmlformats.org/officeDocument/2006/relationships" xmlns:p="http://schemas.openxmlformats.org/presentationml/2006/main">
-  <p:cSld>
     <p:bg>
       <p:bgPr>
         <a:solidFill>
@@ -11194,420 +10571,6 @@
       </p:grpSpPr>
       <p:sp>
         <p:nvSpPr>
-          <p:cNvPr id="183" name="Rectangle 98">
-            <a:extLst>
-              <a:ext uri="{FF2B5EF4-FFF2-40B4-BE49-F238E27FC236}">
-                <a16:creationId xmlns:a16="http://schemas.microsoft.com/office/drawing/2014/main" id="{DD651B61-325E-4E73-8445-38B0DE8AAAB6}"/>
-              </a:ext>
-              <a:ext uri="{C183D7F6-B498-43B3-948B-1728B52AA6E4}">
-                <adec:decorative xmlns:adec="http://schemas.microsoft.com/office/drawing/2017/decorative" val="1"/>
-              </a:ext>
-            </a:extLst>
-          </p:cNvPr>
-          <p:cNvSpPr>
-            <a:spLocks noGrp="1" noRot="1" noChangeAspect="1" noMove="1" noResize="1" noEditPoints="1" noAdjustHandles="1" noChangeArrowheads="1" noChangeShapeType="1" noTextEdit="1"/>
-          </p:cNvSpPr>
-          <p:nvPr>
-            <p:extLst>
-              <p:ext uri="{386F3935-93C4-4BCD-93E2-E3B085C9AB24}">
-                <p16:designElem xmlns:p16="http://schemas.microsoft.com/office/powerpoint/2015/main" val="1"/>
-              </p:ext>
-            </p:extLst>
-          </p:nvPr>
-        </p:nvSpPr>
-        <p:spPr>
-          <a:xfrm>
-            <a:off x="446534" y="457200"/>
-            <a:ext cx="3703320" cy="94997"/>
-          </a:xfrm>
-          <a:prstGeom prst="rect">
-            <a:avLst/>
-          </a:prstGeom>
-          <a:solidFill>
-            <a:srgbClr val="465359"/>
-          </a:solidFill>
-          <a:ln>
-            <a:noFill/>
-          </a:ln>
-          <a:effectLst/>
-        </p:spPr>
-        <p:style>
-          <a:lnRef idx="1">
-            <a:schemeClr val="accent1"/>
-          </a:lnRef>
-          <a:fillRef idx="3">
-            <a:schemeClr val="accent1"/>
-          </a:fillRef>
-          <a:effectRef idx="2">
-            <a:schemeClr val="accent1"/>
-          </a:effectRef>
-          <a:fontRef idx="minor">
-            <a:schemeClr val="lt1"/>
-          </a:fontRef>
-        </p:style>
-      </p:sp>
-      <p:sp>
-        <p:nvSpPr>
-          <p:cNvPr id="184" name="Rectangle 100">
-            <a:extLst>
-              <a:ext uri="{FF2B5EF4-FFF2-40B4-BE49-F238E27FC236}">
-                <a16:creationId xmlns:a16="http://schemas.microsoft.com/office/drawing/2014/main" id="{B42E5253-D3AC-4AC2-B766-8B34F13C2F5E}"/>
-              </a:ext>
-              <a:ext uri="{C183D7F6-B498-43B3-948B-1728B52AA6E4}">
-                <adec:decorative xmlns:adec="http://schemas.microsoft.com/office/drawing/2017/decorative" val="1"/>
-              </a:ext>
-            </a:extLst>
-          </p:cNvPr>
-          <p:cNvSpPr>
-            <a:spLocks noGrp="1" noRot="1" noChangeAspect="1" noMove="1" noResize="1" noEditPoints="1" noAdjustHandles="1" noChangeArrowheads="1" noChangeShapeType="1" noTextEdit="1"/>
-          </p:cNvSpPr>
-          <p:nvPr>
-            <p:extLst>
-              <p:ext uri="{386F3935-93C4-4BCD-93E2-E3B085C9AB24}">
-                <p16:designElem xmlns:p16="http://schemas.microsoft.com/office/powerpoint/2015/main" val="1"/>
-              </p:ext>
-            </p:extLst>
-          </p:nvPr>
-        </p:nvSpPr>
-        <p:spPr>
-          <a:xfrm>
-            <a:off x="8042147" y="453643"/>
-            <a:ext cx="3703320" cy="98554"/>
-          </a:xfrm>
-          <a:prstGeom prst="rect">
-            <a:avLst/>
-          </a:prstGeom>
-          <a:solidFill>
-            <a:srgbClr val="969FA7"/>
-          </a:solidFill>
-          <a:ln>
-            <a:noFill/>
-          </a:ln>
-          <a:effectLst/>
-        </p:spPr>
-        <p:style>
-          <a:lnRef idx="1">
-            <a:schemeClr val="accent1"/>
-          </a:lnRef>
-          <a:fillRef idx="3">
-            <a:schemeClr val="accent1"/>
-          </a:fillRef>
-          <a:effectRef idx="2">
-            <a:schemeClr val="accent1"/>
-          </a:effectRef>
-          <a:fontRef idx="minor">
-            <a:schemeClr val="lt1"/>
-          </a:fontRef>
-        </p:style>
-      </p:sp>
-      <p:sp>
-        <p:nvSpPr>
-          <p:cNvPr id="185" name="Rectangle 102">
-            <a:extLst>
-              <a:ext uri="{FF2B5EF4-FFF2-40B4-BE49-F238E27FC236}">
-                <a16:creationId xmlns:a16="http://schemas.microsoft.com/office/drawing/2014/main" id="{10AE8D57-436A-4073-9A75-15BB5949F8B4}"/>
-              </a:ext>
-              <a:ext uri="{C183D7F6-B498-43B3-948B-1728B52AA6E4}">
-                <adec:decorative xmlns:adec="http://schemas.microsoft.com/office/drawing/2017/decorative" val="1"/>
-              </a:ext>
-            </a:extLst>
-          </p:cNvPr>
-          <p:cNvSpPr>
-            <a:spLocks noGrp="1" noRot="1" noChangeAspect="1" noMove="1" noResize="1" noEditPoints="1" noAdjustHandles="1" noChangeArrowheads="1" noChangeShapeType="1" noTextEdit="1"/>
-          </p:cNvSpPr>
-          <p:nvPr>
-            <p:extLst>
-              <p:ext uri="{386F3935-93C4-4BCD-93E2-E3B085C9AB24}">
-                <p16:designElem xmlns:p16="http://schemas.microsoft.com/office/powerpoint/2015/main" val="1"/>
-              </p:ext>
-            </p:extLst>
-          </p:nvPr>
-        </p:nvSpPr>
-        <p:spPr>
-          <a:xfrm>
-            <a:off x="4241830" y="457200"/>
-            <a:ext cx="3703320" cy="91440"/>
-          </a:xfrm>
-          <a:prstGeom prst="rect">
-            <a:avLst/>
-          </a:prstGeom>
-          <a:solidFill>
-            <a:schemeClr val="accent1"/>
-          </a:solidFill>
-          <a:ln>
-            <a:noFill/>
-          </a:ln>
-          <a:effectLst/>
-        </p:spPr>
-        <p:style>
-          <a:lnRef idx="1">
-            <a:schemeClr val="accent1"/>
-          </a:lnRef>
-          <a:fillRef idx="3">
-            <a:schemeClr val="accent1"/>
-          </a:fillRef>
-          <a:effectRef idx="2">
-            <a:schemeClr val="accent1"/>
-          </a:effectRef>
-          <a:fontRef idx="minor">
-            <a:schemeClr val="lt1"/>
-          </a:fontRef>
-        </p:style>
-      </p:sp>
-      <p:sp>
-        <p:nvSpPr>
-          <p:cNvPr id="186" name="Rectangle 104">
-            <a:extLst>
-              <a:ext uri="{FF2B5EF4-FFF2-40B4-BE49-F238E27FC236}">
-                <a16:creationId xmlns:a16="http://schemas.microsoft.com/office/drawing/2014/main" id="{E2852671-8EB6-4EAF-8AF8-65CF3FD66456}"/>
-              </a:ext>
-              <a:ext uri="{C183D7F6-B498-43B3-948B-1728B52AA6E4}">
-                <adec:decorative xmlns:adec="http://schemas.microsoft.com/office/drawing/2017/decorative" val="1"/>
-              </a:ext>
-            </a:extLst>
-          </p:cNvPr>
-          <p:cNvSpPr>
-            <a:spLocks noGrp="1" noRot="1" noChangeAspect="1" noMove="1" noResize="1" noEditPoints="1" noAdjustHandles="1" noChangeArrowheads="1" noChangeShapeType="1" noTextEdit="1"/>
-          </p:cNvSpPr>
-          <p:nvPr>
-            <p:extLst>
-              <p:ext uri="{386F3935-93C4-4BCD-93E2-E3B085C9AB24}">
-                <p16:designElem xmlns:p16="http://schemas.microsoft.com/office/powerpoint/2015/main" val="1"/>
-              </p:ext>
-            </p:extLst>
-          </p:nvPr>
-        </p:nvSpPr>
-        <p:spPr>
-          <a:xfrm>
-            <a:off x="446534" y="3085764"/>
-            <a:ext cx="11298932" cy="3338149"/>
-          </a:xfrm>
-          <a:prstGeom prst="rect">
-            <a:avLst/>
-          </a:prstGeom>
-          <a:solidFill>
-            <a:srgbClr val="465359"/>
-          </a:solidFill>
-          <a:ln>
-            <a:noFill/>
-          </a:ln>
-          <a:effectLst/>
-        </p:spPr>
-        <p:style>
-          <a:lnRef idx="1">
-            <a:schemeClr val="accent1"/>
-          </a:lnRef>
-          <a:fillRef idx="3">
-            <a:schemeClr val="accent1"/>
-          </a:fillRef>
-          <a:effectRef idx="2">
-            <a:schemeClr val="accent1"/>
-          </a:effectRef>
-          <a:fontRef idx="minor">
-            <a:schemeClr val="lt1"/>
-          </a:fontRef>
-        </p:style>
-      </p:sp>
-      <p:sp useBgFill="1">
-        <p:nvSpPr>
-          <p:cNvPr id="187" name="Rectangle 106">
-            <a:extLst>
-              <a:ext uri="{FF2B5EF4-FFF2-40B4-BE49-F238E27FC236}">
-                <a16:creationId xmlns:a16="http://schemas.microsoft.com/office/drawing/2014/main" id="{26B4480E-B7FF-4481-890E-043A69AE6FE2}"/>
-              </a:ext>
-              <a:ext uri="{C183D7F6-B498-43B3-948B-1728B52AA6E4}">
-                <adec:decorative xmlns:adec="http://schemas.microsoft.com/office/drawing/2017/decorative" val="1"/>
-              </a:ext>
-            </a:extLst>
-          </p:cNvPr>
-          <p:cNvSpPr>
-            <a:spLocks noGrp="1" noRot="1" noChangeAspect="1" noMove="1" noResize="1" noEditPoints="1" noAdjustHandles="1" noChangeArrowheads="1" noChangeShapeType="1" noTextEdit="1"/>
-          </p:cNvSpPr>
-          <p:nvPr>
-            <p:extLst>
-              <p:ext uri="{386F3935-93C4-4BCD-93E2-E3B085C9AB24}">
-                <p16:designElem xmlns:p16="http://schemas.microsoft.com/office/powerpoint/2015/main" val="1"/>
-              </p:ext>
-            </p:extLst>
-          </p:nvPr>
-        </p:nvSpPr>
-        <p:spPr>
-          <a:xfrm>
-            <a:off x="0" y="0"/>
-            <a:ext cx="12192000" cy="6858000"/>
-          </a:xfrm>
-          <a:prstGeom prst="rect">
-            <a:avLst/>
-          </a:prstGeom>
-          <a:ln>
-            <a:noFill/>
-          </a:ln>
-        </p:spPr>
-        <p:style>
-          <a:lnRef idx="2">
-            <a:schemeClr val="accent1">
-              <a:shade val="50000"/>
-            </a:schemeClr>
-          </a:lnRef>
-          <a:fillRef idx="1">
-            <a:schemeClr val="accent1"/>
-          </a:fillRef>
-          <a:effectRef idx="0">
-            <a:schemeClr val="accent1"/>
-          </a:effectRef>
-          <a:fontRef idx="minor">
-            <a:schemeClr val="lt1"/>
-          </a:fontRef>
-        </p:style>
-        <p:txBody>
-          <a:bodyPr rtlCol="0" anchor="ctr"/>
-          <a:lstStyle/>
-          <a:p>
-            <a:pPr algn="ctr"/>
-            <a:endParaRPr lang="en-US"/>
-          </a:p>
-        </p:txBody>
-      </p:sp>
-      <p:grpSp>
-        <p:nvGrpSpPr>
-          <p:cNvPr id="188" name="Group 108">
-            <a:extLst>
-              <a:ext uri="{FF2B5EF4-FFF2-40B4-BE49-F238E27FC236}">
-                <a16:creationId xmlns:a16="http://schemas.microsoft.com/office/drawing/2014/main" id="{79394E1F-0B5F-497D-B2A6-8383A2A54834}"/>
-              </a:ext>
-              <a:ext uri="{C183D7F6-B498-43B3-948B-1728B52AA6E4}">
-                <adec:decorative xmlns:adec="http://schemas.microsoft.com/office/drawing/2017/decorative" val="1"/>
-              </a:ext>
-            </a:extLst>
-          </p:cNvPr>
-          <p:cNvGrpSpPr>
-            <a:grpSpLocks noGrp="1" noUngrp="1" noRot="1" noChangeAspect="1" noMove="1" noResize="1"/>
-          </p:cNvGrpSpPr>
-          <p:nvPr>
-            <p:extLst>
-              <p:ext uri="{386F3935-93C4-4BCD-93E2-E3B085C9AB24}">
-                <p16:designElem xmlns:p16="http://schemas.microsoft.com/office/powerpoint/2015/main" val="1"/>
-              </p:ext>
-            </p:extLst>
-          </p:nvPr>
-        </p:nvGrpSpPr>
-        <p:grpSpPr>
-          <a:xfrm>
-            <a:off x="438068" y="457200"/>
-            <a:ext cx="3703320" cy="5935133"/>
-            <a:chOff x="438068" y="457200"/>
-            <a:chExt cx="3703320" cy="5935133"/>
-          </a:xfrm>
-        </p:grpSpPr>
-        <p:sp>
-          <p:nvSpPr>
-            <p:cNvPr id="110" name="Rectangle 109">
-              <a:extLst>
-                <a:ext uri="{FF2B5EF4-FFF2-40B4-BE49-F238E27FC236}">
-                  <a16:creationId xmlns:a16="http://schemas.microsoft.com/office/drawing/2014/main" id="{1F1FF39A-AC3C-4066-9D4C-519AA22812EA}"/>
-                </a:ext>
-                <a:ext uri="{C183D7F6-B498-43B3-948B-1728B52AA6E4}">
-                  <adec:decorative xmlns:adec="http://schemas.microsoft.com/office/drawing/2017/decorative" val="1"/>
-                </a:ext>
-              </a:extLst>
-            </p:cNvPr>
-            <p:cNvSpPr/>
-            <p:nvPr>
-              <p:extLst>
-                <p:ext uri="{386F3935-93C4-4BCD-93E2-E3B085C9AB24}">
-                  <p16:designElem xmlns:p16="http://schemas.microsoft.com/office/powerpoint/2015/main" val="1"/>
-                </p:ext>
-              </p:extLst>
-            </p:nvPr>
-          </p:nvSpPr>
-          <p:spPr>
-            <a:xfrm>
-              <a:off x="438068" y="601201"/>
-              <a:ext cx="3702134" cy="5791132"/>
-            </a:xfrm>
-            <a:prstGeom prst="rect">
-              <a:avLst/>
-            </a:prstGeom>
-            <a:solidFill>
-              <a:srgbClr val="465359">
-                <a:alpha val="97000"/>
-              </a:srgbClr>
-            </a:solidFill>
-            <a:ln w="6350" cmpd="sng">
-              <a:noFill/>
-            </a:ln>
-            <a:effectLst/>
-          </p:spPr>
-          <p:style>
-            <a:lnRef idx="1">
-              <a:schemeClr val="accent1"/>
-            </a:lnRef>
-            <a:fillRef idx="3">
-              <a:schemeClr val="accent1"/>
-            </a:fillRef>
-            <a:effectRef idx="2">
-              <a:schemeClr val="accent1"/>
-            </a:effectRef>
-            <a:fontRef idx="minor">
-              <a:schemeClr val="lt1"/>
-            </a:fontRef>
-          </p:style>
-        </p:sp>
-        <p:sp>
-          <p:nvSpPr>
-            <p:cNvPr id="189" name="Rectangle 110">
-              <a:extLst>
-                <a:ext uri="{FF2B5EF4-FFF2-40B4-BE49-F238E27FC236}">
-                  <a16:creationId xmlns:a16="http://schemas.microsoft.com/office/drawing/2014/main" id="{64C13BAB-7C00-4D21-A857-E3D41C0A2A66}"/>
-                </a:ext>
-                <a:ext uri="{C183D7F6-B498-43B3-948B-1728B52AA6E4}">
-                  <adec:decorative xmlns:adec="http://schemas.microsoft.com/office/drawing/2017/decorative" val="1"/>
-                </a:ext>
-              </a:extLst>
-            </p:cNvPr>
-            <p:cNvSpPr/>
-            <p:nvPr>
-              <p:extLst>
-                <p:ext uri="{386F3935-93C4-4BCD-93E2-E3B085C9AB24}">
-                  <p16:designElem xmlns:p16="http://schemas.microsoft.com/office/powerpoint/2015/main" val="1"/>
-                </p:ext>
-              </p:extLst>
-            </p:nvPr>
-          </p:nvSpPr>
-          <p:spPr>
-            <a:xfrm>
-              <a:off x="438068" y="457200"/>
-              <a:ext cx="3703320" cy="94997"/>
-            </a:xfrm>
-            <a:prstGeom prst="rect">
-              <a:avLst/>
-            </a:prstGeom>
-            <a:solidFill>
-              <a:srgbClr val="465359"/>
-            </a:solidFill>
-            <a:ln>
-              <a:noFill/>
-            </a:ln>
-            <a:effectLst/>
-          </p:spPr>
-          <p:style>
-            <a:lnRef idx="1">
-              <a:schemeClr val="accent1"/>
-            </a:lnRef>
-            <a:fillRef idx="3">
-              <a:schemeClr val="accent1"/>
-            </a:fillRef>
-            <a:effectRef idx="2">
-              <a:schemeClr val="accent1"/>
-            </a:effectRef>
-            <a:fontRef idx="minor">
-              <a:schemeClr val="lt1"/>
-            </a:fontRef>
-          </p:style>
-        </p:sp>
-      </p:grpSp>
-      <p:sp>
-        <p:nvSpPr>
           <p:cNvPr id="158" name="Google Shape;158;p17"/>
           <p:cNvSpPr txBox="1">
             <a:spLocks noGrp="1"/>
@@ -11617,10 +10580,6 @@
           </p:nvPr>
         </p:nvSpPr>
         <p:spPr>
-          <a:xfrm>
-            <a:off x="584200" y="1524001"/>
-            <a:ext cx="3412067" cy="3478384"/>
-          </a:xfrm>
           <a:prstGeom prst="rect">
             <a:avLst/>
           </a:prstGeom>
@@ -11645,6 +10604,68 @@
               </a:rPr>
               <a:t>Final ETL Process </a:t>
             </a:r>
+          </a:p>
+        </p:txBody>
+      </p:sp>
+      <p:sp>
+        <p:nvSpPr>
+          <p:cNvPr id="5" name="Content Placeholder 4">
+            <a:extLst>
+              <a:ext uri="{FF2B5EF4-FFF2-40B4-BE49-F238E27FC236}">
+                <a16:creationId xmlns:a16="http://schemas.microsoft.com/office/drawing/2014/main" id="{73A4CFA3-42F4-47AC-BA02-AD7A7CCBB3DD}"/>
+              </a:ext>
+            </a:extLst>
+          </p:cNvPr>
+          <p:cNvSpPr>
+            <a:spLocks noGrp="1"/>
+          </p:cNvSpPr>
+          <p:nvPr>
+            <p:ph idx="1"/>
+          </p:nvPr>
+        </p:nvSpPr>
+        <p:spPr>
+          <a:xfrm>
+            <a:off x="4900928" y="1179829"/>
+            <a:ext cx="6650991" cy="2934971"/>
+          </a:xfrm>
+        </p:spPr>
+        <p:txBody>
+          <a:bodyPr/>
+          <a:lstStyle/>
+          <a:p>
+            <a:r>
+              <a:rPr lang="en-US" dirty="0">
+                <a:highlight>
+                  <a:srgbClr val="FFFF00"/>
+                </a:highlight>
+              </a:rPr>
+              <a:t>Sri to add key point to describe the Process </a:t>
+            </a:r>
+          </a:p>
+        </p:txBody>
+      </p:sp>
+      <p:sp>
+        <p:nvSpPr>
+          <p:cNvPr id="6" name="Text Placeholder 5">
+            <a:extLst>
+              <a:ext uri="{FF2B5EF4-FFF2-40B4-BE49-F238E27FC236}">
+                <a16:creationId xmlns:a16="http://schemas.microsoft.com/office/drawing/2014/main" id="{01E64F2C-A246-49EF-B6C0-F492146EBD34}"/>
+              </a:ext>
+            </a:extLst>
+          </p:cNvPr>
+          <p:cNvSpPr>
+            <a:spLocks noGrp="1"/>
+          </p:cNvSpPr>
+          <p:nvPr>
+            <p:ph type="body" sz="half" idx="2"/>
+          </p:nvPr>
+        </p:nvSpPr>
+        <p:spPr/>
+        <p:txBody>
+          <a:bodyPr/>
+          <a:lstStyle/>
+          <a:p>
+            <a:endParaRPr lang="en-US"/>
           </a:p>
         </p:txBody>
       </p:sp>
@@ -11670,8 +10691,8 @@
         </p:blipFill>
         <p:spPr>
           <a:xfrm>
-            <a:off x="5175434" y="391947"/>
-            <a:ext cx="5747670" cy="6264492"/>
+            <a:off x="8701099" y="3429000"/>
+            <a:ext cx="3013203" cy="3284146"/>
           </a:xfrm>
           <a:prstGeom prst="rect">
             <a:avLst/>
@@ -11691,20 +10712,12 @@
 </p:sld>
 </file>
 
-<file path=ppt/slides/slide7.xml><?xml version="1.0" encoding="utf-8"?>
+<file path=ppt/slides/slide6.xml><?xml version="1.0" encoding="utf-8"?>
 <p:sld xmlns:a="http://schemas.openxmlformats.org/drawingml/2006/main" xmlns:r="http://schemas.openxmlformats.org/officeDocument/2006/relationships" xmlns:p="http://schemas.openxmlformats.org/presentationml/2006/main">
   <p:cSld>
-    <p:bg>
-      <p:bgPr>
-        <a:solidFill>
-          <a:schemeClr val="bg1"/>
-        </a:solidFill>
-        <a:effectLst/>
-      </p:bgPr>
-    </p:bg>
     <p:spTree>
       <p:nvGrpSpPr>
-        <p:cNvPr id="1" name=""/>
+        <p:cNvPr id="1" name="Shape 157"/>
         <p:cNvGrpSpPr/>
         <p:nvPr/>
       </p:nvGrpSpPr>
@@ -11718,451 +10731,53 @@
       </p:grpSpPr>
       <p:sp>
         <p:nvSpPr>
-          <p:cNvPr id="11" name="Rectangle 10">
-            <a:extLst>
-              <a:ext uri="{FF2B5EF4-FFF2-40B4-BE49-F238E27FC236}">
-                <a16:creationId xmlns:a16="http://schemas.microsoft.com/office/drawing/2014/main" id="{DD651B61-325E-4E73-8445-38B0DE8AAAB6}"/>
-              </a:ext>
-              <a:ext uri="{C183D7F6-B498-43B3-948B-1728B52AA6E4}">
-                <adec:decorative xmlns:adec="http://schemas.microsoft.com/office/drawing/2017/decorative" val="1"/>
-              </a:ext>
-            </a:extLst>
-          </p:cNvPr>
-          <p:cNvSpPr>
-            <a:spLocks noGrp="1" noRot="1" noChangeAspect="1" noMove="1" noResize="1" noEditPoints="1" noAdjustHandles="1" noChangeArrowheads="1" noChangeShapeType="1" noTextEdit="1"/>
-          </p:cNvSpPr>
-          <p:nvPr>
-            <p:extLst>
-              <p:ext uri="{386F3935-93C4-4BCD-93E2-E3B085C9AB24}">
-                <p16:designElem xmlns:p16="http://schemas.microsoft.com/office/powerpoint/2015/main" val="1"/>
-              </p:ext>
-            </p:extLst>
-          </p:nvPr>
-        </p:nvSpPr>
-        <p:spPr>
-          <a:xfrm>
-            <a:off x="446534" y="457200"/>
-            <a:ext cx="3703320" cy="94997"/>
-          </a:xfrm>
+          <p:cNvPr id="158" name="Google Shape;158;p17"/>
+          <p:cNvSpPr txBox="1">
+            <a:spLocks noGrp="1"/>
+          </p:cNvSpPr>
+          <p:nvPr>
+            <p:ph type="title"/>
+          </p:nvPr>
+        </p:nvSpPr>
+        <p:spPr>
           <a:prstGeom prst="rect">
             <a:avLst/>
           </a:prstGeom>
-          <a:solidFill>
-            <a:srgbClr val="465359"/>
-          </a:solidFill>
-          <a:ln>
-            <a:noFill/>
-          </a:ln>
-          <a:effectLst/>
-        </p:spPr>
-        <p:style>
-          <a:lnRef idx="1">
-            <a:schemeClr val="accent1"/>
-          </a:lnRef>
-          <a:fillRef idx="3">
-            <a:schemeClr val="accent1"/>
-          </a:fillRef>
-          <a:effectRef idx="2">
-            <a:schemeClr val="accent1"/>
-          </a:effectRef>
-          <a:fontRef idx="minor">
-            <a:schemeClr val="lt1"/>
-          </a:fontRef>
-        </p:style>
-      </p:sp>
-      <p:sp>
-        <p:nvSpPr>
-          <p:cNvPr id="13" name="Rectangle 12">
+        </p:spPr>
+        <p:txBody>
+          <a:bodyPr spcFirstLastPara="1" vert="horz" lIns="91440" tIns="45720" rIns="91440" bIns="45720" rtlCol="0" anchor="ctr" anchorCtr="0">
+            <a:normAutofit/>
+          </a:bodyPr>
+          <a:lstStyle/>
+          <a:p>
+            <a:pPr algn="ctr">
+              <a:spcBef>
+                <a:spcPct val="0"/>
+              </a:spcBef>
+            </a:pPr>
+            <a:r>
+              <a:rPr lang="en-US" sz="3600" dirty="0">
+                <a:solidFill>
+                  <a:srgbClr val="FFFFFF"/>
+                </a:solidFill>
+              </a:rPr>
+              <a:t>Data Processing </a:t>
+            </a:r>
+            <a:endParaRPr lang="en-US" sz="3600" dirty="0">
+              <a:solidFill>
+                <a:srgbClr val="FFFFFF"/>
+              </a:solidFill>
+              <a:sym typeface="Lato"/>
+            </a:endParaRPr>
+          </a:p>
+        </p:txBody>
+      </p:sp>
+      <p:sp>
+        <p:nvSpPr>
+          <p:cNvPr id="5" name="Content Placeholder 4">
             <a:extLst>
               <a:ext uri="{FF2B5EF4-FFF2-40B4-BE49-F238E27FC236}">
-                <a16:creationId xmlns:a16="http://schemas.microsoft.com/office/drawing/2014/main" id="{B42E5253-D3AC-4AC2-B766-8B34F13C2F5E}"/>
-              </a:ext>
-              <a:ext uri="{C183D7F6-B498-43B3-948B-1728B52AA6E4}">
-                <adec:decorative xmlns:adec="http://schemas.microsoft.com/office/drawing/2017/decorative" val="1"/>
-              </a:ext>
-            </a:extLst>
-          </p:cNvPr>
-          <p:cNvSpPr>
-            <a:spLocks noGrp="1" noRot="1" noChangeAspect="1" noMove="1" noResize="1" noEditPoints="1" noAdjustHandles="1" noChangeArrowheads="1" noChangeShapeType="1" noTextEdit="1"/>
-          </p:cNvSpPr>
-          <p:nvPr>
-            <p:extLst>
-              <p:ext uri="{386F3935-93C4-4BCD-93E2-E3B085C9AB24}">
-                <p16:designElem xmlns:p16="http://schemas.microsoft.com/office/powerpoint/2015/main" val="1"/>
-              </p:ext>
-            </p:extLst>
-          </p:nvPr>
-        </p:nvSpPr>
-        <p:spPr>
-          <a:xfrm>
-            <a:off x="8042147" y="453643"/>
-            <a:ext cx="3703320" cy="98554"/>
-          </a:xfrm>
-          <a:prstGeom prst="rect">
-            <a:avLst/>
-          </a:prstGeom>
-          <a:solidFill>
-            <a:srgbClr val="969FA7"/>
-          </a:solidFill>
-          <a:ln>
-            <a:noFill/>
-          </a:ln>
-          <a:effectLst/>
-        </p:spPr>
-        <p:style>
-          <a:lnRef idx="1">
-            <a:schemeClr val="accent1"/>
-          </a:lnRef>
-          <a:fillRef idx="3">
-            <a:schemeClr val="accent1"/>
-          </a:fillRef>
-          <a:effectRef idx="2">
-            <a:schemeClr val="accent1"/>
-          </a:effectRef>
-          <a:fontRef idx="minor">
-            <a:schemeClr val="lt1"/>
-          </a:fontRef>
-        </p:style>
-      </p:sp>
-      <p:sp>
-        <p:nvSpPr>
-          <p:cNvPr id="15" name="Rectangle 14">
-            <a:extLst>
-              <a:ext uri="{FF2B5EF4-FFF2-40B4-BE49-F238E27FC236}">
-                <a16:creationId xmlns:a16="http://schemas.microsoft.com/office/drawing/2014/main" id="{10AE8D57-436A-4073-9A75-15BB5949F8B4}"/>
-              </a:ext>
-              <a:ext uri="{C183D7F6-B498-43B3-948B-1728B52AA6E4}">
-                <adec:decorative xmlns:adec="http://schemas.microsoft.com/office/drawing/2017/decorative" val="1"/>
-              </a:ext>
-            </a:extLst>
-          </p:cNvPr>
-          <p:cNvSpPr>
-            <a:spLocks noGrp="1" noRot="1" noChangeAspect="1" noMove="1" noResize="1" noEditPoints="1" noAdjustHandles="1" noChangeArrowheads="1" noChangeShapeType="1" noTextEdit="1"/>
-          </p:cNvSpPr>
-          <p:nvPr>
-            <p:extLst>
-              <p:ext uri="{386F3935-93C4-4BCD-93E2-E3B085C9AB24}">
-                <p16:designElem xmlns:p16="http://schemas.microsoft.com/office/powerpoint/2015/main" val="1"/>
-              </p:ext>
-            </p:extLst>
-          </p:nvPr>
-        </p:nvSpPr>
-        <p:spPr>
-          <a:xfrm>
-            <a:off x="4241830" y="457200"/>
-            <a:ext cx="3703320" cy="91440"/>
-          </a:xfrm>
-          <a:prstGeom prst="rect">
-            <a:avLst/>
-          </a:prstGeom>
-          <a:solidFill>
-            <a:schemeClr val="accent1"/>
-          </a:solidFill>
-          <a:ln>
-            <a:noFill/>
-          </a:ln>
-          <a:effectLst/>
-        </p:spPr>
-        <p:style>
-          <a:lnRef idx="1">
-            <a:schemeClr val="accent1"/>
-          </a:lnRef>
-          <a:fillRef idx="3">
-            <a:schemeClr val="accent1"/>
-          </a:fillRef>
-          <a:effectRef idx="2">
-            <a:schemeClr val="accent1"/>
-          </a:effectRef>
-          <a:fontRef idx="minor">
-            <a:schemeClr val="lt1"/>
-          </a:fontRef>
-        </p:style>
-      </p:sp>
-      <p:sp>
-        <p:nvSpPr>
-          <p:cNvPr id="17" name="Rectangle 16">
-            <a:extLst>
-              <a:ext uri="{FF2B5EF4-FFF2-40B4-BE49-F238E27FC236}">
-                <a16:creationId xmlns:a16="http://schemas.microsoft.com/office/drawing/2014/main" id="{E9751CB9-7B25-4EB8-9A6F-82F822549F12}"/>
-              </a:ext>
-              <a:ext uri="{C183D7F6-B498-43B3-948B-1728B52AA6E4}">
-                <adec:decorative xmlns:adec="http://schemas.microsoft.com/office/drawing/2017/decorative" val="1"/>
-              </a:ext>
-            </a:extLst>
-          </p:cNvPr>
-          <p:cNvSpPr>
-            <a:spLocks noGrp="1" noRot="1" noChangeAspect="1" noMove="1" noResize="1" noEditPoints="1" noAdjustHandles="1" noChangeArrowheads="1" noChangeShapeType="1" noTextEdit="1"/>
-          </p:cNvSpPr>
-          <p:nvPr>
-            <p:extLst>
-              <p:ext uri="{386F3935-93C4-4BCD-93E2-E3B085C9AB24}">
-                <p16:designElem xmlns:p16="http://schemas.microsoft.com/office/powerpoint/2015/main" val="1"/>
-              </p:ext>
-            </p:extLst>
-          </p:nvPr>
-        </p:nvSpPr>
-        <p:spPr>
-          <a:xfrm>
-            <a:off x="0" y="0"/>
-            <a:ext cx="12192000" cy="6858000"/>
-          </a:xfrm>
-          <a:prstGeom prst="rect">
-            <a:avLst/>
-          </a:prstGeom>
-          <a:solidFill>
-            <a:srgbClr val="FFFFFF"/>
-          </a:solidFill>
-          <a:ln>
-            <a:noFill/>
-          </a:ln>
-        </p:spPr>
-        <p:style>
-          <a:lnRef idx="2">
-            <a:schemeClr val="accent1">
-              <a:shade val="50000"/>
-            </a:schemeClr>
-          </a:lnRef>
-          <a:fillRef idx="1">
-            <a:schemeClr val="accent1"/>
-          </a:fillRef>
-          <a:effectRef idx="0">
-            <a:schemeClr val="accent1"/>
-          </a:effectRef>
-          <a:fontRef idx="minor">
-            <a:schemeClr val="lt1"/>
-          </a:fontRef>
-        </p:style>
-        <p:txBody>
-          <a:bodyPr rtlCol="0" anchor="ctr"/>
-          <a:lstStyle/>
-          <a:p>
-            <a:pPr algn="ctr"/>
-            <a:endParaRPr lang="en-US"/>
-          </a:p>
-        </p:txBody>
-      </p:sp>
-      <p:sp>
-        <p:nvSpPr>
-          <p:cNvPr id="19" name="Rectangle 18">
-            <a:extLst>
-              <a:ext uri="{FF2B5EF4-FFF2-40B4-BE49-F238E27FC236}">
-                <a16:creationId xmlns:a16="http://schemas.microsoft.com/office/drawing/2014/main" id="{E1317383-CF3B-4B02-9512-BECBEF6362A4}"/>
-              </a:ext>
-              <a:ext uri="{C183D7F6-B498-43B3-948B-1728B52AA6E4}">
-                <adec:decorative xmlns:adec="http://schemas.microsoft.com/office/drawing/2017/decorative" val="1"/>
-              </a:ext>
-            </a:extLst>
-          </p:cNvPr>
-          <p:cNvSpPr>
-            <a:spLocks noGrp="1" noRot="1" noChangeAspect="1" noMove="1" noResize="1" noEditPoints="1" noAdjustHandles="1" noChangeArrowheads="1" noChangeShapeType="1" noTextEdit="1"/>
-          </p:cNvSpPr>
-          <p:nvPr>
-            <p:extLst>
-              <p:ext uri="{386F3935-93C4-4BCD-93E2-E3B085C9AB24}">
-                <p16:designElem xmlns:p16="http://schemas.microsoft.com/office/powerpoint/2015/main" val="1"/>
-              </p:ext>
-            </p:extLst>
-          </p:nvPr>
-        </p:nvSpPr>
-        <p:spPr>
-          <a:xfrm>
-            <a:off x="446534" y="457200"/>
-            <a:ext cx="3703320" cy="94997"/>
-          </a:xfrm>
-          <a:prstGeom prst="rect">
-            <a:avLst/>
-          </a:prstGeom>
-          <a:solidFill>
-            <a:srgbClr val="465359"/>
-          </a:solidFill>
-          <a:ln>
-            <a:noFill/>
-          </a:ln>
-          <a:effectLst/>
-        </p:spPr>
-        <p:style>
-          <a:lnRef idx="1">
-            <a:schemeClr val="accent1"/>
-          </a:lnRef>
-          <a:fillRef idx="3">
-            <a:schemeClr val="accent1"/>
-          </a:fillRef>
-          <a:effectRef idx="2">
-            <a:schemeClr val="accent1"/>
-          </a:effectRef>
-          <a:fontRef idx="minor">
-            <a:schemeClr val="lt1"/>
-          </a:fontRef>
-        </p:style>
-      </p:sp>
-      <p:sp>
-        <p:nvSpPr>
-          <p:cNvPr id="21" name="Rectangle 20">
-            <a:extLst>
-              <a:ext uri="{FF2B5EF4-FFF2-40B4-BE49-F238E27FC236}">
-                <a16:creationId xmlns:a16="http://schemas.microsoft.com/office/drawing/2014/main" id="{B1D4C7A0-6DF2-4F2D-A45D-F111582974C7}"/>
-              </a:ext>
-              <a:ext uri="{C183D7F6-B498-43B3-948B-1728B52AA6E4}">
-                <adec:decorative xmlns:adec="http://schemas.microsoft.com/office/drawing/2017/decorative" val="1"/>
-              </a:ext>
-            </a:extLst>
-          </p:cNvPr>
-          <p:cNvSpPr>
-            <a:spLocks noGrp="1" noRot="1" noChangeAspect="1" noMove="1" noResize="1" noEditPoints="1" noAdjustHandles="1" noChangeArrowheads="1" noChangeShapeType="1" noTextEdit="1"/>
-          </p:cNvSpPr>
-          <p:nvPr>
-            <p:extLst>
-              <p:ext uri="{386F3935-93C4-4BCD-93E2-E3B085C9AB24}">
-                <p16:designElem xmlns:p16="http://schemas.microsoft.com/office/powerpoint/2015/main" val="1"/>
-              </p:ext>
-            </p:extLst>
-          </p:nvPr>
-        </p:nvSpPr>
-        <p:spPr>
-          <a:xfrm>
-            <a:off x="4241830" y="457200"/>
-            <a:ext cx="3703320" cy="91440"/>
-          </a:xfrm>
-          <a:prstGeom prst="rect">
-            <a:avLst/>
-          </a:prstGeom>
-          <a:solidFill>
-            <a:schemeClr val="accent1"/>
-          </a:solidFill>
-          <a:ln>
-            <a:noFill/>
-          </a:ln>
-          <a:effectLst/>
-        </p:spPr>
-        <p:style>
-          <a:lnRef idx="1">
-            <a:schemeClr val="accent1"/>
-          </a:lnRef>
-          <a:fillRef idx="3">
-            <a:schemeClr val="accent1"/>
-          </a:fillRef>
-          <a:effectRef idx="2">
-            <a:schemeClr val="accent1"/>
-          </a:effectRef>
-          <a:fontRef idx="minor">
-            <a:schemeClr val="lt1"/>
-          </a:fontRef>
-        </p:style>
-      </p:sp>
-      <p:sp>
-        <p:nvSpPr>
-          <p:cNvPr id="23" name="Rectangle 22">
-            <a:extLst>
-              <a:ext uri="{FF2B5EF4-FFF2-40B4-BE49-F238E27FC236}">
-                <a16:creationId xmlns:a16="http://schemas.microsoft.com/office/drawing/2014/main" id="{DBF3943D-BCB6-4B31-809D-A005686483B4}"/>
-              </a:ext>
-              <a:ext uri="{C183D7F6-B498-43B3-948B-1728B52AA6E4}">
-                <adec:decorative xmlns:adec="http://schemas.microsoft.com/office/drawing/2017/decorative" val="1"/>
-              </a:ext>
-            </a:extLst>
-          </p:cNvPr>
-          <p:cNvSpPr>
-            <a:spLocks noGrp="1" noRot="1" noChangeAspect="1" noMove="1" noResize="1" noEditPoints="1" noAdjustHandles="1" noChangeArrowheads="1" noChangeShapeType="1" noTextEdit="1"/>
-          </p:cNvSpPr>
-          <p:nvPr>
-            <p:extLst>
-              <p:ext uri="{386F3935-93C4-4BCD-93E2-E3B085C9AB24}">
-                <p16:designElem xmlns:p16="http://schemas.microsoft.com/office/powerpoint/2015/main" val="1"/>
-              </p:ext>
-            </p:extLst>
-          </p:nvPr>
-        </p:nvSpPr>
-        <p:spPr>
-          <a:xfrm>
-            <a:off x="8042147" y="453643"/>
-            <a:ext cx="3703320" cy="98554"/>
-          </a:xfrm>
-          <a:prstGeom prst="rect">
-            <a:avLst/>
-          </a:prstGeom>
-          <a:solidFill>
-            <a:srgbClr val="969FA7"/>
-          </a:solidFill>
-          <a:ln>
-            <a:noFill/>
-          </a:ln>
-          <a:effectLst/>
-        </p:spPr>
-        <p:style>
-          <a:lnRef idx="1">
-            <a:schemeClr val="accent1"/>
-          </a:lnRef>
-          <a:fillRef idx="3">
-            <a:schemeClr val="accent1"/>
-          </a:fillRef>
-          <a:effectRef idx="2">
-            <a:schemeClr val="accent1"/>
-          </a:effectRef>
-          <a:fontRef idx="minor">
-            <a:schemeClr val="lt1"/>
-          </a:fontRef>
-        </p:style>
-      </p:sp>
-      <p:sp>
-        <p:nvSpPr>
-          <p:cNvPr id="25" name="Rectangle 24">
-            <a:extLst>
-              <a:ext uri="{FF2B5EF4-FFF2-40B4-BE49-F238E27FC236}">
-                <a16:creationId xmlns:a16="http://schemas.microsoft.com/office/drawing/2014/main" id="{39373A6F-2E1F-4613-8E1D-D68057D29F31}"/>
-              </a:ext>
-              <a:ext uri="{C183D7F6-B498-43B3-948B-1728B52AA6E4}">
-                <adec:decorative xmlns:adec="http://schemas.microsoft.com/office/drawing/2017/decorative" val="1"/>
-              </a:ext>
-            </a:extLst>
-          </p:cNvPr>
-          <p:cNvSpPr>
-            <a:spLocks noGrp="1" noRot="1" noChangeAspect="1" noMove="1" noResize="1" noEditPoints="1" noAdjustHandles="1" noChangeArrowheads="1" noChangeShapeType="1" noTextEdit="1"/>
-          </p:cNvSpPr>
-          <p:nvPr>
-            <p:extLst>
-              <p:ext uri="{386F3935-93C4-4BCD-93E2-E3B085C9AB24}">
-                <p16:designElem xmlns:p16="http://schemas.microsoft.com/office/powerpoint/2015/main" val="1"/>
-              </p:ext>
-            </p:extLst>
-          </p:nvPr>
-        </p:nvSpPr>
-        <p:spPr>
-          <a:xfrm>
-            <a:off x="442377" y="601200"/>
-            <a:ext cx="3707477" cy="5624979"/>
-          </a:xfrm>
-          <a:prstGeom prst="rect">
-            <a:avLst/>
-          </a:prstGeom>
-          <a:solidFill>
-            <a:srgbClr val="465359"/>
-          </a:solidFill>
-          <a:ln>
-            <a:noFill/>
-          </a:ln>
-          <a:effectLst/>
-        </p:spPr>
-        <p:style>
-          <a:lnRef idx="1">
-            <a:schemeClr val="accent1"/>
-          </a:lnRef>
-          <a:fillRef idx="3">
-            <a:schemeClr val="accent1"/>
-          </a:fillRef>
-          <a:effectRef idx="2">
-            <a:schemeClr val="accent1"/>
-          </a:effectRef>
-          <a:fontRef idx="minor">
-            <a:schemeClr val="lt1"/>
-          </a:fontRef>
-        </p:style>
-      </p:sp>
-      <p:sp>
-        <p:nvSpPr>
-          <p:cNvPr id="2" name="Title 1">
-            <a:extLst>
-              <a:ext uri="{FF2B5EF4-FFF2-40B4-BE49-F238E27FC236}">
-                <a16:creationId xmlns:a16="http://schemas.microsoft.com/office/drawing/2014/main" id="{B55F5714-2E8E-4ACD-A2CD-04641C08956A}"/>
+                <a16:creationId xmlns:a16="http://schemas.microsoft.com/office/drawing/2014/main" id="{73A4CFA3-42F4-47AC-BA02-AD7A7CCBB3DD}"/>
               </a:ext>
             </a:extLst>
           </p:cNvPr>
@@ -12170,43 +10785,36 @@
             <a:spLocks noGrp="1"/>
           </p:cNvSpPr>
           <p:nvPr>
-            <p:ph type="title"/>
-          </p:nvPr>
-        </p:nvSpPr>
-        <p:spPr>
-          <a:xfrm>
-            <a:off x="601255" y="702155"/>
-            <a:ext cx="3409783" cy="1300365"/>
+            <p:ph idx="1"/>
+          </p:nvPr>
+        </p:nvSpPr>
+        <p:spPr>
+          <a:xfrm>
+            <a:off x="4900928" y="1179829"/>
+            <a:ext cx="6650991" cy="2934971"/>
           </a:xfrm>
         </p:spPr>
         <p:txBody>
-          <a:bodyPr vert="horz" lIns="91440" tIns="45720" rIns="91440" bIns="45720" rtlCol="0" anchor="b">
-            <a:normAutofit/>
-          </a:bodyPr>
+          <a:bodyPr/>
           <a:lstStyle/>
           <a:p>
-            <a:pPr>
-              <a:spcBef>
-                <a:spcPct val="0"/>
-              </a:spcBef>
-            </a:pPr>
-            <a:r>
-              <a:rPr lang="en-US" sz="2800" dirty="0">
-                <a:solidFill>
-                  <a:srgbClr val="FFFFFF"/>
-                </a:solidFill>
+            <a:r>
+              <a:rPr lang="en-US" dirty="0">
+                <a:highlight>
+                  <a:srgbClr val="FFFF00"/>
+                </a:highlight>
               </a:rPr>
-              <a:t>Data Processing </a:t>
+              <a:t>Dawit to add key point to describe the Process </a:t>
             </a:r>
           </a:p>
         </p:txBody>
       </p:sp>
       <p:sp>
         <p:nvSpPr>
-          <p:cNvPr id="3" name="Text Placeholder 2">
+          <p:cNvPr id="6" name="Text Placeholder 5">
             <a:extLst>
               <a:ext uri="{FF2B5EF4-FFF2-40B4-BE49-F238E27FC236}">
-                <a16:creationId xmlns:a16="http://schemas.microsoft.com/office/drawing/2014/main" id="{69967516-9E99-4B4D-AD6B-5B2B788CBAC4}"/>
+                <a16:creationId xmlns:a16="http://schemas.microsoft.com/office/drawing/2014/main" id="{01E64F2C-A246-49EF-B6C0-F492146EBD34}"/>
               </a:ext>
             </a:extLst>
           </p:cNvPr>
@@ -12214,49 +10822,29 @@
             <a:spLocks noGrp="1"/>
           </p:cNvSpPr>
           <p:nvPr>
-            <p:ph type="body" idx="1"/>
-          </p:nvPr>
-        </p:nvSpPr>
-        <p:spPr>
-          <a:xfrm>
-            <a:off x="601255" y="2177142"/>
-            <a:ext cx="3409782" cy="3823607"/>
+            <p:ph type="body" sz="half" idx="2"/>
+          </p:nvPr>
+        </p:nvSpPr>
+        <p:spPr>
+          <a:xfrm>
+            <a:off x="767857" y="3104146"/>
+            <a:ext cx="3031852" cy="2733899"/>
           </a:xfrm>
         </p:spPr>
         <p:txBody>
-          <a:bodyPr vert="horz" lIns="91440" tIns="45720" rIns="91440" bIns="45720" rtlCol="0" anchor="ctr">
-            <a:normAutofit/>
-          </a:bodyPr>
+          <a:bodyPr/>
           <a:lstStyle/>
           <a:p>
-            <a:pPr>
-              <a:spcBef>
-                <a:spcPct val="20000"/>
-              </a:spcBef>
-              <a:spcAft>
-                <a:spcPts val="600"/>
-              </a:spcAft>
-              <a:buSzPct val="92000"/>
-              <a:buFont typeface="Wingdings 2" panose="05020102010507070707" pitchFamily="18" charset="2"/>
-              <a:buChar char=""/>
-            </a:pPr>
-            <a:r>
-              <a:rPr lang="en-US" dirty="0">
-                <a:solidFill>
-                  <a:srgbClr val="FFFFFF"/>
-                </a:solidFill>
-              </a:rPr>
-              <a:t>Data Cleanup –Phase1 </a:t>
-            </a:r>
+            <a:endParaRPr lang="en-US"/>
           </a:p>
         </p:txBody>
       </p:sp>
       <p:pic>
         <p:nvPicPr>
-          <p:cNvPr id="6" name="Picture 5" descr="Graphical user interface, text, application&#10;&#10;Description automatically generated">
+          <p:cNvPr id="7" name="Picture 6" descr="Graphical user interface, text, application&#10;&#10;Description automatically generated">
             <a:extLst>
               <a:ext uri="{FF2B5EF4-FFF2-40B4-BE49-F238E27FC236}">
-                <a16:creationId xmlns:a16="http://schemas.microsoft.com/office/drawing/2014/main" id="{A0F8300A-45BB-4226-BD1D-9F03FDB3A419}"/>
+                <a16:creationId xmlns:a16="http://schemas.microsoft.com/office/drawing/2014/main" id="{D5D90A61-386B-42C5-B26F-433FD6FD0825}"/>
               </a:ext>
             </a:extLst>
           </p:cNvPr>
@@ -12266,15 +10854,15 @@
           <p:nvPr/>
         </p:nvPicPr>
         <p:blipFill>
-          <a:blip r:embed="rId2"/>
+          <a:blip r:embed="rId3"/>
           <a:stretch>
             <a:fillRect/>
           </a:stretch>
         </p:blipFill>
         <p:spPr>
           <a:xfrm>
-            <a:off x="5672879" y="936141"/>
-            <a:ext cx="4670206" cy="4968305"/>
+            <a:off x="10324643" y="4892841"/>
+            <a:ext cx="1420824" cy="1511515"/>
           </a:xfrm>
           <a:prstGeom prst="rect">
             <a:avLst/>
@@ -12284,30 +10872,22 @@
     </p:spTree>
     <p:extLst>
       <p:ext uri="{BB962C8B-B14F-4D97-AF65-F5344CB8AC3E}">
-        <p14:creationId xmlns:p14="http://schemas.microsoft.com/office/powerpoint/2010/main" val="169108408"/>
+        <p14:creationId xmlns:p14="http://schemas.microsoft.com/office/powerpoint/2010/main" val="3816661849"/>
       </p:ext>
     </p:extLst>
   </p:cSld>
   <p:clrMapOvr>
-    <a:overrideClrMapping bg1="dk1" tx1="lt1" bg2="dk2" tx2="lt2" accent1="accent1" accent2="accent2" accent3="accent3" accent4="accent4" accent5="accent5" accent6="accent6" hlink="hlink" folHlink="folHlink"/>
+    <a:masterClrMapping/>
   </p:clrMapOvr>
 </p:sld>
 </file>
 
-<file path=ppt/slides/slide8.xml><?xml version="1.0" encoding="utf-8"?>
+<file path=ppt/slides/slide7.xml><?xml version="1.0" encoding="utf-8"?>
 <p:sld xmlns:a="http://schemas.openxmlformats.org/drawingml/2006/main" xmlns:r="http://schemas.openxmlformats.org/officeDocument/2006/relationships" xmlns:p="http://schemas.openxmlformats.org/presentationml/2006/main">
   <p:cSld>
-    <p:bg>
-      <p:bgPr>
-        <a:solidFill>
-          <a:schemeClr val="bg1"/>
-        </a:solidFill>
-        <a:effectLst/>
-      </p:bgPr>
-    </p:bg>
     <p:spTree>
       <p:nvGrpSpPr>
-        <p:cNvPr id="1" name=""/>
+        <p:cNvPr id="1" name="Shape 157"/>
         <p:cNvGrpSpPr/>
         <p:nvPr/>
       </p:nvGrpSpPr>
@@ -12321,451 +10901,53 @@
       </p:grpSpPr>
       <p:sp>
         <p:nvSpPr>
-          <p:cNvPr id="34" name="Rectangle 9">
-            <a:extLst>
-              <a:ext uri="{FF2B5EF4-FFF2-40B4-BE49-F238E27FC236}">
-                <a16:creationId xmlns:a16="http://schemas.microsoft.com/office/drawing/2014/main" id="{DD651B61-325E-4E73-8445-38B0DE8AAAB6}"/>
-              </a:ext>
-              <a:ext uri="{C183D7F6-B498-43B3-948B-1728B52AA6E4}">
-                <adec:decorative xmlns:adec="http://schemas.microsoft.com/office/drawing/2017/decorative" val="1"/>
-              </a:ext>
-            </a:extLst>
-          </p:cNvPr>
-          <p:cNvSpPr>
-            <a:spLocks noGrp="1" noRot="1" noChangeAspect="1" noMove="1" noResize="1" noEditPoints="1" noAdjustHandles="1" noChangeArrowheads="1" noChangeShapeType="1" noTextEdit="1"/>
-          </p:cNvSpPr>
-          <p:nvPr>
-            <p:extLst>
-              <p:ext uri="{386F3935-93C4-4BCD-93E2-E3B085C9AB24}">
-                <p16:designElem xmlns:p16="http://schemas.microsoft.com/office/powerpoint/2015/main" val="1"/>
-              </p:ext>
-            </p:extLst>
-          </p:nvPr>
-        </p:nvSpPr>
-        <p:spPr>
-          <a:xfrm>
-            <a:off x="446534" y="457200"/>
-            <a:ext cx="3703320" cy="94997"/>
-          </a:xfrm>
+          <p:cNvPr id="158" name="Google Shape;158;p17"/>
+          <p:cNvSpPr txBox="1">
+            <a:spLocks noGrp="1"/>
+          </p:cNvSpPr>
+          <p:nvPr>
+            <p:ph type="title"/>
+          </p:nvPr>
+        </p:nvSpPr>
+        <p:spPr>
           <a:prstGeom prst="rect">
             <a:avLst/>
           </a:prstGeom>
-          <a:solidFill>
-            <a:srgbClr val="465359"/>
-          </a:solidFill>
-          <a:ln>
-            <a:noFill/>
-          </a:ln>
-          <a:effectLst/>
-        </p:spPr>
-        <p:style>
-          <a:lnRef idx="1">
-            <a:schemeClr val="accent1"/>
-          </a:lnRef>
-          <a:fillRef idx="3">
-            <a:schemeClr val="accent1"/>
-          </a:fillRef>
-          <a:effectRef idx="2">
-            <a:schemeClr val="accent1"/>
-          </a:effectRef>
-          <a:fontRef idx="minor">
-            <a:schemeClr val="lt1"/>
-          </a:fontRef>
-        </p:style>
-      </p:sp>
-      <p:sp>
-        <p:nvSpPr>
-          <p:cNvPr id="35" name="Rectangle 11">
+        </p:spPr>
+        <p:txBody>
+          <a:bodyPr spcFirstLastPara="1" vert="horz" lIns="91440" tIns="45720" rIns="91440" bIns="45720" rtlCol="0" anchor="ctr" anchorCtr="0">
+            <a:normAutofit fontScale="90000"/>
+          </a:bodyPr>
+          <a:lstStyle/>
+          <a:p>
+            <a:pPr algn="ctr">
+              <a:spcBef>
+                <a:spcPct val="0"/>
+              </a:spcBef>
+            </a:pPr>
+            <a:r>
+              <a:rPr lang="en-US" sz="3600" dirty="0">
+                <a:solidFill>
+                  <a:srgbClr val="FFFFFF"/>
+                </a:solidFill>
+              </a:rPr>
+              <a:t>Connecting the Data to DB , REGRESSION model, Deep Learning  model</a:t>
+            </a:r>
+            <a:endParaRPr lang="en-US" sz="3600" dirty="0">
+              <a:solidFill>
+                <a:srgbClr val="FFFFFF"/>
+              </a:solidFill>
+              <a:sym typeface="Lato"/>
+            </a:endParaRPr>
+          </a:p>
+        </p:txBody>
+      </p:sp>
+      <p:sp>
+        <p:nvSpPr>
+          <p:cNvPr id="5" name="Content Placeholder 4">
             <a:extLst>
               <a:ext uri="{FF2B5EF4-FFF2-40B4-BE49-F238E27FC236}">
-                <a16:creationId xmlns:a16="http://schemas.microsoft.com/office/drawing/2014/main" id="{B42E5253-D3AC-4AC2-B766-8B34F13C2F5E}"/>
-              </a:ext>
-              <a:ext uri="{C183D7F6-B498-43B3-948B-1728B52AA6E4}">
-                <adec:decorative xmlns:adec="http://schemas.microsoft.com/office/drawing/2017/decorative" val="1"/>
-              </a:ext>
-            </a:extLst>
-          </p:cNvPr>
-          <p:cNvSpPr>
-            <a:spLocks noGrp="1" noRot="1" noChangeAspect="1" noMove="1" noResize="1" noEditPoints="1" noAdjustHandles="1" noChangeArrowheads="1" noChangeShapeType="1" noTextEdit="1"/>
-          </p:cNvSpPr>
-          <p:nvPr>
-            <p:extLst>
-              <p:ext uri="{386F3935-93C4-4BCD-93E2-E3B085C9AB24}">
-                <p16:designElem xmlns:p16="http://schemas.microsoft.com/office/powerpoint/2015/main" val="1"/>
-              </p:ext>
-            </p:extLst>
-          </p:nvPr>
-        </p:nvSpPr>
-        <p:spPr>
-          <a:xfrm>
-            <a:off x="8042147" y="453643"/>
-            <a:ext cx="3703320" cy="98554"/>
-          </a:xfrm>
-          <a:prstGeom prst="rect">
-            <a:avLst/>
-          </a:prstGeom>
-          <a:solidFill>
-            <a:srgbClr val="969FA7"/>
-          </a:solidFill>
-          <a:ln>
-            <a:noFill/>
-          </a:ln>
-          <a:effectLst/>
-        </p:spPr>
-        <p:style>
-          <a:lnRef idx="1">
-            <a:schemeClr val="accent1"/>
-          </a:lnRef>
-          <a:fillRef idx="3">
-            <a:schemeClr val="accent1"/>
-          </a:fillRef>
-          <a:effectRef idx="2">
-            <a:schemeClr val="accent1"/>
-          </a:effectRef>
-          <a:fontRef idx="minor">
-            <a:schemeClr val="lt1"/>
-          </a:fontRef>
-        </p:style>
-      </p:sp>
-      <p:sp>
-        <p:nvSpPr>
-          <p:cNvPr id="36" name="Rectangle 13">
-            <a:extLst>
-              <a:ext uri="{FF2B5EF4-FFF2-40B4-BE49-F238E27FC236}">
-                <a16:creationId xmlns:a16="http://schemas.microsoft.com/office/drawing/2014/main" id="{10AE8D57-436A-4073-9A75-15BB5949F8B4}"/>
-              </a:ext>
-              <a:ext uri="{C183D7F6-B498-43B3-948B-1728B52AA6E4}">
-                <adec:decorative xmlns:adec="http://schemas.microsoft.com/office/drawing/2017/decorative" val="1"/>
-              </a:ext>
-            </a:extLst>
-          </p:cNvPr>
-          <p:cNvSpPr>
-            <a:spLocks noGrp="1" noRot="1" noChangeAspect="1" noMove="1" noResize="1" noEditPoints="1" noAdjustHandles="1" noChangeArrowheads="1" noChangeShapeType="1" noTextEdit="1"/>
-          </p:cNvSpPr>
-          <p:nvPr>
-            <p:extLst>
-              <p:ext uri="{386F3935-93C4-4BCD-93E2-E3B085C9AB24}">
-                <p16:designElem xmlns:p16="http://schemas.microsoft.com/office/powerpoint/2015/main" val="1"/>
-              </p:ext>
-            </p:extLst>
-          </p:nvPr>
-        </p:nvSpPr>
-        <p:spPr>
-          <a:xfrm>
-            <a:off x="4241830" y="457200"/>
-            <a:ext cx="3703320" cy="91440"/>
-          </a:xfrm>
-          <a:prstGeom prst="rect">
-            <a:avLst/>
-          </a:prstGeom>
-          <a:solidFill>
-            <a:schemeClr val="accent1"/>
-          </a:solidFill>
-          <a:ln>
-            <a:noFill/>
-          </a:ln>
-          <a:effectLst/>
-        </p:spPr>
-        <p:style>
-          <a:lnRef idx="1">
-            <a:schemeClr val="accent1"/>
-          </a:lnRef>
-          <a:fillRef idx="3">
-            <a:schemeClr val="accent1"/>
-          </a:fillRef>
-          <a:effectRef idx="2">
-            <a:schemeClr val="accent1"/>
-          </a:effectRef>
-          <a:fontRef idx="minor">
-            <a:schemeClr val="lt1"/>
-          </a:fontRef>
-        </p:style>
-      </p:sp>
-      <p:sp>
-        <p:nvSpPr>
-          <p:cNvPr id="37" name="Rectangle 15">
-            <a:extLst>
-              <a:ext uri="{FF2B5EF4-FFF2-40B4-BE49-F238E27FC236}">
-                <a16:creationId xmlns:a16="http://schemas.microsoft.com/office/drawing/2014/main" id="{E9751CB9-7B25-4EB8-9A6F-82F822549F12}"/>
-              </a:ext>
-              <a:ext uri="{C183D7F6-B498-43B3-948B-1728B52AA6E4}">
-                <adec:decorative xmlns:adec="http://schemas.microsoft.com/office/drawing/2017/decorative" val="1"/>
-              </a:ext>
-            </a:extLst>
-          </p:cNvPr>
-          <p:cNvSpPr>
-            <a:spLocks noGrp="1" noRot="1" noChangeAspect="1" noMove="1" noResize="1" noEditPoints="1" noAdjustHandles="1" noChangeArrowheads="1" noChangeShapeType="1" noTextEdit="1"/>
-          </p:cNvSpPr>
-          <p:nvPr>
-            <p:extLst>
-              <p:ext uri="{386F3935-93C4-4BCD-93E2-E3B085C9AB24}">
-                <p16:designElem xmlns:p16="http://schemas.microsoft.com/office/powerpoint/2015/main" val="1"/>
-              </p:ext>
-            </p:extLst>
-          </p:nvPr>
-        </p:nvSpPr>
-        <p:spPr>
-          <a:xfrm>
-            <a:off x="0" y="0"/>
-            <a:ext cx="12192000" cy="6858000"/>
-          </a:xfrm>
-          <a:prstGeom prst="rect">
-            <a:avLst/>
-          </a:prstGeom>
-          <a:solidFill>
-            <a:srgbClr val="FFFFFF"/>
-          </a:solidFill>
-          <a:ln>
-            <a:noFill/>
-          </a:ln>
-        </p:spPr>
-        <p:style>
-          <a:lnRef idx="2">
-            <a:schemeClr val="accent1">
-              <a:shade val="50000"/>
-            </a:schemeClr>
-          </a:lnRef>
-          <a:fillRef idx="1">
-            <a:schemeClr val="accent1"/>
-          </a:fillRef>
-          <a:effectRef idx="0">
-            <a:schemeClr val="accent1"/>
-          </a:effectRef>
-          <a:fontRef idx="minor">
-            <a:schemeClr val="lt1"/>
-          </a:fontRef>
-        </p:style>
-        <p:txBody>
-          <a:bodyPr rtlCol="0" anchor="ctr"/>
-          <a:lstStyle/>
-          <a:p>
-            <a:pPr algn="ctr"/>
-            <a:endParaRPr lang="en-US"/>
-          </a:p>
-        </p:txBody>
-      </p:sp>
-      <p:sp>
-        <p:nvSpPr>
-          <p:cNvPr id="38" name="Rectangle 17">
-            <a:extLst>
-              <a:ext uri="{FF2B5EF4-FFF2-40B4-BE49-F238E27FC236}">
-                <a16:creationId xmlns:a16="http://schemas.microsoft.com/office/drawing/2014/main" id="{E1317383-CF3B-4B02-9512-BECBEF6362A4}"/>
-              </a:ext>
-              <a:ext uri="{C183D7F6-B498-43B3-948B-1728B52AA6E4}">
-                <adec:decorative xmlns:adec="http://schemas.microsoft.com/office/drawing/2017/decorative" val="1"/>
-              </a:ext>
-            </a:extLst>
-          </p:cNvPr>
-          <p:cNvSpPr>
-            <a:spLocks noGrp="1" noRot="1" noChangeAspect="1" noMove="1" noResize="1" noEditPoints="1" noAdjustHandles="1" noChangeArrowheads="1" noChangeShapeType="1" noTextEdit="1"/>
-          </p:cNvSpPr>
-          <p:nvPr>
-            <p:extLst>
-              <p:ext uri="{386F3935-93C4-4BCD-93E2-E3B085C9AB24}">
-                <p16:designElem xmlns:p16="http://schemas.microsoft.com/office/powerpoint/2015/main" val="1"/>
-              </p:ext>
-            </p:extLst>
-          </p:nvPr>
-        </p:nvSpPr>
-        <p:spPr>
-          <a:xfrm>
-            <a:off x="446534" y="457200"/>
-            <a:ext cx="3703320" cy="94997"/>
-          </a:xfrm>
-          <a:prstGeom prst="rect">
-            <a:avLst/>
-          </a:prstGeom>
-          <a:solidFill>
-            <a:srgbClr val="465359"/>
-          </a:solidFill>
-          <a:ln>
-            <a:noFill/>
-          </a:ln>
-          <a:effectLst/>
-        </p:spPr>
-        <p:style>
-          <a:lnRef idx="1">
-            <a:schemeClr val="accent1"/>
-          </a:lnRef>
-          <a:fillRef idx="3">
-            <a:schemeClr val="accent1"/>
-          </a:fillRef>
-          <a:effectRef idx="2">
-            <a:schemeClr val="accent1"/>
-          </a:effectRef>
-          <a:fontRef idx="minor">
-            <a:schemeClr val="lt1"/>
-          </a:fontRef>
-        </p:style>
-      </p:sp>
-      <p:sp>
-        <p:nvSpPr>
-          <p:cNvPr id="39" name="Rectangle 19">
-            <a:extLst>
-              <a:ext uri="{FF2B5EF4-FFF2-40B4-BE49-F238E27FC236}">
-                <a16:creationId xmlns:a16="http://schemas.microsoft.com/office/drawing/2014/main" id="{B1D4C7A0-6DF2-4F2D-A45D-F111582974C7}"/>
-              </a:ext>
-              <a:ext uri="{C183D7F6-B498-43B3-948B-1728B52AA6E4}">
-                <adec:decorative xmlns:adec="http://schemas.microsoft.com/office/drawing/2017/decorative" val="1"/>
-              </a:ext>
-            </a:extLst>
-          </p:cNvPr>
-          <p:cNvSpPr>
-            <a:spLocks noGrp="1" noRot="1" noChangeAspect="1" noMove="1" noResize="1" noEditPoints="1" noAdjustHandles="1" noChangeArrowheads="1" noChangeShapeType="1" noTextEdit="1"/>
-          </p:cNvSpPr>
-          <p:nvPr>
-            <p:extLst>
-              <p:ext uri="{386F3935-93C4-4BCD-93E2-E3B085C9AB24}">
-                <p16:designElem xmlns:p16="http://schemas.microsoft.com/office/powerpoint/2015/main" val="1"/>
-              </p:ext>
-            </p:extLst>
-          </p:nvPr>
-        </p:nvSpPr>
-        <p:spPr>
-          <a:xfrm>
-            <a:off x="4241830" y="457200"/>
-            <a:ext cx="3703320" cy="91440"/>
-          </a:xfrm>
-          <a:prstGeom prst="rect">
-            <a:avLst/>
-          </a:prstGeom>
-          <a:solidFill>
-            <a:schemeClr val="accent1"/>
-          </a:solidFill>
-          <a:ln>
-            <a:noFill/>
-          </a:ln>
-          <a:effectLst/>
-        </p:spPr>
-        <p:style>
-          <a:lnRef idx="1">
-            <a:schemeClr val="accent1"/>
-          </a:lnRef>
-          <a:fillRef idx="3">
-            <a:schemeClr val="accent1"/>
-          </a:fillRef>
-          <a:effectRef idx="2">
-            <a:schemeClr val="accent1"/>
-          </a:effectRef>
-          <a:fontRef idx="minor">
-            <a:schemeClr val="lt1"/>
-          </a:fontRef>
-        </p:style>
-      </p:sp>
-      <p:sp>
-        <p:nvSpPr>
-          <p:cNvPr id="40" name="Rectangle 21">
-            <a:extLst>
-              <a:ext uri="{FF2B5EF4-FFF2-40B4-BE49-F238E27FC236}">
-                <a16:creationId xmlns:a16="http://schemas.microsoft.com/office/drawing/2014/main" id="{DBF3943D-BCB6-4B31-809D-A005686483B4}"/>
-              </a:ext>
-              <a:ext uri="{C183D7F6-B498-43B3-948B-1728B52AA6E4}">
-                <adec:decorative xmlns:adec="http://schemas.microsoft.com/office/drawing/2017/decorative" val="1"/>
-              </a:ext>
-            </a:extLst>
-          </p:cNvPr>
-          <p:cNvSpPr>
-            <a:spLocks noGrp="1" noRot="1" noChangeAspect="1" noMove="1" noResize="1" noEditPoints="1" noAdjustHandles="1" noChangeArrowheads="1" noChangeShapeType="1" noTextEdit="1"/>
-          </p:cNvSpPr>
-          <p:nvPr>
-            <p:extLst>
-              <p:ext uri="{386F3935-93C4-4BCD-93E2-E3B085C9AB24}">
-                <p16:designElem xmlns:p16="http://schemas.microsoft.com/office/powerpoint/2015/main" val="1"/>
-              </p:ext>
-            </p:extLst>
-          </p:nvPr>
-        </p:nvSpPr>
-        <p:spPr>
-          <a:xfrm>
-            <a:off x="8042147" y="453643"/>
-            <a:ext cx="3703320" cy="98554"/>
-          </a:xfrm>
-          <a:prstGeom prst="rect">
-            <a:avLst/>
-          </a:prstGeom>
-          <a:solidFill>
-            <a:srgbClr val="969FA7"/>
-          </a:solidFill>
-          <a:ln>
-            <a:noFill/>
-          </a:ln>
-          <a:effectLst/>
-        </p:spPr>
-        <p:style>
-          <a:lnRef idx="1">
-            <a:schemeClr val="accent1"/>
-          </a:lnRef>
-          <a:fillRef idx="3">
-            <a:schemeClr val="accent1"/>
-          </a:fillRef>
-          <a:effectRef idx="2">
-            <a:schemeClr val="accent1"/>
-          </a:effectRef>
-          <a:fontRef idx="minor">
-            <a:schemeClr val="lt1"/>
-          </a:fontRef>
-        </p:style>
-      </p:sp>
-      <p:sp>
-        <p:nvSpPr>
-          <p:cNvPr id="41" name="Rectangle 23">
-            <a:extLst>
-              <a:ext uri="{FF2B5EF4-FFF2-40B4-BE49-F238E27FC236}">
-                <a16:creationId xmlns:a16="http://schemas.microsoft.com/office/drawing/2014/main" id="{39373A6F-2E1F-4613-8E1D-D68057D29F31}"/>
-              </a:ext>
-              <a:ext uri="{C183D7F6-B498-43B3-948B-1728B52AA6E4}">
-                <adec:decorative xmlns:adec="http://schemas.microsoft.com/office/drawing/2017/decorative" val="1"/>
-              </a:ext>
-            </a:extLst>
-          </p:cNvPr>
-          <p:cNvSpPr>
-            <a:spLocks noGrp="1" noRot="1" noChangeAspect="1" noMove="1" noResize="1" noEditPoints="1" noAdjustHandles="1" noChangeArrowheads="1" noChangeShapeType="1" noTextEdit="1"/>
-          </p:cNvSpPr>
-          <p:nvPr>
-            <p:extLst>
-              <p:ext uri="{386F3935-93C4-4BCD-93E2-E3B085C9AB24}">
-                <p16:designElem xmlns:p16="http://schemas.microsoft.com/office/powerpoint/2015/main" val="1"/>
-              </p:ext>
-            </p:extLst>
-          </p:nvPr>
-        </p:nvSpPr>
-        <p:spPr>
-          <a:xfrm>
-            <a:off x="442377" y="601200"/>
-            <a:ext cx="3707477" cy="5624979"/>
-          </a:xfrm>
-          <a:prstGeom prst="rect">
-            <a:avLst/>
-          </a:prstGeom>
-          <a:solidFill>
-            <a:srgbClr val="465359"/>
-          </a:solidFill>
-          <a:ln>
-            <a:noFill/>
-          </a:ln>
-          <a:effectLst/>
-        </p:spPr>
-        <p:style>
-          <a:lnRef idx="1">
-            <a:schemeClr val="accent1"/>
-          </a:lnRef>
-          <a:fillRef idx="3">
-            <a:schemeClr val="accent1"/>
-          </a:fillRef>
-          <a:effectRef idx="2">
-            <a:schemeClr val="accent1"/>
-          </a:effectRef>
-          <a:fontRef idx="minor">
-            <a:schemeClr val="lt1"/>
-          </a:fontRef>
-        </p:style>
-      </p:sp>
-      <p:sp>
-        <p:nvSpPr>
-          <p:cNvPr id="2" name="Title 1">
-            <a:extLst>
-              <a:ext uri="{FF2B5EF4-FFF2-40B4-BE49-F238E27FC236}">
-                <a16:creationId xmlns:a16="http://schemas.microsoft.com/office/drawing/2014/main" id="{B55F5714-2E8E-4ACD-A2CD-04641C08956A}"/>
+                <a16:creationId xmlns:a16="http://schemas.microsoft.com/office/drawing/2014/main" id="{73A4CFA3-42F4-47AC-BA02-AD7A7CCBB3DD}"/>
               </a:ext>
             </a:extLst>
           </p:cNvPr>
@@ -12773,43 +10955,44 @@
             <a:spLocks noGrp="1"/>
           </p:cNvSpPr>
           <p:nvPr>
-            <p:ph type="title"/>
-          </p:nvPr>
-        </p:nvSpPr>
-        <p:spPr>
-          <a:xfrm>
-            <a:off x="601255" y="702155"/>
-            <a:ext cx="3409783" cy="1300365"/>
+            <p:ph idx="1"/>
+          </p:nvPr>
+        </p:nvSpPr>
+        <p:spPr>
+          <a:xfrm>
+            <a:off x="4900928" y="1179829"/>
+            <a:ext cx="6650991" cy="2934971"/>
           </a:xfrm>
         </p:spPr>
         <p:txBody>
-          <a:bodyPr vert="horz" lIns="91440" tIns="45720" rIns="91440" bIns="45720" rtlCol="0" anchor="b">
-            <a:normAutofit/>
-          </a:bodyPr>
+          <a:bodyPr/>
           <a:lstStyle/>
           <a:p>
-            <a:pPr>
-              <a:spcBef>
-                <a:spcPct val="0"/>
-              </a:spcBef>
-            </a:pPr>
-            <a:r>
-              <a:rPr lang="en-US" sz="2800" dirty="0">
-                <a:solidFill>
-                  <a:srgbClr val="FFFFFF"/>
-                </a:solidFill>
+            <a:r>
+              <a:rPr lang="en-US" dirty="0" err="1">
+                <a:highlight>
+                  <a:srgbClr val="FFFF00"/>
+                </a:highlight>
               </a:rPr>
-              <a:t>Connecting the Data to DB</a:t>
+              <a:t>Trong</a:t>
+            </a:r>
+            <a:r>
+              <a:rPr lang="en-US" dirty="0">
+                <a:highlight>
+                  <a:srgbClr val="FFFF00"/>
+                </a:highlight>
+              </a:rPr>
+              <a:t>  to add key point to describe the Process </a:t>
             </a:r>
           </a:p>
         </p:txBody>
       </p:sp>
       <p:sp>
         <p:nvSpPr>
-          <p:cNvPr id="3" name="Text Placeholder 2">
+          <p:cNvPr id="6" name="Text Placeholder 5">
             <a:extLst>
               <a:ext uri="{FF2B5EF4-FFF2-40B4-BE49-F238E27FC236}">
-                <a16:creationId xmlns:a16="http://schemas.microsoft.com/office/drawing/2014/main" id="{69967516-9E99-4B4D-AD6B-5B2B788CBAC4}"/>
+                <a16:creationId xmlns:a16="http://schemas.microsoft.com/office/drawing/2014/main" id="{01E64F2C-A246-49EF-B6C0-F492146EBD34}"/>
               </a:ext>
             </a:extLst>
           </p:cNvPr>
@@ -12817,46 +11000,29 @@
             <a:spLocks noGrp="1"/>
           </p:cNvSpPr>
           <p:nvPr>
-            <p:ph type="body" idx="1"/>
-          </p:nvPr>
-        </p:nvSpPr>
-        <p:spPr>
-          <a:xfrm>
-            <a:off x="601255" y="2177142"/>
-            <a:ext cx="3409782" cy="3823607"/>
+            <p:ph type="body" sz="half" idx="2"/>
+          </p:nvPr>
+        </p:nvSpPr>
+        <p:spPr>
+          <a:xfrm>
+            <a:off x="767857" y="3737811"/>
+            <a:ext cx="3031852" cy="2100234"/>
           </a:xfrm>
         </p:spPr>
         <p:txBody>
-          <a:bodyPr vert="horz" lIns="91440" tIns="45720" rIns="91440" bIns="45720" rtlCol="0" anchor="ctr">
-            <a:normAutofit/>
-          </a:bodyPr>
+          <a:bodyPr/>
           <a:lstStyle/>
           <a:p>
-            <a:pPr>
-              <a:spcBef>
-                <a:spcPct val="20000"/>
-              </a:spcBef>
-              <a:spcAft>
-                <a:spcPts val="600"/>
-              </a:spcAft>
-              <a:buSzPct val="92000"/>
-              <a:buFont typeface="Wingdings 2" panose="05020102010507070707" pitchFamily="18" charset="2"/>
-              <a:buChar char=""/>
-            </a:pPr>
-            <a:endParaRPr lang="en-US" dirty="0">
-              <a:solidFill>
-                <a:srgbClr val="FFFFFF"/>
-              </a:solidFill>
-            </a:endParaRPr>
+            <a:endParaRPr lang="en-US" dirty="0"/>
           </a:p>
         </p:txBody>
       </p:sp>
       <p:pic>
         <p:nvPicPr>
-          <p:cNvPr id="5" name="Picture 4" descr="Text&#10;&#10;Description automatically generated">
+          <p:cNvPr id="7" name="Picture 6" descr="Graphical user interface, text, application&#10;&#10;Description automatically generated">
             <a:extLst>
               <a:ext uri="{FF2B5EF4-FFF2-40B4-BE49-F238E27FC236}">
-                <a16:creationId xmlns:a16="http://schemas.microsoft.com/office/drawing/2014/main" id="{8B5B965D-7B3D-4D15-A93E-78535B33A642}"/>
+                <a16:creationId xmlns:a16="http://schemas.microsoft.com/office/drawing/2014/main" id="{D5D90A61-386B-42C5-B26F-433FD6FD0825}"/>
               </a:ext>
             </a:extLst>
           </p:cNvPr>
@@ -12866,15 +11032,15 @@
           <p:nvPr/>
         </p:nvPicPr>
         <p:blipFill>
-          <a:blip r:embed="rId2"/>
+          <a:blip r:embed="rId3"/>
           <a:stretch>
             <a:fillRect/>
           </a:stretch>
         </p:blipFill>
         <p:spPr>
           <a:xfrm>
-            <a:off x="5585934" y="936141"/>
-            <a:ext cx="5635344" cy="5779842"/>
+            <a:off x="10324643" y="4892841"/>
+            <a:ext cx="1420824" cy="1511515"/>
           </a:xfrm>
           <a:prstGeom prst="rect">
             <a:avLst/>
@@ -12884,12 +11050,171 @@
     </p:spTree>
     <p:extLst>
       <p:ext uri="{BB962C8B-B14F-4D97-AF65-F5344CB8AC3E}">
-        <p14:creationId xmlns:p14="http://schemas.microsoft.com/office/powerpoint/2010/main" val="3459769227"/>
+        <p14:creationId xmlns:p14="http://schemas.microsoft.com/office/powerpoint/2010/main" val="185494059"/>
       </p:ext>
     </p:extLst>
   </p:cSld>
   <p:clrMapOvr>
-    <a:overrideClrMapping bg1="dk1" tx1="lt1" bg2="dk2" tx2="lt2" accent1="accent1" accent2="accent2" accent3="accent3" accent4="accent4" accent5="accent5" accent6="accent6" hlink="hlink" folHlink="folHlink"/>
+    <a:masterClrMapping/>
+  </p:clrMapOvr>
+</p:sld>
+</file>
+
+<file path=ppt/slides/slide8.xml><?xml version="1.0" encoding="utf-8"?>
+<p:sld xmlns:a="http://schemas.openxmlformats.org/drawingml/2006/main" xmlns:r="http://schemas.openxmlformats.org/officeDocument/2006/relationships" xmlns:p="http://schemas.openxmlformats.org/presentationml/2006/main">
+  <p:cSld>
+    <p:spTree>
+      <p:nvGrpSpPr>
+        <p:cNvPr id="1" name="Shape 157"/>
+        <p:cNvGrpSpPr/>
+        <p:nvPr/>
+      </p:nvGrpSpPr>
+      <p:grpSpPr>
+        <a:xfrm>
+          <a:off x="0" y="0"/>
+          <a:ext cx="0" cy="0"/>
+          <a:chOff x="0" y="0"/>
+          <a:chExt cx="0" cy="0"/>
+        </a:xfrm>
+      </p:grpSpPr>
+      <p:sp>
+        <p:nvSpPr>
+          <p:cNvPr id="158" name="Google Shape;158;p17"/>
+          <p:cNvSpPr txBox="1">
+            <a:spLocks noGrp="1"/>
+          </p:cNvSpPr>
+          <p:nvPr>
+            <p:ph type="title"/>
+          </p:nvPr>
+        </p:nvSpPr>
+        <p:spPr>
+          <a:prstGeom prst="rect">
+            <a:avLst/>
+          </a:prstGeom>
+        </p:spPr>
+        <p:txBody>
+          <a:bodyPr spcFirstLastPara="1" vert="horz" lIns="91440" tIns="45720" rIns="91440" bIns="45720" rtlCol="0" anchor="ctr" anchorCtr="0">
+            <a:normAutofit fontScale="90000"/>
+          </a:bodyPr>
+          <a:lstStyle/>
+          <a:p>
+            <a:pPr algn="ctr">
+              <a:spcBef>
+                <a:spcPct val="0"/>
+              </a:spcBef>
+            </a:pPr>
+            <a:r>
+              <a:rPr lang="en-US" sz="3600" dirty="0">
+                <a:solidFill>
+                  <a:srgbClr val="FFFFFF"/>
+                </a:solidFill>
+              </a:rPr>
+              <a:t>Connecting the Data to DB , REGRESSION model, Deep Learning  model</a:t>
+            </a:r>
+            <a:endParaRPr lang="en-US" sz="3600" dirty="0">
+              <a:solidFill>
+                <a:srgbClr val="FFFFFF"/>
+              </a:solidFill>
+              <a:sym typeface="Lato"/>
+            </a:endParaRPr>
+          </a:p>
+        </p:txBody>
+      </p:sp>
+      <p:sp>
+        <p:nvSpPr>
+          <p:cNvPr id="5" name="Content Placeholder 4">
+            <a:extLst>
+              <a:ext uri="{FF2B5EF4-FFF2-40B4-BE49-F238E27FC236}">
+                <a16:creationId xmlns:a16="http://schemas.microsoft.com/office/drawing/2014/main" id="{73A4CFA3-42F4-47AC-BA02-AD7A7CCBB3DD}"/>
+              </a:ext>
+            </a:extLst>
+          </p:cNvPr>
+          <p:cNvSpPr>
+            <a:spLocks noGrp="1"/>
+          </p:cNvSpPr>
+          <p:nvPr>
+            <p:ph idx="1"/>
+          </p:nvPr>
+        </p:nvSpPr>
+        <p:spPr>
+          <a:xfrm>
+            <a:off x="4900928" y="1179829"/>
+            <a:ext cx="6650991" cy="2934971"/>
+          </a:xfrm>
+        </p:spPr>
+        <p:txBody>
+          <a:bodyPr/>
+          <a:lstStyle/>
+          <a:p>
+            <a:r>
+              <a:rPr lang="en-US" dirty="0" err="1">
+                <a:highlight>
+                  <a:srgbClr val="FFFF00"/>
+                </a:highlight>
+              </a:rPr>
+              <a:t>Trong</a:t>
+            </a:r>
+            <a:r>
+              <a:rPr lang="en-US" dirty="0">
+                <a:highlight>
+                  <a:srgbClr val="FFFF00"/>
+                </a:highlight>
+              </a:rPr>
+              <a:t>  to add key point to describe the Process </a:t>
+            </a:r>
+          </a:p>
+        </p:txBody>
+      </p:sp>
+      <p:sp>
+        <p:nvSpPr>
+          <p:cNvPr id="6" name="Text Placeholder 5">
+            <a:extLst>
+              <a:ext uri="{FF2B5EF4-FFF2-40B4-BE49-F238E27FC236}">
+                <a16:creationId xmlns:a16="http://schemas.microsoft.com/office/drawing/2014/main" id="{01E64F2C-A246-49EF-B6C0-F492146EBD34}"/>
+              </a:ext>
+            </a:extLst>
+          </p:cNvPr>
+          <p:cNvSpPr>
+            <a:spLocks noGrp="1"/>
+          </p:cNvSpPr>
+          <p:nvPr>
+            <p:ph type="body" sz="half" idx="2"/>
+          </p:nvPr>
+        </p:nvSpPr>
+        <p:spPr>
+          <a:xfrm>
+            <a:off x="767857" y="3938337"/>
+            <a:ext cx="3031852" cy="1899708"/>
+          </a:xfrm>
+        </p:spPr>
+        <p:txBody>
+          <a:bodyPr/>
+          <a:lstStyle/>
+          <a:p>
+            <a:r>
+              <a:rPr lang="en-US" dirty="0"/>
+              <a:t>2</a:t>
+            </a:r>
+            <a:r>
+              <a:rPr lang="en-US" baseline="30000" dirty="0"/>
+              <a:t>nd</a:t>
+            </a:r>
+            <a:r>
+              <a:rPr lang="en-US" dirty="0"/>
+              <a:t> Slide</a:t>
+            </a:r>
+          </a:p>
+        </p:txBody>
+      </p:sp>
+    </p:spTree>
+    <p:extLst>
+      <p:ext uri="{BB962C8B-B14F-4D97-AF65-F5344CB8AC3E}">
+        <p14:creationId xmlns:p14="http://schemas.microsoft.com/office/powerpoint/2010/main" val="1355550212"/>
+      </p:ext>
+    </p:extLst>
+  </p:cSld>
+  <p:clrMapOvr>
+    <a:masterClrMapping/>
   </p:clrMapOvr>
 </p:sld>
 </file>
@@ -13399,21 +11724,8 @@
                   <a:srgbClr val="FFFFFF"/>
                 </a:solidFill>
               </a:rPr>
-              <a:t>REGRESSION </a:t>
-            </a:r>
-            <a:r>
-              <a:rPr lang="en-US" sz="2800">
-                <a:solidFill>
-                  <a:srgbClr val="FFFFFF"/>
-                </a:solidFill>
-              </a:rPr>
-              <a:t>mODEL</a:t>
-            </a:r>
-            <a:endParaRPr lang="en-US" sz="2800" dirty="0">
-              <a:solidFill>
-                <a:srgbClr val="FFFFFF"/>
-              </a:solidFill>
-            </a:endParaRPr>
+              <a:t>Dashboard </a:t>
+            </a:r>
           </a:p>
         </p:txBody>
       </p:sp>
@@ -13462,33 +11774,17 @@
                   <a:srgbClr val="FFFFFF"/>
                 </a:solidFill>
               </a:rPr>
-              <a:t>Run ML Linear regression using </a:t>
-            </a:r>
-            <a:r>
-              <a:rPr lang="en-US" dirty="0" err="1">
-                <a:solidFill>
-                  <a:srgbClr val="FFFFFF"/>
-                </a:solidFill>
-              </a:rPr>
-              <a:t>sklearn</a:t>
-            </a:r>
-            <a:r>
-              <a:rPr lang="en-US" dirty="0">
-                <a:solidFill>
-                  <a:srgbClr val="FFFFFF"/>
-                </a:solidFill>
-              </a:rPr>
-              <a:t>  model</a:t>
+              <a:t>Data Cleanup –Phase1 </a:t>
             </a:r>
           </a:p>
         </p:txBody>
       </p:sp>
       <p:pic>
         <p:nvPicPr>
-          <p:cNvPr id="6" name="Picture 5" descr="Text&#10;&#10;Description automatically generated">
+          <p:cNvPr id="6" name="Picture 5" descr="Graphical user interface, text, application&#10;&#10;Description automatically generated">
             <a:extLst>
               <a:ext uri="{FF2B5EF4-FFF2-40B4-BE49-F238E27FC236}">
-                <a16:creationId xmlns:a16="http://schemas.microsoft.com/office/drawing/2014/main" id="{7DF77E5E-41BD-46EE-A3A3-AAFB002A5046}"/>
+                <a16:creationId xmlns:a16="http://schemas.microsoft.com/office/drawing/2014/main" id="{A0F8300A-45BB-4226-BD1D-9F03FDB3A419}"/>
               </a:ext>
             </a:extLst>
           </p:cNvPr>
@@ -13505,48 +11801,68 @@
         </p:blipFill>
         <p:spPr>
           <a:xfrm>
-            <a:off x="4592231" y="702155"/>
-            <a:ext cx="6831503" cy="3227884"/>
+            <a:off x="10324643" y="4892841"/>
+            <a:ext cx="1420824" cy="1511515"/>
           </a:xfrm>
           <a:prstGeom prst="rect">
             <a:avLst/>
           </a:prstGeom>
         </p:spPr>
       </p:pic>
-      <p:pic>
-        <p:nvPicPr>
-          <p:cNvPr id="9" name="Picture 8">
+      <p:sp>
+        <p:nvSpPr>
+          <p:cNvPr id="24" name="TextBox 23">
             <a:extLst>
               <a:ext uri="{FF2B5EF4-FFF2-40B4-BE49-F238E27FC236}">
-                <a16:creationId xmlns:a16="http://schemas.microsoft.com/office/drawing/2014/main" id="{8E762E97-C788-474E-9807-95085FC407C2}"/>
+                <a16:creationId xmlns:a16="http://schemas.microsoft.com/office/drawing/2014/main" id="{977AB8AF-0F8F-45F6-97CB-D90CEFE359E8}"/>
               </a:ext>
             </a:extLst>
           </p:cNvPr>
-          <p:cNvPicPr>
-            <a:picLocks noChangeAspect="1"/>
-          </p:cNvPicPr>
+          <p:cNvSpPr txBox="1"/>
           <p:nvPr/>
-        </p:nvPicPr>
-        <p:blipFill>
-          <a:blip r:embed="rId3"/>
-          <a:stretch>
-            <a:fillRect/>
-          </a:stretch>
-        </p:blipFill>
-        <p:spPr>
-          <a:xfrm>
-            <a:off x="4592231" y="3981443"/>
-            <a:ext cx="6908032" cy="750420"/>
+        </p:nvSpPr>
+        <p:spPr>
+          <a:xfrm>
+            <a:off x="4475748" y="2698902"/>
+            <a:ext cx="6096000" cy="369332"/>
           </a:xfrm>
           <a:prstGeom prst="rect">
             <a:avLst/>
           </a:prstGeom>
-        </p:spPr>
-      </p:pic>
+          <a:noFill/>
+        </p:spPr>
+        <p:txBody>
+          <a:bodyPr wrap="square">
+            <a:spAutoFit/>
+          </a:bodyPr>
+          <a:lstStyle/>
+          <a:p>
+            <a:r>
+              <a:rPr lang="en-US" dirty="0">
+                <a:solidFill>
+                  <a:srgbClr val="FF0000"/>
+                </a:solidFill>
+                <a:highlight>
+                  <a:srgbClr val="FFFF00"/>
+                </a:highlight>
+              </a:rPr>
+              <a:t>Michael</a:t>
+            </a:r>
+            <a:r>
+              <a:rPr lang="en-US" dirty="0">
+                <a:highlight>
+                  <a:srgbClr val="FFFF00"/>
+                </a:highlight>
+              </a:rPr>
+              <a:t>  to add key point to describe the Process </a:t>
+            </a:r>
+          </a:p>
+        </p:txBody>
+      </p:sp>
     </p:spTree>
     <p:extLst>
       <p:ext uri="{BB962C8B-B14F-4D97-AF65-F5344CB8AC3E}">
-        <p14:creationId xmlns:p14="http://schemas.microsoft.com/office/powerpoint/2010/main" val="2079646977"/>
+        <p14:creationId xmlns:p14="http://schemas.microsoft.com/office/powerpoint/2010/main" val="169108408"/>
       </p:ext>
     </p:extLst>
   </p:cSld>
@@ -14121,6 +12437,15 @@
 </file>
 
 <file path=customXml/item1.xml><?xml version="1.0" encoding="utf-8"?>
+<p:properties xmlns:p="http://schemas.microsoft.com/office/2006/metadata/properties" xmlns:xsi="http://www.w3.org/2001/XMLSchema-instance" xmlns:pc="http://schemas.microsoft.com/office/infopath/2007/PartnerControls">
+  <documentManagement>
+    <Status xmlns="71af3243-3dd4-4a8d-8c0d-dd76da1f02a5">Not started</Status>
+    <MediaServiceKeyPoints xmlns="71af3243-3dd4-4a8d-8c0d-dd76da1f02a5" xsi:nil="true"/>
+  </documentManagement>
+</p:properties>
+</file>
+
+<file path=customXml/item2.xml><?xml version="1.0" encoding="utf-8"?>
 <ct:contentTypeSchema xmlns:ct="http://schemas.microsoft.com/office/2006/metadata/contentType" xmlns:ma="http://schemas.microsoft.com/office/2006/metadata/properties/metaAttributes" ct:_="" ma:_="" ma:contentTypeName="Document" ma:contentTypeID="0x01010079F111ED35F8CC479449609E8A0923A6" ma:contentTypeVersion="12" ma:contentTypeDescription="Create a new document." ma:contentTypeScope="" ma:versionID="a410dd7f93c95333ffa1b60ed6adedd1">
   <xsd:schema xmlns:xsd="http://www.w3.org/2001/XMLSchema" xmlns:xs="http://www.w3.org/2001/XMLSchema" xmlns:p="http://schemas.microsoft.com/office/2006/metadata/properties" xmlns:ns2="71af3243-3dd4-4a8d-8c0d-dd76da1f02a5" xmlns:ns3="16c05727-aa75-4e4a-9b5f-8a80a1165891" targetNamespace="http://schemas.microsoft.com/office/2006/metadata/properties" ma:root="true" ma:fieldsID="a936d9baba76aa3866493feff160faab" ns2:_="" ns3:_="">
     <xsd:import namespace="71af3243-3dd4-4a8d-8c0d-dd76da1f02a5"/>
@@ -14341,15 +12666,6 @@
 </ct:contentTypeSchema>
 </file>
 
-<file path=customXml/item2.xml><?xml version="1.0" encoding="utf-8"?>
-<p:properties xmlns:p="http://schemas.microsoft.com/office/2006/metadata/properties" xmlns:xsi="http://www.w3.org/2001/XMLSchema-instance" xmlns:pc="http://schemas.microsoft.com/office/infopath/2007/PartnerControls">
-  <documentManagement>
-    <Status xmlns="71af3243-3dd4-4a8d-8c0d-dd76da1f02a5">Not started</Status>
-    <MediaServiceKeyPoints xmlns="71af3243-3dd4-4a8d-8c0d-dd76da1f02a5" xsi:nil="true"/>
-  </documentManagement>
-</p:properties>
-</file>
-
 <file path=customXml/item3.xml><?xml version="1.0" encoding="utf-8"?>
 <?mso-contentType ?>
 <FormTemplates xmlns="http://schemas.microsoft.com/sharepoint/v3/contenttype/forms">
@@ -14360,6 +12676,16 @@
 </file>
 
 <file path=customXml/itemProps1.xml><?xml version="1.0" encoding="utf-8"?>
+<ds:datastoreItem xmlns:ds="http://schemas.openxmlformats.org/officeDocument/2006/customXml" ds:itemID="{8D289AE2-D2AE-49D1-AFAC-3A79F6794255}">
+  <ds:schemaRefs>
+    <ds:schemaRef ds:uri="http://schemas.microsoft.com/office/2006/metadata/properties"/>
+    <ds:schemaRef ds:uri="http://schemas.microsoft.com/office/infopath/2007/PartnerControls"/>
+    <ds:schemaRef ds:uri="71af3243-3dd4-4a8d-8c0d-dd76da1f02a5"/>
+  </ds:schemaRefs>
+</ds:datastoreItem>
+</file>
+
+<file path=customXml/itemProps2.xml><?xml version="1.0" encoding="utf-8"?>
 <ds:datastoreItem xmlns:ds="http://schemas.openxmlformats.org/officeDocument/2006/customXml" ds:itemID="{41E7CA09-9778-4414-AE97-8064B12DA30E}">
   <ds:schemaRefs>
     <ds:schemaRef ds:uri="http://schemas.microsoft.com/office/2006/metadata/contentType"/>
@@ -14378,16 +12704,6 @@
 </ds:datastoreItem>
 </file>
 
-<file path=customXml/itemProps2.xml><?xml version="1.0" encoding="utf-8"?>
-<ds:datastoreItem xmlns:ds="http://schemas.openxmlformats.org/officeDocument/2006/customXml" ds:itemID="{8D289AE2-D2AE-49D1-AFAC-3A79F6794255}">
-  <ds:schemaRefs>
-    <ds:schemaRef ds:uri="http://schemas.microsoft.com/office/2006/metadata/properties"/>
-    <ds:schemaRef ds:uri="http://schemas.microsoft.com/office/infopath/2007/PartnerControls"/>
-    <ds:schemaRef ds:uri="71af3243-3dd4-4a8d-8c0d-dd76da1f02a5"/>
-  </ds:schemaRefs>
-</ds:datastoreItem>
-</file>
-
 <file path=customXml/itemProps3.xml><?xml version="1.0" encoding="utf-8"?>
 <ds:datastoreItem xmlns:ds="http://schemas.openxmlformats.org/officeDocument/2006/customXml" ds:itemID="{927BD4C1-B6B1-4715-ABF9-E660A51A4EA0}">
   <ds:schemaRefs>

--- a/Final_Project/CA Housing Prices Analysis.pptx
+++ b/Final_Project/CA Housing Prices Analysis.pptx
@@ -5,7 +5,7 @@
     <p:sldMasterId id="2147483712" r:id="rId4"/>
   </p:sldMasterIdLst>
   <p:notesMasterIdLst>
-    <p:notesMasterId r:id="rId23"/>
+    <p:notesMasterId r:id="rId24"/>
   </p:notesMasterIdLst>
   <p:sldIdLst>
     <p:sldId id="259" r:id="rId5"/>
@@ -16,16 +16,17 @@
     <p:sldId id="276" r:id="rId10"/>
     <p:sldId id="277" r:id="rId11"/>
     <p:sldId id="278" r:id="rId12"/>
-    <p:sldId id="270" r:id="rId13"/>
-    <p:sldId id="267" r:id="rId14"/>
-    <p:sldId id="264" r:id="rId15"/>
-    <p:sldId id="263" r:id="rId16"/>
-    <p:sldId id="273" r:id="rId17"/>
-    <p:sldId id="265" r:id="rId18"/>
-    <p:sldId id="271" r:id="rId19"/>
-    <p:sldId id="272" r:id="rId20"/>
-    <p:sldId id="274" r:id="rId21"/>
-    <p:sldId id="275" r:id="rId22"/>
+    <p:sldId id="279" r:id="rId13"/>
+    <p:sldId id="270" r:id="rId14"/>
+    <p:sldId id="267" r:id="rId15"/>
+    <p:sldId id="264" r:id="rId16"/>
+    <p:sldId id="263" r:id="rId17"/>
+    <p:sldId id="273" r:id="rId18"/>
+    <p:sldId id="265" r:id="rId19"/>
+    <p:sldId id="271" r:id="rId20"/>
+    <p:sldId id="272" r:id="rId21"/>
+    <p:sldId id="274" r:id="rId22"/>
+    <p:sldId id="275" r:id="rId23"/>
   </p:sldIdLst>
   <p:sldSz cx="12192000" cy="6858000"/>
   <p:notesSz cx="6858000" cy="9144000"/>
@@ -2418,7 +2419,7 @@
   <p:cSld>
     <p:spTree>
       <p:nvGrpSpPr>
-        <p:cNvPr id="1" name="Shape 178"/>
+        <p:cNvPr id="1" name="Shape 166"/>
         <p:cNvGrpSpPr/>
         <p:nvPr/>
       </p:nvGrpSpPr>
@@ -2432,7 +2433,7 @@
       </p:grpSpPr>
       <p:sp>
         <p:nvSpPr>
-          <p:cNvPr id="179" name="Google Shape;179;gb84fc85c23_0_1552:notes"/>
+          <p:cNvPr id="167" name="Google Shape;167;gb84fc85c23_0_1542:notes"/>
           <p:cNvSpPr>
             <a:spLocks noGrp="1" noRot="1" noChangeAspect="1"/>
           </p:cNvSpPr>
@@ -2473,7 +2474,7 @@
       </p:sp>
       <p:sp>
         <p:nvSpPr>
-          <p:cNvPr id="180" name="Google Shape;180;gb84fc85c23_0_1552:notes"/>
+          <p:cNvPr id="168" name="Google Shape;168;gb84fc85c23_0_1542:notes"/>
           <p:cNvSpPr txBox="1">
             <a:spLocks noGrp="1"/>
           </p:cNvSpPr>
@@ -2522,7 +2523,7 @@
   <p:cSld>
     <p:spTree>
       <p:nvGrpSpPr>
-        <p:cNvPr id="1" name="Shape 172"/>
+        <p:cNvPr id="1" name="Shape 178"/>
         <p:cNvGrpSpPr/>
         <p:nvPr/>
       </p:nvGrpSpPr>
@@ -2536,7 +2537,7 @@
       </p:grpSpPr>
       <p:sp>
         <p:nvSpPr>
-          <p:cNvPr id="173" name="Google Shape;173;gb84fc85c23_0_1547:notes"/>
+          <p:cNvPr id="179" name="Google Shape;179;gb84fc85c23_0_1552:notes"/>
           <p:cNvSpPr>
             <a:spLocks noGrp="1" noRot="1" noChangeAspect="1"/>
           </p:cNvSpPr>
@@ -2577,7 +2578,7 @@
       </p:sp>
       <p:sp>
         <p:nvSpPr>
-          <p:cNvPr id="174" name="Google Shape;174;gb84fc85c23_0_1547:notes"/>
+          <p:cNvPr id="180" name="Google Shape;180;gb84fc85c23_0_1552:notes"/>
           <p:cNvSpPr txBox="1">
             <a:spLocks noGrp="1"/>
           </p:cNvSpPr>
@@ -2626,7 +2627,7 @@
   <p:cSld>
     <p:spTree>
       <p:nvGrpSpPr>
-        <p:cNvPr id="1" name="Shape 178"/>
+        <p:cNvPr id="1" name="Shape 172"/>
         <p:cNvGrpSpPr/>
         <p:nvPr/>
       </p:nvGrpSpPr>
@@ -2640,7 +2641,7 @@
       </p:grpSpPr>
       <p:sp>
         <p:nvSpPr>
-          <p:cNvPr id="179" name="Google Shape;179;gb84fc85c23_0_1552:notes"/>
+          <p:cNvPr id="173" name="Google Shape;173;gb84fc85c23_0_1547:notes"/>
           <p:cNvSpPr>
             <a:spLocks noGrp="1" noRot="1" noChangeAspect="1"/>
           </p:cNvSpPr>
@@ -2681,6 +2682,110 @@
       </p:sp>
       <p:sp>
         <p:nvSpPr>
+          <p:cNvPr id="174" name="Google Shape;174;gb84fc85c23_0_1547:notes"/>
+          <p:cNvSpPr txBox="1">
+            <a:spLocks noGrp="1"/>
+          </p:cNvSpPr>
+          <p:nvPr>
+            <p:ph type="body" idx="1"/>
+          </p:nvPr>
+        </p:nvSpPr>
+        <p:spPr>
+          <a:xfrm>
+            <a:off x="685800" y="4343400"/>
+            <a:ext cx="5486400" cy="4114800"/>
+          </a:xfrm>
+          <a:prstGeom prst="rect">
+            <a:avLst/>
+          </a:prstGeom>
+        </p:spPr>
+        <p:txBody>
+          <a:bodyPr spcFirstLastPara="1" wrap="square" lIns="91425" tIns="91425" rIns="91425" bIns="91425" anchor="t" anchorCtr="0">
+            <a:noAutofit/>
+          </a:bodyPr>
+          <a:lstStyle/>
+          <a:p>
+            <a:pPr marL="0" lvl="0" indent="0" algn="l" rtl="0">
+              <a:spcBef>
+                <a:spcPts val="0"/>
+              </a:spcBef>
+              <a:spcAft>
+                <a:spcPts val="0"/>
+              </a:spcAft>
+              <a:buNone/>
+            </a:pPr>
+            <a:endParaRPr/>
+          </a:p>
+        </p:txBody>
+      </p:sp>
+    </p:spTree>
+  </p:cSld>
+  <p:clrMapOvr>
+    <a:masterClrMapping/>
+  </p:clrMapOvr>
+</p:notes>
+</file>
+
+<file path=ppt/notesSlides/notesSlide13.xml><?xml version="1.0" encoding="utf-8"?>
+<p:notes xmlns:a="http://schemas.openxmlformats.org/drawingml/2006/main" xmlns:r="http://schemas.openxmlformats.org/officeDocument/2006/relationships" xmlns:p="http://schemas.openxmlformats.org/presentationml/2006/main" showMasterSp="0" showMasterPhAnim="0">
+  <p:cSld>
+    <p:spTree>
+      <p:nvGrpSpPr>
+        <p:cNvPr id="1" name="Shape 178"/>
+        <p:cNvGrpSpPr/>
+        <p:nvPr/>
+      </p:nvGrpSpPr>
+      <p:grpSpPr>
+        <a:xfrm>
+          <a:off x="0" y="0"/>
+          <a:ext cx="0" cy="0"/>
+          <a:chOff x="0" y="0"/>
+          <a:chExt cx="0" cy="0"/>
+        </a:xfrm>
+      </p:grpSpPr>
+      <p:sp>
+        <p:nvSpPr>
+          <p:cNvPr id="179" name="Google Shape;179;gb84fc85c23_0_1552:notes"/>
+          <p:cNvSpPr>
+            <a:spLocks noGrp="1" noRot="1" noChangeAspect="1"/>
+          </p:cNvSpPr>
+          <p:nvPr>
+            <p:ph type="sldImg" idx="2"/>
+          </p:nvPr>
+        </p:nvSpPr>
+        <p:spPr>
+          <a:xfrm>
+            <a:off x="381000" y="685800"/>
+            <a:ext cx="6096000" cy="3429000"/>
+          </a:xfrm>
+          <a:custGeom>
+            <a:avLst/>
+            <a:gdLst/>
+            <a:ahLst/>
+            <a:cxnLst/>
+            <a:rect l="l" t="t" r="r" b="b"/>
+            <a:pathLst>
+              <a:path w="120000" h="120000" extrusionOk="0">
+                <a:moveTo>
+                  <a:pt x="0" y="0"/>
+                </a:moveTo>
+                <a:lnTo>
+                  <a:pt x="120000" y="0"/>
+                </a:lnTo>
+                <a:lnTo>
+                  <a:pt x="120000" y="120000"/>
+                </a:lnTo>
+                <a:lnTo>
+                  <a:pt x="0" y="120000"/>
+                </a:lnTo>
+                <a:close/>
+              </a:path>
+            </a:pathLst>
+          </a:custGeom>
+        </p:spPr>
+      </p:sp>
+      <p:sp>
+        <p:nvSpPr>
           <p:cNvPr id="180" name="Google Shape;180;gb84fc85c23_0_1552:notes"/>
           <p:cNvSpPr txBox="1">
             <a:spLocks noGrp="1"/>
@@ -2730,7 +2835,7 @@
 </p:notes>
 </file>
 
-<file path=ppt/notesSlides/notesSlide13.xml><?xml version="1.0" encoding="utf-8"?>
+<file path=ppt/notesSlides/notesSlide14.xml><?xml version="1.0" encoding="utf-8"?>
 <p:notes xmlns:a="http://schemas.openxmlformats.org/drawingml/2006/main" xmlns:r="http://schemas.openxmlformats.org/officeDocument/2006/relationships" xmlns:p="http://schemas.openxmlformats.org/presentationml/2006/main" showMasterSp="0" showMasterPhAnim="0">
   <p:cSld>
     <p:spTree>
@@ -3592,7 +3697,7 @@
   <p:cSld>
     <p:spTree>
       <p:nvGrpSpPr>
-        <p:cNvPr id="1" name="Shape 166"/>
+        <p:cNvPr id="1" name="Shape 154"/>
         <p:cNvGrpSpPr/>
         <p:nvPr/>
       </p:nvGrpSpPr>
@@ -3606,7 +3711,7 @@
       </p:grpSpPr>
       <p:sp>
         <p:nvSpPr>
-          <p:cNvPr id="167" name="Google Shape;167;gb84fc85c23_0_1542:notes"/>
+          <p:cNvPr id="155" name="Google Shape;155;gb84fc85c23_0_1532:notes"/>
           <p:cNvSpPr>
             <a:spLocks noGrp="1" noRot="1" noChangeAspect="1"/>
           </p:cNvSpPr>
@@ -3647,7 +3752,7 @@
       </p:sp>
       <p:sp>
         <p:nvSpPr>
-          <p:cNvPr id="168" name="Google Shape;168;gb84fc85c23_0_1542:notes"/>
+          <p:cNvPr id="156" name="Google Shape;156;gb84fc85c23_0_1532:notes"/>
           <p:cNvSpPr txBox="1">
             <a:spLocks noGrp="1"/>
           </p:cNvSpPr>
@@ -3684,6 +3789,11 @@
         </p:txBody>
       </p:sp>
     </p:spTree>
+    <p:extLst>
+      <p:ext uri="{BB962C8B-B14F-4D97-AF65-F5344CB8AC3E}">
+        <p14:creationId xmlns:p14="http://schemas.microsoft.com/office/powerpoint/2010/main" val="1765794200"/>
+      </p:ext>
+    </p:extLst>
   </p:cSld>
   <p:clrMapOvr>
     <a:masterClrMapping/>
@@ -8051,6 +8161,659 @@
 <file path=ppt/slides/slide10.xml><?xml version="1.0" encoding="utf-8"?>
 <p:sld xmlns:a="http://schemas.openxmlformats.org/drawingml/2006/main" xmlns:r="http://schemas.openxmlformats.org/officeDocument/2006/relationships" xmlns:p="http://schemas.openxmlformats.org/presentationml/2006/main">
   <p:cSld>
+    <p:bg>
+      <p:bgPr>
+        <a:solidFill>
+          <a:schemeClr val="bg1"/>
+        </a:solidFill>
+        <a:effectLst/>
+      </p:bgPr>
+    </p:bg>
+    <p:spTree>
+      <p:nvGrpSpPr>
+        <p:cNvPr id="1" name=""/>
+        <p:cNvGrpSpPr/>
+        <p:nvPr/>
+      </p:nvGrpSpPr>
+      <p:grpSpPr>
+        <a:xfrm>
+          <a:off x="0" y="0"/>
+          <a:ext cx="0" cy="0"/>
+          <a:chOff x="0" y="0"/>
+          <a:chExt cx="0" cy="0"/>
+        </a:xfrm>
+      </p:grpSpPr>
+      <p:sp>
+        <p:nvSpPr>
+          <p:cNvPr id="11" name="Rectangle 10">
+            <a:extLst>
+              <a:ext uri="{FF2B5EF4-FFF2-40B4-BE49-F238E27FC236}">
+                <a16:creationId xmlns:a16="http://schemas.microsoft.com/office/drawing/2014/main" id="{DD651B61-325E-4E73-8445-38B0DE8AAAB6}"/>
+              </a:ext>
+              <a:ext uri="{C183D7F6-B498-43B3-948B-1728B52AA6E4}">
+                <adec:decorative xmlns:adec="http://schemas.microsoft.com/office/drawing/2017/decorative" val="1"/>
+              </a:ext>
+            </a:extLst>
+          </p:cNvPr>
+          <p:cNvSpPr>
+            <a:spLocks noGrp="1" noRot="1" noChangeAspect="1" noMove="1" noResize="1" noEditPoints="1" noAdjustHandles="1" noChangeArrowheads="1" noChangeShapeType="1" noTextEdit="1"/>
+          </p:cNvSpPr>
+          <p:nvPr>
+            <p:extLst>
+              <p:ext uri="{386F3935-93C4-4BCD-93E2-E3B085C9AB24}">
+                <p16:designElem xmlns:p16="http://schemas.microsoft.com/office/powerpoint/2015/main" val="1"/>
+              </p:ext>
+            </p:extLst>
+          </p:nvPr>
+        </p:nvSpPr>
+        <p:spPr>
+          <a:xfrm>
+            <a:off x="446534" y="457200"/>
+            <a:ext cx="3703320" cy="94997"/>
+          </a:xfrm>
+          <a:prstGeom prst="rect">
+            <a:avLst/>
+          </a:prstGeom>
+          <a:solidFill>
+            <a:srgbClr val="465359"/>
+          </a:solidFill>
+          <a:ln>
+            <a:noFill/>
+          </a:ln>
+          <a:effectLst/>
+        </p:spPr>
+        <p:style>
+          <a:lnRef idx="1">
+            <a:schemeClr val="accent1"/>
+          </a:lnRef>
+          <a:fillRef idx="3">
+            <a:schemeClr val="accent1"/>
+          </a:fillRef>
+          <a:effectRef idx="2">
+            <a:schemeClr val="accent1"/>
+          </a:effectRef>
+          <a:fontRef idx="minor">
+            <a:schemeClr val="lt1"/>
+          </a:fontRef>
+        </p:style>
+      </p:sp>
+      <p:sp>
+        <p:nvSpPr>
+          <p:cNvPr id="13" name="Rectangle 12">
+            <a:extLst>
+              <a:ext uri="{FF2B5EF4-FFF2-40B4-BE49-F238E27FC236}">
+                <a16:creationId xmlns:a16="http://schemas.microsoft.com/office/drawing/2014/main" id="{B42E5253-D3AC-4AC2-B766-8B34F13C2F5E}"/>
+              </a:ext>
+              <a:ext uri="{C183D7F6-B498-43B3-948B-1728B52AA6E4}">
+                <adec:decorative xmlns:adec="http://schemas.microsoft.com/office/drawing/2017/decorative" val="1"/>
+              </a:ext>
+            </a:extLst>
+          </p:cNvPr>
+          <p:cNvSpPr>
+            <a:spLocks noGrp="1" noRot="1" noChangeAspect="1" noMove="1" noResize="1" noEditPoints="1" noAdjustHandles="1" noChangeArrowheads="1" noChangeShapeType="1" noTextEdit="1"/>
+          </p:cNvSpPr>
+          <p:nvPr>
+            <p:extLst>
+              <p:ext uri="{386F3935-93C4-4BCD-93E2-E3B085C9AB24}">
+                <p16:designElem xmlns:p16="http://schemas.microsoft.com/office/powerpoint/2015/main" val="1"/>
+              </p:ext>
+            </p:extLst>
+          </p:nvPr>
+        </p:nvSpPr>
+        <p:spPr>
+          <a:xfrm>
+            <a:off x="8042147" y="453643"/>
+            <a:ext cx="3703320" cy="98554"/>
+          </a:xfrm>
+          <a:prstGeom prst="rect">
+            <a:avLst/>
+          </a:prstGeom>
+          <a:solidFill>
+            <a:srgbClr val="969FA7"/>
+          </a:solidFill>
+          <a:ln>
+            <a:noFill/>
+          </a:ln>
+          <a:effectLst/>
+        </p:spPr>
+        <p:style>
+          <a:lnRef idx="1">
+            <a:schemeClr val="accent1"/>
+          </a:lnRef>
+          <a:fillRef idx="3">
+            <a:schemeClr val="accent1"/>
+          </a:fillRef>
+          <a:effectRef idx="2">
+            <a:schemeClr val="accent1"/>
+          </a:effectRef>
+          <a:fontRef idx="minor">
+            <a:schemeClr val="lt1"/>
+          </a:fontRef>
+        </p:style>
+      </p:sp>
+      <p:sp>
+        <p:nvSpPr>
+          <p:cNvPr id="15" name="Rectangle 14">
+            <a:extLst>
+              <a:ext uri="{FF2B5EF4-FFF2-40B4-BE49-F238E27FC236}">
+                <a16:creationId xmlns:a16="http://schemas.microsoft.com/office/drawing/2014/main" id="{10AE8D57-436A-4073-9A75-15BB5949F8B4}"/>
+              </a:ext>
+              <a:ext uri="{C183D7F6-B498-43B3-948B-1728B52AA6E4}">
+                <adec:decorative xmlns:adec="http://schemas.microsoft.com/office/drawing/2017/decorative" val="1"/>
+              </a:ext>
+            </a:extLst>
+          </p:cNvPr>
+          <p:cNvSpPr>
+            <a:spLocks noGrp="1" noRot="1" noChangeAspect="1" noMove="1" noResize="1" noEditPoints="1" noAdjustHandles="1" noChangeArrowheads="1" noChangeShapeType="1" noTextEdit="1"/>
+          </p:cNvSpPr>
+          <p:nvPr>
+            <p:extLst>
+              <p:ext uri="{386F3935-93C4-4BCD-93E2-E3B085C9AB24}">
+                <p16:designElem xmlns:p16="http://schemas.microsoft.com/office/powerpoint/2015/main" val="1"/>
+              </p:ext>
+            </p:extLst>
+          </p:nvPr>
+        </p:nvSpPr>
+        <p:spPr>
+          <a:xfrm>
+            <a:off x="4241830" y="457200"/>
+            <a:ext cx="3703320" cy="91440"/>
+          </a:xfrm>
+          <a:prstGeom prst="rect">
+            <a:avLst/>
+          </a:prstGeom>
+          <a:solidFill>
+            <a:schemeClr val="accent1"/>
+          </a:solidFill>
+          <a:ln>
+            <a:noFill/>
+          </a:ln>
+          <a:effectLst/>
+        </p:spPr>
+        <p:style>
+          <a:lnRef idx="1">
+            <a:schemeClr val="accent1"/>
+          </a:lnRef>
+          <a:fillRef idx="3">
+            <a:schemeClr val="accent1"/>
+          </a:fillRef>
+          <a:effectRef idx="2">
+            <a:schemeClr val="accent1"/>
+          </a:effectRef>
+          <a:fontRef idx="minor">
+            <a:schemeClr val="lt1"/>
+          </a:fontRef>
+        </p:style>
+      </p:sp>
+      <p:sp>
+        <p:nvSpPr>
+          <p:cNvPr id="17" name="Rectangle 16">
+            <a:extLst>
+              <a:ext uri="{FF2B5EF4-FFF2-40B4-BE49-F238E27FC236}">
+                <a16:creationId xmlns:a16="http://schemas.microsoft.com/office/drawing/2014/main" id="{E9751CB9-7B25-4EB8-9A6F-82F822549F12}"/>
+              </a:ext>
+              <a:ext uri="{C183D7F6-B498-43B3-948B-1728B52AA6E4}">
+                <adec:decorative xmlns:adec="http://schemas.microsoft.com/office/drawing/2017/decorative" val="1"/>
+              </a:ext>
+            </a:extLst>
+          </p:cNvPr>
+          <p:cNvSpPr>
+            <a:spLocks noGrp="1" noRot="1" noChangeAspect="1" noMove="1" noResize="1" noEditPoints="1" noAdjustHandles="1" noChangeArrowheads="1" noChangeShapeType="1" noTextEdit="1"/>
+          </p:cNvSpPr>
+          <p:nvPr>
+            <p:extLst>
+              <p:ext uri="{386F3935-93C4-4BCD-93E2-E3B085C9AB24}">
+                <p16:designElem xmlns:p16="http://schemas.microsoft.com/office/powerpoint/2015/main" val="1"/>
+              </p:ext>
+            </p:extLst>
+          </p:nvPr>
+        </p:nvSpPr>
+        <p:spPr>
+          <a:xfrm>
+            <a:off x="0" y="0"/>
+            <a:ext cx="12192000" cy="6858000"/>
+          </a:xfrm>
+          <a:prstGeom prst="rect">
+            <a:avLst/>
+          </a:prstGeom>
+          <a:solidFill>
+            <a:srgbClr val="FFFFFF"/>
+          </a:solidFill>
+          <a:ln>
+            <a:noFill/>
+          </a:ln>
+        </p:spPr>
+        <p:style>
+          <a:lnRef idx="2">
+            <a:schemeClr val="accent1">
+              <a:shade val="50000"/>
+            </a:schemeClr>
+          </a:lnRef>
+          <a:fillRef idx="1">
+            <a:schemeClr val="accent1"/>
+          </a:fillRef>
+          <a:effectRef idx="0">
+            <a:schemeClr val="accent1"/>
+          </a:effectRef>
+          <a:fontRef idx="minor">
+            <a:schemeClr val="lt1"/>
+          </a:fontRef>
+        </p:style>
+        <p:txBody>
+          <a:bodyPr rtlCol="0" anchor="ctr"/>
+          <a:lstStyle/>
+          <a:p>
+            <a:pPr algn="ctr"/>
+            <a:endParaRPr lang="en-US"/>
+          </a:p>
+        </p:txBody>
+      </p:sp>
+      <p:sp>
+        <p:nvSpPr>
+          <p:cNvPr id="19" name="Rectangle 18">
+            <a:extLst>
+              <a:ext uri="{FF2B5EF4-FFF2-40B4-BE49-F238E27FC236}">
+                <a16:creationId xmlns:a16="http://schemas.microsoft.com/office/drawing/2014/main" id="{E1317383-CF3B-4B02-9512-BECBEF6362A4}"/>
+              </a:ext>
+              <a:ext uri="{C183D7F6-B498-43B3-948B-1728B52AA6E4}">
+                <adec:decorative xmlns:adec="http://schemas.microsoft.com/office/drawing/2017/decorative" val="1"/>
+              </a:ext>
+            </a:extLst>
+          </p:cNvPr>
+          <p:cNvSpPr>
+            <a:spLocks noGrp="1" noRot="1" noChangeAspect="1" noMove="1" noResize="1" noEditPoints="1" noAdjustHandles="1" noChangeArrowheads="1" noChangeShapeType="1" noTextEdit="1"/>
+          </p:cNvSpPr>
+          <p:nvPr>
+            <p:extLst>
+              <p:ext uri="{386F3935-93C4-4BCD-93E2-E3B085C9AB24}">
+                <p16:designElem xmlns:p16="http://schemas.microsoft.com/office/powerpoint/2015/main" val="1"/>
+              </p:ext>
+            </p:extLst>
+          </p:nvPr>
+        </p:nvSpPr>
+        <p:spPr>
+          <a:xfrm>
+            <a:off x="446534" y="457200"/>
+            <a:ext cx="3703320" cy="94997"/>
+          </a:xfrm>
+          <a:prstGeom prst="rect">
+            <a:avLst/>
+          </a:prstGeom>
+          <a:solidFill>
+            <a:srgbClr val="465359"/>
+          </a:solidFill>
+          <a:ln>
+            <a:noFill/>
+          </a:ln>
+          <a:effectLst/>
+        </p:spPr>
+        <p:style>
+          <a:lnRef idx="1">
+            <a:schemeClr val="accent1"/>
+          </a:lnRef>
+          <a:fillRef idx="3">
+            <a:schemeClr val="accent1"/>
+          </a:fillRef>
+          <a:effectRef idx="2">
+            <a:schemeClr val="accent1"/>
+          </a:effectRef>
+          <a:fontRef idx="minor">
+            <a:schemeClr val="lt1"/>
+          </a:fontRef>
+        </p:style>
+      </p:sp>
+      <p:sp>
+        <p:nvSpPr>
+          <p:cNvPr id="21" name="Rectangle 20">
+            <a:extLst>
+              <a:ext uri="{FF2B5EF4-FFF2-40B4-BE49-F238E27FC236}">
+                <a16:creationId xmlns:a16="http://schemas.microsoft.com/office/drawing/2014/main" id="{B1D4C7A0-6DF2-4F2D-A45D-F111582974C7}"/>
+              </a:ext>
+              <a:ext uri="{C183D7F6-B498-43B3-948B-1728B52AA6E4}">
+                <adec:decorative xmlns:adec="http://schemas.microsoft.com/office/drawing/2017/decorative" val="1"/>
+              </a:ext>
+            </a:extLst>
+          </p:cNvPr>
+          <p:cNvSpPr>
+            <a:spLocks noGrp="1" noRot="1" noChangeAspect="1" noMove="1" noResize="1" noEditPoints="1" noAdjustHandles="1" noChangeArrowheads="1" noChangeShapeType="1" noTextEdit="1"/>
+          </p:cNvSpPr>
+          <p:nvPr>
+            <p:extLst>
+              <p:ext uri="{386F3935-93C4-4BCD-93E2-E3B085C9AB24}">
+                <p16:designElem xmlns:p16="http://schemas.microsoft.com/office/powerpoint/2015/main" val="1"/>
+              </p:ext>
+            </p:extLst>
+          </p:nvPr>
+        </p:nvSpPr>
+        <p:spPr>
+          <a:xfrm>
+            <a:off x="4241830" y="457200"/>
+            <a:ext cx="3703320" cy="91440"/>
+          </a:xfrm>
+          <a:prstGeom prst="rect">
+            <a:avLst/>
+          </a:prstGeom>
+          <a:solidFill>
+            <a:schemeClr val="accent1"/>
+          </a:solidFill>
+          <a:ln>
+            <a:noFill/>
+          </a:ln>
+          <a:effectLst/>
+        </p:spPr>
+        <p:style>
+          <a:lnRef idx="1">
+            <a:schemeClr val="accent1"/>
+          </a:lnRef>
+          <a:fillRef idx="3">
+            <a:schemeClr val="accent1"/>
+          </a:fillRef>
+          <a:effectRef idx="2">
+            <a:schemeClr val="accent1"/>
+          </a:effectRef>
+          <a:fontRef idx="minor">
+            <a:schemeClr val="lt1"/>
+          </a:fontRef>
+        </p:style>
+      </p:sp>
+      <p:sp>
+        <p:nvSpPr>
+          <p:cNvPr id="23" name="Rectangle 22">
+            <a:extLst>
+              <a:ext uri="{FF2B5EF4-FFF2-40B4-BE49-F238E27FC236}">
+                <a16:creationId xmlns:a16="http://schemas.microsoft.com/office/drawing/2014/main" id="{DBF3943D-BCB6-4B31-809D-A005686483B4}"/>
+              </a:ext>
+              <a:ext uri="{C183D7F6-B498-43B3-948B-1728B52AA6E4}">
+                <adec:decorative xmlns:adec="http://schemas.microsoft.com/office/drawing/2017/decorative" val="1"/>
+              </a:ext>
+            </a:extLst>
+          </p:cNvPr>
+          <p:cNvSpPr>
+            <a:spLocks noGrp="1" noRot="1" noChangeAspect="1" noMove="1" noResize="1" noEditPoints="1" noAdjustHandles="1" noChangeArrowheads="1" noChangeShapeType="1" noTextEdit="1"/>
+          </p:cNvSpPr>
+          <p:nvPr>
+            <p:extLst>
+              <p:ext uri="{386F3935-93C4-4BCD-93E2-E3B085C9AB24}">
+                <p16:designElem xmlns:p16="http://schemas.microsoft.com/office/powerpoint/2015/main" val="1"/>
+              </p:ext>
+            </p:extLst>
+          </p:nvPr>
+        </p:nvSpPr>
+        <p:spPr>
+          <a:xfrm>
+            <a:off x="8042147" y="453643"/>
+            <a:ext cx="3703320" cy="98554"/>
+          </a:xfrm>
+          <a:prstGeom prst="rect">
+            <a:avLst/>
+          </a:prstGeom>
+          <a:solidFill>
+            <a:srgbClr val="969FA7"/>
+          </a:solidFill>
+          <a:ln>
+            <a:noFill/>
+          </a:ln>
+          <a:effectLst/>
+        </p:spPr>
+        <p:style>
+          <a:lnRef idx="1">
+            <a:schemeClr val="accent1"/>
+          </a:lnRef>
+          <a:fillRef idx="3">
+            <a:schemeClr val="accent1"/>
+          </a:fillRef>
+          <a:effectRef idx="2">
+            <a:schemeClr val="accent1"/>
+          </a:effectRef>
+          <a:fontRef idx="minor">
+            <a:schemeClr val="lt1"/>
+          </a:fontRef>
+        </p:style>
+      </p:sp>
+      <p:sp>
+        <p:nvSpPr>
+          <p:cNvPr id="25" name="Rectangle 24">
+            <a:extLst>
+              <a:ext uri="{FF2B5EF4-FFF2-40B4-BE49-F238E27FC236}">
+                <a16:creationId xmlns:a16="http://schemas.microsoft.com/office/drawing/2014/main" id="{39373A6F-2E1F-4613-8E1D-D68057D29F31}"/>
+              </a:ext>
+              <a:ext uri="{C183D7F6-B498-43B3-948B-1728B52AA6E4}">
+                <adec:decorative xmlns:adec="http://schemas.microsoft.com/office/drawing/2017/decorative" val="1"/>
+              </a:ext>
+            </a:extLst>
+          </p:cNvPr>
+          <p:cNvSpPr>
+            <a:spLocks noGrp="1" noRot="1" noChangeAspect="1" noMove="1" noResize="1" noEditPoints="1" noAdjustHandles="1" noChangeArrowheads="1" noChangeShapeType="1" noTextEdit="1"/>
+          </p:cNvSpPr>
+          <p:nvPr>
+            <p:extLst>
+              <p:ext uri="{386F3935-93C4-4BCD-93E2-E3B085C9AB24}">
+                <p16:designElem xmlns:p16="http://schemas.microsoft.com/office/powerpoint/2015/main" val="1"/>
+              </p:ext>
+            </p:extLst>
+          </p:nvPr>
+        </p:nvSpPr>
+        <p:spPr>
+          <a:xfrm>
+            <a:off x="442377" y="601200"/>
+            <a:ext cx="3707477" cy="5624979"/>
+          </a:xfrm>
+          <a:prstGeom prst="rect">
+            <a:avLst/>
+          </a:prstGeom>
+          <a:solidFill>
+            <a:srgbClr val="465359"/>
+          </a:solidFill>
+          <a:ln>
+            <a:noFill/>
+          </a:ln>
+          <a:effectLst/>
+        </p:spPr>
+        <p:style>
+          <a:lnRef idx="1">
+            <a:schemeClr val="accent1"/>
+          </a:lnRef>
+          <a:fillRef idx="3">
+            <a:schemeClr val="accent1"/>
+          </a:fillRef>
+          <a:effectRef idx="2">
+            <a:schemeClr val="accent1"/>
+          </a:effectRef>
+          <a:fontRef idx="minor">
+            <a:schemeClr val="lt1"/>
+          </a:fontRef>
+        </p:style>
+      </p:sp>
+      <p:sp>
+        <p:nvSpPr>
+          <p:cNvPr id="2" name="Title 1">
+            <a:extLst>
+              <a:ext uri="{FF2B5EF4-FFF2-40B4-BE49-F238E27FC236}">
+                <a16:creationId xmlns:a16="http://schemas.microsoft.com/office/drawing/2014/main" id="{B55F5714-2E8E-4ACD-A2CD-04641C08956A}"/>
+              </a:ext>
+            </a:extLst>
+          </p:cNvPr>
+          <p:cNvSpPr>
+            <a:spLocks noGrp="1"/>
+          </p:cNvSpPr>
+          <p:nvPr>
+            <p:ph type="title"/>
+          </p:nvPr>
+        </p:nvSpPr>
+        <p:spPr>
+          <a:xfrm>
+            <a:off x="601255" y="702155"/>
+            <a:ext cx="3409783" cy="1300365"/>
+          </a:xfrm>
+        </p:spPr>
+        <p:txBody>
+          <a:bodyPr vert="horz" lIns="91440" tIns="45720" rIns="91440" bIns="45720" rtlCol="0" anchor="b">
+            <a:normAutofit/>
+          </a:bodyPr>
+          <a:lstStyle/>
+          <a:p>
+            <a:pPr>
+              <a:spcBef>
+                <a:spcPct val="0"/>
+              </a:spcBef>
+            </a:pPr>
+            <a:r>
+              <a:rPr lang="en-US" sz="2800" dirty="0">
+                <a:solidFill>
+                  <a:srgbClr val="FFFFFF"/>
+                </a:solidFill>
+              </a:rPr>
+              <a:t>Dashboard </a:t>
+            </a:r>
+          </a:p>
+        </p:txBody>
+      </p:sp>
+      <p:sp>
+        <p:nvSpPr>
+          <p:cNvPr id="3" name="Text Placeholder 2">
+            <a:extLst>
+              <a:ext uri="{FF2B5EF4-FFF2-40B4-BE49-F238E27FC236}">
+                <a16:creationId xmlns:a16="http://schemas.microsoft.com/office/drawing/2014/main" id="{69967516-9E99-4B4D-AD6B-5B2B788CBAC4}"/>
+              </a:ext>
+            </a:extLst>
+          </p:cNvPr>
+          <p:cNvSpPr>
+            <a:spLocks noGrp="1"/>
+          </p:cNvSpPr>
+          <p:nvPr>
+            <p:ph type="body" idx="1"/>
+          </p:nvPr>
+        </p:nvSpPr>
+        <p:spPr>
+          <a:xfrm>
+            <a:off x="601255" y="2177142"/>
+            <a:ext cx="3409782" cy="3823607"/>
+          </a:xfrm>
+        </p:spPr>
+        <p:txBody>
+          <a:bodyPr vert="horz" lIns="91440" tIns="45720" rIns="91440" bIns="45720" rtlCol="0" anchor="ctr">
+            <a:normAutofit/>
+          </a:bodyPr>
+          <a:lstStyle/>
+          <a:p>
+            <a:pPr>
+              <a:spcBef>
+                <a:spcPct val="20000"/>
+              </a:spcBef>
+              <a:spcAft>
+                <a:spcPts val="600"/>
+              </a:spcAft>
+              <a:buSzPct val="92000"/>
+              <a:buFont typeface="Wingdings 2" panose="05020102010507070707" pitchFamily="18" charset="2"/>
+              <a:buChar char=""/>
+            </a:pPr>
+            <a:r>
+              <a:rPr lang="en-US" dirty="0">
+                <a:solidFill>
+                  <a:srgbClr val="FFFFFF"/>
+                </a:solidFill>
+              </a:rPr>
+              <a:t>Data Cleanup –Phase1 </a:t>
+            </a:r>
+          </a:p>
+        </p:txBody>
+      </p:sp>
+      <p:pic>
+        <p:nvPicPr>
+          <p:cNvPr id="6" name="Picture 5" descr="Graphical user interface, text, application&#10;&#10;Description automatically generated">
+            <a:extLst>
+              <a:ext uri="{FF2B5EF4-FFF2-40B4-BE49-F238E27FC236}">
+                <a16:creationId xmlns:a16="http://schemas.microsoft.com/office/drawing/2014/main" id="{A0F8300A-45BB-4226-BD1D-9F03FDB3A419}"/>
+              </a:ext>
+            </a:extLst>
+          </p:cNvPr>
+          <p:cNvPicPr>
+            <a:picLocks noChangeAspect="1"/>
+          </p:cNvPicPr>
+          <p:nvPr/>
+        </p:nvPicPr>
+        <p:blipFill>
+          <a:blip r:embed="rId2"/>
+          <a:stretch>
+            <a:fillRect/>
+          </a:stretch>
+        </p:blipFill>
+        <p:spPr>
+          <a:xfrm>
+            <a:off x="10324643" y="4892841"/>
+            <a:ext cx="1420824" cy="1511515"/>
+          </a:xfrm>
+          <a:prstGeom prst="rect">
+            <a:avLst/>
+          </a:prstGeom>
+        </p:spPr>
+      </p:pic>
+      <p:sp>
+        <p:nvSpPr>
+          <p:cNvPr id="24" name="TextBox 23">
+            <a:extLst>
+              <a:ext uri="{FF2B5EF4-FFF2-40B4-BE49-F238E27FC236}">
+                <a16:creationId xmlns:a16="http://schemas.microsoft.com/office/drawing/2014/main" id="{977AB8AF-0F8F-45F6-97CB-D90CEFE359E8}"/>
+              </a:ext>
+            </a:extLst>
+          </p:cNvPr>
+          <p:cNvSpPr txBox="1"/>
+          <p:nvPr/>
+        </p:nvSpPr>
+        <p:spPr>
+          <a:xfrm>
+            <a:off x="4475748" y="2698902"/>
+            <a:ext cx="6096000" cy="369332"/>
+          </a:xfrm>
+          <a:prstGeom prst="rect">
+            <a:avLst/>
+          </a:prstGeom>
+          <a:noFill/>
+        </p:spPr>
+        <p:txBody>
+          <a:bodyPr wrap="square">
+            <a:spAutoFit/>
+          </a:bodyPr>
+          <a:lstStyle/>
+          <a:p>
+            <a:r>
+              <a:rPr lang="en-US" dirty="0">
+                <a:solidFill>
+                  <a:srgbClr val="FF0000"/>
+                </a:solidFill>
+                <a:highlight>
+                  <a:srgbClr val="FFFF00"/>
+                </a:highlight>
+              </a:rPr>
+              <a:t>Michael</a:t>
+            </a:r>
+            <a:r>
+              <a:rPr lang="en-US" dirty="0">
+                <a:highlight>
+                  <a:srgbClr val="FFFF00"/>
+                </a:highlight>
+              </a:rPr>
+              <a:t>  to add key point to describe the Process </a:t>
+            </a:r>
+          </a:p>
+        </p:txBody>
+      </p:sp>
+    </p:spTree>
+    <p:extLst>
+      <p:ext uri="{BB962C8B-B14F-4D97-AF65-F5344CB8AC3E}">
+        <p14:creationId xmlns:p14="http://schemas.microsoft.com/office/powerpoint/2010/main" val="169108408"/>
+      </p:ext>
+    </p:extLst>
+  </p:cSld>
+  <p:clrMapOvr>
+    <a:overrideClrMapping bg1="dk1" tx1="lt1" bg2="dk2" tx2="lt2" accent1="accent1" accent2="accent2" accent3="accent3" accent4="accent4" accent5="accent5" accent6="accent6" hlink="hlink" folHlink="folHlink"/>
+  </p:clrMapOvr>
+</p:sld>
+</file>
+
+<file path=ppt/slides/slide11.xml><?xml version="1.0" encoding="utf-8"?>
+<p:sld xmlns:a="http://schemas.openxmlformats.org/drawingml/2006/main" xmlns:r="http://schemas.openxmlformats.org/officeDocument/2006/relationships" xmlns:p="http://schemas.openxmlformats.org/presentationml/2006/main">
+  <p:cSld>
     <p:spTree>
       <p:nvGrpSpPr>
         <p:cNvPr id="1" name="Shape 169"/>
@@ -8226,7 +8989,7 @@
 </p:sld>
 </file>
 
-<file path=ppt/slides/slide11.xml><?xml version="1.0" encoding="utf-8"?>
+<file path=ppt/slides/slide12.xml><?xml version="1.0" encoding="utf-8"?>
 <p:sld xmlns:a="http://schemas.openxmlformats.org/drawingml/2006/main" xmlns:r="http://schemas.openxmlformats.org/officeDocument/2006/relationships" xmlns:p="http://schemas.openxmlformats.org/presentationml/2006/main">
   <p:cSld>
     <p:spTree>
@@ -8383,7 +9146,7 @@
 </p:sld>
 </file>
 
-<file path=ppt/slides/slide12.xml><?xml version="1.0" encoding="utf-8"?>
+<file path=ppt/slides/slide13.xml><?xml version="1.0" encoding="utf-8"?>
 <p:sld xmlns:a="http://schemas.openxmlformats.org/drawingml/2006/main" xmlns:r="http://schemas.openxmlformats.org/officeDocument/2006/relationships" xmlns:p="http://schemas.openxmlformats.org/presentationml/2006/main">
   <p:cSld>
     <p:spTree>
@@ -8519,7 +9282,7 @@
 </p:sld>
 </file>
 
-<file path=ppt/slides/slide13.xml><?xml version="1.0" encoding="utf-8"?>
+<file path=ppt/slides/slide14.xml><?xml version="1.0" encoding="utf-8"?>
 <p:sld xmlns:a="http://schemas.openxmlformats.org/drawingml/2006/main" xmlns:r="http://schemas.openxmlformats.org/officeDocument/2006/relationships" xmlns:p="http://schemas.openxmlformats.org/presentationml/2006/main">
   <p:cSld>
     <p:spTree>
@@ -8592,7 +9355,7 @@
 </p:sld>
 </file>
 
-<file path=ppt/slides/slide14.xml><?xml version="1.0" encoding="utf-8"?>
+<file path=ppt/slides/slide15.xml><?xml version="1.0" encoding="utf-8"?>
 <p:sld xmlns:a="http://schemas.openxmlformats.org/drawingml/2006/main" xmlns:r="http://schemas.openxmlformats.org/officeDocument/2006/relationships" xmlns:p="http://schemas.openxmlformats.org/presentationml/2006/main">
   <p:cSld>
     <p:spTree>
@@ -8713,7 +9476,7 @@
 </p:sld>
 </file>
 
-<file path=ppt/slides/slide15.xml><?xml version="1.0" encoding="utf-8"?>
+<file path=ppt/slides/slide16.xml><?xml version="1.0" encoding="utf-8"?>
 <p:sld xmlns:a="http://schemas.openxmlformats.org/drawingml/2006/main" xmlns:r="http://schemas.openxmlformats.org/officeDocument/2006/relationships" xmlns:p="http://schemas.openxmlformats.org/presentationml/2006/main">
   <p:cSld>
     <p:bg>
@@ -9362,7 +10125,7 @@
 </p:sld>
 </file>
 
-<file path=ppt/slides/slide16.xml><?xml version="1.0" encoding="utf-8"?>
+<file path=ppt/slides/slide17.xml><?xml version="1.0" encoding="utf-8"?>
 <p:sld xmlns:a="http://schemas.openxmlformats.org/drawingml/2006/main" xmlns:r="http://schemas.openxmlformats.org/officeDocument/2006/relationships" xmlns:p="http://schemas.openxmlformats.org/presentationml/2006/main">
   <p:cSld>
     <p:spTree>
@@ -9575,7 +10338,7 @@
 </p:sld>
 </file>
 
-<file path=ppt/slides/slide17.xml><?xml version="1.0" encoding="utf-8"?>
+<file path=ppt/slides/slide18.xml><?xml version="1.0" encoding="utf-8"?>
 <p:sld xmlns:a="http://schemas.openxmlformats.org/drawingml/2006/main" xmlns:r="http://schemas.openxmlformats.org/officeDocument/2006/relationships" xmlns:p="http://schemas.openxmlformats.org/presentationml/2006/main">
   <p:cSld>
     <p:spTree>
@@ -9759,7 +10522,7 @@
 </p:sld>
 </file>
 
-<file path=ppt/slides/slide18.xml><?xml version="1.0" encoding="utf-8"?>
+<file path=ppt/slides/slide19.xml><?xml version="1.0" encoding="utf-8"?>
 <p:sld xmlns:a="http://schemas.openxmlformats.org/drawingml/2006/main" xmlns:r="http://schemas.openxmlformats.org/officeDocument/2006/relationships" xmlns:p="http://schemas.openxmlformats.org/presentationml/2006/main">
   <p:cSld>
     <p:spTree>
@@ -10910,13 +11673,17 @@
           </p:nvPr>
         </p:nvSpPr>
         <p:spPr>
+          <a:xfrm>
+            <a:off x="767857" y="933450"/>
+            <a:ext cx="3031852" cy="2262511"/>
+          </a:xfrm>
           <a:prstGeom prst="rect">
             <a:avLst/>
           </a:prstGeom>
         </p:spPr>
         <p:txBody>
           <a:bodyPr spcFirstLastPara="1" vert="horz" lIns="91440" tIns="45720" rIns="91440" bIns="45720" rtlCol="0" anchor="ctr" anchorCtr="0">
-            <a:normAutofit fontScale="90000"/>
+            <a:normAutofit/>
           </a:bodyPr>
           <a:lstStyle/>
           <a:p>
@@ -10926,14 +11693,34 @@
               </a:spcBef>
             </a:pPr>
             <a:r>
-              <a:rPr lang="en-US" sz="3600" dirty="0">
-                <a:solidFill>
-                  <a:srgbClr val="FFFFFF"/>
-                </a:solidFill>
+              <a:rPr lang="en-US" dirty="0">
+                <a:sym typeface="Lato"/>
               </a:rPr>
-              <a:t>Connecting the Data to DB , REGRESSION model, Deep Learning  model</a:t>
-            </a:r>
-            <a:endParaRPr lang="en-US" sz="3600" dirty="0">
+              <a:t>* Connection</a:t>
+            </a:r>
+            <a:br>
+              <a:rPr lang="en-US" dirty="0">
+                <a:sym typeface="Lato"/>
+              </a:rPr>
+            </a:br>
+            <a:r>
+              <a:rPr lang="en-US" dirty="0">
+                <a:sym typeface="Lato"/>
+              </a:rPr>
+              <a:t>* Regression</a:t>
+            </a:r>
+            <a:br>
+              <a:rPr lang="en-US" dirty="0">
+                <a:sym typeface="Lato"/>
+              </a:rPr>
+            </a:br>
+            <a:r>
+              <a:rPr lang="en-US" dirty="0">
+                <a:sym typeface="Lato"/>
+              </a:rPr>
+              <a:t>* Neural Network</a:t>
+            </a:r>
+            <a:endParaRPr lang="en-US" dirty="0">
               <a:solidFill>
                 <a:srgbClr val="FFFFFF"/>
               </a:solidFill>
@@ -10960,29 +11747,137 @@
         </p:nvSpPr>
         <p:spPr>
           <a:xfrm>
-            <a:off x="4900928" y="1179829"/>
-            <a:ext cx="6650991" cy="2934971"/>
+            <a:off x="4270159" y="674704"/>
+            <a:ext cx="7492753" cy="2920752"/>
           </a:xfrm>
         </p:spPr>
         <p:txBody>
-          <a:bodyPr/>
+          <a:bodyPr>
+            <a:normAutofit fontScale="85000" lnSpcReduction="20000"/>
+          </a:bodyPr>
           <a:lstStyle/>
           <a:p>
-            <a:r>
-              <a:rPr lang="en-US" dirty="0" err="1">
-                <a:highlight>
-                  <a:srgbClr val="FFFF00"/>
-                </a:highlight>
-              </a:rPr>
-              <a:t>Trong</a:t>
-            </a:r>
-            <a:r>
-              <a:rPr lang="en-US" dirty="0">
-                <a:highlight>
-                  <a:srgbClr val="FFFF00"/>
-                </a:highlight>
-              </a:rPr>
-              <a:t>  to add key point to describe the Process </a:t>
+            <a:pPr marL="0" indent="0">
+              <a:buNone/>
+            </a:pPr>
+            <a:r>
+              <a:rPr lang="en-US" dirty="0"/>
+              <a:t>* Use google </a:t>
+            </a:r>
+            <a:r>
+              <a:rPr lang="en-US" dirty="0" err="1"/>
+              <a:t>Colab</a:t>
+            </a:r>
+            <a:r>
+              <a:rPr lang="en-US" dirty="0"/>
+              <a:t> and </a:t>
+            </a:r>
+            <a:r>
+              <a:rPr lang="en-US" dirty="0" err="1"/>
+              <a:t>pyspark</a:t>
+            </a:r>
+            <a:r>
+              <a:rPr lang="en-US" dirty="0"/>
+              <a:t>, and process this online</a:t>
+            </a:r>
+          </a:p>
+          <a:p>
+            <a:pPr marL="0" indent="0">
+              <a:buNone/>
+            </a:pPr>
+            <a:r>
+              <a:rPr lang="en-US" dirty="0"/>
+              <a:t>* Export the processed data to </a:t>
+            </a:r>
+            <a:r>
+              <a:rPr lang="en-US" dirty="0" err="1"/>
+              <a:t>postgresql</a:t>
+            </a:r>
+            <a:r>
+              <a:rPr lang="en-US" dirty="0"/>
+              <a:t>: 'house_data.csv', 'sale_data.csv' and 'final_data.csv’</a:t>
+            </a:r>
+          </a:p>
+          <a:p>
+            <a:pPr marL="0" indent="0">
+              <a:buNone/>
+            </a:pPr>
+            <a:r>
+              <a:rPr lang="en-US" dirty="0"/>
+              <a:t>* </a:t>
+            </a:r>
+            <a:r>
+              <a:rPr lang="en-US" dirty="0" err="1"/>
+              <a:t>Final_Regression_NN.ipynb</a:t>
+            </a:r>
+            <a:endParaRPr lang="en-US" dirty="0"/>
+          </a:p>
+          <a:p>
+            <a:pPr marL="0" indent="0">
+              <a:buNone/>
+            </a:pPr>
+            <a:r>
+              <a:rPr lang="en-US" dirty="0"/>
+              <a:t>	* Read the 'final_data.csv' from AWS</a:t>
+            </a:r>
+          </a:p>
+          <a:p>
+            <a:pPr marL="0" indent="0">
+              <a:buNone/>
+            </a:pPr>
+            <a:r>
+              <a:rPr lang="en-US" dirty="0"/>
+              <a:t>	* a merge of Regression and Neural Network learnings</a:t>
+            </a:r>
+          </a:p>
+          <a:p>
+            <a:pPr marL="0" indent="0">
+              <a:buNone/>
+            </a:pPr>
+            <a:r>
+              <a:rPr lang="en-US" dirty="0"/>
+              <a:t>	* same number of </a:t>
+            </a:r>
+            <a:r>
+              <a:rPr lang="en-US" dirty="0" err="1"/>
+              <a:t>X_train</a:t>
+            </a:r>
+            <a:r>
+              <a:rPr lang="en-US" dirty="0"/>
+              <a:t>, </a:t>
+            </a:r>
+            <a:r>
+              <a:rPr lang="en-US" dirty="0" err="1"/>
+              <a:t>y_train</a:t>
+            </a:r>
+            <a:r>
+              <a:rPr lang="en-US" dirty="0"/>
+              <a:t>, </a:t>
+            </a:r>
+            <a:r>
+              <a:rPr lang="en-US" dirty="0" err="1"/>
+              <a:t>X_test</a:t>
+            </a:r>
+            <a:r>
+              <a:rPr lang="en-US" dirty="0"/>
+              <a:t>, and </a:t>
+            </a:r>
+            <a:r>
+              <a:rPr lang="en-US" dirty="0" err="1"/>
+              <a:t>y_test</a:t>
+            </a:r>
+            <a:r>
+              <a:rPr lang="en-US" dirty="0"/>
+              <a:t> data points</a:t>
+            </a:r>
+          </a:p>
+          <a:p>
+            <a:pPr marL="0" indent="0">
+              <a:buNone/>
+            </a:pPr>
+            <a:r>
+              <a:rPr lang="en-US" dirty="0"/>
+              <a:t>	* A total of 4 models</a:t>
             </a:r>
           </a:p>
         </p:txBody>
@@ -11005,24 +11900,31 @@
         </p:nvSpPr>
         <p:spPr>
           <a:xfrm>
-            <a:off x="767857" y="3737811"/>
-            <a:ext cx="3031852" cy="2100234"/>
+            <a:off x="767857" y="3662041"/>
+            <a:ext cx="3031852" cy="2176004"/>
           </a:xfrm>
         </p:spPr>
         <p:txBody>
           <a:bodyPr/>
           <a:lstStyle/>
           <a:p>
-            <a:endParaRPr lang="en-US" dirty="0"/>
+            <a:r>
+              <a:rPr lang="en-US" dirty="0" err="1"/>
+              <a:t>Trong</a:t>
+            </a:r>
+            <a:r>
+              <a:rPr lang="en-US" dirty="0"/>
+              <a:t>-Quyen Nguyen</a:t>
+            </a:r>
           </a:p>
         </p:txBody>
       </p:sp>
       <p:pic>
         <p:nvPicPr>
-          <p:cNvPr id="7" name="Picture 6" descr="Graphical user interface, text, application&#10;&#10;Description automatically generated">
+          <p:cNvPr id="14" name="Picture 13">
             <a:extLst>
               <a:ext uri="{FF2B5EF4-FFF2-40B4-BE49-F238E27FC236}">
-                <a16:creationId xmlns:a16="http://schemas.microsoft.com/office/drawing/2014/main" id="{D5D90A61-386B-42C5-B26F-433FD6FD0825}"/>
+                <a16:creationId xmlns:a16="http://schemas.microsoft.com/office/drawing/2014/main" id="{31534BFF-6FA2-460D-8F7A-C9F023ED6671}"/>
               </a:ext>
             </a:extLst>
           </p:cNvPr>
@@ -11039,8 +11941,8 @@
         </p:blipFill>
         <p:spPr>
           <a:xfrm>
-            <a:off x="10324643" y="4892841"/>
-            <a:ext cx="1420824" cy="1511515"/>
+            <a:off x="5130295" y="3751776"/>
+            <a:ext cx="5944115" cy="2568163"/>
           </a:xfrm>
           <a:prstGeom prst="rect">
             <a:avLst/>
@@ -11077,94 +11979,35 @@
           <a:chExt cx="0" cy="0"/>
         </a:xfrm>
       </p:grpSpPr>
-      <p:sp>
-        <p:nvSpPr>
-          <p:cNvPr id="158" name="Google Shape;158;p17"/>
-          <p:cNvSpPr txBox="1">
-            <a:spLocks noGrp="1"/>
-          </p:cNvSpPr>
-          <p:nvPr>
-            <p:ph type="title"/>
-          </p:nvPr>
-        </p:nvSpPr>
-        <p:spPr>
-          <a:prstGeom prst="rect">
-            <a:avLst/>
-          </a:prstGeom>
-        </p:spPr>
-        <p:txBody>
-          <a:bodyPr spcFirstLastPara="1" vert="horz" lIns="91440" tIns="45720" rIns="91440" bIns="45720" rtlCol="0" anchor="ctr" anchorCtr="0">
-            <a:normAutofit fontScale="90000"/>
-          </a:bodyPr>
-          <a:lstStyle/>
-          <a:p>
-            <a:pPr algn="ctr">
-              <a:spcBef>
-                <a:spcPct val="0"/>
-              </a:spcBef>
-            </a:pPr>
-            <a:r>
-              <a:rPr lang="en-US" sz="3600" dirty="0">
-                <a:solidFill>
-                  <a:srgbClr val="FFFFFF"/>
-                </a:solidFill>
-              </a:rPr>
-              <a:t>Connecting the Data to DB , REGRESSION model, Deep Learning  model</a:t>
-            </a:r>
-            <a:endParaRPr lang="en-US" sz="3600" dirty="0">
-              <a:solidFill>
-                <a:srgbClr val="FFFFFF"/>
-              </a:solidFill>
-              <a:sym typeface="Lato"/>
-            </a:endParaRPr>
-          </a:p>
-        </p:txBody>
-      </p:sp>
-      <p:sp>
-        <p:nvSpPr>
-          <p:cNvPr id="5" name="Content Placeholder 4">
+      <p:pic>
+        <p:nvPicPr>
+          <p:cNvPr id="7" name="Content Placeholder 6">
             <a:extLst>
               <a:ext uri="{FF2B5EF4-FFF2-40B4-BE49-F238E27FC236}">
-                <a16:creationId xmlns:a16="http://schemas.microsoft.com/office/drawing/2014/main" id="{73A4CFA3-42F4-47AC-BA02-AD7A7CCBB3DD}"/>
+                <a16:creationId xmlns:a16="http://schemas.microsoft.com/office/drawing/2014/main" id="{2CAB717A-EF0C-4713-B6B5-7A2BED6F1411}"/>
               </a:ext>
             </a:extLst>
           </p:cNvPr>
-          <p:cNvSpPr>
-            <a:spLocks noGrp="1"/>
-          </p:cNvSpPr>
+          <p:cNvPicPr>
+            <a:picLocks noGrp="1" noChangeAspect="1"/>
+          </p:cNvPicPr>
           <p:nvPr>
             <p:ph idx="1"/>
           </p:nvPr>
-        </p:nvSpPr>
-        <p:spPr>
-          <a:xfrm>
-            <a:off x="4900928" y="1179829"/>
-            <a:ext cx="6650991" cy="2934971"/>
-          </a:xfrm>
-        </p:spPr>
-        <p:txBody>
-          <a:bodyPr/>
-          <a:lstStyle/>
-          <a:p>
-            <a:r>
-              <a:rPr lang="en-US" dirty="0" err="1">
-                <a:highlight>
-                  <a:srgbClr val="FFFF00"/>
-                </a:highlight>
-              </a:rPr>
-              <a:t>Trong</a:t>
-            </a:r>
-            <a:r>
-              <a:rPr lang="en-US" dirty="0">
-                <a:highlight>
-                  <a:srgbClr val="FFFF00"/>
-                </a:highlight>
-              </a:rPr>
-              <a:t>  to add key point to describe the Process </a:t>
-            </a:r>
-          </a:p>
-        </p:txBody>
-      </p:sp>
+        </p:nvPicPr>
+        <p:blipFill>
+          <a:blip r:embed="rId3"/>
+          <a:stretch>
+            <a:fillRect/>
+          </a:stretch>
+        </p:blipFill>
+        <p:spPr>
+          <a:xfrm>
+            <a:off x="4602692" y="859918"/>
+            <a:ext cx="4674473" cy="2787944"/>
+          </a:xfrm>
+        </p:spPr>
+      </p:pic>
       <p:sp>
         <p:nvSpPr>
           <p:cNvPr id="6" name="Text Placeholder 5">
@@ -11183,8 +12026,8 @@
         </p:nvSpPr>
         <p:spPr>
           <a:xfrm>
-            <a:off x="767857" y="3938337"/>
-            <a:ext cx="3031852" cy="1899708"/>
+            <a:off x="767857" y="3647861"/>
+            <a:ext cx="3031852" cy="2190183"/>
           </a:xfrm>
         </p:spPr>
         <p:txBody>
@@ -11192,17 +12035,116 @@
           <a:lstStyle/>
           <a:p>
             <a:r>
+              <a:rPr lang="en-US" dirty="0" err="1"/>
+              <a:t>Trong</a:t>
+            </a:r>
+            <a:r>
               <a:rPr lang="en-US" dirty="0"/>
-              <a:t>2</a:t>
-            </a:r>
-            <a:r>
-              <a:rPr lang="en-US" baseline="30000" dirty="0"/>
-              <a:t>nd</a:t>
-            </a:r>
-            <a:r>
-              <a:rPr lang="en-US" dirty="0"/>
-              <a:t> Slide</a:t>
-            </a:r>
+              <a:t>-Quyen Nguyen</a:t>
+            </a:r>
+          </a:p>
+        </p:txBody>
+      </p:sp>
+      <p:pic>
+        <p:nvPicPr>
+          <p:cNvPr id="11" name="Picture 10">
+            <a:extLst>
+              <a:ext uri="{FF2B5EF4-FFF2-40B4-BE49-F238E27FC236}">
+                <a16:creationId xmlns:a16="http://schemas.microsoft.com/office/drawing/2014/main" id="{5811589B-2556-4666-B3AD-6DD6F8AAC8A8}"/>
+              </a:ext>
+            </a:extLst>
+          </p:cNvPr>
+          <p:cNvPicPr>
+            <a:picLocks noChangeAspect="1"/>
+          </p:cNvPicPr>
+          <p:nvPr/>
+        </p:nvPicPr>
+        <p:blipFill>
+          <a:blip r:embed="rId4"/>
+          <a:stretch>
+            <a:fillRect/>
+          </a:stretch>
+        </p:blipFill>
+        <p:spPr>
+          <a:xfrm>
+            <a:off x="6057530" y="3938337"/>
+            <a:ext cx="4991533" cy="1899708"/>
+          </a:xfrm>
+          <a:prstGeom prst="rect">
+            <a:avLst/>
+          </a:prstGeom>
+        </p:spPr>
+      </p:pic>
+      <p:sp>
+        <p:nvSpPr>
+          <p:cNvPr id="15" name="Google Shape;158;p17">
+            <a:extLst>
+              <a:ext uri="{FF2B5EF4-FFF2-40B4-BE49-F238E27FC236}">
+                <a16:creationId xmlns:a16="http://schemas.microsoft.com/office/drawing/2014/main" id="{E84E619E-64E7-480D-AB98-CB7EBF0DD670}"/>
+              </a:ext>
+            </a:extLst>
+          </p:cNvPr>
+          <p:cNvSpPr txBox="1">
+            <a:spLocks noGrp="1"/>
+          </p:cNvSpPr>
+          <p:nvPr>
+            <p:ph type="title"/>
+          </p:nvPr>
+        </p:nvSpPr>
+        <p:spPr>
+          <a:xfrm>
+            <a:off x="768350" y="933450"/>
+            <a:ext cx="3032125" cy="1722438"/>
+          </a:xfrm>
+          <a:prstGeom prst="rect">
+            <a:avLst/>
+          </a:prstGeom>
+        </p:spPr>
+        <p:txBody>
+          <a:bodyPr spcFirstLastPara="1" vert="horz" lIns="91440" tIns="45720" rIns="91440" bIns="45720" rtlCol="0" anchor="ctr" anchorCtr="0">
+            <a:normAutofit/>
+          </a:bodyPr>
+          <a:lstStyle/>
+          <a:p>
+            <a:pPr algn="ctr">
+              <a:spcBef>
+                <a:spcPct val="0"/>
+              </a:spcBef>
+            </a:pPr>
+            <a:r>
+              <a:rPr lang="en-US" dirty="0">
+                <a:sym typeface="Lato"/>
+              </a:rPr>
+              <a:t>* Connection</a:t>
+            </a:r>
+            <a:br>
+              <a:rPr lang="en-US" dirty="0">
+                <a:sym typeface="Lato"/>
+              </a:rPr>
+            </a:br>
+            <a:r>
+              <a:rPr lang="en-US" dirty="0">
+                <a:sym typeface="Lato"/>
+              </a:rPr>
+              <a:t>* Regression</a:t>
+            </a:r>
+            <a:br>
+              <a:rPr lang="en-US" dirty="0">
+                <a:sym typeface="Lato"/>
+              </a:rPr>
+            </a:br>
+            <a:r>
+              <a:rPr lang="en-US" dirty="0">
+                <a:sym typeface="Lato"/>
+              </a:rPr>
+              <a:t>* Neural Network</a:t>
+            </a:r>
+            <a:endParaRPr lang="en-US" dirty="0">
+              <a:solidFill>
+                <a:srgbClr val="FFFFFF"/>
+              </a:solidFill>
+              <a:sym typeface="Lato"/>
+            </a:endParaRPr>
           </a:p>
         </p:txBody>
       </p:sp>
@@ -11222,17 +12164,9 @@
 <file path=ppt/slides/slide9.xml><?xml version="1.0" encoding="utf-8"?>
 <p:sld xmlns:a="http://schemas.openxmlformats.org/drawingml/2006/main" xmlns:r="http://schemas.openxmlformats.org/officeDocument/2006/relationships" xmlns:p="http://schemas.openxmlformats.org/presentationml/2006/main">
   <p:cSld>
-    <p:bg>
-      <p:bgPr>
-        <a:solidFill>
-          <a:schemeClr val="bg1"/>
-        </a:solidFill>
-        <a:effectLst/>
-      </p:bgPr>
-    </p:bg>
     <p:spTree>
       <p:nvGrpSpPr>
-        <p:cNvPr id="1" name=""/>
+        <p:cNvPr id="1" name="Shape 157"/>
         <p:cNvGrpSpPr/>
         <p:nvPr/>
       </p:nvGrpSpPr>
@@ -11246,451 +12180,10 @@
       </p:grpSpPr>
       <p:sp>
         <p:nvSpPr>
-          <p:cNvPr id="11" name="Rectangle 10">
+          <p:cNvPr id="6" name="Text Placeholder 5">
             <a:extLst>
               <a:ext uri="{FF2B5EF4-FFF2-40B4-BE49-F238E27FC236}">
-                <a16:creationId xmlns:a16="http://schemas.microsoft.com/office/drawing/2014/main" id="{DD651B61-325E-4E73-8445-38B0DE8AAAB6}"/>
-              </a:ext>
-              <a:ext uri="{C183D7F6-B498-43B3-948B-1728B52AA6E4}">
-                <adec:decorative xmlns:adec="http://schemas.microsoft.com/office/drawing/2017/decorative" val="1"/>
-              </a:ext>
-            </a:extLst>
-          </p:cNvPr>
-          <p:cNvSpPr>
-            <a:spLocks noGrp="1" noRot="1" noChangeAspect="1" noMove="1" noResize="1" noEditPoints="1" noAdjustHandles="1" noChangeArrowheads="1" noChangeShapeType="1" noTextEdit="1"/>
-          </p:cNvSpPr>
-          <p:nvPr>
-            <p:extLst>
-              <p:ext uri="{386F3935-93C4-4BCD-93E2-E3B085C9AB24}">
-                <p16:designElem xmlns:p16="http://schemas.microsoft.com/office/powerpoint/2015/main" val="1"/>
-              </p:ext>
-            </p:extLst>
-          </p:nvPr>
-        </p:nvSpPr>
-        <p:spPr>
-          <a:xfrm>
-            <a:off x="446534" y="457200"/>
-            <a:ext cx="3703320" cy="94997"/>
-          </a:xfrm>
-          <a:prstGeom prst="rect">
-            <a:avLst/>
-          </a:prstGeom>
-          <a:solidFill>
-            <a:srgbClr val="465359"/>
-          </a:solidFill>
-          <a:ln>
-            <a:noFill/>
-          </a:ln>
-          <a:effectLst/>
-        </p:spPr>
-        <p:style>
-          <a:lnRef idx="1">
-            <a:schemeClr val="accent1"/>
-          </a:lnRef>
-          <a:fillRef idx="3">
-            <a:schemeClr val="accent1"/>
-          </a:fillRef>
-          <a:effectRef idx="2">
-            <a:schemeClr val="accent1"/>
-          </a:effectRef>
-          <a:fontRef idx="minor">
-            <a:schemeClr val="lt1"/>
-          </a:fontRef>
-        </p:style>
-      </p:sp>
-      <p:sp>
-        <p:nvSpPr>
-          <p:cNvPr id="13" name="Rectangle 12">
-            <a:extLst>
-              <a:ext uri="{FF2B5EF4-FFF2-40B4-BE49-F238E27FC236}">
-                <a16:creationId xmlns:a16="http://schemas.microsoft.com/office/drawing/2014/main" id="{B42E5253-D3AC-4AC2-B766-8B34F13C2F5E}"/>
-              </a:ext>
-              <a:ext uri="{C183D7F6-B498-43B3-948B-1728B52AA6E4}">
-                <adec:decorative xmlns:adec="http://schemas.microsoft.com/office/drawing/2017/decorative" val="1"/>
-              </a:ext>
-            </a:extLst>
-          </p:cNvPr>
-          <p:cNvSpPr>
-            <a:spLocks noGrp="1" noRot="1" noChangeAspect="1" noMove="1" noResize="1" noEditPoints="1" noAdjustHandles="1" noChangeArrowheads="1" noChangeShapeType="1" noTextEdit="1"/>
-          </p:cNvSpPr>
-          <p:nvPr>
-            <p:extLst>
-              <p:ext uri="{386F3935-93C4-4BCD-93E2-E3B085C9AB24}">
-                <p16:designElem xmlns:p16="http://schemas.microsoft.com/office/powerpoint/2015/main" val="1"/>
-              </p:ext>
-            </p:extLst>
-          </p:nvPr>
-        </p:nvSpPr>
-        <p:spPr>
-          <a:xfrm>
-            <a:off x="8042147" y="453643"/>
-            <a:ext cx="3703320" cy="98554"/>
-          </a:xfrm>
-          <a:prstGeom prst="rect">
-            <a:avLst/>
-          </a:prstGeom>
-          <a:solidFill>
-            <a:srgbClr val="969FA7"/>
-          </a:solidFill>
-          <a:ln>
-            <a:noFill/>
-          </a:ln>
-          <a:effectLst/>
-        </p:spPr>
-        <p:style>
-          <a:lnRef idx="1">
-            <a:schemeClr val="accent1"/>
-          </a:lnRef>
-          <a:fillRef idx="3">
-            <a:schemeClr val="accent1"/>
-          </a:fillRef>
-          <a:effectRef idx="2">
-            <a:schemeClr val="accent1"/>
-          </a:effectRef>
-          <a:fontRef idx="minor">
-            <a:schemeClr val="lt1"/>
-          </a:fontRef>
-        </p:style>
-      </p:sp>
-      <p:sp>
-        <p:nvSpPr>
-          <p:cNvPr id="15" name="Rectangle 14">
-            <a:extLst>
-              <a:ext uri="{FF2B5EF4-FFF2-40B4-BE49-F238E27FC236}">
-                <a16:creationId xmlns:a16="http://schemas.microsoft.com/office/drawing/2014/main" id="{10AE8D57-436A-4073-9A75-15BB5949F8B4}"/>
-              </a:ext>
-              <a:ext uri="{C183D7F6-B498-43B3-948B-1728B52AA6E4}">
-                <adec:decorative xmlns:adec="http://schemas.microsoft.com/office/drawing/2017/decorative" val="1"/>
-              </a:ext>
-            </a:extLst>
-          </p:cNvPr>
-          <p:cNvSpPr>
-            <a:spLocks noGrp="1" noRot="1" noChangeAspect="1" noMove="1" noResize="1" noEditPoints="1" noAdjustHandles="1" noChangeArrowheads="1" noChangeShapeType="1" noTextEdit="1"/>
-          </p:cNvSpPr>
-          <p:nvPr>
-            <p:extLst>
-              <p:ext uri="{386F3935-93C4-4BCD-93E2-E3B085C9AB24}">
-                <p16:designElem xmlns:p16="http://schemas.microsoft.com/office/powerpoint/2015/main" val="1"/>
-              </p:ext>
-            </p:extLst>
-          </p:nvPr>
-        </p:nvSpPr>
-        <p:spPr>
-          <a:xfrm>
-            <a:off x="4241830" y="457200"/>
-            <a:ext cx="3703320" cy="91440"/>
-          </a:xfrm>
-          <a:prstGeom prst="rect">
-            <a:avLst/>
-          </a:prstGeom>
-          <a:solidFill>
-            <a:schemeClr val="accent1"/>
-          </a:solidFill>
-          <a:ln>
-            <a:noFill/>
-          </a:ln>
-          <a:effectLst/>
-        </p:spPr>
-        <p:style>
-          <a:lnRef idx="1">
-            <a:schemeClr val="accent1"/>
-          </a:lnRef>
-          <a:fillRef idx="3">
-            <a:schemeClr val="accent1"/>
-          </a:fillRef>
-          <a:effectRef idx="2">
-            <a:schemeClr val="accent1"/>
-          </a:effectRef>
-          <a:fontRef idx="minor">
-            <a:schemeClr val="lt1"/>
-          </a:fontRef>
-        </p:style>
-      </p:sp>
-      <p:sp>
-        <p:nvSpPr>
-          <p:cNvPr id="17" name="Rectangle 16">
-            <a:extLst>
-              <a:ext uri="{FF2B5EF4-FFF2-40B4-BE49-F238E27FC236}">
-                <a16:creationId xmlns:a16="http://schemas.microsoft.com/office/drawing/2014/main" id="{E9751CB9-7B25-4EB8-9A6F-82F822549F12}"/>
-              </a:ext>
-              <a:ext uri="{C183D7F6-B498-43B3-948B-1728B52AA6E4}">
-                <adec:decorative xmlns:adec="http://schemas.microsoft.com/office/drawing/2017/decorative" val="1"/>
-              </a:ext>
-            </a:extLst>
-          </p:cNvPr>
-          <p:cNvSpPr>
-            <a:spLocks noGrp="1" noRot="1" noChangeAspect="1" noMove="1" noResize="1" noEditPoints="1" noAdjustHandles="1" noChangeArrowheads="1" noChangeShapeType="1" noTextEdit="1"/>
-          </p:cNvSpPr>
-          <p:nvPr>
-            <p:extLst>
-              <p:ext uri="{386F3935-93C4-4BCD-93E2-E3B085C9AB24}">
-                <p16:designElem xmlns:p16="http://schemas.microsoft.com/office/powerpoint/2015/main" val="1"/>
-              </p:ext>
-            </p:extLst>
-          </p:nvPr>
-        </p:nvSpPr>
-        <p:spPr>
-          <a:xfrm>
-            <a:off x="0" y="0"/>
-            <a:ext cx="12192000" cy="6858000"/>
-          </a:xfrm>
-          <a:prstGeom prst="rect">
-            <a:avLst/>
-          </a:prstGeom>
-          <a:solidFill>
-            <a:srgbClr val="FFFFFF"/>
-          </a:solidFill>
-          <a:ln>
-            <a:noFill/>
-          </a:ln>
-        </p:spPr>
-        <p:style>
-          <a:lnRef idx="2">
-            <a:schemeClr val="accent1">
-              <a:shade val="50000"/>
-            </a:schemeClr>
-          </a:lnRef>
-          <a:fillRef idx="1">
-            <a:schemeClr val="accent1"/>
-          </a:fillRef>
-          <a:effectRef idx="0">
-            <a:schemeClr val="accent1"/>
-          </a:effectRef>
-          <a:fontRef idx="minor">
-            <a:schemeClr val="lt1"/>
-          </a:fontRef>
-        </p:style>
-        <p:txBody>
-          <a:bodyPr rtlCol="0" anchor="ctr"/>
-          <a:lstStyle/>
-          <a:p>
-            <a:pPr algn="ctr"/>
-            <a:endParaRPr lang="en-US"/>
-          </a:p>
-        </p:txBody>
-      </p:sp>
-      <p:sp>
-        <p:nvSpPr>
-          <p:cNvPr id="19" name="Rectangle 18">
-            <a:extLst>
-              <a:ext uri="{FF2B5EF4-FFF2-40B4-BE49-F238E27FC236}">
-                <a16:creationId xmlns:a16="http://schemas.microsoft.com/office/drawing/2014/main" id="{E1317383-CF3B-4B02-9512-BECBEF6362A4}"/>
-              </a:ext>
-              <a:ext uri="{C183D7F6-B498-43B3-948B-1728B52AA6E4}">
-                <adec:decorative xmlns:adec="http://schemas.microsoft.com/office/drawing/2017/decorative" val="1"/>
-              </a:ext>
-            </a:extLst>
-          </p:cNvPr>
-          <p:cNvSpPr>
-            <a:spLocks noGrp="1" noRot="1" noChangeAspect="1" noMove="1" noResize="1" noEditPoints="1" noAdjustHandles="1" noChangeArrowheads="1" noChangeShapeType="1" noTextEdit="1"/>
-          </p:cNvSpPr>
-          <p:nvPr>
-            <p:extLst>
-              <p:ext uri="{386F3935-93C4-4BCD-93E2-E3B085C9AB24}">
-                <p16:designElem xmlns:p16="http://schemas.microsoft.com/office/powerpoint/2015/main" val="1"/>
-              </p:ext>
-            </p:extLst>
-          </p:nvPr>
-        </p:nvSpPr>
-        <p:spPr>
-          <a:xfrm>
-            <a:off x="446534" y="457200"/>
-            <a:ext cx="3703320" cy="94997"/>
-          </a:xfrm>
-          <a:prstGeom prst="rect">
-            <a:avLst/>
-          </a:prstGeom>
-          <a:solidFill>
-            <a:srgbClr val="465359"/>
-          </a:solidFill>
-          <a:ln>
-            <a:noFill/>
-          </a:ln>
-          <a:effectLst/>
-        </p:spPr>
-        <p:style>
-          <a:lnRef idx="1">
-            <a:schemeClr val="accent1"/>
-          </a:lnRef>
-          <a:fillRef idx="3">
-            <a:schemeClr val="accent1"/>
-          </a:fillRef>
-          <a:effectRef idx="2">
-            <a:schemeClr val="accent1"/>
-          </a:effectRef>
-          <a:fontRef idx="minor">
-            <a:schemeClr val="lt1"/>
-          </a:fontRef>
-        </p:style>
-      </p:sp>
-      <p:sp>
-        <p:nvSpPr>
-          <p:cNvPr id="21" name="Rectangle 20">
-            <a:extLst>
-              <a:ext uri="{FF2B5EF4-FFF2-40B4-BE49-F238E27FC236}">
-                <a16:creationId xmlns:a16="http://schemas.microsoft.com/office/drawing/2014/main" id="{B1D4C7A0-6DF2-4F2D-A45D-F111582974C7}"/>
-              </a:ext>
-              <a:ext uri="{C183D7F6-B498-43B3-948B-1728B52AA6E4}">
-                <adec:decorative xmlns:adec="http://schemas.microsoft.com/office/drawing/2017/decorative" val="1"/>
-              </a:ext>
-            </a:extLst>
-          </p:cNvPr>
-          <p:cNvSpPr>
-            <a:spLocks noGrp="1" noRot="1" noChangeAspect="1" noMove="1" noResize="1" noEditPoints="1" noAdjustHandles="1" noChangeArrowheads="1" noChangeShapeType="1" noTextEdit="1"/>
-          </p:cNvSpPr>
-          <p:nvPr>
-            <p:extLst>
-              <p:ext uri="{386F3935-93C4-4BCD-93E2-E3B085C9AB24}">
-                <p16:designElem xmlns:p16="http://schemas.microsoft.com/office/powerpoint/2015/main" val="1"/>
-              </p:ext>
-            </p:extLst>
-          </p:nvPr>
-        </p:nvSpPr>
-        <p:spPr>
-          <a:xfrm>
-            <a:off x="4241830" y="457200"/>
-            <a:ext cx="3703320" cy="91440"/>
-          </a:xfrm>
-          <a:prstGeom prst="rect">
-            <a:avLst/>
-          </a:prstGeom>
-          <a:solidFill>
-            <a:schemeClr val="accent1"/>
-          </a:solidFill>
-          <a:ln>
-            <a:noFill/>
-          </a:ln>
-          <a:effectLst/>
-        </p:spPr>
-        <p:style>
-          <a:lnRef idx="1">
-            <a:schemeClr val="accent1"/>
-          </a:lnRef>
-          <a:fillRef idx="3">
-            <a:schemeClr val="accent1"/>
-          </a:fillRef>
-          <a:effectRef idx="2">
-            <a:schemeClr val="accent1"/>
-          </a:effectRef>
-          <a:fontRef idx="minor">
-            <a:schemeClr val="lt1"/>
-          </a:fontRef>
-        </p:style>
-      </p:sp>
-      <p:sp>
-        <p:nvSpPr>
-          <p:cNvPr id="23" name="Rectangle 22">
-            <a:extLst>
-              <a:ext uri="{FF2B5EF4-FFF2-40B4-BE49-F238E27FC236}">
-                <a16:creationId xmlns:a16="http://schemas.microsoft.com/office/drawing/2014/main" id="{DBF3943D-BCB6-4B31-809D-A005686483B4}"/>
-              </a:ext>
-              <a:ext uri="{C183D7F6-B498-43B3-948B-1728B52AA6E4}">
-                <adec:decorative xmlns:adec="http://schemas.microsoft.com/office/drawing/2017/decorative" val="1"/>
-              </a:ext>
-            </a:extLst>
-          </p:cNvPr>
-          <p:cNvSpPr>
-            <a:spLocks noGrp="1" noRot="1" noChangeAspect="1" noMove="1" noResize="1" noEditPoints="1" noAdjustHandles="1" noChangeArrowheads="1" noChangeShapeType="1" noTextEdit="1"/>
-          </p:cNvSpPr>
-          <p:nvPr>
-            <p:extLst>
-              <p:ext uri="{386F3935-93C4-4BCD-93E2-E3B085C9AB24}">
-                <p16:designElem xmlns:p16="http://schemas.microsoft.com/office/powerpoint/2015/main" val="1"/>
-              </p:ext>
-            </p:extLst>
-          </p:nvPr>
-        </p:nvSpPr>
-        <p:spPr>
-          <a:xfrm>
-            <a:off x="8042147" y="453643"/>
-            <a:ext cx="3703320" cy="98554"/>
-          </a:xfrm>
-          <a:prstGeom prst="rect">
-            <a:avLst/>
-          </a:prstGeom>
-          <a:solidFill>
-            <a:srgbClr val="969FA7"/>
-          </a:solidFill>
-          <a:ln>
-            <a:noFill/>
-          </a:ln>
-          <a:effectLst/>
-        </p:spPr>
-        <p:style>
-          <a:lnRef idx="1">
-            <a:schemeClr val="accent1"/>
-          </a:lnRef>
-          <a:fillRef idx="3">
-            <a:schemeClr val="accent1"/>
-          </a:fillRef>
-          <a:effectRef idx="2">
-            <a:schemeClr val="accent1"/>
-          </a:effectRef>
-          <a:fontRef idx="minor">
-            <a:schemeClr val="lt1"/>
-          </a:fontRef>
-        </p:style>
-      </p:sp>
-      <p:sp>
-        <p:nvSpPr>
-          <p:cNvPr id="25" name="Rectangle 24">
-            <a:extLst>
-              <a:ext uri="{FF2B5EF4-FFF2-40B4-BE49-F238E27FC236}">
-                <a16:creationId xmlns:a16="http://schemas.microsoft.com/office/drawing/2014/main" id="{39373A6F-2E1F-4613-8E1D-D68057D29F31}"/>
-              </a:ext>
-              <a:ext uri="{C183D7F6-B498-43B3-948B-1728B52AA6E4}">
-                <adec:decorative xmlns:adec="http://schemas.microsoft.com/office/drawing/2017/decorative" val="1"/>
-              </a:ext>
-            </a:extLst>
-          </p:cNvPr>
-          <p:cNvSpPr>
-            <a:spLocks noGrp="1" noRot="1" noChangeAspect="1" noMove="1" noResize="1" noEditPoints="1" noAdjustHandles="1" noChangeArrowheads="1" noChangeShapeType="1" noTextEdit="1"/>
-          </p:cNvSpPr>
-          <p:nvPr>
-            <p:extLst>
-              <p:ext uri="{386F3935-93C4-4BCD-93E2-E3B085C9AB24}">
-                <p16:designElem xmlns:p16="http://schemas.microsoft.com/office/powerpoint/2015/main" val="1"/>
-              </p:ext>
-            </p:extLst>
-          </p:nvPr>
-        </p:nvSpPr>
-        <p:spPr>
-          <a:xfrm>
-            <a:off x="442377" y="601200"/>
-            <a:ext cx="3707477" cy="5624979"/>
-          </a:xfrm>
-          <a:prstGeom prst="rect">
-            <a:avLst/>
-          </a:prstGeom>
-          <a:solidFill>
-            <a:srgbClr val="465359"/>
-          </a:solidFill>
-          <a:ln>
-            <a:noFill/>
-          </a:ln>
-          <a:effectLst/>
-        </p:spPr>
-        <p:style>
-          <a:lnRef idx="1">
-            <a:schemeClr val="accent1"/>
-          </a:lnRef>
-          <a:fillRef idx="3">
-            <a:schemeClr val="accent1"/>
-          </a:fillRef>
-          <a:effectRef idx="2">
-            <a:schemeClr val="accent1"/>
-          </a:effectRef>
-          <a:fontRef idx="minor">
-            <a:schemeClr val="lt1"/>
-          </a:fontRef>
-        </p:style>
-      </p:sp>
-      <p:sp>
-        <p:nvSpPr>
-          <p:cNvPr id="2" name="Title 1">
-            <a:extLst>
-              <a:ext uri="{FF2B5EF4-FFF2-40B4-BE49-F238E27FC236}">
-                <a16:creationId xmlns:a16="http://schemas.microsoft.com/office/drawing/2014/main" id="{B55F5714-2E8E-4ACD-A2CD-04641C08956A}"/>
+                <a16:creationId xmlns:a16="http://schemas.microsoft.com/office/drawing/2014/main" id="{01E64F2C-A246-49EF-B6C0-F492146EBD34}"/>
               </a:ext>
             </a:extLst>
           </p:cNvPr>
@@ -11698,123 +12191,65 @@
             <a:spLocks noGrp="1"/>
           </p:cNvSpPr>
           <p:nvPr>
-            <p:ph type="title"/>
-          </p:nvPr>
-        </p:nvSpPr>
-        <p:spPr>
-          <a:xfrm>
-            <a:off x="601255" y="702155"/>
-            <a:ext cx="3409783" cy="1300365"/>
+            <p:ph type="body" sz="half" idx="2"/>
+          </p:nvPr>
+        </p:nvSpPr>
+        <p:spPr>
+          <a:xfrm>
+            <a:off x="767857" y="3938337"/>
+            <a:ext cx="3031852" cy="1899708"/>
           </a:xfrm>
         </p:spPr>
         <p:txBody>
-          <a:bodyPr vert="horz" lIns="91440" tIns="45720" rIns="91440" bIns="45720" rtlCol="0" anchor="b">
-            <a:normAutofit/>
-          </a:bodyPr>
+          <a:bodyPr/>
           <a:lstStyle/>
           <a:p>
-            <a:pPr>
-              <a:spcBef>
-                <a:spcPct val="0"/>
-              </a:spcBef>
-            </a:pPr>
-            <a:r>
-              <a:rPr lang="en-US" sz="2800" dirty="0">
-                <a:solidFill>
-                  <a:srgbClr val="FFFFFF"/>
-                </a:solidFill>
-              </a:rPr>
-              <a:t>Dashboard </a:t>
+            <a:r>
+              <a:rPr lang="en-US" dirty="0" err="1"/>
+              <a:t>Trong</a:t>
+            </a:r>
+            <a:r>
+              <a:rPr lang="en-US" dirty="0"/>
+              <a:t>-Quyen Nguyen</a:t>
             </a:r>
           </a:p>
         </p:txBody>
       </p:sp>
-      <p:sp>
-        <p:nvSpPr>
-          <p:cNvPr id="3" name="Text Placeholder 2">
+      <p:pic>
+        <p:nvPicPr>
+          <p:cNvPr id="5" name="Content Placeholder 4">
             <a:extLst>
               <a:ext uri="{FF2B5EF4-FFF2-40B4-BE49-F238E27FC236}">
-                <a16:creationId xmlns:a16="http://schemas.microsoft.com/office/drawing/2014/main" id="{69967516-9E99-4B4D-AD6B-5B2B788CBAC4}"/>
-              </a:ext>
-            </a:extLst>
-          </p:cNvPr>
-          <p:cNvSpPr>
-            <a:spLocks noGrp="1"/>
-          </p:cNvSpPr>
-          <p:nvPr>
-            <p:ph type="body" idx="1"/>
-          </p:nvPr>
-        </p:nvSpPr>
-        <p:spPr>
-          <a:xfrm>
-            <a:off x="601255" y="2177142"/>
-            <a:ext cx="3409782" cy="3823607"/>
-          </a:xfrm>
-        </p:spPr>
-        <p:txBody>
-          <a:bodyPr vert="horz" lIns="91440" tIns="45720" rIns="91440" bIns="45720" rtlCol="0" anchor="ctr">
-            <a:normAutofit/>
-          </a:bodyPr>
-          <a:lstStyle/>
-          <a:p>
-            <a:pPr>
-              <a:spcBef>
-                <a:spcPct val="20000"/>
-              </a:spcBef>
-              <a:spcAft>
-                <a:spcPts val="600"/>
-              </a:spcAft>
-              <a:buSzPct val="92000"/>
-              <a:buFont typeface="Wingdings 2" panose="05020102010507070707" pitchFamily="18" charset="2"/>
-              <a:buChar char=""/>
-            </a:pPr>
-            <a:r>
-              <a:rPr lang="en-US" dirty="0">
-                <a:solidFill>
-                  <a:srgbClr val="FFFFFF"/>
-                </a:solidFill>
-              </a:rPr>
-              <a:t>Data Cleanup –Phase1 </a:t>
-            </a:r>
-          </a:p>
-        </p:txBody>
-      </p:sp>
-      <p:pic>
-        <p:nvPicPr>
-          <p:cNvPr id="6" name="Picture 5" descr="Graphical user interface, text, application&#10;&#10;Description automatically generated">
-            <a:extLst>
-              <a:ext uri="{FF2B5EF4-FFF2-40B4-BE49-F238E27FC236}">
-                <a16:creationId xmlns:a16="http://schemas.microsoft.com/office/drawing/2014/main" id="{A0F8300A-45BB-4226-BD1D-9F03FDB3A419}"/>
+                <a16:creationId xmlns:a16="http://schemas.microsoft.com/office/drawing/2014/main" id="{A9506F07-5A11-43A9-89B1-862588DCF85E}"/>
               </a:ext>
             </a:extLst>
           </p:cNvPr>
           <p:cNvPicPr>
-            <a:picLocks noChangeAspect="1"/>
+            <a:picLocks noGrp="1" noChangeAspect="1"/>
           </p:cNvPicPr>
-          <p:nvPr/>
+          <p:nvPr>
+            <p:ph idx="1"/>
+          </p:nvPr>
         </p:nvPicPr>
         <p:blipFill>
-          <a:blip r:embed="rId2"/>
+          <a:blip r:embed="rId3"/>
           <a:stretch>
             <a:fillRect/>
           </a:stretch>
         </p:blipFill>
         <p:spPr>
           <a:xfrm>
-            <a:off x="10324643" y="4892841"/>
-            <a:ext cx="1420824" cy="1511515"/>
-          </a:xfrm>
-          <a:prstGeom prst="rect">
-            <a:avLst/>
-          </a:prstGeom>
+            <a:off x="4901562" y="877945"/>
+            <a:ext cx="6834717" cy="3969261"/>
+          </a:xfrm>
         </p:spPr>
       </p:pic>
       <p:sp>
         <p:nvSpPr>
-          <p:cNvPr id="24" name="TextBox 23">
+          <p:cNvPr id="8" name="TextBox 7">
             <a:extLst>
               <a:ext uri="{FF2B5EF4-FFF2-40B4-BE49-F238E27FC236}">
-                <a16:creationId xmlns:a16="http://schemas.microsoft.com/office/drawing/2014/main" id="{977AB8AF-0F8F-45F6-97CB-D90CEFE359E8}"/>
+                <a16:creationId xmlns:a16="http://schemas.microsoft.com/office/drawing/2014/main" id="{39178767-D2B3-4E7B-B376-C5073869E04A}"/>
               </a:ext>
             </a:extLst>
           </p:cNvPr>
@@ -11823,8 +12258,8 @@
         </p:nvSpPr>
         <p:spPr>
           <a:xfrm>
-            <a:off x="4475748" y="2698902"/>
-            <a:ext cx="6096000" cy="369332"/>
+            <a:off x="5490004" y="5095782"/>
+            <a:ext cx="5804578" cy="1015663"/>
           </a:xfrm>
           <a:prstGeom prst="rect">
             <a:avLst/>
@@ -11832,42 +12267,117 @@
           <a:noFill/>
         </p:spPr>
         <p:txBody>
-          <a:bodyPr wrap="square">
+          <a:bodyPr wrap="square" rtlCol="0">
             <a:spAutoFit/>
           </a:bodyPr>
           <a:lstStyle/>
           <a:p>
             <a:r>
-              <a:rPr lang="en-US" dirty="0">
-                <a:solidFill>
-                  <a:srgbClr val="FF0000"/>
-                </a:solidFill>
+              <a:rPr lang="en-US" sz="2000" dirty="0"/>
+              <a:t>So, what is the role of </a:t>
+            </a:r>
+            <a:r>
+              <a:rPr lang="en-US" sz="2000" dirty="0">
                 <a:highlight>
                   <a:srgbClr val="FFFF00"/>
                 </a:highlight>
               </a:rPr>
-              <a:t>Michael</a:t>
-            </a:r>
+              <a:t>“List Price”? </a:t>
+            </a:r>
+          </a:p>
+          <a:p>
+            <a:endParaRPr lang="en-US" sz="2000" dirty="0"/>
+          </a:p>
+          <a:p>
+            <a:r>
+              <a:rPr lang="en-US" sz="2000" dirty="0"/>
+              <a:t>* Quantity vs Quality</a:t>
+            </a:r>
+          </a:p>
+        </p:txBody>
+      </p:sp>
+      <p:sp>
+        <p:nvSpPr>
+          <p:cNvPr id="13" name="Google Shape;158;p17">
+            <a:extLst>
+              <a:ext uri="{FF2B5EF4-FFF2-40B4-BE49-F238E27FC236}">
+                <a16:creationId xmlns:a16="http://schemas.microsoft.com/office/drawing/2014/main" id="{C890F023-4730-4578-8274-194F7753D11D}"/>
+              </a:ext>
+            </a:extLst>
+          </p:cNvPr>
+          <p:cNvSpPr txBox="1">
+            <a:spLocks noGrp="1"/>
+          </p:cNvSpPr>
+          <p:nvPr>
+            <p:ph type="title"/>
+          </p:nvPr>
+        </p:nvSpPr>
+        <p:spPr>
+          <a:xfrm>
+            <a:off x="768350" y="933450"/>
+            <a:ext cx="3032125" cy="1722438"/>
+          </a:xfrm>
+          <a:prstGeom prst="rect">
+            <a:avLst/>
+          </a:prstGeom>
+        </p:spPr>
+        <p:txBody>
+          <a:bodyPr spcFirstLastPara="1" vert="horz" lIns="91440" tIns="45720" rIns="91440" bIns="45720" rtlCol="0" anchor="ctr" anchorCtr="0">
+            <a:normAutofit/>
+          </a:bodyPr>
+          <a:lstStyle/>
+          <a:p>
+            <a:pPr algn="ctr">
+              <a:spcBef>
+                <a:spcPct val="0"/>
+              </a:spcBef>
+            </a:pPr>
             <a:r>
               <a:rPr lang="en-US" dirty="0">
-                <a:highlight>
-                  <a:srgbClr val="FFFF00"/>
-                </a:highlight>
+                <a:sym typeface="Lato"/>
               </a:rPr>
-              <a:t>  to add key point to describe the Process </a:t>
-            </a:r>
+              <a:t>* Connection</a:t>
+            </a:r>
+            <a:br>
+              <a:rPr lang="en-US" dirty="0">
+                <a:sym typeface="Lato"/>
+              </a:rPr>
+            </a:br>
+            <a:r>
+              <a:rPr lang="en-US" dirty="0">
+                <a:sym typeface="Lato"/>
+              </a:rPr>
+              <a:t>* Regression</a:t>
+            </a:r>
+            <a:br>
+              <a:rPr lang="en-US" dirty="0">
+                <a:sym typeface="Lato"/>
+              </a:rPr>
+            </a:br>
+            <a:r>
+              <a:rPr lang="en-US" dirty="0">
+                <a:sym typeface="Lato"/>
+              </a:rPr>
+              <a:t>* Neural Network</a:t>
+            </a:r>
+            <a:endParaRPr lang="en-US" dirty="0">
+              <a:solidFill>
+                <a:srgbClr val="FFFFFF"/>
+              </a:solidFill>
+              <a:sym typeface="Lato"/>
+            </a:endParaRPr>
           </a:p>
         </p:txBody>
       </p:sp>
     </p:spTree>
     <p:extLst>
       <p:ext uri="{BB962C8B-B14F-4D97-AF65-F5344CB8AC3E}">
-        <p14:creationId xmlns:p14="http://schemas.microsoft.com/office/powerpoint/2010/main" val="169108408"/>
+        <p14:creationId xmlns:p14="http://schemas.microsoft.com/office/powerpoint/2010/main" val="923086965"/>
       </p:ext>
     </p:extLst>
   </p:cSld>
   <p:clrMapOvr>
-    <a:overrideClrMapping bg1="dk1" tx1="lt1" bg2="dk2" tx2="lt2" accent1="accent1" accent2="accent2" accent3="accent3" accent4="accent4" accent5="accent5" accent6="accent6" hlink="hlink" folHlink="folHlink"/>
+    <a:masterClrMapping/>
   </p:clrMapOvr>
 </p:sld>
 </file>
@@ -12437,15 +12947,6 @@
 </file>
 
 <file path=customXml/item1.xml><?xml version="1.0" encoding="utf-8"?>
-<p:properties xmlns:p="http://schemas.microsoft.com/office/2006/metadata/properties" xmlns:xsi="http://www.w3.org/2001/XMLSchema-instance" xmlns:pc="http://schemas.microsoft.com/office/infopath/2007/PartnerControls">
-  <documentManagement>
-    <Status xmlns="71af3243-3dd4-4a8d-8c0d-dd76da1f02a5">Not started</Status>
-    <MediaServiceKeyPoints xmlns="71af3243-3dd4-4a8d-8c0d-dd76da1f02a5" xsi:nil="true"/>
-  </documentManagement>
-</p:properties>
-</file>
-
-<file path=customXml/item2.xml><?xml version="1.0" encoding="utf-8"?>
 <ct:contentTypeSchema xmlns:ct="http://schemas.microsoft.com/office/2006/metadata/contentType" xmlns:ma="http://schemas.microsoft.com/office/2006/metadata/properties/metaAttributes" ct:_="" ma:_="" ma:contentTypeName="Document" ma:contentTypeID="0x01010079F111ED35F8CC479449609E8A0923A6" ma:contentTypeVersion="12" ma:contentTypeDescription="Create a new document." ma:contentTypeScope="" ma:versionID="a410dd7f93c95333ffa1b60ed6adedd1">
   <xsd:schema xmlns:xsd="http://www.w3.org/2001/XMLSchema" xmlns:xs="http://www.w3.org/2001/XMLSchema" xmlns:p="http://schemas.microsoft.com/office/2006/metadata/properties" xmlns:ns2="71af3243-3dd4-4a8d-8c0d-dd76da1f02a5" xmlns:ns3="16c05727-aa75-4e4a-9b5f-8a80a1165891" targetNamespace="http://schemas.microsoft.com/office/2006/metadata/properties" ma:root="true" ma:fieldsID="a936d9baba76aa3866493feff160faab" ns2:_="" ns3:_="">
     <xsd:import namespace="71af3243-3dd4-4a8d-8c0d-dd76da1f02a5"/>
@@ -12666,6 +13167,15 @@
 </ct:contentTypeSchema>
 </file>
 
+<file path=customXml/item2.xml><?xml version="1.0" encoding="utf-8"?>
+<p:properties xmlns:p="http://schemas.microsoft.com/office/2006/metadata/properties" xmlns:xsi="http://www.w3.org/2001/XMLSchema-instance" xmlns:pc="http://schemas.microsoft.com/office/infopath/2007/PartnerControls">
+  <documentManagement>
+    <Status xmlns="71af3243-3dd4-4a8d-8c0d-dd76da1f02a5">Not started</Status>
+    <MediaServiceKeyPoints xmlns="71af3243-3dd4-4a8d-8c0d-dd76da1f02a5" xsi:nil="true"/>
+  </documentManagement>
+</p:properties>
+</file>
+
 <file path=customXml/item3.xml><?xml version="1.0" encoding="utf-8"?>
 <?mso-contentType ?>
 <FormTemplates xmlns="http://schemas.microsoft.com/sharepoint/v3/contenttype/forms">
@@ -12676,16 +13186,6 @@
 </file>
 
 <file path=customXml/itemProps1.xml><?xml version="1.0" encoding="utf-8"?>
-<ds:datastoreItem xmlns:ds="http://schemas.openxmlformats.org/officeDocument/2006/customXml" ds:itemID="{8D289AE2-D2AE-49D1-AFAC-3A79F6794255}">
-  <ds:schemaRefs>
-    <ds:schemaRef ds:uri="http://schemas.microsoft.com/office/2006/metadata/properties"/>
-    <ds:schemaRef ds:uri="http://schemas.microsoft.com/office/infopath/2007/PartnerControls"/>
-    <ds:schemaRef ds:uri="71af3243-3dd4-4a8d-8c0d-dd76da1f02a5"/>
-  </ds:schemaRefs>
-</ds:datastoreItem>
-</file>
-
-<file path=customXml/itemProps2.xml><?xml version="1.0" encoding="utf-8"?>
 <ds:datastoreItem xmlns:ds="http://schemas.openxmlformats.org/officeDocument/2006/customXml" ds:itemID="{41E7CA09-9778-4414-AE97-8064B12DA30E}">
   <ds:schemaRefs>
     <ds:schemaRef ds:uri="http://schemas.microsoft.com/office/2006/metadata/contentType"/>
@@ -12704,6 +13204,16 @@
 </ds:datastoreItem>
 </file>
 
+<file path=customXml/itemProps2.xml><?xml version="1.0" encoding="utf-8"?>
+<ds:datastoreItem xmlns:ds="http://schemas.openxmlformats.org/officeDocument/2006/customXml" ds:itemID="{8D289AE2-D2AE-49D1-AFAC-3A79F6794255}">
+  <ds:schemaRefs>
+    <ds:schemaRef ds:uri="http://schemas.microsoft.com/office/2006/metadata/properties"/>
+    <ds:schemaRef ds:uri="http://schemas.microsoft.com/office/infopath/2007/PartnerControls"/>
+    <ds:schemaRef ds:uri="71af3243-3dd4-4a8d-8c0d-dd76da1f02a5"/>
+  </ds:schemaRefs>
+</ds:datastoreItem>
+</file>
+
 <file path=customXml/itemProps3.xml><?xml version="1.0" encoding="utf-8"?>
 <ds:datastoreItem xmlns:ds="http://schemas.openxmlformats.org/officeDocument/2006/customXml" ds:itemID="{927BD4C1-B6B1-4715-ABF9-E660A51A4EA0}">
   <ds:schemaRefs>

--- a/Final_Project/CA Housing Prices Analysis.pptx
+++ b/Final_Project/CA Housing Prices Analysis.pptx
@@ -10,17 +10,17 @@
   <p:sldIdLst>
     <p:sldId id="259" r:id="rId5"/>
     <p:sldId id="260" r:id="rId6"/>
-    <p:sldId id="261" r:id="rId7"/>
-    <p:sldId id="262" r:id="rId8"/>
-    <p:sldId id="268" r:id="rId9"/>
-    <p:sldId id="276" r:id="rId10"/>
-    <p:sldId id="277" r:id="rId11"/>
-    <p:sldId id="278" r:id="rId12"/>
-    <p:sldId id="270" r:id="rId13"/>
-    <p:sldId id="267" r:id="rId14"/>
-    <p:sldId id="264" r:id="rId15"/>
-    <p:sldId id="263" r:id="rId16"/>
-    <p:sldId id="273" r:id="rId17"/>
+    <p:sldId id="268" r:id="rId7"/>
+    <p:sldId id="276" r:id="rId8"/>
+    <p:sldId id="277" r:id="rId9"/>
+    <p:sldId id="278" r:id="rId10"/>
+    <p:sldId id="270" r:id="rId11"/>
+    <p:sldId id="267" r:id="rId12"/>
+    <p:sldId id="264" r:id="rId13"/>
+    <p:sldId id="263" r:id="rId14"/>
+    <p:sldId id="273" r:id="rId15"/>
+    <p:sldId id="261" r:id="rId16"/>
+    <p:sldId id="262" r:id="rId17"/>
     <p:sldId id="265" r:id="rId18"/>
     <p:sldId id="271" r:id="rId19"/>
     <p:sldId id="272" r:id="rId20"/>
@@ -135,13 +135,393 @@
 <file path=ppt/revisionInfo.xml><?xml version="1.0" encoding="utf-8"?>
 <p1510:revInfo xmlns:a="http://schemas.openxmlformats.org/drawingml/2006/main" xmlns:r="http://schemas.openxmlformats.org/officeDocument/2006/relationships" xmlns:p1510="http://schemas.microsoft.com/office/powerpoint/2015/10/main">
   <p1510:revLst>
-    <p1510:client id="{3609CF1C-7F59-43CD-9E2F-3C5D15BF5220}" v="6" dt="2021-08-08T21:25:56.426"/>
+    <p1510:client id="{F255ABD9-DD32-49C2-95D1-D3F9DBAF0468}" v="1" dt="2021-08-16T07:04:11.095"/>
   </p1510:revLst>
 </p1510:revInfo>
 </file>
 
 <file path=ppt/changesInfos/changesInfo1.xml><?xml version="1.0" encoding="utf-8"?>
 <pc:chgInfo xmlns:a="http://schemas.openxmlformats.org/drawingml/2006/main" xmlns:r="http://schemas.openxmlformats.org/officeDocument/2006/relationships" xmlns:ac="http://schemas.microsoft.com/office/drawing/2013/main/command" xmlns:pc="http://schemas.microsoft.com/office/powerpoint/2013/main/command">
+  <pc:docChgLst>
+    <pc:chgData name="mikez zaatri" userId="dc7c058cd1c617f1" providerId="LiveId" clId="{FDA6E28C-406E-41EE-A1DD-C474C9987713}"/>
+    <pc:docChg chg="undo custSel addSld modSld">
+      <pc:chgData name="mikez zaatri" userId="dc7c058cd1c617f1" providerId="LiveId" clId="{FDA6E28C-406E-41EE-A1DD-C474C9987713}" dt="2021-08-07T13:40:14.128" v="134" actId="14100"/>
+      <pc:docMkLst>
+        <pc:docMk/>
+      </pc:docMkLst>
+      <pc:sldChg chg="addSp delSp modSp mod">
+        <pc:chgData name="mikez zaatri" userId="dc7c058cd1c617f1" providerId="LiveId" clId="{FDA6E28C-406E-41EE-A1DD-C474C9987713}" dt="2021-08-07T13:35:28.994" v="81" actId="20577"/>
+        <pc:sldMkLst>
+          <pc:docMk/>
+          <pc:sldMk cId="922754118" sldId="265"/>
+        </pc:sldMkLst>
+        <pc:spChg chg="add del mod">
+          <ac:chgData name="mikez zaatri" userId="dc7c058cd1c617f1" providerId="LiveId" clId="{FDA6E28C-406E-41EE-A1DD-C474C9987713}" dt="2021-08-07T13:34:45.838" v="8" actId="478"/>
+          <ac:spMkLst>
+            <pc:docMk/>
+            <pc:sldMk cId="922754118" sldId="265"/>
+            <ac:spMk id="3" creationId="{9B9D776D-4660-4635-A72D-050A7A2907AB}"/>
+          </ac:spMkLst>
+        </pc:spChg>
+        <pc:spChg chg="mod">
+          <ac:chgData name="mikez zaatri" userId="dc7c058cd1c617f1" providerId="LiveId" clId="{FDA6E28C-406E-41EE-A1DD-C474C9987713}" dt="2021-08-07T13:35:28.994" v="81" actId="20577"/>
+          <ac:spMkLst>
+            <pc:docMk/>
+            <pc:sldMk cId="922754118" sldId="265"/>
+            <ac:spMk id="158" creationId="{00000000-0000-0000-0000-000000000000}"/>
+          </ac:spMkLst>
+        </pc:spChg>
+        <pc:spChg chg="del">
+          <ac:chgData name="mikez zaatri" userId="dc7c058cd1c617f1" providerId="LiveId" clId="{FDA6E28C-406E-41EE-A1DD-C474C9987713}" dt="2021-08-07T13:34:31.601" v="0" actId="478"/>
+          <ac:spMkLst>
+            <pc:docMk/>
+            <pc:sldMk cId="922754118" sldId="265"/>
+            <ac:spMk id="159" creationId="{00000000-0000-0000-0000-000000000000}"/>
+          </ac:spMkLst>
+        </pc:spChg>
+        <pc:picChg chg="add mod">
+          <ac:chgData name="mikez zaatri" userId="dc7c058cd1c617f1" providerId="LiveId" clId="{FDA6E28C-406E-41EE-A1DD-C474C9987713}" dt="2021-08-07T13:34:50.903" v="9" actId="1076"/>
+          <ac:picMkLst>
+            <pc:docMk/>
+            <pc:sldMk cId="922754118" sldId="265"/>
+            <ac:picMk id="5" creationId="{A927BE9B-8008-4904-97B8-4BEBB47CDA94}"/>
+          </ac:picMkLst>
+        </pc:picChg>
+      </pc:sldChg>
+      <pc:sldChg chg="addSp delSp modSp add mod setBg addAnim delAnim setClrOvrMap">
+        <pc:chgData name="mikez zaatri" userId="dc7c058cd1c617f1" providerId="LiveId" clId="{FDA6E28C-406E-41EE-A1DD-C474C9987713}" dt="2021-08-07T13:40:14.128" v="134" actId="14100"/>
+        <pc:sldMkLst>
+          <pc:docMk/>
+          <pc:sldMk cId="3828626221" sldId="268"/>
+        </pc:sldMkLst>
+        <pc:spChg chg="add del">
+          <ac:chgData name="mikez zaatri" userId="dc7c058cd1c617f1" providerId="LiveId" clId="{FDA6E28C-406E-41EE-A1DD-C474C9987713}" dt="2021-08-07T13:39:01.654" v="113" actId="26606"/>
+          <ac:spMkLst>
+            <pc:docMk/>
+            <pc:sldMk cId="3828626221" sldId="268"/>
+            <ac:spMk id="99" creationId="{DD651B61-325E-4E73-8445-38B0DE8AAAB6}"/>
+          </ac:spMkLst>
+        </pc:spChg>
+        <pc:spChg chg="add del">
+          <ac:chgData name="mikez zaatri" userId="dc7c058cd1c617f1" providerId="LiveId" clId="{FDA6E28C-406E-41EE-A1DD-C474C9987713}" dt="2021-08-07T13:39:01.654" v="113" actId="26606"/>
+          <ac:spMkLst>
+            <pc:docMk/>
+            <pc:sldMk cId="3828626221" sldId="268"/>
+            <ac:spMk id="101" creationId="{B42E5253-D3AC-4AC2-B766-8B34F13C2F5E}"/>
+          </ac:spMkLst>
+        </pc:spChg>
+        <pc:spChg chg="add del">
+          <ac:chgData name="mikez zaatri" userId="dc7c058cd1c617f1" providerId="LiveId" clId="{FDA6E28C-406E-41EE-A1DD-C474C9987713}" dt="2021-08-07T13:39:01.654" v="113" actId="26606"/>
+          <ac:spMkLst>
+            <pc:docMk/>
+            <pc:sldMk cId="3828626221" sldId="268"/>
+            <ac:spMk id="103" creationId="{10AE8D57-436A-4073-9A75-15BB5949F8B4}"/>
+          </ac:spMkLst>
+        </pc:spChg>
+        <pc:spChg chg="add del">
+          <ac:chgData name="mikez zaatri" userId="dc7c058cd1c617f1" providerId="LiveId" clId="{FDA6E28C-406E-41EE-A1DD-C474C9987713}" dt="2021-08-07T13:39:01.654" v="113" actId="26606"/>
+          <ac:spMkLst>
+            <pc:docMk/>
+            <pc:sldMk cId="3828626221" sldId="268"/>
+            <ac:spMk id="105" creationId="{E2852671-8EB6-4EAF-8AF8-65CF3FD66456}"/>
+          </ac:spMkLst>
+        </pc:spChg>
+        <pc:spChg chg="add del">
+          <ac:chgData name="mikez zaatri" userId="dc7c058cd1c617f1" providerId="LiveId" clId="{FDA6E28C-406E-41EE-A1DD-C474C9987713}" dt="2021-08-07T13:39:01.654" v="113" actId="26606"/>
+          <ac:spMkLst>
+            <pc:docMk/>
+            <pc:sldMk cId="3828626221" sldId="268"/>
+            <ac:spMk id="107" creationId="{26B4480E-B7FF-4481-890E-043A69AE6FE2}"/>
+          </ac:spMkLst>
+        </pc:spChg>
+        <pc:spChg chg="add del">
+          <ac:chgData name="mikez zaatri" userId="dc7c058cd1c617f1" providerId="LiveId" clId="{FDA6E28C-406E-41EE-A1DD-C474C9987713}" dt="2021-08-07T13:39:02.410" v="115" actId="26606"/>
+          <ac:spMkLst>
+            <pc:docMk/>
+            <pc:sldMk cId="3828626221" sldId="268"/>
+            <ac:spMk id="111" creationId="{8CF5084D-B617-4011-8406-A93B64723187}"/>
+          </ac:spMkLst>
+        </pc:spChg>
+        <pc:spChg chg="mod">
+          <ac:chgData name="mikez zaatri" userId="dc7c058cd1c617f1" providerId="LiveId" clId="{FDA6E28C-406E-41EE-A1DD-C474C9987713}" dt="2021-08-07T13:40:09.751" v="133"/>
+          <ac:spMkLst>
+            <pc:docMk/>
+            <pc:sldMk cId="3828626221" sldId="268"/>
+            <ac:spMk id="158" creationId="{00000000-0000-0000-0000-000000000000}"/>
+          </ac:spMkLst>
+        </pc:spChg>
+        <pc:spChg chg="add del">
+          <ac:chgData name="mikez zaatri" userId="dc7c058cd1c617f1" providerId="LiveId" clId="{FDA6E28C-406E-41EE-A1DD-C474C9987713}" dt="2021-08-07T13:39:02.410" v="115" actId="26606"/>
+          <ac:spMkLst>
+            <pc:docMk/>
+            <pc:sldMk cId="3828626221" sldId="268"/>
+            <ac:spMk id="160" creationId="{DD651B61-325E-4E73-8445-38B0DE8AAAB6}"/>
+          </ac:spMkLst>
+        </pc:spChg>
+        <pc:spChg chg="add del">
+          <ac:chgData name="mikez zaatri" userId="dc7c058cd1c617f1" providerId="LiveId" clId="{FDA6E28C-406E-41EE-A1DD-C474C9987713}" dt="2021-08-07T13:39:02.410" v="115" actId="26606"/>
+          <ac:spMkLst>
+            <pc:docMk/>
+            <pc:sldMk cId="3828626221" sldId="268"/>
+            <ac:spMk id="161" creationId="{B42E5253-D3AC-4AC2-B766-8B34F13C2F5E}"/>
+          </ac:spMkLst>
+        </pc:spChg>
+        <pc:spChg chg="add del">
+          <ac:chgData name="mikez zaatri" userId="dc7c058cd1c617f1" providerId="LiveId" clId="{FDA6E28C-406E-41EE-A1DD-C474C9987713}" dt="2021-08-07T13:39:02.410" v="115" actId="26606"/>
+          <ac:spMkLst>
+            <pc:docMk/>
+            <pc:sldMk cId="3828626221" sldId="268"/>
+            <ac:spMk id="162" creationId="{10AE8D57-436A-4073-9A75-15BB5949F8B4}"/>
+          </ac:spMkLst>
+        </pc:spChg>
+        <pc:spChg chg="add del">
+          <ac:chgData name="mikez zaatri" userId="dc7c058cd1c617f1" providerId="LiveId" clId="{FDA6E28C-406E-41EE-A1DD-C474C9987713}" dt="2021-08-07T13:39:02.410" v="115" actId="26606"/>
+          <ac:spMkLst>
+            <pc:docMk/>
+            <pc:sldMk cId="3828626221" sldId="268"/>
+            <ac:spMk id="163" creationId="{E2852671-8EB6-4EAF-8AF8-65CF3FD66456}"/>
+          </ac:spMkLst>
+        </pc:spChg>
+        <pc:spChg chg="add del">
+          <ac:chgData name="mikez zaatri" userId="dc7c058cd1c617f1" providerId="LiveId" clId="{FDA6E28C-406E-41EE-A1DD-C474C9987713}" dt="2021-08-07T13:39:02.410" v="115" actId="26606"/>
+          <ac:spMkLst>
+            <pc:docMk/>
+            <pc:sldMk cId="3828626221" sldId="268"/>
+            <ac:spMk id="164" creationId="{26B4480E-B7FF-4481-890E-043A69AE6FE2}"/>
+          </ac:spMkLst>
+        </pc:spChg>
+        <pc:spChg chg="add del">
+          <ac:chgData name="mikez zaatri" userId="dc7c058cd1c617f1" providerId="LiveId" clId="{FDA6E28C-406E-41EE-A1DD-C474C9987713}" dt="2021-08-07T13:39:02.410" v="115" actId="26606"/>
+          <ac:spMkLst>
+            <pc:docMk/>
+            <pc:sldMk cId="3828626221" sldId="268"/>
+            <ac:spMk id="165" creationId="{8C2840C6-6494-4E12-A428-2012DA7DDF8A}"/>
+          </ac:spMkLst>
+        </pc:spChg>
+        <pc:spChg chg="add del">
+          <ac:chgData name="mikez zaatri" userId="dc7c058cd1c617f1" providerId="LiveId" clId="{FDA6E28C-406E-41EE-A1DD-C474C9987713}" dt="2021-08-07T13:39:04.424" v="117" actId="26606"/>
+          <ac:spMkLst>
+            <pc:docMk/>
+            <pc:sldMk cId="3828626221" sldId="268"/>
+            <ac:spMk id="167" creationId="{DD651B61-325E-4E73-8445-38B0DE8AAAB6}"/>
+          </ac:spMkLst>
+        </pc:spChg>
+        <pc:spChg chg="add del">
+          <ac:chgData name="mikez zaatri" userId="dc7c058cd1c617f1" providerId="LiveId" clId="{FDA6E28C-406E-41EE-A1DD-C474C9987713}" dt="2021-08-07T13:39:04.424" v="117" actId="26606"/>
+          <ac:spMkLst>
+            <pc:docMk/>
+            <pc:sldMk cId="3828626221" sldId="268"/>
+            <ac:spMk id="168" creationId="{B42E5253-D3AC-4AC2-B766-8B34F13C2F5E}"/>
+          </ac:spMkLst>
+        </pc:spChg>
+        <pc:spChg chg="add del">
+          <ac:chgData name="mikez zaatri" userId="dc7c058cd1c617f1" providerId="LiveId" clId="{FDA6E28C-406E-41EE-A1DD-C474C9987713}" dt="2021-08-07T13:39:04.424" v="117" actId="26606"/>
+          <ac:spMkLst>
+            <pc:docMk/>
+            <pc:sldMk cId="3828626221" sldId="268"/>
+            <ac:spMk id="169" creationId="{10AE8D57-436A-4073-9A75-15BB5949F8B4}"/>
+          </ac:spMkLst>
+        </pc:spChg>
+        <pc:spChg chg="add del">
+          <ac:chgData name="mikez zaatri" userId="dc7c058cd1c617f1" providerId="LiveId" clId="{FDA6E28C-406E-41EE-A1DD-C474C9987713}" dt="2021-08-07T13:39:04.424" v="117" actId="26606"/>
+          <ac:spMkLst>
+            <pc:docMk/>
+            <pc:sldMk cId="3828626221" sldId="268"/>
+            <ac:spMk id="170" creationId="{E2852671-8EB6-4EAF-8AF8-65CF3FD66456}"/>
+          </ac:spMkLst>
+        </pc:spChg>
+        <pc:spChg chg="add del">
+          <ac:chgData name="mikez zaatri" userId="dc7c058cd1c617f1" providerId="LiveId" clId="{FDA6E28C-406E-41EE-A1DD-C474C9987713}" dt="2021-08-07T13:39:04.424" v="117" actId="26606"/>
+          <ac:spMkLst>
+            <pc:docMk/>
+            <pc:sldMk cId="3828626221" sldId="268"/>
+            <ac:spMk id="171" creationId="{F7207B7B-5C57-458C-BE38-95D2CD7655BB}"/>
+          </ac:spMkLst>
+        </pc:spChg>
+        <pc:spChg chg="add del">
+          <ac:chgData name="mikez zaatri" userId="dc7c058cd1c617f1" providerId="LiveId" clId="{FDA6E28C-406E-41EE-A1DD-C474C9987713}" dt="2021-08-07T13:39:04.424" v="117" actId="26606"/>
+          <ac:spMkLst>
+            <pc:docMk/>
+            <pc:sldMk cId="3828626221" sldId="268"/>
+            <ac:spMk id="172" creationId="{9822E561-F97C-4CBB-A9A6-A6BF6317BC84}"/>
+          </ac:spMkLst>
+        </pc:spChg>
+        <pc:spChg chg="add del">
+          <ac:chgData name="mikez zaatri" userId="dc7c058cd1c617f1" providerId="LiveId" clId="{FDA6E28C-406E-41EE-A1DD-C474C9987713}" dt="2021-08-07T13:39:04.424" v="117" actId="26606"/>
+          <ac:spMkLst>
+            <pc:docMk/>
+            <pc:sldMk cId="3828626221" sldId="268"/>
+            <ac:spMk id="173" creationId="{B01B0E58-A5C8-4CDA-A2E0-35DF94E59857}"/>
+          </ac:spMkLst>
+        </pc:spChg>
+        <pc:spChg chg="add del">
+          <ac:chgData name="mikez zaatri" userId="dc7c058cd1c617f1" providerId="LiveId" clId="{FDA6E28C-406E-41EE-A1DD-C474C9987713}" dt="2021-08-07T13:39:08.168" v="120" actId="26606"/>
+          <ac:spMkLst>
+            <pc:docMk/>
+            <pc:sldMk cId="3828626221" sldId="268"/>
+            <ac:spMk id="175" creationId="{E6C8E6EB-4C59-429B-97E4-72A058CFC4FB}"/>
+          </ac:spMkLst>
+        </pc:spChg>
+        <pc:spChg chg="add del">
+          <ac:chgData name="mikez zaatri" userId="dc7c058cd1c617f1" providerId="LiveId" clId="{FDA6E28C-406E-41EE-A1DD-C474C9987713}" dt="2021-08-07T13:39:08.168" v="120" actId="26606"/>
+          <ac:spMkLst>
+            <pc:docMk/>
+            <pc:sldMk cId="3828626221" sldId="268"/>
+            <ac:spMk id="176" creationId="{B5B90362-AFCC-46A9-B41C-A257A8C5B314}"/>
+          </ac:spMkLst>
+        </pc:spChg>
+        <pc:spChg chg="add del">
+          <ac:chgData name="mikez zaatri" userId="dc7c058cd1c617f1" providerId="LiveId" clId="{FDA6E28C-406E-41EE-A1DD-C474C9987713}" dt="2021-08-07T13:39:08.168" v="120" actId="26606"/>
+          <ac:spMkLst>
+            <pc:docMk/>
+            <pc:sldMk cId="3828626221" sldId="268"/>
+            <ac:spMk id="177" creationId="{F71EF7F1-38BA-471D-8CD4-2A9AE8E35527}"/>
+          </ac:spMkLst>
+        </pc:spChg>
+        <pc:spChg chg="add del">
+          <ac:chgData name="mikez zaatri" userId="dc7c058cd1c617f1" providerId="LiveId" clId="{FDA6E28C-406E-41EE-A1DD-C474C9987713}" dt="2021-08-07T13:39:08.168" v="120" actId="26606"/>
+          <ac:spMkLst>
+            <pc:docMk/>
+            <pc:sldMk cId="3828626221" sldId="268"/>
+            <ac:spMk id="178" creationId="{C0524398-BFB4-4C4A-8317-83B8729F9B26}"/>
+          </ac:spMkLst>
+        </pc:spChg>
+        <pc:spChg chg="add del">
+          <ac:chgData name="mikez zaatri" userId="dc7c058cd1c617f1" providerId="LiveId" clId="{FDA6E28C-406E-41EE-A1DD-C474C9987713}" dt="2021-08-07T13:39:08.168" v="120" actId="26606"/>
+          <ac:spMkLst>
+            <pc:docMk/>
+            <pc:sldMk cId="3828626221" sldId="268"/>
+            <ac:spMk id="179" creationId="{E08D4B6A-8113-4DFB-B82E-B60CAC8E0A50}"/>
+          </ac:spMkLst>
+        </pc:spChg>
+        <pc:spChg chg="add del">
+          <ac:chgData name="mikez zaatri" userId="dc7c058cd1c617f1" providerId="LiveId" clId="{FDA6E28C-406E-41EE-A1DD-C474C9987713}" dt="2021-08-07T13:39:08.168" v="120" actId="26606"/>
+          <ac:spMkLst>
+            <pc:docMk/>
+            <pc:sldMk cId="3828626221" sldId="268"/>
+            <ac:spMk id="180" creationId="{9822E561-F97C-4CBB-A9A6-A6BF6317BC84}"/>
+          </ac:spMkLst>
+        </pc:spChg>
+        <pc:spChg chg="add del">
+          <ac:chgData name="mikez zaatri" userId="dc7c058cd1c617f1" providerId="LiveId" clId="{FDA6E28C-406E-41EE-A1DD-C474C9987713}" dt="2021-08-07T13:39:08.168" v="120" actId="26606"/>
+          <ac:spMkLst>
+            <pc:docMk/>
+            <pc:sldMk cId="3828626221" sldId="268"/>
+            <ac:spMk id="181" creationId="{B01B0E58-A5C8-4CDA-A2E0-35DF94E59857}"/>
+          </ac:spMkLst>
+        </pc:spChg>
+        <pc:spChg chg="add">
+          <ac:chgData name="mikez zaatri" userId="dc7c058cd1c617f1" providerId="LiveId" clId="{FDA6E28C-406E-41EE-A1DD-C474C9987713}" dt="2021-08-07T13:39:08.180" v="121" actId="26606"/>
+          <ac:spMkLst>
+            <pc:docMk/>
+            <pc:sldMk cId="3828626221" sldId="268"/>
+            <ac:spMk id="183" creationId="{DD651B61-325E-4E73-8445-38B0DE8AAAB6}"/>
+          </ac:spMkLst>
+        </pc:spChg>
+        <pc:spChg chg="add">
+          <ac:chgData name="mikez zaatri" userId="dc7c058cd1c617f1" providerId="LiveId" clId="{FDA6E28C-406E-41EE-A1DD-C474C9987713}" dt="2021-08-07T13:39:08.180" v="121" actId="26606"/>
+          <ac:spMkLst>
+            <pc:docMk/>
+            <pc:sldMk cId="3828626221" sldId="268"/>
+            <ac:spMk id="184" creationId="{B42E5253-D3AC-4AC2-B766-8B34F13C2F5E}"/>
+          </ac:spMkLst>
+        </pc:spChg>
+        <pc:spChg chg="add">
+          <ac:chgData name="mikez zaatri" userId="dc7c058cd1c617f1" providerId="LiveId" clId="{FDA6E28C-406E-41EE-A1DD-C474C9987713}" dt="2021-08-07T13:39:08.180" v="121" actId="26606"/>
+          <ac:spMkLst>
+            <pc:docMk/>
+            <pc:sldMk cId="3828626221" sldId="268"/>
+            <ac:spMk id="185" creationId="{10AE8D57-436A-4073-9A75-15BB5949F8B4}"/>
+          </ac:spMkLst>
+        </pc:spChg>
+        <pc:spChg chg="add">
+          <ac:chgData name="mikez zaatri" userId="dc7c058cd1c617f1" providerId="LiveId" clId="{FDA6E28C-406E-41EE-A1DD-C474C9987713}" dt="2021-08-07T13:39:08.180" v="121" actId="26606"/>
+          <ac:spMkLst>
+            <pc:docMk/>
+            <pc:sldMk cId="3828626221" sldId="268"/>
+            <ac:spMk id="186" creationId="{E2852671-8EB6-4EAF-8AF8-65CF3FD66456}"/>
+          </ac:spMkLst>
+        </pc:spChg>
+        <pc:spChg chg="add">
+          <ac:chgData name="mikez zaatri" userId="dc7c058cd1c617f1" providerId="LiveId" clId="{FDA6E28C-406E-41EE-A1DD-C474C9987713}" dt="2021-08-07T13:39:08.180" v="121" actId="26606"/>
+          <ac:spMkLst>
+            <pc:docMk/>
+            <pc:sldMk cId="3828626221" sldId="268"/>
+            <ac:spMk id="187" creationId="{26B4480E-B7FF-4481-890E-043A69AE6FE2}"/>
+          </ac:spMkLst>
+        </pc:spChg>
+        <pc:grpChg chg="add del">
+          <ac:chgData name="mikez zaatri" userId="dc7c058cd1c617f1" providerId="LiveId" clId="{FDA6E28C-406E-41EE-A1DD-C474C9987713}" dt="2021-08-07T13:39:01.654" v="113" actId="26606"/>
+          <ac:grpSpMkLst>
+            <pc:docMk/>
+            <pc:sldMk cId="3828626221" sldId="268"/>
+            <ac:grpSpMk id="109" creationId="{79394E1F-0B5F-497D-B2A6-8383A2A54834}"/>
+          </ac:grpSpMkLst>
+        </pc:grpChg>
+        <pc:grpChg chg="add">
+          <ac:chgData name="mikez zaatri" userId="dc7c058cd1c617f1" providerId="LiveId" clId="{FDA6E28C-406E-41EE-A1DD-C474C9987713}" dt="2021-08-07T13:39:08.180" v="121" actId="26606"/>
+          <ac:grpSpMkLst>
+            <pc:docMk/>
+            <pc:sldMk cId="3828626221" sldId="268"/>
+            <ac:grpSpMk id="188" creationId="{79394E1F-0B5F-497D-B2A6-8383A2A54834}"/>
+          </ac:grpSpMkLst>
+        </pc:grpChg>
+        <pc:picChg chg="add mod">
+          <ac:chgData name="mikez zaatri" userId="dc7c058cd1c617f1" providerId="LiveId" clId="{FDA6E28C-406E-41EE-A1DD-C474C9987713}" dt="2021-08-07T13:40:14.128" v="134" actId="14100"/>
+          <ac:picMkLst>
+            <pc:docMk/>
+            <pc:sldMk cId="3828626221" sldId="268"/>
+            <ac:picMk id="3" creationId="{AD8AA16E-F466-497A-8EF3-A2A20A46F7E2}"/>
+          </ac:picMkLst>
+        </pc:picChg>
+        <pc:picChg chg="del">
+          <ac:chgData name="mikez zaatri" userId="dc7c058cd1c617f1" providerId="LiveId" clId="{FDA6E28C-406E-41EE-A1DD-C474C9987713}" dt="2021-08-07T13:35:54.705" v="107" actId="478"/>
+          <ac:picMkLst>
+            <pc:docMk/>
+            <pc:sldMk cId="3828626221" sldId="268"/>
+            <ac:picMk id="5" creationId="{A927BE9B-8008-4904-97B8-4BEBB47CDA94}"/>
+          </ac:picMkLst>
+        </pc:picChg>
+      </pc:sldChg>
+    </pc:docChg>
+  </pc:docChgLst>
+  <pc:docChgLst>
+    <pc:chgData name="mikez zaatri" userId="dc7c058cd1c617f1" providerId="LiveId" clId="{F255ABD9-DD32-49C2-95D1-D3F9DBAF0468}"/>
+    <pc:docChg chg="addSld delSld modSld">
+      <pc:chgData name="mikez zaatri" userId="dc7c058cd1c617f1" providerId="LiveId" clId="{F255ABD9-DD32-49C2-95D1-D3F9DBAF0468}" dt="2021-08-16T07:04:11.092" v="1"/>
+      <pc:docMkLst>
+        <pc:docMk/>
+      </pc:docMkLst>
+      <pc:sldChg chg="del">
+        <pc:chgData name="mikez zaatri" userId="dc7c058cd1c617f1" providerId="LiveId" clId="{F255ABD9-DD32-49C2-95D1-D3F9DBAF0468}" dt="2021-08-16T07:04:01.225" v="0" actId="2696"/>
+        <pc:sldMkLst>
+          <pc:docMk/>
+          <pc:sldMk cId="0" sldId="261"/>
+        </pc:sldMkLst>
+      </pc:sldChg>
+      <pc:sldChg chg="add">
+        <pc:chgData name="mikez zaatri" userId="dc7c058cd1c617f1" providerId="LiveId" clId="{F255ABD9-DD32-49C2-95D1-D3F9DBAF0468}" dt="2021-08-16T07:04:11.092" v="1"/>
+        <pc:sldMkLst>
+          <pc:docMk/>
+          <pc:sldMk cId="3923756508" sldId="261"/>
+        </pc:sldMkLst>
+      </pc:sldChg>
+      <pc:sldChg chg="del">
+        <pc:chgData name="mikez zaatri" userId="dc7c058cd1c617f1" providerId="LiveId" clId="{F255ABD9-DD32-49C2-95D1-D3F9DBAF0468}" dt="2021-08-16T07:04:01.225" v="0" actId="2696"/>
+        <pc:sldMkLst>
+          <pc:docMk/>
+          <pc:sldMk cId="0" sldId="262"/>
+        </pc:sldMkLst>
+      </pc:sldChg>
+      <pc:sldChg chg="add">
+        <pc:chgData name="mikez zaatri" userId="dc7c058cd1c617f1" providerId="LiveId" clId="{F255ABD9-DD32-49C2-95D1-D3F9DBAF0468}" dt="2021-08-16T07:04:11.092" v="1"/>
+        <pc:sldMkLst>
+          <pc:docMk/>
+          <pc:sldMk cId="1929161778" sldId="262"/>
+        </pc:sldMkLst>
+      </pc:sldChg>
+    </pc:docChg>
+  </pc:docChgLst>
   <pc:docChgLst>
     <pc:chgData name="mikez zaatri" userId="dc7c058cd1c617f1" providerId="LiveId" clId="{3609CF1C-7F59-43CD-9E2F-3C5D15BF5220}"/>
     <pc:docChg chg="undo custSel addSld modSld sldOrd">
@@ -1609,349 +1989,6 @@
             <pc:docMk/>
             <pc:sldMk cId="480309411" sldId="275"/>
             <ac:picMk id="29" creationId="{15F85C90-A1A2-4C76-BB0A-9470D9430338}"/>
-          </ac:picMkLst>
-        </pc:picChg>
-      </pc:sldChg>
-    </pc:docChg>
-  </pc:docChgLst>
-  <pc:docChgLst>
-    <pc:chgData name="mikez zaatri" userId="dc7c058cd1c617f1" providerId="LiveId" clId="{FDA6E28C-406E-41EE-A1DD-C474C9987713}"/>
-    <pc:docChg chg="undo custSel addSld modSld">
-      <pc:chgData name="mikez zaatri" userId="dc7c058cd1c617f1" providerId="LiveId" clId="{FDA6E28C-406E-41EE-A1DD-C474C9987713}" dt="2021-08-07T13:40:14.128" v="134" actId="14100"/>
-      <pc:docMkLst>
-        <pc:docMk/>
-      </pc:docMkLst>
-      <pc:sldChg chg="addSp delSp modSp mod">
-        <pc:chgData name="mikez zaatri" userId="dc7c058cd1c617f1" providerId="LiveId" clId="{FDA6E28C-406E-41EE-A1DD-C474C9987713}" dt="2021-08-07T13:35:28.994" v="81" actId="20577"/>
-        <pc:sldMkLst>
-          <pc:docMk/>
-          <pc:sldMk cId="922754118" sldId="265"/>
-        </pc:sldMkLst>
-        <pc:spChg chg="add del mod">
-          <ac:chgData name="mikez zaatri" userId="dc7c058cd1c617f1" providerId="LiveId" clId="{FDA6E28C-406E-41EE-A1DD-C474C9987713}" dt="2021-08-07T13:34:45.838" v="8" actId="478"/>
-          <ac:spMkLst>
-            <pc:docMk/>
-            <pc:sldMk cId="922754118" sldId="265"/>
-            <ac:spMk id="3" creationId="{9B9D776D-4660-4635-A72D-050A7A2907AB}"/>
-          </ac:spMkLst>
-        </pc:spChg>
-        <pc:spChg chg="mod">
-          <ac:chgData name="mikez zaatri" userId="dc7c058cd1c617f1" providerId="LiveId" clId="{FDA6E28C-406E-41EE-A1DD-C474C9987713}" dt="2021-08-07T13:35:28.994" v="81" actId="20577"/>
-          <ac:spMkLst>
-            <pc:docMk/>
-            <pc:sldMk cId="922754118" sldId="265"/>
-            <ac:spMk id="158" creationId="{00000000-0000-0000-0000-000000000000}"/>
-          </ac:spMkLst>
-        </pc:spChg>
-        <pc:spChg chg="del">
-          <ac:chgData name="mikez zaatri" userId="dc7c058cd1c617f1" providerId="LiveId" clId="{FDA6E28C-406E-41EE-A1DD-C474C9987713}" dt="2021-08-07T13:34:31.601" v="0" actId="478"/>
-          <ac:spMkLst>
-            <pc:docMk/>
-            <pc:sldMk cId="922754118" sldId="265"/>
-            <ac:spMk id="159" creationId="{00000000-0000-0000-0000-000000000000}"/>
-          </ac:spMkLst>
-        </pc:spChg>
-        <pc:picChg chg="add mod">
-          <ac:chgData name="mikez zaatri" userId="dc7c058cd1c617f1" providerId="LiveId" clId="{FDA6E28C-406E-41EE-A1DD-C474C9987713}" dt="2021-08-07T13:34:50.903" v="9" actId="1076"/>
-          <ac:picMkLst>
-            <pc:docMk/>
-            <pc:sldMk cId="922754118" sldId="265"/>
-            <ac:picMk id="5" creationId="{A927BE9B-8008-4904-97B8-4BEBB47CDA94}"/>
-          </ac:picMkLst>
-        </pc:picChg>
-      </pc:sldChg>
-      <pc:sldChg chg="addSp delSp modSp add mod setBg addAnim delAnim setClrOvrMap">
-        <pc:chgData name="mikez zaatri" userId="dc7c058cd1c617f1" providerId="LiveId" clId="{FDA6E28C-406E-41EE-A1DD-C474C9987713}" dt="2021-08-07T13:40:14.128" v="134" actId="14100"/>
-        <pc:sldMkLst>
-          <pc:docMk/>
-          <pc:sldMk cId="3828626221" sldId="268"/>
-        </pc:sldMkLst>
-        <pc:spChg chg="add del">
-          <ac:chgData name="mikez zaatri" userId="dc7c058cd1c617f1" providerId="LiveId" clId="{FDA6E28C-406E-41EE-A1DD-C474C9987713}" dt="2021-08-07T13:39:01.654" v="113" actId="26606"/>
-          <ac:spMkLst>
-            <pc:docMk/>
-            <pc:sldMk cId="3828626221" sldId="268"/>
-            <ac:spMk id="99" creationId="{DD651B61-325E-4E73-8445-38B0DE8AAAB6}"/>
-          </ac:spMkLst>
-        </pc:spChg>
-        <pc:spChg chg="add del">
-          <ac:chgData name="mikez zaatri" userId="dc7c058cd1c617f1" providerId="LiveId" clId="{FDA6E28C-406E-41EE-A1DD-C474C9987713}" dt="2021-08-07T13:39:01.654" v="113" actId="26606"/>
-          <ac:spMkLst>
-            <pc:docMk/>
-            <pc:sldMk cId="3828626221" sldId="268"/>
-            <ac:spMk id="101" creationId="{B42E5253-D3AC-4AC2-B766-8B34F13C2F5E}"/>
-          </ac:spMkLst>
-        </pc:spChg>
-        <pc:spChg chg="add del">
-          <ac:chgData name="mikez zaatri" userId="dc7c058cd1c617f1" providerId="LiveId" clId="{FDA6E28C-406E-41EE-A1DD-C474C9987713}" dt="2021-08-07T13:39:01.654" v="113" actId="26606"/>
-          <ac:spMkLst>
-            <pc:docMk/>
-            <pc:sldMk cId="3828626221" sldId="268"/>
-            <ac:spMk id="103" creationId="{10AE8D57-436A-4073-9A75-15BB5949F8B4}"/>
-          </ac:spMkLst>
-        </pc:spChg>
-        <pc:spChg chg="add del">
-          <ac:chgData name="mikez zaatri" userId="dc7c058cd1c617f1" providerId="LiveId" clId="{FDA6E28C-406E-41EE-A1DD-C474C9987713}" dt="2021-08-07T13:39:01.654" v="113" actId="26606"/>
-          <ac:spMkLst>
-            <pc:docMk/>
-            <pc:sldMk cId="3828626221" sldId="268"/>
-            <ac:spMk id="105" creationId="{E2852671-8EB6-4EAF-8AF8-65CF3FD66456}"/>
-          </ac:spMkLst>
-        </pc:spChg>
-        <pc:spChg chg="add del">
-          <ac:chgData name="mikez zaatri" userId="dc7c058cd1c617f1" providerId="LiveId" clId="{FDA6E28C-406E-41EE-A1DD-C474C9987713}" dt="2021-08-07T13:39:01.654" v="113" actId="26606"/>
-          <ac:spMkLst>
-            <pc:docMk/>
-            <pc:sldMk cId="3828626221" sldId="268"/>
-            <ac:spMk id="107" creationId="{26B4480E-B7FF-4481-890E-043A69AE6FE2}"/>
-          </ac:spMkLst>
-        </pc:spChg>
-        <pc:spChg chg="add del">
-          <ac:chgData name="mikez zaatri" userId="dc7c058cd1c617f1" providerId="LiveId" clId="{FDA6E28C-406E-41EE-A1DD-C474C9987713}" dt="2021-08-07T13:39:02.410" v="115" actId="26606"/>
-          <ac:spMkLst>
-            <pc:docMk/>
-            <pc:sldMk cId="3828626221" sldId="268"/>
-            <ac:spMk id="111" creationId="{8CF5084D-B617-4011-8406-A93B64723187}"/>
-          </ac:spMkLst>
-        </pc:spChg>
-        <pc:spChg chg="mod">
-          <ac:chgData name="mikez zaatri" userId="dc7c058cd1c617f1" providerId="LiveId" clId="{FDA6E28C-406E-41EE-A1DD-C474C9987713}" dt="2021-08-07T13:40:09.751" v="133"/>
-          <ac:spMkLst>
-            <pc:docMk/>
-            <pc:sldMk cId="3828626221" sldId="268"/>
-            <ac:spMk id="158" creationId="{00000000-0000-0000-0000-000000000000}"/>
-          </ac:spMkLst>
-        </pc:spChg>
-        <pc:spChg chg="add del">
-          <ac:chgData name="mikez zaatri" userId="dc7c058cd1c617f1" providerId="LiveId" clId="{FDA6E28C-406E-41EE-A1DD-C474C9987713}" dt="2021-08-07T13:39:02.410" v="115" actId="26606"/>
-          <ac:spMkLst>
-            <pc:docMk/>
-            <pc:sldMk cId="3828626221" sldId="268"/>
-            <ac:spMk id="160" creationId="{DD651B61-325E-4E73-8445-38B0DE8AAAB6}"/>
-          </ac:spMkLst>
-        </pc:spChg>
-        <pc:spChg chg="add del">
-          <ac:chgData name="mikez zaatri" userId="dc7c058cd1c617f1" providerId="LiveId" clId="{FDA6E28C-406E-41EE-A1DD-C474C9987713}" dt="2021-08-07T13:39:02.410" v="115" actId="26606"/>
-          <ac:spMkLst>
-            <pc:docMk/>
-            <pc:sldMk cId="3828626221" sldId="268"/>
-            <ac:spMk id="161" creationId="{B42E5253-D3AC-4AC2-B766-8B34F13C2F5E}"/>
-          </ac:spMkLst>
-        </pc:spChg>
-        <pc:spChg chg="add del">
-          <ac:chgData name="mikez zaatri" userId="dc7c058cd1c617f1" providerId="LiveId" clId="{FDA6E28C-406E-41EE-A1DD-C474C9987713}" dt="2021-08-07T13:39:02.410" v="115" actId="26606"/>
-          <ac:spMkLst>
-            <pc:docMk/>
-            <pc:sldMk cId="3828626221" sldId="268"/>
-            <ac:spMk id="162" creationId="{10AE8D57-436A-4073-9A75-15BB5949F8B4}"/>
-          </ac:spMkLst>
-        </pc:spChg>
-        <pc:spChg chg="add del">
-          <ac:chgData name="mikez zaatri" userId="dc7c058cd1c617f1" providerId="LiveId" clId="{FDA6E28C-406E-41EE-A1DD-C474C9987713}" dt="2021-08-07T13:39:02.410" v="115" actId="26606"/>
-          <ac:spMkLst>
-            <pc:docMk/>
-            <pc:sldMk cId="3828626221" sldId="268"/>
-            <ac:spMk id="163" creationId="{E2852671-8EB6-4EAF-8AF8-65CF3FD66456}"/>
-          </ac:spMkLst>
-        </pc:spChg>
-        <pc:spChg chg="add del">
-          <ac:chgData name="mikez zaatri" userId="dc7c058cd1c617f1" providerId="LiveId" clId="{FDA6E28C-406E-41EE-A1DD-C474C9987713}" dt="2021-08-07T13:39:02.410" v="115" actId="26606"/>
-          <ac:spMkLst>
-            <pc:docMk/>
-            <pc:sldMk cId="3828626221" sldId="268"/>
-            <ac:spMk id="164" creationId="{26B4480E-B7FF-4481-890E-043A69AE6FE2}"/>
-          </ac:spMkLst>
-        </pc:spChg>
-        <pc:spChg chg="add del">
-          <ac:chgData name="mikez zaatri" userId="dc7c058cd1c617f1" providerId="LiveId" clId="{FDA6E28C-406E-41EE-A1DD-C474C9987713}" dt="2021-08-07T13:39:02.410" v="115" actId="26606"/>
-          <ac:spMkLst>
-            <pc:docMk/>
-            <pc:sldMk cId="3828626221" sldId="268"/>
-            <ac:spMk id="165" creationId="{8C2840C6-6494-4E12-A428-2012DA7DDF8A}"/>
-          </ac:spMkLst>
-        </pc:spChg>
-        <pc:spChg chg="add del">
-          <ac:chgData name="mikez zaatri" userId="dc7c058cd1c617f1" providerId="LiveId" clId="{FDA6E28C-406E-41EE-A1DD-C474C9987713}" dt="2021-08-07T13:39:04.424" v="117" actId="26606"/>
-          <ac:spMkLst>
-            <pc:docMk/>
-            <pc:sldMk cId="3828626221" sldId="268"/>
-            <ac:spMk id="167" creationId="{DD651B61-325E-4E73-8445-38B0DE8AAAB6}"/>
-          </ac:spMkLst>
-        </pc:spChg>
-        <pc:spChg chg="add del">
-          <ac:chgData name="mikez zaatri" userId="dc7c058cd1c617f1" providerId="LiveId" clId="{FDA6E28C-406E-41EE-A1DD-C474C9987713}" dt="2021-08-07T13:39:04.424" v="117" actId="26606"/>
-          <ac:spMkLst>
-            <pc:docMk/>
-            <pc:sldMk cId="3828626221" sldId="268"/>
-            <ac:spMk id="168" creationId="{B42E5253-D3AC-4AC2-B766-8B34F13C2F5E}"/>
-          </ac:spMkLst>
-        </pc:spChg>
-        <pc:spChg chg="add del">
-          <ac:chgData name="mikez zaatri" userId="dc7c058cd1c617f1" providerId="LiveId" clId="{FDA6E28C-406E-41EE-A1DD-C474C9987713}" dt="2021-08-07T13:39:04.424" v="117" actId="26606"/>
-          <ac:spMkLst>
-            <pc:docMk/>
-            <pc:sldMk cId="3828626221" sldId="268"/>
-            <ac:spMk id="169" creationId="{10AE8D57-436A-4073-9A75-15BB5949F8B4}"/>
-          </ac:spMkLst>
-        </pc:spChg>
-        <pc:spChg chg="add del">
-          <ac:chgData name="mikez zaatri" userId="dc7c058cd1c617f1" providerId="LiveId" clId="{FDA6E28C-406E-41EE-A1DD-C474C9987713}" dt="2021-08-07T13:39:04.424" v="117" actId="26606"/>
-          <ac:spMkLst>
-            <pc:docMk/>
-            <pc:sldMk cId="3828626221" sldId="268"/>
-            <ac:spMk id="170" creationId="{E2852671-8EB6-4EAF-8AF8-65CF3FD66456}"/>
-          </ac:spMkLst>
-        </pc:spChg>
-        <pc:spChg chg="add del">
-          <ac:chgData name="mikez zaatri" userId="dc7c058cd1c617f1" providerId="LiveId" clId="{FDA6E28C-406E-41EE-A1DD-C474C9987713}" dt="2021-08-07T13:39:04.424" v="117" actId="26606"/>
-          <ac:spMkLst>
-            <pc:docMk/>
-            <pc:sldMk cId="3828626221" sldId="268"/>
-            <ac:spMk id="171" creationId="{F7207B7B-5C57-458C-BE38-95D2CD7655BB}"/>
-          </ac:spMkLst>
-        </pc:spChg>
-        <pc:spChg chg="add del">
-          <ac:chgData name="mikez zaatri" userId="dc7c058cd1c617f1" providerId="LiveId" clId="{FDA6E28C-406E-41EE-A1DD-C474C9987713}" dt="2021-08-07T13:39:04.424" v="117" actId="26606"/>
-          <ac:spMkLst>
-            <pc:docMk/>
-            <pc:sldMk cId="3828626221" sldId="268"/>
-            <ac:spMk id="172" creationId="{9822E561-F97C-4CBB-A9A6-A6BF6317BC84}"/>
-          </ac:spMkLst>
-        </pc:spChg>
-        <pc:spChg chg="add del">
-          <ac:chgData name="mikez zaatri" userId="dc7c058cd1c617f1" providerId="LiveId" clId="{FDA6E28C-406E-41EE-A1DD-C474C9987713}" dt="2021-08-07T13:39:04.424" v="117" actId="26606"/>
-          <ac:spMkLst>
-            <pc:docMk/>
-            <pc:sldMk cId="3828626221" sldId="268"/>
-            <ac:spMk id="173" creationId="{B01B0E58-A5C8-4CDA-A2E0-35DF94E59857}"/>
-          </ac:spMkLst>
-        </pc:spChg>
-        <pc:spChg chg="add del">
-          <ac:chgData name="mikez zaatri" userId="dc7c058cd1c617f1" providerId="LiveId" clId="{FDA6E28C-406E-41EE-A1DD-C474C9987713}" dt="2021-08-07T13:39:08.168" v="120" actId="26606"/>
-          <ac:spMkLst>
-            <pc:docMk/>
-            <pc:sldMk cId="3828626221" sldId="268"/>
-            <ac:spMk id="175" creationId="{E6C8E6EB-4C59-429B-97E4-72A058CFC4FB}"/>
-          </ac:spMkLst>
-        </pc:spChg>
-        <pc:spChg chg="add del">
-          <ac:chgData name="mikez zaatri" userId="dc7c058cd1c617f1" providerId="LiveId" clId="{FDA6E28C-406E-41EE-A1DD-C474C9987713}" dt="2021-08-07T13:39:08.168" v="120" actId="26606"/>
-          <ac:spMkLst>
-            <pc:docMk/>
-            <pc:sldMk cId="3828626221" sldId="268"/>
-            <ac:spMk id="176" creationId="{B5B90362-AFCC-46A9-B41C-A257A8C5B314}"/>
-          </ac:spMkLst>
-        </pc:spChg>
-        <pc:spChg chg="add del">
-          <ac:chgData name="mikez zaatri" userId="dc7c058cd1c617f1" providerId="LiveId" clId="{FDA6E28C-406E-41EE-A1DD-C474C9987713}" dt="2021-08-07T13:39:08.168" v="120" actId="26606"/>
-          <ac:spMkLst>
-            <pc:docMk/>
-            <pc:sldMk cId="3828626221" sldId="268"/>
-            <ac:spMk id="177" creationId="{F71EF7F1-38BA-471D-8CD4-2A9AE8E35527}"/>
-          </ac:spMkLst>
-        </pc:spChg>
-        <pc:spChg chg="add del">
-          <ac:chgData name="mikez zaatri" userId="dc7c058cd1c617f1" providerId="LiveId" clId="{FDA6E28C-406E-41EE-A1DD-C474C9987713}" dt="2021-08-07T13:39:08.168" v="120" actId="26606"/>
-          <ac:spMkLst>
-            <pc:docMk/>
-            <pc:sldMk cId="3828626221" sldId="268"/>
-            <ac:spMk id="178" creationId="{C0524398-BFB4-4C4A-8317-83B8729F9B26}"/>
-          </ac:spMkLst>
-        </pc:spChg>
-        <pc:spChg chg="add del">
-          <ac:chgData name="mikez zaatri" userId="dc7c058cd1c617f1" providerId="LiveId" clId="{FDA6E28C-406E-41EE-A1DD-C474C9987713}" dt="2021-08-07T13:39:08.168" v="120" actId="26606"/>
-          <ac:spMkLst>
-            <pc:docMk/>
-            <pc:sldMk cId="3828626221" sldId="268"/>
-            <ac:spMk id="179" creationId="{E08D4B6A-8113-4DFB-B82E-B60CAC8E0A50}"/>
-          </ac:spMkLst>
-        </pc:spChg>
-        <pc:spChg chg="add del">
-          <ac:chgData name="mikez zaatri" userId="dc7c058cd1c617f1" providerId="LiveId" clId="{FDA6E28C-406E-41EE-A1DD-C474C9987713}" dt="2021-08-07T13:39:08.168" v="120" actId="26606"/>
-          <ac:spMkLst>
-            <pc:docMk/>
-            <pc:sldMk cId="3828626221" sldId="268"/>
-            <ac:spMk id="180" creationId="{9822E561-F97C-4CBB-A9A6-A6BF6317BC84}"/>
-          </ac:spMkLst>
-        </pc:spChg>
-        <pc:spChg chg="add del">
-          <ac:chgData name="mikez zaatri" userId="dc7c058cd1c617f1" providerId="LiveId" clId="{FDA6E28C-406E-41EE-A1DD-C474C9987713}" dt="2021-08-07T13:39:08.168" v="120" actId="26606"/>
-          <ac:spMkLst>
-            <pc:docMk/>
-            <pc:sldMk cId="3828626221" sldId="268"/>
-            <ac:spMk id="181" creationId="{B01B0E58-A5C8-4CDA-A2E0-35DF94E59857}"/>
-          </ac:spMkLst>
-        </pc:spChg>
-        <pc:spChg chg="add">
-          <ac:chgData name="mikez zaatri" userId="dc7c058cd1c617f1" providerId="LiveId" clId="{FDA6E28C-406E-41EE-A1DD-C474C9987713}" dt="2021-08-07T13:39:08.180" v="121" actId="26606"/>
-          <ac:spMkLst>
-            <pc:docMk/>
-            <pc:sldMk cId="3828626221" sldId="268"/>
-            <ac:spMk id="183" creationId="{DD651B61-325E-4E73-8445-38B0DE8AAAB6}"/>
-          </ac:spMkLst>
-        </pc:spChg>
-        <pc:spChg chg="add">
-          <ac:chgData name="mikez zaatri" userId="dc7c058cd1c617f1" providerId="LiveId" clId="{FDA6E28C-406E-41EE-A1DD-C474C9987713}" dt="2021-08-07T13:39:08.180" v="121" actId="26606"/>
-          <ac:spMkLst>
-            <pc:docMk/>
-            <pc:sldMk cId="3828626221" sldId="268"/>
-            <ac:spMk id="184" creationId="{B42E5253-D3AC-4AC2-B766-8B34F13C2F5E}"/>
-          </ac:spMkLst>
-        </pc:spChg>
-        <pc:spChg chg="add">
-          <ac:chgData name="mikez zaatri" userId="dc7c058cd1c617f1" providerId="LiveId" clId="{FDA6E28C-406E-41EE-A1DD-C474C9987713}" dt="2021-08-07T13:39:08.180" v="121" actId="26606"/>
-          <ac:spMkLst>
-            <pc:docMk/>
-            <pc:sldMk cId="3828626221" sldId="268"/>
-            <ac:spMk id="185" creationId="{10AE8D57-436A-4073-9A75-15BB5949F8B4}"/>
-          </ac:spMkLst>
-        </pc:spChg>
-        <pc:spChg chg="add">
-          <ac:chgData name="mikez zaatri" userId="dc7c058cd1c617f1" providerId="LiveId" clId="{FDA6E28C-406E-41EE-A1DD-C474C9987713}" dt="2021-08-07T13:39:08.180" v="121" actId="26606"/>
-          <ac:spMkLst>
-            <pc:docMk/>
-            <pc:sldMk cId="3828626221" sldId="268"/>
-            <ac:spMk id="186" creationId="{E2852671-8EB6-4EAF-8AF8-65CF3FD66456}"/>
-          </ac:spMkLst>
-        </pc:spChg>
-        <pc:spChg chg="add">
-          <ac:chgData name="mikez zaatri" userId="dc7c058cd1c617f1" providerId="LiveId" clId="{FDA6E28C-406E-41EE-A1DD-C474C9987713}" dt="2021-08-07T13:39:08.180" v="121" actId="26606"/>
-          <ac:spMkLst>
-            <pc:docMk/>
-            <pc:sldMk cId="3828626221" sldId="268"/>
-            <ac:spMk id="187" creationId="{26B4480E-B7FF-4481-890E-043A69AE6FE2}"/>
-          </ac:spMkLst>
-        </pc:spChg>
-        <pc:grpChg chg="add del">
-          <ac:chgData name="mikez zaatri" userId="dc7c058cd1c617f1" providerId="LiveId" clId="{FDA6E28C-406E-41EE-A1DD-C474C9987713}" dt="2021-08-07T13:39:01.654" v="113" actId="26606"/>
-          <ac:grpSpMkLst>
-            <pc:docMk/>
-            <pc:sldMk cId="3828626221" sldId="268"/>
-            <ac:grpSpMk id="109" creationId="{79394E1F-0B5F-497D-B2A6-8383A2A54834}"/>
-          </ac:grpSpMkLst>
-        </pc:grpChg>
-        <pc:grpChg chg="add">
-          <ac:chgData name="mikez zaatri" userId="dc7c058cd1c617f1" providerId="LiveId" clId="{FDA6E28C-406E-41EE-A1DD-C474C9987713}" dt="2021-08-07T13:39:08.180" v="121" actId="26606"/>
-          <ac:grpSpMkLst>
-            <pc:docMk/>
-            <pc:sldMk cId="3828626221" sldId="268"/>
-            <ac:grpSpMk id="188" creationId="{79394E1F-0B5F-497D-B2A6-8383A2A54834}"/>
-          </ac:grpSpMkLst>
-        </pc:grpChg>
-        <pc:picChg chg="add mod">
-          <ac:chgData name="mikez zaatri" userId="dc7c058cd1c617f1" providerId="LiveId" clId="{FDA6E28C-406E-41EE-A1DD-C474C9987713}" dt="2021-08-07T13:40:14.128" v="134" actId="14100"/>
-          <ac:picMkLst>
-            <pc:docMk/>
-            <pc:sldMk cId="3828626221" sldId="268"/>
-            <ac:picMk id="3" creationId="{AD8AA16E-F466-497A-8EF3-A2A20A46F7E2}"/>
-          </ac:picMkLst>
-        </pc:picChg>
-        <pc:picChg chg="del">
-          <ac:chgData name="mikez zaatri" userId="dc7c058cd1c617f1" providerId="LiveId" clId="{FDA6E28C-406E-41EE-A1DD-C474C9987713}" dt="2021-08-07T13:35:54.705" v="107" actId="478"/>
-          <ac:picMkLst>
-            <pc:docMk/>
-            <pc:sldMk cId="3828626221" sldId="268"/>
-            <ac:picMk id="5" creationId="{A927BE9B-8008-4904-97B8-4BEBB47CDA94}"/>
           </ac:picMkLst>
         </pc:picChg>
       </pc:sldChg>
@@ -2042,7 +2079,7 @@
           <a:p>
             <a:fld id="{C53F64A6-729C-462D-B75E-C4CFD7D8CEA1}" type="datetimeFigureOut">
               <a:rPr lang="en-US" smtClean="0"/>
-              <a:t>8/15/2021</a:t>
+              <a:t>8/16/2021</a:t>
             </a:fld>
             <a:endParaRPr lang="en-US"/>
           </a:p>
@@ -2510,6 +2547,11 @@
         </p:txBody>
       </p:sp>
     </p:spTree>
+    <p:extLst>
+      <p:ext uri="{BB962C8B-B14F-4D97-AF65-F5344CB8AC3E}">
+        <p14:creationId xmlns:p14="http://schemas.microsoft.com/office/powerpoint/2010/main" val="3707278395"/>
+      </p:ext>
+    </p:extLst>
   </p:cSld>
   <p:clrMapOvr>
     <a:masterClrMapping/>
@@ -2522,7 +2564,7 @@
   <p:cSld>
     <p:spTree>
       <p:nvGrpSpPr>
-        <p:cNvPr id="1" name="Shape 172"/>
+        <p:cNvPr id="1" name="Shape 148"/>
         <p:cNvGrpSpPr/>
         <p:nvPr/>
       </p:nvGrpSpPr>
@@ -2536,7 +2578,7 @@
       </p:grpSpPr>
       <p:sp>
         <p:nvSpPr>
-          <p:cNvPr id="173" name="Google Shape;173;gb84fc85c23_0_1547:notes"/>
+          <p:cNvPr id="149" name="Google Shape;149;gb84fc85c23_0_65:notes"/>
           <p:cNvSpPr>
             <a:spLocks noGrp="1" noRot="1" noChangeAspect="1"/>
           </p:cNvSpPr>
@@ -2546,7 +2588,7 @@
         </p:nvSpPr>
         <p:spPr>
           <a:xfrm>
-            <a:off x="381000" y="685800"/>
+            <a:off x="381300" y="685800"/>
             <a:ext cx="6096000" cy="3429000"/>
           </a:xfrm>
           <a:custGeom>
@@ -2577,7 +2619,7 @@
       </p:sp>
       <p:sp>
         <p:nvSpPr>
-          <p:cNvPr id="174" name="Google Shape;174;gb84fc85c23_0_1547:notes"/>
+          <p:cNvPr id="150" name="Google Shape;150;gb84fc85c23_0_65:notes"/>
           <p:cNvSpPr txBox="1">
             <a:spLocks noGrp="1"/>
           </p:cNvSpPr>
@@ -2614,6 +2656,11 @@
         </p:txBody>
       </p:sp>
     </p:spTree>
+    <p:extLst>
+      <p:ext uri="{BB962C8B-B14F-4D97-AF65-F5344CB8AC3E}">
+        <p14:creationId xmlns:p14="http://schemas.microsoft.com/office/powerpoint/2010/main" val="576178973"/>
+      </p:ext>
+    </p:extLst>
   </p:cSld>
   <p:clrMapOvr>
     <a:masterClrMapping/>
@@ -2626,7 +2673,7 @@
   <p:cSld>
     <p:spTree>
       <p:nvGrpSpPr>
-        <p:cNvPr id="1" name="Shape 178"/>
+        <p:cNvPr id="1" name="Shape 154"/>
         <p:cNvGrpSpPr/>
         <p:nvPr/>
       </p:nvGrpSpPr>
@@ -2640,7 +2687,7 @@
       </p:grpSpPr>
       <p:sp>
         <p:nvSpPr>
-          <p:cNvPr id="179" name="Google Shape;179;gb84fc85c23_0_1552:notes"/>
+          <p:cNvPr id="155" name="Google Shape;155;gb84fc85c23_0_1532:notes"/>
           <p:cNvSpPr>
             <a:spLocks noGrp="1" noRot="1" noChangeAspect="1"/>
           </p:cNvSpPr>
@@ -2681,7 +2728,7 @@
       </p:sp>
       <p:sp>
         <p:nvSpPr>
-          <p:cNvPr id="180" name="Google Shape;180;gb84fc85c23_0_1552:notes"/>
+          <p:cNvPr id="156" name="Google Shape;156;gb84fc85c23_0_1532:notes"/>
           <p:cNvSpPr txBox="1">
             <a:spLocks noGrp="1"/>
           </p:cNvSpPr>
@@ -2720,7 +2767,7 @@
     </p:spTree>
     <p:extLst>
       <p:ext uri="{BB962C8B-B14F-4D97-AF65-F5344CB8AC3E}">
-        <p14:creationId xmlns:p14="http://schemas.microsoft.com/office/powerpoint/2010/main" val="3707278395"/>
+        <p14:creationId xmlns:p14="http://schemas.microsoft.com/office/powerpoint/2010/main" val="2053632857"/>
       </p:ext>
     </p:extLst>
   </p:cSld>
@@ -2948,7 +2995,7 @@
   <p:cSld>
     <p:spTree>
       <p:nvGrpSpPr>
-        <p:cNvPr id="1" name="Shape 148"/>
+        <p:cNvPr id="1" name="Shape 154"/>
         <p:cNvGrpSpPr/>
         <p:nvPr/>
       </p:nvGrpSpPr>
@@ -2962,7 +3009,7 @@
       </p:grpSpPr>
       <p:sp>
         <p:nvSpPr>
-          <p:cNvPr id="149" name="Google Shape;149;gb84fc85c23_0_65:notes"/>
+          <p:cNvPr id="155" name="Google Shape;155;gb84fc85c23_0_1532:notes"/>
           <p:cNvSpPr>
             <a:spLocks noGrp="1" noRot="1" noChangeAspect="1"/>
           </p:cNvSpPr>
@@ -2972,7 +3019,7 @@
         </p:nvSpPr>
         <p:spPr>
           <a:xfrm>
-            <a:off x="381300" y="685800"/>
+            <a:off x="381000" y="685800"/>
             <a:ext cx="6096000" cy="3429000"/>
           </a:xfrm>
           <a:custGeom>
@@ -3003,7 +3050,7 @@
       </p:sp>
       <p:sp>
         <p:nvSpPr>
-          <p:cNvPr id="150" name="Google Shape;150;gb84fc85c23_0_65:notes"/>
+          <p:cNvPr id="156" name="Google Shape;156;gb84fc85c23_0_1532:notes"/>
           <p:cNvSpPr txBox="1">
             <a:spLocks noGrp="1"/>
           </p:cNvSpPr>
@@ -3040,6 +3087,11 @@
         </p:txBody>
       </p:sp>
     </p:spTree>
+    <p:extLst>
+      <p:ext uri="{BB962C8B-B14F-4D97-AF65-F5344CB8AC3E}">
+        <p14:creationId xmlns:p14="http://schemas.microsoft.com/office/powerpoint/2010/main" val="3169095312"/>
+      </p:ext>
+    </p:extLst>
   </p:cSld>
   <p:clrMapOvr>
     <a:masterClrMapping/>
@@ -3144,6 +3196,11 @@
         </p:txBody>
       </p:sp>
     </p:spTree>
+    <p:extLst>
+      <p:ext uri="{BB962C8B-B14F-4D97-AF65-F5344CB8AC3E}">
+        <p14:creationId xmlns:p14="http://schemas.microsoft.com/office/powerpoint/2010/main" val="3293620000"/>
+      </p:ext>
+    </p:extLst>
   </p:cSld>
   <p:clrMapOvr>
     <a:masterClrMapping/>
@@ -3250,7 +3307,7 @@
     </p:spTree>
     <p:extLst>
       <p:ext uri="{BB962C8B-B14F-4D97-AF65-F5344CB8AC3E}">
-        <p14:creationId xmlns:p14="http://schemas.microsoft.com/office/powerpoint/2010/main" val="3169095312"/>
+        <p14:creationId xmlns:p14="http://schemas.microsoft.com/office/powerpoint/2010/main" val="3536140491"/>
       </p:ext>
     </p:extLst>
   </p:cSld>
@@ -3359,7 +3416,7 @@
     </p:spTree>
     <p:extLst>
       <p:ext uri="{BB962C8B-B14F-4D97-AF65-F5344CB8AC3E}">
-        <p14:creationId xmlns:p14="http://schemas.microsoft.com/office/powerpoint/2010/main" val="3293620000"/>
+        <p14:creationId xmlns:p14="http://schemas.microsoft.com/office/powerpoint/2010/main" val="2616825144"/>
       </p:ext>
     </p:extLst>
   </p:cSld>
@@ -3374,7 +3431,7 @@
   <p:cSld>
     <p:spTree>
       <p:nvGrpSpPr>
-        <p:cNvPr id="1" name="Shape 154"/>
+        <p:cNvPr id="1" name="Shape 166"/>
         <p:cNvGrpSpPr/>
         <p:nvPr/>
       </p:nvGrpSpPr>
@@ -3388,7 +3445,7 @@
       </p:grpSpPr>
       <p:sp>
         <p:nvSpPr>
-          <p:cNvPr id="155" name="Google Shape;155;gb84fc85c23_0_1532:notes"/>
+          <p:cNvPr id="167" name="Google Shape;167;gb84fc85c23_0_1542:notes"/>
           <p:cNvSpPr>
             <a:spLocks noGrp="1" noRot="1" noChangeAspect="1"/>
           </p:cNvSpPr>
@@ -3429,7 +3486,7 @@
       </p:sp>
       <p:sp>
         <p:nvSpPr>
-          <p:cNvPr id="156" name="Google Shape;156;gb84fc85c23_0_1532:notes"/>
+          <p:cNvPr id="168" name="Google Shape;168;gb84fc85c23_0_1542:notes"/>
           <p:cNvSpPr txBox="1">
             <a:spLocks noGrp="1"/>
           </p:cNvSpPr>
@@ -3466,11 +3523,6 @@
         </p:txBody>
       </p:sp>
     </p:spTree>
-    <p:extLst>
-      <p:ext uri="{BB962C8B-B14F-4D97-AF65-F5344CB8AC3E}">
-        <p14:creationId xmlns:p14="http://schemas.microsoft.com/office/powerpoint/2010/main" val="3536140491"/>
-      </p:ext>
-    </p:extLst>
   </p:cSld>
   <p:clrMapOvr>
     <a:masterClrMapping/>
@@ -3483,7 +3535,7 @@
   <p:cSld>
     <p:spTree>
       <p:nvGrpSpPr>
-        <p:cNvPr id="1" name="Shape 154"/>
+        <p:cNvPr id="1" name="Shape 178"/>
         <p:cNvGrpSpPr/>
         <p:nvPr/>
       </p:nvGrpSpPr>
@@ -3497,7 +3549,7 @@
       </p:grpSpPr>
       <p:sp>
         <p:nvSpPr>
-          <p:cNvPr id="155" name="Google Shape;155;gb84fc85c23_0_1532:notes"/>
+          <p:cNvPr id="179" name="Google Shape;179;gb84fc85c23_0_1552:notes"/>
           <p:cNvSpPr>
             <a:spLocks noGrp="1" noRot="1" noChangeAspect="1"/>
           </p:cNvSpPr>
@@ -3538,7 +3590,7 @@
       </p:sp>
       <p:sp>
         <p:nvSpPr>
-          <p:cNvPr id="156" name="Google Shape;156;gb84fc85c23_0_1532:notes"/>
+          <p:cNvPr id="180" name="Google Shape;180;gb84fc85c23_0_1552:notes"/>
           <p:cNvSpPr txBox="1">
             <a:spLocks noGrp="1"/>
           </p:cNvSpPr>
@@ -3575,11 +3627,6 @@
         </p:txBody>
       </p:sp>
     </p:spTree>
-    <p:extLst>
-      <p:ext uri="{BB962C8B-B14F-4D97-AF65-F5344CB8AC3E}">
-        <p14:creationId xmlns:p14="http://schemas.microsoft.com/office/powerpoint/2010/main" val="2616825144"/>
-      </p:ext>
-    </p:extLst>
   </p:cSld>
   <p:clrMapOvr>
     <a:masterClrMapping/>
@@ -3592,7 +3639,7 @@
   <p:cSld>
     <p:spTree>
       <p:nvGrpSpPr>
-        <p:cNvPr id="1" name="Shape 166"/>
+        <p:cNvPr id="1" name="Shape 172"/>
         <p:cNvGrpSpPr/>
         <p:nvPr/>
       </p:nvGrpSpPr>
@@ -3606,7 +3653,7 @@
       </p:grpSpPr>
       <p:sp>
         <p:nvSpPr>
-          <p:cNvPr id="167" name="Google Shape;167;gb84fc85c23_0_1542:notes"/>
+          <p:cNvPr id="173" name="Google Shape;173;gb84fc85c23_0_1547:notes"/>
           <p:cNvSpPr>
             <a:spLocks noGrp="1" noRot="1" noChangeAspect="1"/>
           </p:cNvSpPr>
@@ -3647,7 +3694,7 @@
       </p:sp>
       <p:sp>
         <p:nvSpPr>
-          <p:cNvPr id="168" name="Google Shape;168;gb84fc85c23_0_1542:notes"/>
+          <p:cNvPr id="174" name="Google Shape;174;gb84fc85c23_0_1547:notes"/>
           <p:cNvSpPr txBox="1">
             <a:spLocks noGrp="1"/>
           </p:cNvSpPr>
@@ -3929,7 +3976,7 @@
           <a:p>
             <a:fld id="{ED291B17-9318-49DB-B28B-6E5994AE9581}" type="datetime1">
               <a:rPr lang="en-US" smtClean="0"/>
-              <a:t>8/15/2021</a:t>
+              <a:t>8/16/2021</a:t>
             </a:fld>
             <a:endParaRPr lang="en-US" dirty="0"/>
           </a:p>
@@ -4132,7 +4179,7 @@
           <a:p>
             <a:fld id="{2CED4963-E985-44C4-B8C4-FDD613B7C2F8}" type="datetime1">
               <a:rPr lang="en-US" smtClean="0"/>
-              <a:t>8/15/2021</a:t>
+              <a:t>8/16/2021</a:t>
             </a:fld>
             <a:endParaRPr lang="en-US" dirty="0"/>
           </a:p>
@@ -4494,7 +4541,7 @@
           <a:p>
             <a:fld id="{ED291B17-9318-49DB-B28B-6E5994AE9581}" type="datetime1">
               <a:rPr lang="en-US" smtClean="0"/>
-              <a:t>8/15/2021</a:t>
+              <a:t>8/16/2021</a:t>
             </a:fld>
             <a:endParaRPr lang="en-US" dirty="0"/>
           </a:p>
@@ -5150,7 +5197,7 @@
           <a:p>
             <a:fld id="{78DD82B9-B8EE-4375-B6FF-88FA6ABB15D9}" type="datetime1">
               <a:rPr lang="en-US" smtClean="0"/>
-              <a:t>8/15/2021</a:t>
+              <a:t>8/16/2021</a:t>
             </a:fld>
             <a:endParaRPr lang="en-US" dirty="0"/>
           </a:p>
@@ -5462,7 +5509,7 @@
           <a:p>
             <a:fld id="{B2497495-0637-405E-AE64-5CC7506D51F5}" type="datetime1">
               <a:rPr lang="en-US" smtClean="0"/>
-              <a:t>8/15/2021</a:t>
+              <a:t>8/16/2021</a:t>
             </a:fld>
             <a:endParaRPr lang="en-US" dirty="0"/>
           </a:p>
@@ -5715,7 +5762,7 @@
           <a:p>
             <a:fld id="{7BFFD690-9426-415D-8B65-26881E07B2D4}" type="datetime1">
               <a:rPr lang="en-US" smtClean="0"/>
-              <a:t>8/15/2021</a:t>
+              <a:t>8/16/2021</a:t>
             </a:fld>
             <a:endParaRPr lang="en-US" dirty="0"/>
           </a:p>
@@ -6137,7 +6184,7 @@
           <a:p>
             <a:fld id="{04C4989A-474C-40DE-95B9-011C28B71673}" type="datetime1">
               <a:rPr lang="en-US" smtClean="0"/>
-              <a:t>8/15/2021</a:t>
+              <a:t>8/16/2021</a:t>
             </a:fld>
             <a:endParaRPr lang="en-US" dirty="0"/>
           </a:p>
@@ -6260,7 +6307,7 @@
           <a:p>
             <a:fld id="{5DB4ED54-5B5E-4A04-93D3-5772E3CE3818}" type="datetime1">
               <a:rPr lang="en-US" smtClean="0"/>
-              <a:t>8/15/2021</a:t>
+              <a:t>8/16/2021</a:t>
             </a:fld>
             <a:endParaRPr lang="en-US" dirty="0"/>
           </a:p>
@@ -6355,7 +6402,7 @@
           <a:p>
             <a:fld id="{4EDE50D6-574B-40AF-946F-D52A04ADE379}" type="datetime1">
               <a:rPr lang="en-US" smtClean="0"/>
-              <a:t>8/15/2021</a:t>
+              <a:t>8/16/2021</a:t>
             </a:fld>
             <a:endParaRPr lang="en-US" dirty="0"/>
           </a:p>
@@ -6732,7 +6779,7 @@
           <a:p>
             <a:fld id="{D82884F1-FFEA-405F-9602-3DCA865EDA4E}" type="datetime1">
               <a:rPr lang="en-US" smtClean="0"/>
-              <a:t>8/15/2021</a:t>
+              <a:t>8/16/2021</a:t>
             </a:fld>
             <a:endParaRPr lang="en-US" dirty="0"/>
           </a:p>
@@ -7025,7 +7072,7 @@
           <a:p>
             <a:fld id="{7E18DB4A-8810-4A10-AD5C-D5E2C667F5B3}" type="datetime1">
               <a:rPr lang="en-US" smtClean="0"/>
-              <a:t>8/15/2021</a:t>
+              <a:t>8/16/2021</a:t>
             </a:fld>
             <a:endParaRPr lang="en-US" dirty="0"/>
           </a:p>
@@ -7240,7 +7287,7 @@
           <a:p>
             <a:fld id="{ED291B17-9318-49DB-B28B-6E5994AE9581}" type="datetime1">
               <a:rPr lang="en-US" smtClean="0"/>
-              <a:t>8/15/2021</a:t>
+              <a:t>8/16/2021</a:t>
             </a:fld>
             <a:endParaRPr lang="en-US" dirty="0"/>
           </a:p>
@@ -8053,7 +8100,7 @@
   <p:cSld>
     <p:spTree>
       <p:nvGrpSpPr>
-        <p:cNvPr id="1" name="Shape 169"/>
+        <p:cNvPr id="1" name="Shape 175"/>
         <p:cNvGrpSpPr/>
         <p:nvPr/>
       </p:nvGrpSpPr>
@@ -8067,7 +8114,7 @@
       </p:grpSpPr>
       <p:sp>
         <p:nvSpPr>
-          <p:cNvPr id="170" name="Google Shape;170;p19"/>
+          <p:cNvPr id="176" name="Google Shape;176;p20"/>
           <p:cNvSpPr txBox="1">
             <a:spLocks noGrp="1"/>
           </p:cNvSpPr>
@@ -8090,9 +8137,6 @@
           </a:bodyPr>
           <a:lstStyle/>
           <a:p>
-            <a:pPr>
-              <a:buSzPts val="990"/>
-            </a:pPr>
             <a:r>
               <a:rPr lang="en" sz="2800">
                 <a:latin typeface="Lato"/>
@@ -8100,7 +8144,7 @@
                 <a:cs typeface="Lato"/>
                 <a:sym typeface="Lato"/>
               </a:rPr>
-              <a:t>Final Project outcome , Dashboard and visualization</a:t>
+              <a:t>Technologies, languages, tools, and algorithms used throughout the project</a:t>
             </a:r>
             <a:endParaRPr sz="2800">
               <a:latin typeface="Lato"/>
@@ -8113,7 +8157,7 @@
       </p:sp>
       <p:sp>
         <p:nvSpPr>
-          <p:cNvPr id="171" name="Google Shape;171;p19"/>
+          <p:cNvPr id="177" name="Google Shape;177;p20"/>
           <p:cNvSpPr txBox="1">
             <a:spLocks noGrp="1"/>
           </p:cNvSpPr>
@@ -8137,84 +8181,45 @@
           <a:lstStyle/>
           <a:p>
             <a:r>
-              <a:rPr lang="en" dirty="0"/>
-              <a:t>Using  Tableau to visualize the following analysis outcome:</a:t>
-            </a:r>
-            <a:endParaRPr dirty="0"/>
-          </a:p>
-          <a:p>
-            <a:pPr lvl="1"/>
-            <a:r>
-              <a:rPr lang="en" dirty="0"/>
-              <a:t>Present at the county level in Ca  the  Avg. Sale Price vs. Predicted Ang. Price, Min Max Price Per SQF </a:t>
-            </a:r>
-            <a:endParaRPr dirty="0"/>
-          </a:p>
-          <a:p>
-            <a:pPr lvl="1"/>
-            <a:r>
-              <a:rPr lang="en" dirty="0"/>
-              <a:t>Top 5 Areas with the Highest prices. </a:t>
-            </a:r>
-            <a:endParaRPr dirty="0"/>
-          </a:p>
-          <a:p>
-            <a:pPr lvl="1"/>
-            <a:r>
-              <a:rPr lang="en" dirty="0"/>
-              <a:t>Bottom 5 areas with the lowest prices. l </a:t>
-            </a:r>
-            <a:endParaRPr dirty="0"/>
-          </a:p>
-        </p:txBody>
-      </p:sp>
-      <p:sp>
-        <p:nvSpPr>
-          <p:cNvPr id="4" name="TextBox 3">
-            <a:extLst>
-              <a:ext uri="{FF2B5EF4-FFF2-40B4-BE49-F238E27FC236}">
-                <a16:creationId xmlns:a16="http://schemas.microsoft.com/office/drawing/2014/main" id="{54751FBC-7BCC-4392-925A-25CAC9EB7E35}"/>
-              </a:ext>
-            </a:extLst>
-          </p:cNvPr>
-          <p:cNvSpPr txBox="1"/>
-          <p:nvPr/>
-        </p:nvSpPr>
-        <p:spPr>
-          <a:xfrm>
-            <a:off x="4475748" y="2698902"/>
-            <a:ext cx="6096000" cy="369332"/>
-          </a:xfrm>
-          <a:prstGeom prst="rect">
-            <a:avLst/>
-          </a:prstGeom>
-          <a:noFill/>
-        </p:spPr>
-        <p:txBody>
-          <a:bodyPr wrap="square">
-            <a:spAutoFit/>
-          </a:bodyPr>
-          <a:lstStyle/>
-          <a:p>
-            <a:r>
-              <a:rPr lang="en-US" dirty="0">
-                <a:solidFill>
-                  <a:srgbClr val="FF0000"/>
-                </a:solidFill>
-                <a:highlight>
-                  <a:srgbClr val="FFFF00"/>
-                </a:highlight>
-              </a:rPr>
-              <a:t>Michael</a:t>
-            </a:r>
-            <a:r>
-              <a:rPr lang="en-US" dirty="0">
-                <a:highlight>
-                  <a:srgbClr val="FFFF00"/>
-                </a:highlight>
-              </a:rPr>
-              <a:t>  to add key point to describe the Process </a:t>
-            </a:r>
+              <a:rPr lang="en"/>
+              <a:t>Python :  Pandas, PySpark </a:t>
+            </a:r>
+            <a:endParaRPr/>
+          </a:p>
+          <a:p>
+            <a:r>
+              <a:rPr lang="en"/>
+              <a:t>SQLAlchemy </a:t>
+            </a:r>
+            <a:endParaRPr/>
+          </a:p>
+          <a:p>
+            <a:r>
+              <a:rPr lang="en"/>
+              <a:t>Postgres </a:t>
+            </a:r>
+            <a:endParaRPr/>
+          </a:p>
+          <a:p>
+            <a:r>
+              <a:rPr lang="en"/>
+              <a:t>Google CoLab </a:t>
+            </a:r>
+            <a:endParaRPr/>
+          </a:p>
+          <a:p>
+            <a:r>
+              <a:rPr lang="en"/>
+              <a:t>Google Docs. </a:t>
+            </a:r>
+            <a:endParaRPr/>
+          </a:p>
+          <a:p>
+            <a:r>
+              <a:rPr lang="en"/>
+              <a:t>Python ML Models: Linear regression , Keras for neural network ML Model. </a:t>
+            </a:r>
+            <a:endParaRPr/>
           </a:p>
         </p:txBody>
       </p:sp>
@@ -8255,7 +8260,7 @@
         </p:nvSpPr>
         <p:spPr>
           <a:xfrm>
-            <a:off x="1730000" y="525000"/>
+            <a:off x="1525814" y="3126157"/>
             <a:ext cx="9385200" cy="1218800"/>
           </a:xfrm>
           <a:prstGeom prst="rect">
@@ -8269,15 +8274,15 @@
           <a:lstStyle/>
           <a:p>
             <a:r>
-              <a:rPr lang="en" sz="2800">
+              <a:rPr lang="en" sz="2800" dirty="0">
                 <a:latin typeface="Lato"/>
                 <a:ea typeface="Lato"/>
                 <a:cs typeface="Lato"/>
                 <a:sym typeface="Lato"/>
               </a:rPr>
-              <a:t>Recommendation for future analysis</a:t>
-            </a:r>
-            <a:endParaRPr sz="2800">
+              <a:t>Backup</a:t>
+            </a:r>
+            <a:endParaRPr sz="2800" dirty="0">
               <a:latin typeface="Lato"/>
               <a:ea typeface="Lato"/>
               <a:cs typeface="Lato"/>
@@ -8286,96 +8291,12 @@
           </a:p>
         </p:txBody>
       </p:sp>
-      <p:sp>
-        <p:nvSpPr>
-          <p:cNvPr id="183" name="Google Shape;183;p21"/>
-          <p:cNvSpPr txBox="1">
-            <a:spLocks noGrp="1"/>
-          </p:cNvSpPr>
-          <p:nvPr>
-            <p:ph type="body" idx="1"/>
-          </p:nvPr>
-        </p:nvSpPr>
-        <p:spPr>
-          <a:xfrm>
-            <a:off x="1730000" y="2090067"/>
-            <a:ext cx="9385200" cy="3881600"/>
-          </a:xfrm>
-          <a:prstGeom prst="rect">
-            <a:avLst/>
-          </a:prstGeom>
-        </p:spPr>
-        <p:txBody>
-          <a:bodyPr spcFirstLastPara="1" vert="horz" wrap="square" lIns="121900" tIns="121900" rIns="121900" bIns="121900" rtlCol="0" anchor="t" anchorCtr="0">
-            <a:normAutofit/>
-          </a:bodyPr>
-          <a:lstStyle/>
-          <a:p>
-            <a:pPr marL="0" indent="0">
-              <a:spcAft>
-                <a:spcPts val="1600"/>
-              </a:spcAft>
-              <a:buNone/>
-            </a:pPr>
-            <a:r>
-              <a:rPr lang="en"/>
-              <a:t>TBD </a:t>
-            </a:r>
-            <a:endParaRPr/>
-          </a:p>
-        </p:txBody>
-      </p:sp>
-      <p:sp>
-        <p:nvSpPr>
-          <p:cNvPr id="4" name="TextBox 3">
-            <a:extLst>
-              <a:ext uri="{FF2B5EF4-FFF2-40B4-BE49-F238E27FC236}">
-                <a16:creationId xmlns:a16="http://schemas.microsoft.com/office/drawing/2014/main" id="{518EAEA7-0B74-4BEC-9516-1ED4161D7DF1}"/>
-              </a:ext>
-            </a:extLst>
-          </p:cNvPr>
-          <p:cNvSpPr txBox="1"/>
-          <p:nvPr/>
-        </p:nvSpPr>
-        <p:spPr>
-          <a:xfrm>
-            <a:off x="2727159" y="3565175"/>
-            <a:ext cx="6096000" cy="369332"/>
-          </a:xfrm>
-          <a:prstGeom prst="rect">
-            <a:avLst/>
-          </a:prstGeom>
-          <a:noFill/>
-        </p:spPr>
-        <p:txBody>
-          <a:bodyPr wrap="square">
-            <a:spAutoFit/>
-          </a:bodyPr>
-          <a:lstStyle/>
-          <a:p>
-            <a:r>
-              <a:rPr lang="en-US" dirty="0">
-                <a:solidFill>
-                  <a:srgbClr val="FF0000"/>
-                </a:solidFill>
-                <a:highlight>
-                  <a:srgbClr val="FFFF00"/>
-                </a:highlight>
-              </a:rPr>
-              <a:t>Michael</a:t>
-            </a:r>
-            <a:r>
-              <a:rPr lang="en-US" dirty="0">
-                <a:highlight>
-                  <a:srgbClr val="FFFF00"/>
-                </a:highlight>
-              </a:rPr>
-              <a:t>  to add key point to describe the Process </a:t>
-            </a:r>
-          </a:p>
-        </p:txBody>
-      </p:sp>
     </p:spTree>
+    <p:extLst>
+      <p:ext uri="{BB962C8B-B14F-4D97-AF65-F5344CB8AC3E}">
+        <p14:creationId xmlns:p14="http://schemas.microsoft.com/office/powerpoint/2010/main" val="3099164048"/>
+      </p:ext>
+    </p:extLst>
   </p:cSld>
   <p:clrMapOvr>
     <a:masterClrMapping/>
@@ -8388,7 +8309,7 @@
   <p:cSld>
     <p:spTree>
       <p:nvGrpSpPr>
-        <p:cNvPr id="1" name="Shape 175"/>
+        <p:cNvPr id="1" name="Shape 151"/>
         <p:cNvGrpSpPr/>
         <p:nvPr/>
       </p:nvGrpSpPr>
@@ -8402,7 +8323,7 @@
       </p:grpSpPr>
       <p:sp>
         <p:nvSpPr>
-          <p:cNvPr id="176" name="Google Shape;176;p20"/>
+          <p:cNvPr id="152" name="Google Shape;152;p16"/>
           <p:cNvSpPr txBox="1">
             <a:spLocks noGrp="1"/>
           </p:cNvSpPr>
@@ -8413,7 +8334,7 @@
         <p:spPr>
           <a:xfrm>
             <a:off x="1730000" y="525000"/>
-            <a:ext cx="9385200" cy="1218800"/>
+            <a:ext cx="9385200" cy="945600"/>
           </a:xfrm>
           <a:prstGeom prst="rect">
             <a:avLst/>
@@ -8432,7 +8353,7 @@
                 <a:cs typeface="Lato"/>
                 <a:sym typeface="Lato"/>
               </a:rPr>
-              <a:t>Technologies, languages, tools, and algorithms used throughout the project</a:t>
+              <a:t>Data Source</a:t>
             </a:r>
             <a:endParaRPr sz="2800">
               <a:latin typeface="Lato"/>
@@ -8445,7 +8366,7 @@
       </p:sp>
       <p:sp>
         <p:nvSpPr>
-          <p:cNvPr id="177" name="Google Shape;177;p20"/>
+          <p:cNvPr id="153" name="Google Shape;153;p16"/>
           <p:cNvSpPr txBox="1">
             <a:spLocks noGrp="1"/>
           </p:cNvSpPr>
@@ -8468,50 +8389,142 @@
           </a:bodyPr>
           <a:lstStyle/>
           <a:p>
-            <a:r>
-              <a:rPr lang="en"/>
-              <a:t>Python :  Pandas, PySpark </a:t>
-            </a:r>
+            <a:pPr>
+              <a:lnSpc>
+                <a:spcPct val="133333"/>
+              </a:lnSpc>
+            </a:pPr>
+            <a:r>
+              <a:rPr lang="en">
+                <a:highlight>
+                  <a:srgbClr val="1E1E1E"/>
+                </a:highlight>
+              </a:rPr>
+              <a:t> MLS Data ( </a:t>
+            </a:r>
+            <a:r>
+              <a:rPr lang="en" u="sng">
+                <a:solidFill>
+                  <a:schemeClr val="hlink"/>
+                </a:solidFill>
+                <a:highlight>
+                  <a:srgbClr val="1E1E1E"/>
+                </a:highlight>
+                <a:hlinkClick r:id="rId3"/>
+              </a:rPr>
+              <a:t>https://pro.mlslistings.com/Account/Login.aspx</a:t>
+            </a:r>
+            <a:r>
+              <a:rPr lang="en">
+                <a:highlight>
+                  <a:srgbClr val="1E1E1E"/>
+                </a:highlight>
+              </a:rPr>
+              <a:t> ) </a:t>
+            </a:r>
+            <a:endParaRPr>
+              <a:highlight>
+                <a:srgbClr val="1E1E1E"/>
+              </a:highlight>
+            </a:endParaRPr>
+          </a:p>
+          <a:p>
+            <a:pPr lvl="1">
+              <a:lnSpc>
+                <a:spcPct val="133333"/>
+              </a:lnSpc>
+            </a:pPr>
+            <a:r>
+              <a:rPr lang="en">
+                <a:highlight>
+                  <a:srgbClr val="1E1E1E"/>
+                </a:highlight>
+              </a:rPr>
+              <a:t> The dataset includes  4340  CA housing sale  records ctions  for the period from 9/2017 till 7/2021. The dataset includes House Address, Zip code, House size, Lot size, Year Built, Listing Date, sale Date, Listing Price, and Sale Price. </a:t>
+            </a:r>
+            <a:endParaRPr>
+              <a:highlight>
+                <a:srgbClr val="1E1E1E"/>
+              </a:highlight>
+            </a:endParaRPr>
+          </a:p>
+          <a:p>
+            <a:pPr lvl="1">
+              <a:lnSpc>
+                <a:spcPct val="133333"/>
+              </a:lnSpc>
+            </a:pPr>
+            <a:r>
+              <a:rPr lang="en">
+                <a:highlight>
+                  <a:srgbClr val="1E1E1E"/>
+                </a:highlight>
+              </a:rPr>
+              <a:t>Dataset format:  CSV. </a:t>
+            </a:r>
+            <a:endParaRPr>
+              <a:highlight>
+                <a:srgbClr val="1E1E1E"/>
+              </a:highlight>
+            </a:endParaRPr>
+          </a:p>
+          <a:p>
+            <a:pPr>
+              <a:lnSpc>
+                <a:spcPct val="133333"/>
+              </a:lnSpc>
+            </a:pPr>
+            <a:r>
+              <a:rPr lang="en">
+                <a:highlight>
+                  <a:srgbClr val="1E1E1E"/>
+                </a:highlight>
+              </a:rPr>
+              <a:t>2nd Table  includes dataset for mapping  Zip Codes to County Names.</a:t>
+            </a:r>
+            <a:endParaRPr>
+              <a:highlight>
+                <a:srgbClr val="1E1E1E"/>
+              </a:highlight>
+            </a:endParaRPr>
+          </a:p>
+          <a:p>
+            <a:pPr lvl="1">
+              <a:lnSpc>
+                <a:spcPct val="133333"/>
+              </a:lnSpc>
+            </a:pPr>
+            <a:r>
+              <a:rPr lang="en">
+                <a:highlight>
+                  <a:srgbClr val="1E1E1E"/>
+                </a:highlight>
+              </a:rPr>
+              <a:t>Dataset format: CSV . </a:t>
+            </a:r>
+            <a:endParaRPr>
+              <a:highlight>
+                <a:srgbClr val="1E1E1E"/>
+              </a:highlight>
+            </a:endParaRPr>
+          </a:p>
+          <a:p>
+            <a:pPr marL="0" indent="0">
+              <a:spcAft>
+                <a:spcPts val="1600"/>
+              </a:spcAft>
+              <a:buNone/>
+            </a:pPr>
             <a:endParaRPr/>
           </a:p>
-          <a:p>
-            <a:r>
-              <a:rPr lang="en"/>
-              <a:t>SQLAlchemy </a:t>
-            </a:r>
-            <a:endParaRPr/>
-          </a:p>
-          <a:p>
-            <a:r>
-              <a:rPr lang="en"/>
-              <a:t>Postgres </a:t>
-            </a:r>
-            <a:endParaRPr/>
-          </a:p>
-          <a:p>
-            <a:r>
-              <a:rPr lang="en"/>
-              <a:t>Google CoLab </a:t>
-            </a:r>
-            <a:endParaRPr/>
-          </a:p>
-          <a:p>
-            <a:r>
-              <a:rPr lang="en"/>
-              <a:t>Google Docs. </a:t>
-            </a:r>
-            <a:endParaRPr/>
-          </a:p>
-          <a:p>
-            <a:r>
-              <a:rPr lang="en"/>
-              <a:t>Python ML Models: Linear regression , Keras for neural network ML Model. </a:t>
-            </a:r>
-            <a:endParaRPr/>
-          </a:p>
         </p:txBody>
       </p:sp>
     </p:spTree>
+    <p:extLst>
+      <p:ext uri="{BB962C8B-B14F-4D97-AF65-F5344CB8AC3E}">
+        <p14:creationId xmlns:p14="http://schemas.microsoft.com/office/powerpoint/2010/main" val="3923756508"/>
+      </p:ext>
+    </p:extLst>
   </p:cSld>
   <p:clrMapOvr>
     <a:masterClrMapping/>
@@ -8520,11 +8533,11 @@
 </file>
 
 <file path=ppt/slides/slide13.xml><?xml version="1.0" encoding="utf-8"?>
-<p:sld xmlns:a="http://schemas.openxmlformats.org/drawingml/2006/main" xmlns:r="http://schemas.openxmlformats.org/officeDocument/2006/relationships" xmlns:p="http://schemas.openxmlformats.org/presentationml/2006/main">
+<p:sld xmlns:a="http://schemas.openxmlformats.org/drawingml/2006/main" xmlns:r="http://schemas.openxmlformats.org/officeDocument/2006/relationships" xmlns:p="http://schemas.openxmlformats.org/presentationml/2006/main" show="0">
   <p:cSld>
     <p:spTree>
       <p:nvGrpSpPr>
-        <p:cNvPr id="1" name="Shape 181"/>
+        <p:cNvPr id="1" name="Shape 157"/>
         <p:cNvGrpSpPr/>
         <p:nvPr/>
       </p:nvGrpSpPr>
@@ -8538,7 +8551,7 @@
       </p:grpSpPr>
       <p:sp>
         <p:nvSpPr>
-          <p:cNvPr id="182" name="Google Shape;182;p21"/>
+          <p:cNvPr id="158" name="Google Shape;158;p17"/>
           <p:cNvSpPr txBox="1">
             <a:spLocks noGrp="1"/>
           </p:cNvSpPr>
@@ -8548,8 +8561,8 @@
         </p:nvSpPr>
         <p:spPr>
           <a:xfrm>
-            <a:off x="1525814" y="3126157"/>
-            <a:ext cx="9385200" cy="1218800"/>
+            <a:off x="1730000" y="525000"/>
+            <a:ext cx="9385200" cy="945600"/>
           </a:xfrm>
           <a:prstGeom prst="rect">
             <a:avLst/>
@@ -8562,15 +8575,15 @@
           <a:lstStyle/>
           <a:p>
             <a:r>
-              <a:rPr lang="en" sz="2800" dirty="0">
+              <a:rPr lang="en" sz="2800">
                 <a:latin typeface="Lato"/>
                 <a:ea typeface="Lato"/>
                 <a:cs typeface="Lato"/>
                 <a:sym typeface="Lato"/>
               </a:rPr>
-              <a:t>Backup</a:t>
-            </a:r>
-            <a:endParaRPr sz="2800" dirty="0">
+              <a:t>Data exploration &amp; transformation </a:t>
+            </a:r>
+            <a:endParaRPr sz="2800">
               <a:latin typeface="Lato"/>
               <a:ea typeface="Lato"/>
               <a:cs typeface="Lato"/>
@@ -8579,10 +8592,169 @@
           </a:p>
         </p:txBody>
       </p:sp>
+      <p:sp>
+        <p:nvSpPr>
+          <p:cNvPr id="159" name="Google Shape;159;p17"/>
+          <p:cNvSpPr txBox="1">
+            <a:spLocks noGrp="1"/>
+          </p:cNvSpPr>
+          <p:nvPr>
+            <p:ph type="body" idx="1"/>
+          </p:nvPr>
+        </p:nvSpPr>
+        <p:spPr>
+          <a:xfrm>
+            <a:off x="1730000" y="2090067"/>
+            <a:ext cx="9385200" cy="3881600"/>
+          </a:xfrm>
+          <a:prstGeom prst="rect">
+            <a:avLst/>
+          </a:prstGeom>
+        </p:spPr>
+        <p:txBody>
+          <a:bodyPr spcFirstLastPara="1" vert="horz" wrap="square" lIns="121900" tIns="121900" rIns="121900" bIns="121900" rtlCol="0" anchor="t" anchorCtr="0">
+            <a:normAutofit/>
+          </a:bodyPr>
+          <a:lstStyle/>
+          <a:p>
+            <a:pPr>
+              <a:lnSpc>
+                <a:spcPct val="133333"/>
+              </a:lnSpc>
+            </a:pPr>
+            <a:r>
+              <a:rPr lang="en">
+                <a:highlight>
+                  <a:srgbClr val="FF0000"/>
+                </a:highlight>
+              </a:rPr>
+              <a:t>For  Data exploration we had to perform the following steps:</a:t>
+            </a:r>
+            <a:endParaRPr>
+              <a:highlight>
+                <a:srgbClr val="FF0000"/>
+              </a:highlight>
+            </a:endParaRPr>
+          </a:p>
+          <a:p>
+            <a:pPr lvl="1">
+              <a:lnSpc>
+                <a:spcPct val="133333"/>
+              </a:lnSpc>
+            </a:pPr>
+            <a:r>
+              <a:rPr lang="en">
+                <a:highlight>
+                  <a:srgbClr val="FF0000"/>
+                </a:highlight>
+              </a:rPr>
+              <a:t>Clean up the Null Cells. </a:t>
+            </a:r>
+            <a:endParaRPr>
+              <a:highlight>
+                <a:srgbClr val="FF0000"/>
+              </a:highlight>
+            </a:endParaRPr>
+          </a:p>
+          <a:p>
+            <a:pPr lvl="1">
+              <a:lnSpc>
+                <a:spcPct val="133333"/>
+              </a:lnSpc>
+            </a:pPr>
+            <a:r>
+              <a:rPr lang="en">
+                <a:highlight>
+                  <a:srgbClr val="FF0000"/>
+                </a:highlight>
+              </a:rPr>
+              <a:t>Update “Age” Column accordingly</a:t>
+            </a:r>
+            <a:endParaRPr>
+              <a:highlight>
+                <a:srgbClr val="FF0000"/>
+              </a:highlight>
+            </a:endParaRPr>
+          </a:p>
+          <a:p>
+            <a:pPr>
+              <a:lnSpc>
+                <a:spcPct val="133333"/>
+              </a:lnSpc>
+            </a:pPr>
+            <a:r>
+              <a:rPr lang="en">
+                <a:highlight>
+                  <a:srgbClr val="FF0000"/>
+                </a:highlight>
+              </a:rPr>
+              <a:t>We planned to build the ML per each Zip Code. but after short analysis of the Dataset , we found out that there is no enough records to Run ML Model at the Zip code level. The team decided to uplevel the analysis to the county level. </a:t>
+            </a:r>
+            <a:endParaRPr>
+              <a:highlight>
+                <a:srgbClr val="FF0000"/>
+              </a:highlight>
+            </a:endParaRPr>
+          </a:p>
+          <a:p>
+            <a:pPr>
+              <a:lnSpc>
+                <a:spcPct val="133333"/>
+              </a:lnSpc>
+            </a:pPr>
+            <a:endParaRPr>
+              <a:highlight>
+                <a:srgbClr val="FF0000"/>
+              </a:highlight>
+            </a:endParaRPr>
+          </a:p>
+          <a:p>
+            <a:pPr>
+              <a:lnSpc>
+                <a:spcPct val="133333"/>
+              </a:lnSpc>
+            </a:pPr>
+            <a:endParaRPr>
+              <a:highlight>
+                <a:srgbClr val="FF0000"/>
+              </a:highlight>
+            </a:endParaRPr>
+          </a:p>
+          <a:p>
+            <a:pPr>
+              <a:lnSpc>
+                <a:spcPct val="133333"/>
+              </a:lnSpc>
+            </a:pPr>
+            <a:r>
+              <a:rPr lang="en">
+                <a:highlight>
+                  <a:srgbClr val="FF0000"/>
+                </a:highlight>
+              </a:rPr>
+              <a:t>Dawit and Troung to add the ETL flow that each one put together to transform the Data . </a:t>
+            </a:r>
+            <a:endParaRPr>
+              <a:highlight>
+                <a:srgbClr val="FF0000"/>
+              </a:highlight>
+            </a:endParaRPr>
+          </a:p>
+          <a:p>
+            <a:pPr marL="0" indent="0">
+              <a:spcAft>
+                <a:spcPts val="1600"/>
+              </a:spcAft>
+              <a:buNone/>
+            </a:pPr>
+            <a:endParaRPr/>
+          </a:p>
+        </p:txBody>
+      </p:sp>
     </p:spTree>
     <p:extLst>
       <p:ext uri="{BB962C8B-B14F-4D97-AF65-F5344CB8AC3E}">
-        <p14:creationId xmlns:p14="http://schemas.microsoft.com/office/powerpoint/2010/main" val="3099164048"/>
+        <p14:creationId xmlns:p14="http://schemas.microsoft.com/office/powerpoint/2010/main" val="1929161778"/>
       </p:ext>
     </p:extLst>
   </p:cSld>
@@ -10097,456 +10269,6 @@
 <file path=ppt/slides/slide3.xml><?xml version="1.0" encoding="utf-8"?>
 <p:sld xmlns:a="http://schemas.openxmlformats.org/drawingml/2006/main" xmlns:r="http://schemas.openxmlformats.org/officeDocument/2006/relationships" xmlns:p="http://schemas.openxmlformats.org/presentationml/2006/main">
   <p:cSld>
-    <p:spTree>
-      <p:nvGrpSpPr>
-        <p:cNvPr id="1" name="Shape 151"/>
-        <p:cNvGrpSpPr/>
-        <p:nvPr/>
-      </p:nvGrpSpPr>
-      <p:grpSpPr>
-        <a:xfrm>
-          <a:off x="0" y="0"/>
-          <a:ext cx="0" cy="0"/>
-          <a:chOff x="0" y="0"/>
-          <a:chExt cx="0" cy="0"/>
-        </a:xfrm>
-      </p:grpSpPr>
-      <p:sp>
-        <p:nvSpPr>
-          <p:cNvPr id="152" name="Google Shape;152;p16"/>
-          <p:cNvSpPr txBox="1">
-            <a:spLocks noGrp="1"/>
-          </p:cNvSpPr>
-          <p:nvPr>
-            <p:ph type="title"/>
-          </p:nvPr>
-        </p:nvSpPr>
-        <p:spPr>
-          <a:xfrm>
-            <a:off x="1730000" y="525000"/>
-            <a:ext cx="9385200" cy="945600"/>
-          </a:xfrm>
-          <a:prstGeom prst="rect">
-            <a:avLst/>
-          </a:prstGeom>
-        </p:spPr>
-        <p:txBody>
-          <a:bodyPr spcFirstLastPara="1" vert="horz" wrap="square" lIns="121900" tIns="121900" rIns="121900" bIns="121900" rtlCol="0" anchor="t" anchorCtr="0">
-            <a:normAutofit/>
-          </a:bodyPr>
-          <a:lstStyle/>
-          <a:p>
-            <a:r>
-              <a:rPr lang="en" sz="2800">
-                <a:latin typeface="Lato"/>
-                <a:ea typeface="Lato"/>
-                <a:cs typeface="Lato"/>
-                <a:sym typeface="Lato"/>
-              </a:rPr>
-              <a:t>Data Source</a:t>
-            </a:r>
-            <a:endParaRPr sz="2800">
-              <a:latin typeface="Lato"/>
-              <a:ea typeface="Lato"/>
-              <a:cs typeface="Lato"/>
-              <a:sym typeface="Lato"/>
-            </a:endParaRPr>
-          </a:p>
-        </p:txBody>
-      </p:sp>
-      <p:sp>
-        <p:nvSpPr>
-          <p:cNvPr id="153" name="Google Shape;153;p16"/>
-          <p:cNvSpPr txBox="1">
-            <a:spLocks noGrp="1"/>
-          </p:cNvSpPr>
-          <p:nvPr>
-            <p:ph type="body" idx="1"/>
-          </p:nvPr>
-        </p:nvSpPr>
-        <p:spPr>
-          <a:xfrm>
-            <a:off x="1730000" y="2090067"/>
-            <a:ext cx="9385200" cy="3881600"/>
-          </a:xfrm>
-          <a:prstGeom prst="rect">
-            <a:avLst/>
-          </a:prstGeom>
-        </p:spPr>
-        <p:txBody>
-          <a:bodyPr spcFirstLastPara="1" vert="horz" wrap="square" lIns="121900" tIns="121900" rIns="121900" bIns="121900" rtlCol="0" anchor="t" anchorCtr="0">
-            <a:normAutofit/>
-          </a:bodyPr>
-          <a:lstStyle/>
-          <a:p>
-            <a:pPr>
-              <a:lnSpc>
-                <a:spcPct val="133333"/>
-              </a:lnSpc>
-            </a:pPr>
-            <a:r>
-              <a:rPr lang="en">
-                <a:highlight>
-                  <a:srgbClr val="1E1E1E"/>
-                </a:highlight>
-              </a:rPr>
-              <a:t> MLS Data ( </a:t>
-            </a:r>
-            <a:r>
-              <a:rPr lang="en" u="sng">
-                <a:solidFill>
-                  <a:schemeClr val="hlink"/>
-                </a:solidFill>
-                <a:highlight>
-                  <a:srgbClr val="1E1E1E"/>
-                </a:highlight>
-                <a:hlinkClick r:id="rId3"/>
-              </a:rPr>
-              <a:t>https://pro.mlslistings.com/Account/Login.aspx</a:t>
-            </a:r>
-            <a:r>
-              <a:rPr lang="en">
-                <a:highlight>
-                  <a:srgbClr val="1E1E1E"/>
-                </a:highlight>
-              </a:rPr>
-              <a:t> ) </a:t>
-            </a:r>
-            <a:endParaRPr>
-              <a:highlight>
-                <a:srgbClr val="1E1E1E"/>
-              </a:highlight>
-            </a:endParaRPr>
-          </a:p>
-          <a:p>
-            <a:pPr lvl="1">
-              <a:lnSpc>
-                <a:spcPct val="133333"/>
-              </a:lnSpc>
-            </a:pPr>
-            <a:r>
-              <a:rPr lang="en">
-                <a:highlight>
-                  <a:srgbClr val="1E1E1E"/>
-                </a:highlight>
-              </a:rPr>
-              <a:t> The dataset includes  4340  CA housing sale  records ctions  for the period from 9/2017 till 7/2021. The dataset includes House Address, Zip code, House size, Lot size, Year Built, Listing Date, sale Date, Listing Price, and Sale Price. </a:t>
-            </a:r>
-            <a:endParaRPr>
-              <a:highlight>
-                <a:srgbClr val="1E1E1E"/>
-              </a:highlight>
-            </a:endParaRPr>
-          </a:p>
-          <a:p>
-            <a:pPr lvl="1">
-              <a:lnSpc>
-                <a:spcPct val="133333"/>
-              </a:lnSpc>
-            </a:pPr>
-            <a:r>
-              <a:rPr lang="en">
-                <a:highlight>
-                  <a:srgbClr val="1E1E1E"/>
-                </a:highlight>
-              </a:rPr>
-              <a:t>Dataset format:  CSV. </a:t>
-            </a:r>
-            <a:endParaRPr>
-              <a:highlight>
-                <a:srgbClr val="1E1E1E"/>
-              </a:highlight>
-            </a:endParaRPr>
-          </a:p>
-          <a:p>
-            <a:pPr>
-              <a:lnSpc>
-                <a:spcPct val="133333"/>
-              </a:lnSpc>
-            </a:pPr>
-            <a:r>
-              <a:rPr lang="en">
-                <a:highlight>
-                  <a:srgbClr val="1E1E1E"/>
-                </a:highlight>
-              </a:rPr>
-              <a:t>2nd Table  includes dataset for mapping  Zip Codes to County Names.</a:t>
-            </a:r>
-            <a:endParaRPr>
-              <a:highlight>
-                <a:srgbClr val="1E1E1E"/>
-              </a:highlight>
-            </a:endParaRPr>
-          </a:p>
-          <a:p>
-            <a:pPr lvl="1">
-              <a:lnSpc>
-                <a:spcPct val="133333"/>
-              </a:lnSpc>
-            </a:pPr>
-            <a:r>
-              <a:rPr lang="en">
-                <a:highlight>
-                  <a:srgbClr val="1E1E1E"/>
-                </a:highlight>
-              </a:rPr>
-              <a:t>Dataset format: CSV . </a:t>
-            </a:r>
-            <a:endParaRPr>
-              <a:highlight>
-                <a:srgbClr val="1E1E1E"/>
-              </a:highlight>
-            </a:endParaRPr>
-          </a:p>
-          <a:p>
-            <a:pPr marL="0" indent="0">
-              <a:spcAft>
-                <a:spcPts val="1600"/>
-              </a:spcAft>
-              <a:buNone/>
-            </a:pPr>
-            <a:endParaRPr/>
-          </a:p>
-        </p:txBody>
-      </p:sp>
-    </p:spTree>
-  </p:cSld>
-  <p:clrMapOvr>
-    <a:masterClrMapping/>
-  </p:clrMapOvr>
-</p:sld>
-</file>
-
-<file path=ppt/slides/slide4.xml><?xml version="1.0" encoding="utf-8"?>
-<p:sld xmlns:a="http://schemas.openxmlformats.org/drawingml/2006/main" xmlns:r="http://schemas.openxmlformats.org/officeDocument/2006/relationships" xmlns:p="http://schemas.openxmlformats.org/presentationml/2006/main" show="0">
-  <p:cSld>
-    <p:spTree>
-      <p:nvGrpSpPr>
-        <p:cNvPr id="1" name="Shape 157"/>
-        <p:cNvGrpSpPr/>
-        <p:nvPr/>
-      </p:nvGrpSpPr>
-      <p:grpSpPr>
-        <a:xfrm>
-          <a:off x="0" y="0"/>
-          <a:ext cx="0" cy="0"/>
-          <a:chOff x="0" y="0"/>
-          <a:chExt cx="0" cy="0"/>
-        </a:xfrm>
-      </p:grpSpPr>
-      <p:sp>
-        <p:nvSpPr>
-          <p:cNvPr id="158" name="Google Shape;158;p17"/>
-          <p:cNvSpPr txBox="1">
-            <a:spLocks noGrp="1"/>
-          </p:cNvSpPr>
-          <p:nvPr>
-            <p:ph type="title"/>
-          </p:nvPr>
-        </p:nvSpPr>
-        <p:spPr>
-          <a:xfrm>
-            <a:off x="1730000" y="525000"/>
-            <a:ext cx="9385200" cy="945600"/>
-          </a:xfrm>
-          <a:prstGeom prst="rect">
-            <a:avLst/>
-          </a:prstGeom>
-        </p:spPr>
-        <p:txBody>
-          <a:bodyPr spcFirstLastPara="1" vert="horz" wrap="square" lIns="121900" tIns="121900" rIns="121900" bIns="121900" rtlCol="0" anchor="t" anchorCtr="0">
-            <a:normAutofit/>
-          </a:bodyPr>
-          <a:lstStyle/>
-          <a:p>
-            <a:r>
-              <a:rPr lang="en" sz="2800">
-                <a:latin typeface="Lato"/>
-                <a:ea typeface="Lato"/>
-                <a:cs typeface="Lato"/>
-                <a:sym typeface="Lato"/>
-              </a:rPr>
-              <a:t>Data exploration &amp; transformation </a:t>
-            </a:r>
-            <a:endParaRPr sz="2800">
-              <a:latin typeface="Lato"/>
-              <a:ea typeface="Lato"/>
-              <a:cs typeface="Lato"/>
-              <a:sym typeface="Lato"/>
-            </a:endParaRPr>
-          </a:p>
-        </p:txBody>
-      </p:sp>
-      <p:sp>
-        <p:nvSpPr>
-          <p:cNvPr id="159" name="Google Shape;159;p17"/>
-          <p:cNvSpPr txBox="1">
-            <a:spLocks noGrp="1"/>
-          </p:cNvSpPr>
-          <p:nvPr>
-            <p:ph type="body" idx="1"/>
-          </p:nvPr>
-        </p:nvSpPr>
-        <p:spPr>
-          <a:xfrm>
-            <a:off x="1730000" y="2090067"/>
-            <a:ext cx="9385200" cy="3881600"/>
-          </a:xfrm>
-          <a:prstGeom prst="rect">
-            <a:avLst/>
-          </a:prstGeom>
-        </p:spPr>
-        <p:txBody>
-          <a:bodyPr spcFirstLastPara="1" vert="horz" wrap="square" lIns="121900" tIns="121900" rIns="121900" bIns="121900" rtlCol="0" anchor="t" anchorCtr="0">
-            <a:normAutofit/>
-          </a:bodyPr>
-          <a:lstStyle/>
-          <a:p>
-            <a:pPr>
-              <a:lnSpc>
-                <a:spcPct val="133333"/>
-              </a:lnSpc>
-            </a:pPr>
-            <a:r>
-              <a:rPr lang="en">
-                <a:highlight>
-                  <a:srgbClr val="FF0000"/>
-                </a:highlight>
-              </a:rPr>
-              <a:t>For  Data exploration we had to perform the following steps:</a:t>
-            </a:r>
-            <a:endParaRPr>
-              <a:highlight>
-                <a:srgbClr val="FF0000"/>
-              </a:highlight>
-            </a:endParaRPr>
-          </a:p>
-          <a:p>
-            <a:pPr lvl="1">
-              <a:lnSpc>
-                <a:spcPct val="133333"/>
-              </a:lnSpc>
-            </a:pPr>
-            <a:r>
-              <a:rPr lang="en">
-                <a:highlight>
-                  <a:srgbClr val="FF0000"/>
-                </a:highlight>
-              </a:rPr>
-              <a:t>Clean up the Null Cells. </a:t>
-            </a:r>
-            <a:endParaRPr>
-              <a:highlight>
-                <a:srgbClr val="FF0000"/>
-              </a:highlight>
-            </a:endParaRPr>
-          </a:p>
-          <a:p>
-            <a:pPr lvl="1">
-              <a:lnSpc>
-                <a:spcPct val="133333"/>
-              </a:lnSpc>
-            </a:pPr>
-            <a:r>
-              <a:rPr lang="en">
-                <a:highlight>
-                  <a:srgbClr val="FF0000"/>
-                </a:highlight>
-              </a:rPr>
-              <a:t>Update “Age” Column accordingly</a:t>
-            </a:r>
-            <a:endParaRPr>
-              <a:highlight>
-                <a:srgbClr val="FF0000"/>
-              </a:highlight>
-            </a:endParaRPr>
-          </a:p>
-          <a:p>
-            <a:pPr>
-              <a:lnSpc>
-                <a:spcPct val="133333"/>
-              </a:lnSpc>
-            </a:pPr>
-            <a:r>
-              <a:rPr lang="en">
-                <a:highlight>
-                  <a:srgbClr val="FF0000"/>
-                </a:highlight>
-              </a:rPr>
-              <a:t>We planned to build the ML per each Zip Code. but after short analysis of the Dataset , we found out that there is no enough records to Run ML Model at the Zip code level. The team decided to uplevel the analysis to the county level. </a:t>
-            </a:r>
-            <a:endParaRPr>
-              <a:highlight>
-                <a:srgbClr val="FF0000"/>
-              </a:highlight>
-            </a:endParaRPr>
-          </a:p>
-          <a:p>
-            <a:pPr>
-              <a:lnSpc>
-                <a:spcPct val="133333"/>
-              </a:lnSpc>
-            </a:pPr>
-            <a:endParaRPr>
-              <a:highlight>
-                <a:srgbClr val="FF0000"/>
-              </a:highlight>
-            </a:endParaRPr>
-          </a:p>
-          <a:p>
-            <a:pPr>
-              <a:lnSpc>
-                <a:spcPct val="133333"/>
-              </a:lnSpc>
-            </a:pPr>
-            <a:endParaRPr>
-              <a:highlight>
-                <a:srgbClr val="FF0000"/>
-              </a:highlight>
-            </a:endParaRPr>
-          </a:p>
-          <a:p>
-            <a:pPr>
-              <a:lnSpc>
-                <a:spcPct val="133333"/>
-              </a:lnSpc>
-            </a:pPr>
-            <a:r>
-              <a:rPr lang="en">
-                <a:highlight>
-                  <a:srgbClr val="FF0000"/>
-                </a:highlight>
-              </a:rPr>
-              <a:t>Dawit and Troung to add the ETL flow that each one put together to transform the Data . </a:t>
-            </a:r>
-            <a:endParaRPr>
-              <a:highlight>
-                <a:srgbClr val="FF0000"/>
-              </a:highlight>
-            </a:endParaRPr>
-          </a:p>
-          <a:p>
-            <a:pPr marL="0" indent="0">
-              <a:spcAft>
-                <a:spcPts val="1600"/>
-              </a:spcAft>
-              <a:buNone/>
-            </a:pPr>
-            <a:endParaRPr/>
-          </a:p>
-        </p:txBody>
-      </p:sp>
-    </p:spTree>
-  </p:cSld>
-  <p:clrMapOvr>
-    <a:masterClrMapping/>
-  </p:clrMapOvr>
-</p:sld>
-</file>
-
-<file path=ppt/slides/slide5.xml><?xml version="1.0" encoding="utf-8"?>
-<p:sld xmlns:a="http://schemas.openxmlformats.org/drawingml/2006/main" xmlns:r="http://schemas.openxmlformats.org/officeDocument/2006/relationships" xmlns:p="http://schemas.openxmlformats.org/presentationml/2006/main">
-  <p:cSld>
     <p:bg>
       <p:bgPr>
         <a:solidFill>
@@ -10703,6 +10425,354 @@
     <p:extLst>
       <p:ext uri="{BB962C8B-B14F-4D97-AF65-F5344CB8AC3E}">
         <p14:creationId xmlns:p14="http://schemas.microsoft.com/office/powerpoint/2010/main" val="3828626221"/>
+      </p:ext>
+    </p:extLst>
+  </p:cSld>
+  <p:clrMapOvr>
+    <a:masterClrMapping/>
+  </p:clrMapOvr>
+</p:sld>
+</file>
+
+<file path=ppt/slides/slide4.xml><?xml version="1.0" encoding="utf-8"?>
+<p:sld xmlns:a="http://schemas.openxmlformats.org/drawingml/2006/main" xmlns:r="http://schemas.openxmlformats.org/officeDocument/2006/relationships" xmlns:p="http://schemas.openxmlformats.org/presentationml/2006/main">
+  <p:cSld>
+    <p:spTree>
+      <p:nvGrpSpPr>
+        <p:cNvPr id="1" name="Shape 157"/>
+        <p:cNvGrpSpPr/>
+        <p:nvPr/>
+      </p:nvGrpSpPr>
+      <p:grpSpPr>
+        <a:xfrm>
+          <a:off x="0" y="0"/>
+          <a:ext cx="0" cy="0"/>
+          <a:chOff x="0" y="0"/>
+          <a:chExt cx="0" cy="0"/>
+        </a:xfrm>
+      </p:grpSpPr>
+      <p:sp>
+        <p:nvSpPr>
+          <p:cNvPr id="158" name="Google Shape;158;p17"/>
+          <p:cNvSpPr txBox="1">
+            <a:spLocks noGrp="1"/>
+          </p:cNvSpPr>
+          <p:nvPr>
+            <p:ph type="title"/>
+          </p:nvPr>
+        </p:nvSpPr>
+        <p:spPr>
+          <a:prstGeom prst="rect">
+            <a:avLst/>
+          </a:prstGeom>
+        </p:spPr>
+        <p:txBody>
+          <a:bodyPr spcFirstLastPara="1" vert="horz" lIns="91440" tIns="45720" rIns="91440" bIns="45720" rtlCol="0" anchor="ctr" anchorCtr="0">
+            <a:normAutofit/>
+          </a:bodyPr>
+          <a:lstStyle/>
+          <a:p>
+            <a:pPr algn="ctr">
+              <a:spcBef>
+                <a:spcPct val="0"/>
+              </a:spcBef>
+            </a:pPr>
+            <a:r>
+              <a:rPr lang="en-US" sz="3600" dirty="0">
+                <a:solidFill>
+                  <a:srgbClr val="FFFFFF"/>
+                </a:solidFill>
+              </a:rPr>
+              <a:t>Data Processing </a:t>
+            </a:r>
+            <a:endParaRPr lang="en-US" sz="3600" dirty="0">
+              <a:solidFill>
+                <a:srgbClr val="FFFFFF"/>
+              </a:solidFill>
+              <a:sym typeface="Lato"/>
+            </a:endParaRPr>
+          </a:p>
+        </p:txBody>
+      </p:sp>
+      <p:sp>
+        <p:nvSpPr>
+          <p:cNvPr id="5" name="Content Placeholder 4">
+            <a:extLst>
+              <a:ext uri="{FF2B5EF4-FFF2-40B4-BE49-F238E27FC236}">
+                <a16:creationId xmlns:a16="http://schemas.microsoft.com/office/drawing/2014/main" id="{73A4CFA3-42F4-47AC-BA02-AD7A7CCBB3DD}"/>
+              </a:ext>
+            </a:extLst>
+          </p:cNvPr>
+          <p:cNvSpPr>
+            <a:spLocks noGrp="1"/>
+          </p:cNvSpPr>
+          <p:nvPr>
+            <p:ph idx="1"/>
+          </p:nvPr>
+        </p:nvSpPr>
+        <p:spPr>
+          <a:xfrm>
+            <a:off x="4900928" y="1179829"/>
+            <a:ext cx="6650991" cy="2934971"/>
+          </a:xfrm>
+        </p:spPr>
+        <p:txBody>
+          <a:bodyPr/>
+          <a:lstStyle/>
+          <a:p>
+            <a:r>
+              <a:rPr lang="en-US" dirty="0">
+                <a:highlight>
+                  <a:srgbClr val="FFFF00"/>
+                </a:highlight>
+              </a:rPr>
+              <a:t>Dawit to add key point to describe the Process </a:t>
+            </a:r>
+          </a:p>
+        </p:txBody>
+      </p:sp>
+      <p:sp>
+        <p:nvSpPr>
+          <p:cNvPr id="6" name="Text Placeholder 5">
+            <a:extLst>
+              <a:ext uri="{FF2B5EF4-FFF2-40B4-BE49-F238E27FC236}">
+                <a16:creationId xmlns:a16="http://schemas.microsoft.com/office/drawing/2014/main" id="{01E64F2C-A246-49EF-B6C0-F492146EBD34}"/>
+              </a:ext>
+            </a:extLst>
+          </p:cNvPr>
+          <p:cNvSpPr>
+            <a:spLocks noGrp="1"/>
+          </p:cNvSpPr>
+          <p:nvPr>
+            <p:ph type="body" sz="half" idx="2"/>
+          </p:nvPr>
+        </p:nvSpPr>
+        <p:spPr>
+          <a:xfrm>
+            <a:off x="767857" y="3104146"/>
+            <a:ext cx="3031852" cy="2733899"/>
+          </a:xfrm>
+        </p:spPr>
+        <p:txBody>
+          <a:bodyPr/>
+          <a:lstStyle/>
+          <a:p>
+            <a:endParaRPr lang="en-US"/>
+          </a:p>
+        </p:txBody>
+      </p:sp>
+      <p:pic>
+        <p:nvPicPr>
+          <p:cNvPr id="7" name="Picture 6" descr="Graphical user interface, text, application&#10;&#10;Description automatically generated">
+            <a:extLst>
+              <a:ext uri="{FF2B5EF4-FFF2-40B4-BE49-F238E27FC236}">
+                <a16:creationId xmlns:a16="http://schemas.microsoft.com/office/drawing/2014/main" id="{D5D90A61-386B-42C5-B26F-433FD6FD0825}"/>
+              </a:ext>
+            </a:extLst>
+          </p:cNvPr>
+          <p:cNvPicPr>
+            <a:picLocks noChangeAspect="1"/>
+          </p:cNvPicPr>
+          <p:nvPr/>
+        </p:nvPicPr>
+        <p:blipFill>
+          <a:blip r:embed="rId3"/>
+          <a:stretch>
+            <a:fillRect/>
+          </a:stretch>
+        </p:blipFill>
+        <p:spPr>
+          <a:xfrm>
+            <a:off x="10324643" y="4892841"/>
+            <a:ext cx="1420824" cy="1511515"/>
+          </a:xfrm>
+          <a:prstGeom prst="rect">
+            <a:avLst/>
+          </a:prstGeom>
+        </p:spPr>
+      </p:pic>
+    </p:spTree>
+    <p:extLst>
+      <p:ext uri="{BB962C8B-B14F-4D97-AF65-F5344CB8AC3E}">
+        <p14:creationId xmlns:p14="http://schemas.microsoft.com/office/powerpoint/2010/main" val="3816661849"/>
+      </p:ext>
+    </p:extLst>
+  </p:cSld>
+  <p:clrMapOvr>
+    <a:masterClrMapping/>
+  </p:clrMapOvr>
+</p:sld>
+</file>
+
+<file path=ppt/slides/slide5.xml><?xml version="1.0" encoding="utf-8"?>
+<p:sld xmlns:a="http://schemas.openxmlformats.org/drawingml/2006/main" xmlns:r="http://schemas.openxmlformats.org/officeDocument/2006/relationships" xmlns:p="http://schemas.openxmlformats.org/presentationml/2006/main">
+  <p:cSld>
+    <p:spTree>
+      <p:nvGrpSpPr>
+        <p:cNvPr id="1" name="Shape 157"/>
+        <p:cNvGrpSpPr/>
+        <p:nvPr/>
+      </p:nvGrpSpPr>
+      <p:grpSpPr>
+        <a:xfrm>
+          <a:off x="0" y="0"/>
+          <a:ext cx="0" cy="0"/>
+          <a:chOff x="0" y="0"/>
+          <a:chExt cx="0" cy="0"/>
+        </a:xfrm>
+      </p:grpSpPr>
+      <p:sp>
+        <p:nvSpPr>
+          <p:cNvPr id="158" name="Google Shape;158;p17"/>
+          <p:cNvSpPr txBox="1">
+            <a:spLocks noGrp="1"/>
+          </p:cNvSpPr>
+          <p:nvPr>
+            <p:ph type="title"/>
+          </p:nvPr>
+        </p:nvSpPr>
+        <p:spPr>
+          <a:prstGeom prst="rect">
+            <a:avLst/>
+          </a:prstGeom>
+        </p:spPr>
+        <p:txBody>
+          <a:bodyPr spcFirstLastPara="1" vert="horz" lIns="91440" tIns="45720" rIns="91440" bIns="45720" rtlCol="0" anchor="ctr" anchorCtr="0">
+            <a:normAutofit fontScale="90000"/>
+          </a:bodyPr>
+          <a:lstStyle/>
+          <a:p>
+            <a:pPr algn="ctr">
+              <a:spcBef>
+                <a:spcPct val="0"/>
+              </a:spcBef>
+            </a:pPr>
+            <a:r>
+              <a:rPr lang="en-US" sz="3600" dirty="0">
+                <a:solidFill>
+                  <a:srgbClr val="FFFFFF"/>
+                </a:solidFill>
+              </a:rPr>
+              <a:t>Connecting the Data to DB , REGRESSION model, Deep Learning  model</a:t>
+            </a:r>
+            <a:endParaRPr lang="en-US" sz="3600" dirty="0">
+              <a:solidFill>
+                <a:srgbClr val="FFFFFF"/>
+              </a:solidFill>
+              <a:sym typeface="Lato"/>
+            </a:endParaRPr>
+          </a:p>
+        </p:txBody>
+      </p:sp>
+      <p:sp>
+        <p:nvSpPr>
+          <p:cNvPr id="5" name="Content Placeholder 4">
+            <a:extLst>
+              <a:ext uri="{FF2B5EF4-FFF2-40B4-BE49-F238E27FC236}">
+                <a16:creationId xmlns:a16="http://schemas.microsoft.com/office/drawing/2014/main" id="{73A4CFA3-42F4-47AC-BA02-AD7A7CCBB3DD}"/>
+              </a:ext>
+            </a:extLst>
+          </p:cNvPr>
+          <p:cNvSpPr>
+            <a:spLocks noGrp="1"/>
+          </p:cNvSpPr>
+          <p:nvPr>
+            <p:ph idx="1"/>
+          </p:nvPr>
+        </p:nvSpPr>
+        <p:spPr>
+          <a:xfrm>
+            <a:off x="4900928" y="1179829"/>
+            <a:ext cx="6650991" cy="2934971"/>
+          </a:xfrm>
+        </p:spPr>
+        <p:txBody>
+          <a:bodyPr/>
+          <a:lstStyle/>
+          <a:p>
+            <a:r>
+              <a:rPr lang="en-US" dirty="0" err="1">
+                <a:highlight>
+                  <a:srgbClr val="FFFF00"/>
+                </a:highlight>
+              </a:rPr>
+              <a:t>Trong</a:t>
+            </a:r>
+            <a:r>
+              <a:rPr lang="en-US" dirty="0">
+                <a:highlight>
+                  <a:srgbClr val="FFFF00"/>
+                </a:highlight>
+              </a:rPr>
+              <a:t>  to add key point to describe the Process </a:t>
+            </a:r>
+          </a:p>
+        </p:txBody>
+      </p:sp>
+      <p:sp>
+        <p:nvSpPr>
+          <p:cNvPr id="6" name="Text Placeholder 5">
+            <a:extLst>
+              <a:ext uri="{FF2B5EF4-FFF2-40B4-BE49-F238E27FC236}">
+                <a16:creationId xmlns:a16="http://schemas.microsoft.com/office/drawing/2014/main" id="{01E64F2C-A246-49EF-B6C0-F492146EBD34}"/>
+              </a:ext>
+            </a:extLst>
+          </p:cNvPr>
+          <p:cNvSpPr>
+            <a:spLocks noGrp="1"/>
+          </p:cNvSpPr>
+          <p:nvPr>
+            <p:ph type="body" sz="half" idx="2"/>
+          </p:nvPr>
+        </p:nvSpPr>
+        <p:spPr>
+          <a:xfrm>
+            <a:off x="767857" y="3737811"/>
+            <a:ext cx="3031852" cy="2100234"/>
+          </a:xfrm>
+        </p:spPr>
+        <p:txBody>
+          <a:bodyPr/>
+          <a:lstStyle/>
+          <a:p>
+            <a:endParaRPr lang="en-US" dirty="0"/>
+          </a:p>
+        </p:txBody>
+      </p:sp>
+      <p:pic>
+        <p:nvPicPr>
+          <p:cNvPr id="7" name="Picture 6" descr="Graphical user interface, text, application&#10;&#10;Description automatically generated">
+            <a:extLst>
+              <a:ext uri="{FF2B5EF4-FFF2-40B4-BE49-F238E27FC236}">
+                <a16:creationId xmlns:a16="http://schemas.microsoft.com/office/drawing/2014/main" id="{D5D90A61-386B-42C5-B26F-433FD6FD0825}"/>
+              </a:ext>
+            </a:extLst>
+          </p:cNvPr>
+          <p:cNvPicPr>
+            <a:picLocks noChangeAspect="1"/>
+          </p:cNvPicPr>
+          <p:nvPr/>
+        </p:nvPicPr>
+        <p:blipFill>
+          <a:blip r:embed="rId3"/>
+          <a:stretch>
+            <a:fillRect/>
+          </a:stretch>
+        </p:blipFill>
+        <p:spPr>
+          <a:xfrm>
+            <a:off x="10324643" y="4892841"/>
+            <a:ext cx="1420824" cy="1511515"/>
+          </a:xfrm>
+          <a:prstGeom prst="rect">
+            <a:avLst/>
+          </a:prstGeom>
+        </p:spPr>
+      </p:pic>
+    </p:spTree>
+    <p:extLst>
+      <p:ext uri="{BB962C8B-B14F-4D97-AF65-F5344CB8AC3E}">
+        <p14:creationId xmlns:p14="http://schemas.microsoft.com/office/powerpoint/2010/main" val="185494059"/>
       </p:ext>
     </p:extLst>
   </p:cSld>
@@ -10746,354 +10816,6 @@
         </p:spPr>
         <p:txBody>
           <a:bodyPr spcFirstLastPara="1" vert="horz" lIns="91440" tIns="45720" rIns="91440" bIns="45720" rtlCol="0" anchor="ctr" anchorCtr="0">
-            <a:normAutofit/>
-          </a:bodyPr>
-          <a:lstStyle/>
-          <a:p>
-            <a:pPr algn="ctr">
-              <a:spcBef>
-                <a:spcPct val="0"/>
-              </a:spcBef>
-            </a:pPr>
-            <a:r>
-              <a:rPr lang="en-US" sz="3600" dirty="0">
-                <a:solidFill>
-                  <a:srgbClr val="FFFFFF"/>
-                </a:solidFill>
-              </a:rPr>
-              <a:t>Data Processing </a:t>
-            </a:r>
-            <a:endParaRPr lang="en-US" sz="3600" dirty="0">
-              <a:solidFill>
-                <a:srgbClr val="FFFFFF"/>
-              </a:solidFill>
-              <a:sym typeface="Lato"/>
-            </a:endParaRPr>
-          </a:p>
-        </p:txBody>
-      </p:sp>
-      <p:sp>
-        <p:nvSpPr>
-          <p:cNvPr id="5" name="Content Placeholder 4">
-            <a:extLst>
-              <a:ext uri="{FF2B5EF4-FFF2-40B4-BE49-F238E27FC236}">
-                <a16:creationId xmlns:a16="http://schemas.microsoft.com/office/drawing/2014/main" id="{73A4CFA3-42F4-47AC-BA02-AD7A7CCBB3DD}"/>
-              </a:ext>
-            </a:extLst>
-          </p:cNvPr>
-          <p:cNvSpPr>
-            <a:spLocks noGrp="1"/>
-          </p:cNvSpPr>
-          <p:nvPr>
-            <p:ph idx="1"/>
-          </p:nvPr>
-        </p:nvSpPr>
-        <p:spPr>
-          <a:xfrm>
-            <a:off x="4900928" y="1179829"/>
-            <a:ext cx="6650991" cy="2934971"/>
-          </a:xfrm>
-        </p:spPr>
-        <p:txBody>
-          <a:bodyPr/>
-          <a:lstStyle/>
-          <a:p>
-            <a:r>
-              <a:rPr lang="en-US" dirty="0">
-                <a:highlight>
-                  <a:srgbClr val="FFFF00"/>
-                </a:highlight>
-              </a:rPr>
-              <a:t>Dawit to add key point to describe the Process </a:t>
-            </a:r>
-          </a:p>
-        </p:txBody>
-      </p:sp>
-      <p:sp>
-        <p:nvSpPr>
-          <p:cNvPr id="6" name="Text Placeholder 5">
-            <a:extLst>
-              <a:ext uri="{FF2B5EF4-FFF2-40B4-BE49-F238E27FC236}">
-                <a16:creationId xmlns:a16="http://schemas.microsoft.com/office/drawing/2014/main" id="{01E64F2C-A246-49EF-B6C0-F492146EBD34}"/>
-              </a:ext>
-            </a:extLst>
-          </p:cNvPr>
-          <p:cNvSpPr>
-            <a:spLocks noGrp="1"/>
-          </p:cNvSpPr>
-          <p:nvPr>
-            <p:ph type="body" sz="half" idx="2"/>
-          </p:nvPr>
-        </p:nvSpPr>
-        <p:spPr>
-          <a:xfrm>
-            <a:off x="767857" y="3104146"/>
-            <a:ext cx="3031852" cy="2733899"/>
-          </a:xfrm>
-        </p:spPr>
-        <p:txBody>
-          <a:bodyPr/>
-          <a:lstStyle/>
-          <a:p>
-            <a:endParaRPr lang="en-US"/>
-          </a:p>
-        </p:txBody>
-      </p:sp>
-      <p:pic>
-        <p:nvPicPr>
-          <p:cNvPr id="7" name="Picture 6" descr="Graphical user interface, text, application&#10;&#10;Description automatically generated">
-            <a:extLst>
-              <a:ext uri="{FF2B5EF4-FFF2-40B4-BE49-F238E27FC236}">
-                <a16:creationId xmlns:a16="http://schemas.microsoft.com/office/drawing/2014/main" id="{D5D90A61-386B-42C5-B26F-433FD6FD0825}"/>
-              </a:ext>
-            </a:extLst>
-          </p:cNvPr>
-          <p:cNvPicPr>
-            <a:picLocks noChangeAspect="1"/>
-          </p:cNvPicPr>
-          <p:nvPr/>
-        </p:nvPicPr>
-        <p:blipFill>
-          <a:blip r:embed="rId3"/>
-          <a:stretch>
-            <a:fillRect/>
-          </a:stretch>
-        </p:blipFill>
-        <p:spPr>
-          <a:xfrm>
-            <a:off x="10324643" y="4892841"/>
-            <a:ext cx="1420824" cy="1511515"/>
-          </a:xfrm>
-          <a:prstGeom prst="rect">
-            <a:avLst/>
-          </a:prstGeom>
-        </p:spPr>
-      </p:pic>
-    </p:spTree>
-    <p:extLst>
-      <p:ext uri="{BB962C8B-B14F-4D97-AF65-F5344CB8AC3E}">
-        <p14:creationId xmlns:p14="http://schemas.microsoft.com/office/powerpoint/2010/main" val="3816661849"/>
-      </p:ext>
-    </p:extLst>
-  </p:cSld>
-  <p:clrMapOvr>
-    <a:masterClrMapping/>
-  </p:clrMapOvr>
-</p:sld>
-</file>
-
-<file path=ppt/slides/slide7.xml><?xml version="1.0" encoding="utf-8"?>
-<p:sld xmlns:a="http://schemas.openxmlformats.org/drawingml/2006/main" xmlns:r="http://schemas.openxmlformats.org/officeDocument/2006/relationships" xmlns:p="http://schemas.openxmlformats.org/presentationml/2006/main">
-  <p:cSld>
-    <p:spTree>
-      <p:nvGrpSpPr>
-        <p:cNvPr id="1" name="Shape 157"/>
-        <p:cNvGrpSpPr/>
-        <p:nvPr/>
-      </p:nvGrpSpPr>
-      <p:grpSpPr>
-        <a:xfrm>
-          <a:off x="0" y="0"/>
-          <a:ext cx="0" cy="0"/>
-          <a:chOff x="0" y="0"/>
-          <a:chExt cx="0" cy="0"/>
-        </a:xfrm>
-      </p:grpSpPr>
-      <p:sp>
-        <p:nvSpPr>
-          <p:cNvPr id="158" name="Google Shape;158;p17"/>
-          <p:cNvSpPr txBox="1">
-            <a:spLocks noGrp="1"/>
-          </p:cNvSpPr>
-          <p:nvPr>
-            <p:ph type="title"/>
-          </p:nvPr>
-        </p:nvSpPr>
-        <p:spPr>
-          <a:prstGeom prst="rect">
-            <a:avLst/>
-          </a:prstGeom>
-        </p:spPr>
-        <p:txBody>
-          <a:bodyPr spcFirstLastPara="1" vert="horz" lIns="91440" tIns="45720" rIns="91440" bIns="45720" rtlCol="0" anchor="ctr" anchorCtr="0">
-            <a:normAutofit fontScale="90000"/>
-          </a:bodyPr>
-          <a:lstStyle/>
-          <a:p>
-            <a:pPr algn="ctr">
-              <a:spcBef>
-                <a:spcPct val="0"/>
-              </a:spcBef>
-            </a:pPr>
-            <a:r>
-              <a:rPr lang="en-US" sz="3600" dirty="0">
-                <a:solidFill>
-                  <a:srgbClr val="FFFFFF"/>
-                </a:solidFill>
-              </a:rPr>
-              <a:t>Connecting the Data to DB , REGRESSION model, Deep Learning  model</a:t>
-            </a:r>
-            <a:endParaRPr lang="en-US" sz="3600" dirty="0">
-              <a:solidFill>
-                <a:srgbClr val="FFFFFF"/>
-              </a:solidFill>
-              <a:sym typeface="Lato"/>
-            </a:endParaRPr>
-          </a:p>
-        </p:txBody>
-      </p:sp>
-      <p:sp>
-        <p:nvSpPr>
-          <p:cNvPr id="5" name="Content Placeholder 4">
-            <a:extLst>
-              <a:ext uri="{FF2B5EF4-FFF2-40B4-BE49-F238E27FC236}">
-                <a16:creationId xmlns:a16="http://schemas.microsoft.com/office/drawing/2014/main" id="{73A4CFA3-42F4-47AC-BA02-AD7A7CCBB3DD}"/>
-              </a:ext>
-            </a:extLst>
-          </p:cNvPr>
-          <p:cNvSpPr>
-            <a:spLocks noGrp="1"/>
-          </p:cNvSpPr>
-          <p:nvPr>
-            <p:ph idx="1"/>
-          </p:nvPr>
-        </p:nvSpPr>
-        <p:spPr>
-          <a:xfrm>
-            <a:off x="4900928" y="1179829"/>
-            <a:ext cx="6650991" cy="2934971"/>
-          </a:xfrm>
-        </p:spPr>
-        <p:txBody>
-          <a:bodyPr/>
-          <a:lstStyle/>
-          <a:p>
-            <a:r>
-              <a:rPr lang="en-US" dirty="0" err="1">
-                <a:highlight>
-                  <a:srgbClr val="FFFF00"/>
-                </a:highlight>
-              </a:rPr>
-              <a:t>Trong</a:t>
-            </a:r>
-            <a:r>
-              <a:rPr lang="en-US" dirty="0">
-                <a:highlight>
-                  <a:srgbClr val="FFFF00"/>
-                </a:highlight>
-              </a:rPr>
-              <a:t>  to add key point to describe the Process </a:t>
-            </a:r>
-          </a:p>
-        </p:txBody>
-      </p:sp>
-      <p:sp>
-        <p:nvSpPr>
-          <p:cNvPr id="6" name="Text Placeholder 5">
-            <a:extLst>
-              <a:ext uri="{FF2B5EF4-FFF2-40B4-BE49-F238E27FC236}">
-                <a16:creationId xmlns:a16="http://schemas.microsoft.com/office/drawing/2014/main" id="{01E64F2C-A246-49EF-B6C0-F492146EBD34}"/>
-              </a:ext>
-            </a:extLst>
-          </p:cNvPr>
-          <p:cNvSpPr>
-            <a:spLocks noGrp="1"/>
-          </p:cNvSpPr>
-          <p:nvPr>
-            <p:ph type="body" sz="half" idx="2"/>
-          </p:nvPr>
-        </p:nvSpPr>
-        <p:spPr>
-          <a:xfrm>
-            <a:off x="767857" y="3737811"/>
-            <a:ext cx="3031852" cy="2100234"/>
-          </a:xfrm>
-        </p:spPr>
-        <p:txBody>
-          <a:bodyPr/>
-          <a:lstStyle/>
-          <a:p>
-            <a:endParaRPr lang="en-US" dirty="0"/>
-          </a:p>
-        </p:txBody>
-      </p:sp>
-      <p:pic>
-        <p:nvPicPr>
-          <p:cNvPr id="7" name="Picture 6" descr="Graphical user interface, text, application&#10;&#10;Description automatically generated">
-            <a:extLst>
-              <a:ext uri="{FF2B5EF4-FFF2-40B4-BE49-F238E27FC236}">
-                <a16:creationId xmlns:a16="http://schemas.microsoft.com/office/drawing/2014/main" id="{D5D90A61-386B-42C5-B26F-433FD6FD0825}"/>
-              </a:ext>
-            </a:extLst>
-          </p:cNvPr>
-          <p:cNvPicPr>
-            <a:picLocks noChangeAspect="1"/>
-          </p:cNvPicPr>
-          <p:nvPr/>
-        </p:nvPicPr>
-        <p:blipFill>
-          <a:blip r:embed="rId3"/>
-          <a:stretch>
-            <a:fillRect/>
-          </a:stretch>
-        </p:blipFill>
-        <p:spPr>
-          <a:xfrm>
-            <a:off x="10324643" y="4892841"/>
-            <a:ext cx="1420824" cy="1511515"/>
-          </a:xfrm>
-          <a:prstGeom prst="rect">
-            <a:avLst/>
-          </a:prstGeom>
-        </p:spPr>
-      </p:pic>
-    </p:spTree>
-    <p:extLst>
-      <p:ext uri="{BB962C8B-B14F-4D97-AF65-F5344CB8AC3E}">
-        <p14:creationId xmlns:p14="http://schemas.microsoft.com/office/powerpoint/2010/main" val="185494059"/>
-      </p:ext>
-    </p:extLst>
-  </p:cSld>
-  <p:clrMapOvr>
-    <a:masterClrMapping/>
-  </p:clrMapOvr>
-</p:sld>
-</file>
-
-<file path=ppt/slides/slide8.xml><?xml version="1.0" encoding="utf-8"?>
-<p:sld xmlns:a="http://schemas.openxmlformats.org/drawingml/2006/main" xmlns:r="http://schemas.openxmlformats.org/officeDocument/2006/relationships" xmlns:p="http://schemas.openxmlformats.org/presentationml/2006/main">
-  <p:cSld>
-    <p:spTree>
-      <p:nvGrpSpPr>
-        <p:cNvPr id="1" name="Shape 157"/>
-        <p:cNvGrpSpPr/>
-        <p:nvPr/>
-      </p:nvGrpSpPr>
-      <p:grpSpPr>
-        <a:xfrm>
-          <a:off x="0" y="0"/>
-          <a:ext cx="0" cy="0"/>
-          <a:chOff x="0" y="0"/>
-          <a:chExt cx="0" cy="0"/>
-        </a:xfrm>
-      </p:grpSpPr>
-      <p:sp>
-        <p:nvSpPr>
-          <p:cNvPr id="158" name="Google Shape;158;p17"/>
-          <p:cNvSpPr txBox="1">
-            <a:spLocks noGrp="1"/>
-          </p:cNvSpPr>
-          <p:nvPr>
-            <p:ph type="title"/>
-          </p:nvPr>
-        </p:nvSpPr>
-        <p:spPr>
-          <a:prstGeom prst="rect">
-            <a:avLst/>
-          </a:prstGeom>
-        </p:spPr>
-        <p:txBody>
-          <a:bodyPr spcFirstLastPara="1" vert="horz" lIns="91440" tIns="45720" rIns="91440" bIns="45720" rtlCol="0" anchor="ctr" anchorCtr="0">
             <a:normAutofit fontScale="90000"/>
           </a:bodyPr>
           <a:lstStyle/>
@@ -11219,7 +10941,7 @@
 </p:sld>
 </file>
 
-<file path=ppt/slides/slide9.xml><?xml version="1.0" encoding="utf-8"?>
+<file path=ppt/slides/slide7.xml><?xml version="1.0" encoding="utf-8"?>
 <p:sld xmlns:a="http://schemas.openxmlformats.org/drawingml/2006/main" xmlns:r="http://schemas.openxmlformats.org/officeDocument/2006/relationships" xmlns:p="http://schemas.openxmlformats.org/presentationml/2006/main">
   <p:cSld>
     <p:bg>
@@ -11868,6 +11590,341 @@
   </p:cSld>
   <p:clrMapOvr>
     <a:overrideClrMapping bg1="dk1" tx1="lt1" bg2="dk2" tx2="lt2" accent1="accent1" accent2="accent2" accent3="accent3" accent4="accent4" accent5="accent5" accent6="accent6" hlink="hlink" folHlink="folHlink"/>
+  </p:clrMapOvr>
+</p:sld>
+</file>
+
+<file path=ppt/slides/slide8.xml><?xml version="1.0" encoding="utf-8"?>
+<p:sld xmlns:a="http://schemas.openxmlformats.org/drawingml/2006/main" xmlns:r="http://schemas.openxmlformats.org/officeDocument/2006/relationships" xmlns:p="http://schemas.openxmlformats.org/presentationml/2006/main">
+  <p:cSld>
+    <p:spTree>
+      <p:nvGrpSpPr>
+        <p:cNvPr id="1" name="Shape 169"/>
+        <p:cNvGrpSpPr/>
+        <p:nvPr/>
+      </p:nvGrpSpPr>
+      <p:grpSpPr>
+        <a:xfrm>
+          <a:off x="0" y="0"/>
+          <a:ext cx="0" cy="0"/>
+          <a:chOff x="0" y="0"/>
+          <a:chExt cx="0" cy="0"/>
+        </a:xfrm>
+      </p:grpSpPr>
+      <p:sp>
+        <p:nvSpPr>
+          <p:cNvPr id="170" name="Google Shape;170;p19"/>
+          <p:cNvSpPr txBox="1">
+            <a:spLocks noGrp="1"/>
+          </p:cNvSpPr>
+          <p:nvPr>
+            <p:ph type="title"/>
+          </p:nvPr>
+        </p:nvSpPr>
+        <p:spPr>
+          <a:xfrm>
+            <a:off x="1730000" y="525000"/>
+            <a:ext cx="9385200" cy="1218800"/>
+          </a:xfrm>
+          <a:prstGeom prst="rect">
+            <a:avLst/>
+          </a:prstGeom>
+        </p:spPr>
+        <p:txBody>
+          <a:bodyPr spcFirstLastPara="1" vert="horz" wrap="square" lIns="121900" tIns="121900" rIns="121900" bIns="121900" rtlCol="0" anchor="t" anchorCtr="0">
+            <a:normAutofit/>
+          </a:bodyPr>
+          <a:lstStyle/>
+          <a:p>
+            <a:pPr>
+              <a:buSzPts val="990"/>
+            </a:pPr>
+            <a:r>
+              <a:rPr lang="en" sz="2800">
+                <a:latin typeface="Lato"/>
+                <a:ea typeface="Lato"/>
+                <a:cs typeface="Lato"/>
+                <a:sym typeface="Lato"/>
+              </a:rPr>
+              <a:t>Final Project outcome , Dashboard and visualization</a:t>
+            </a:r>
+            <a:endParaRPr sz="2800">
+              <a:latin typeface="Lato"/>
+              <a:ea typeface="Lato"/>
+              <a:cs typeface="Lato"/>
+              <a:sym typeface="Lato"/>
+            </a:endParaRPr>
+          </a:p>
+        </p:txBody>
+      </p:sp>
+      <p:sp>
+        <p:nvSpPr>
+          <p:cNvPr id="171" name="Google Shape;171;p19"/>
+          <p:cNvSpPr txBox="1">
+            <a:spLocks noGrp="1"/>
+          </p:cNvSpPr>
+          <p:nvPr>
+            <p:ph type="body" idx="1"/>
+          </p:nvPr>
+        </p:nvSpPr>
+        <p:spPr>
+          <a:xfrm>
+            <a:off x="1730000" y="2090067"/>
+            <a:ext cx="9385200" cy="3881600"/>
+          </a:xfrm>
+          <a:prstGeom prst="rect">
+            <a:avLst/>
+          </a:prstGeom>
+        </p:spPr>
+        <p:txBody>
+          <a:bodyPr spcFirstLastPara="1" vert="horz" wrap="square" lIns="121900" tIns="121900" rIns="121900" bIns="121900" rtlCol="0" anchor="t" anchorCtr="0">
+            <a:normAutofit/>
+          </a:bodyPr>
+          <a:lstStyle/>
+          <a:p>
+            <a:r>
+              <a:rPr lang="en" dirty="0"/>
+              <a:t>Using  Tableau to visualize the following analysis outcome:</a:t>
+            </a:r>
+            <a:endParaRPr dirty="0"/>
+          </a:p>
+          <a:p>
+            <a:pPr lvl="1"/>
+            <a:r>
+              <a:rPr lang="en" dirty="0"/>
+              <a:t>Present at the county level in Ca  the  Avg. Sale Price vs. Predicted Ang. Price, Min Max Price Per SQF </a:t>
+            </a:r>
+            <a:endParaRPr dirty="0"/>
+          </a:p>
+          <a:p>
+            <a:pPr lvl="1"/>
+            <a:r>
+              <a:rPr lang="en" dirty="0"/>
+              <a:t>Top 5 Areas with the Highest prices. </a:t>
+            </a:r>
+            <a:endParaRPr dirty="0"/>
+          </a:p>
+          <a:p>
+            <a:pPr lvl="1"/>
+            <a:r>
+              <a:rPr lang="en" dirty="0"/>
+              <a:t>Bottom 5 areas with the lowest prices. l </a:t>
+            </a:r>
+            <a:endParaRPr dirty="0"/>
+          </a:p>
+        </p:txBody>
+      </p:sp>
+      <p:sp>
+        <p:nvSpPr>
+          <p:cNvPr id="4" name="TextBox 3">
+            <a:extLst>
+              <a:ext uri="{FF2B5EF4-FFF2-40B4-BE49-F238E27FC236}">
+                <a16:creationId xmlns:a16="http://schemas.microsoft.com/office/drawing/2014/main" id="{54751FBC-7BCC-4392-925A-25CAC9EB7E35}"/>
+              </a:ext>
+            </a:extLst>
+          </p:cNvPr>
+          <p:cNvSpPr txBox="1"/>
+          <p:nvPr/>
+        </p:nvSpPr>
+        <p:spPr>
+          <a:xfrm>
+            <a:off x="4475748" y="2698902"/>
+            <a:ext cx="6096000" cy="369332"/>
+          </a:xfrm>
+          <a:prstGeom prst="rect">
+            <a:avLst/>
+          </a:prstGeom>
+          <a:noFill/>
+        </p:spPr>
+        <p:txBody>
+          <a:bodyPr wrap="square">
+            <a:spAutoFit/>
+          </a:bodyPr>
+          <a:lstStyle/>
+          <a:p>
+            <a:r>
+              <a:rPr lang="en-US" dirty="0">
+                <a:solidFill>
+                  <a:srgbClr val="FF0000"/>
+                </a:solidFill>
+                <a:highlight>
+                  <a:srgbClr val="FFFF00"/>
+                </a:highlight>
+              </a:rPr>
+              <a:t>Michael</a:t>
+            </a:r>
+            <a:r>
+              <a:rPr lang="en-US" dirty="0">
+                <a:highlight>
+                  <a:srgbClr val="FFFF00"/>
+                </a:highlight>
+              </a:rPr>
+              <a:t>  to add key point to describe the Process </a:t>
+            </a:r>
+          </a:p>
+        </p:txBody>
+      </p:sp>
+    </p:spTree>
+  </p:cSld>
+  <p:clrMapOvr>
+    <a:masterClrMapping/>
+  </p:clrMapOvr>
+</p:sld>
+</file>
+
+<file path=ppt/slides/slide9.xml><?xml version="1.0" encoding="utf-8"?>
+<p:sld xmlns:a="http://schemas.openxmlformats.org/drawingml/2006/main" xmlns:r="http://schemas.openxmlformats.org/officeDocument/2006/relationships" xmlns:p="http://schemas.openxmlformats.org/presentationml/2006/main">
+  <p:cSld>
+    <p:spTree>
+      <p:nvGrpSpPr>
+        <p:cNvPr id="1" name="Shape 181"/>
+        <p:cNvGrpSpPr/>
+        <p:nvPr/>
+      </p:nvGrpSpPr>
+      <p:grpSpPr>
+        <a:xfrm>
+          <a:off x="0" y="0"/>
+          <a:ext cx="0" cy="0"/>
+          <a:chOff x="0" y="0"/>
+          <a:chExt cx="0" cy="0"/>
+        </a:xfrm>
+      </p:grpSpPr>
+      <p:sp>
+        <p:nvSpPr>
+          <p:cNvPr id="182" name="Google Shape;182;p21"/>
+          <p:cNvSpPr txBox="1">
+            <a:spLocks noGrp="1"/>
+          </p:cNvSpPr>
+          <p:nvPr>
+            <p:ph type="title"/>
+          </p:nvPr>
+        </p:nvSpPr>
+        <p:spPr>
+          <a:xfrm>
+            <a:off x="1730000" y="525000"/>
+            <a:ext cx="9385200" cy="1218800"/>
+          </a:xfrm>
+          <a:prstGeom prst="rect">
+            <a:avLst/>
+          </a:prstGeom>
+        </p:spPr>
+        <p:txBody>
+          <a:bodyPr spcFirstLastPara="1" vert="horz" wrap="square" lIns="121900" tIns="121900" rIns="121900" bIns="121900" rtlCol="0" anchor="t" anchorCtr="0">
+            <a:normAutofit/>
+          </a:bodyPr>
+          <a:lstStyle/>
+          <a:p>
+            <a:r>
+              <a:rPr lang="en" sz="2800">
+                <a:latin typeface="Lato"/>
+                <a:ea typeface="Lato"/>
+                <a:cs typeface="Lato"/>
+                <a:sym typeface="Lato"/>
+              </a:rPr>
+              <a:t>Recommendation for future analysis</a:t>
+            </a:r>
+            <a:endParaRPr sz="2800">
+              <a:latin typeface="Lato"/>
+              <a:ea typeface="Lato"/>
+              <a:cs typeface="Lato"/>
+              <a:sym typeface="Lato"/>
+            </a:endParaRPr>
+          </a:p>
+        </p:txBody>
+      </p:sp>
+      <p:sp>
+        <p:nvSpPr>
+          <p:cNvPr id="183" name="Google Shape;183;p21"/>
+          <p:cNvSpPr txBox="1">
+            <a:spLocks noGrp="1"/>
+          </p:cNvSpPr>
+          <p:nvPr>
+            <p:ph type="body" idx="1"/>
+          </p:nvPr>
+        </p:nvSpPr>
+        <p:spPr>
+          <a:xfrm>
+            <a:off x="1730000" y="2090067"/>
+            <a:ext cx="9385200" cy="3881600"/>
+          </a:xfrm>
+          <a:prstGeom prst="rect">
+            <a:avLst/>
+          </a:prstGeom>
+        </p:spPr>
+        <p:txBody>
+          <a:bodyPr spcFirstLastPara="1" vert="horz" wrap="square" lIns="121900" tIns="121900" rIns="121900" bIns="121900" rtlCol="0" anchor="t" anchorCtr="0">
+            <a:normAutofit/>
+          </a:bodyPr>
+          <a:lstStyle/>
+          <a:p>
+            <a:pPr marL="0" indent="0">
+              <a:spcAft>
+                <a:spcPts val="1600"/>
+              </a:spcAft>
+              <a:buNone/>
+            </a:pPr>
+            <a:r>
+              <a:rPr lang="en"/>
+              <a:t>TBD </a:t>
+            </a:r>
+            <a:endParaRPr/>
+          </a:p>
+        </p:txBody>
+      </p:sp>
+      <p:sp>
+        <p:nvSpPr>
+          <p:cNvPr id="4" name="TextBox 3">
+            <a:extLst>
+              <a:ext uri="{FF2B5EF4-FFF2-40B4-BE49-F238E27FC236}">
+                <a16:creationId xmlns:a16="http://schemas.microsoft.com/office/drawing/2014/main" id="{518EAEA7-0B74-4BEC-9516-1ED4161D7DF1}"/>
+              </a:ext>
+            </a:extLst>
+          </p:cNvPr>
+          <p:cNvSpPr txBox="1"/>
+          <p:nvPr/>
+        </p:nvSpPr>
+        <p:spPr>
+          <a:xfrm>
+            <a:off x="2727159" y="3565175"/>
+            <a:ext cx="6096000" cy="369332"/>
+          </a:xfrm>
+          <a:prstGeom prst="rect">
+            <a:avLst/>
+          </a:prstGeom>
+          <a:noFill/>
+        </p:spPr>
+        <p:txBody>
+          <a:bodyPr wrap="square">
+            <a:spAutoFit/>
+          </a:bodyPr>
+          <a:lstStyle/>
+          <a:p>
+            <a:r>
+              <a:rPr lang="en-US" dirty="0">
+                <a:solidFill>
+                  <a:srgbClr val="FF0000"/>
+                </a:solidFill>
+                <a:highlight>
+                  <a:srgbClr val="FFFF00"/>
+                </a:highlight>
+              </a:rPr>
+              <a:t>Michael</a:t>
+            </a:r>
+            <a:r>
+              <a:rPr lang="en-US" dirty="0">
+                <a:highlight>
+                  <a:srgbClr val="FFFF00"/>
+                </a:highlight>
+              </a:rPr>
+              <a:t>  to add key point to describe the Process </a:t>
+            </a:r>
+          </a:p>
+        </p:txBody>
+      </p:sp>
+    </p:spTree>
+  </p:cSld>
+  <p:clrMapOvr>
+    <a:masterClrMapping/>
   </p:clrMapOvr>
 </p:sld>
 </file>
@@ -12437,15 +12494,6 @@
 </file>
 
 <file path=customXml/item1.xml><?xml version="1.0" encoding="utf-8"?>
-<p:properties xmlns:p="http://schemas.microsoft.com/office/2006/metadata/properties" xmlns:xsi="http://www.w3.org/2001/XMLSchema-instance" xmlns:pc="http://schemas.microsoft.com/office/infopath/2007/PartnerControls">
-  <documentManagement>
-    <Status xmlns="71af3243-3dd4-4a8d-8c0d-dd76da1f02a5">Not started</Status>
-    <MediaServiceKeyPoints xmlns="71af3243-3dd4-4a8d-8c0d-dd76da1f02a5" xsi:nil="true"/>
-  </documentManagement>
-</p:properties>
-</file>
-
-<file path=customXml/item2.xml><?xml version="1.0" encoding="utf-8"?>
 <ct:contentTypeSchema xmlns:ct="http://schemas.microsoft.com/office/2006/metadata/contentType" xmlns:ma="http://schemas.microsoft.com/office/2006/metadata/properties/metaAttributes" ct:_="" ma:_="" ma:contentTypeName="Document" ma:contentTypeID="0x01010079F111ED35F8CC479449609E8A0923A6" ma:contentTypeVersion="12" ma:contentTypeDescription="Create a new document." ma:contentTypeScope="" ma:versionID="a410dd7f93c95333ffa1b60ed6adedd1">
   <xsd:schema xmlns:xsd="http://www.w3.org/2001/XMLSchema" xmlns:xs="http://www.w3.org/2001/XMLSchema" xmlns:p="http://schemas.microsoft.com/office/2006/metadata/properties" xmlns:ns2="71af3243-3dd4-4a8d-8c0d-dd76da1f02a5" xmlns:ns3="16c05727-aa75-4e4a-9b5f-8a80a1165891" targetNamespace="http://schemas.microsoft.com/office/2006/metadata/properties" ma:root="true" ma:fieldsID="a936d9baba76aa3866493feff160faab" ns2:_="" ns3:_="">
     <xsd:import namespace="71af3243-3dd4-4a8d-8c0d-dd76da1f02a5"/>
@@ -12666,6 +12714,15 @@
 </ct:contentTypeSchema>
 </file>
 
+<file path=customXml/item2.xml><?xml version="1.0" encoding="utf-8"?>
+<p:properties xmlns:p="http://schemas.microsoft.com/office/2006/metadata/properties" xmlns:xsi="http://www.w3.org/2001/XMLSchema-instance" xmlns:pc="http://schemas.microsoft.com/office/infopath/2007/PartnerControls">
+  <documentManagement>
+    <Status xmlns="71af3243-3dd4-4a8d-8c0d-dd76da1f02a5">Not started</Status>
+    <MediaServiceKeyPoints xmlns="71af3243-3dd4-4a8d-8c0d-dd76da1f02a5" xsi:nil="true"/>
+  </documentManagement>
+</p:properties>
+</file>
+
 <file path=customXml/item3.xml><?xml version="1.0" encoding="utf-8"?>
 <?mso-contentType ?>
 <FormTemplates xmlns="http://schemas.microsoft.com/sharepoint/v3/contenttype/forms">
@@ -12676,16 +12733,6 @@
 </file>
 
 <file path=customXml/itemProps1.xml><?xml version="1.0" encoding="utf-8"?>
-<ds:datastoreItem xmlns:ds="http://schemas.openxmlformats.org/officeDocument/2006/customXml" ds:itemID="{8D289AE2-D2AE-49D1-AFAC-3A79F6794255}">
-  <ds:schemaRefs>
-    <ds:schemaRef ds:uri="http://schemas.microsoft.com/office/2006/metadata/properties"/>
-    <ds:schemaRef ds:uri="http://schemas.microsoft.com/office/infopath/2007/PartnerControls"/>
-    <ds:schemaRef ds:uri="71af3243-3dd4-4a8d-8c0d-dd76da1f02a5"/>
-  </ds:schemaRefs>
-</ds:datastoreItem>
-</file>
-
-<file path=customXml/itemProps2.xml><?xml version="1.0" encoding="utf-8"?>
 <ds:datastoreItem xmlns:ds="http://schemas.openxmlformats.org/officeDocument/2006/customXml" ds:itemID="{41E7CA09-9778-4414-AE97-8064B12DA30E}">
   <ds:schemaRefs>
     <ds:schemaRef ds:uri="http://schemas.microsoft.com/office/2006/metadata/contentType"/>
@@ -12704,6 +12751,16 @@
 </ds:datastoreItem>
 </file>
 
+<file path=customXml/itemProps2.xml><?xml version="1.0" encoding="utf-8"?>
+<ds:datastoreItem xmlns:ds="http://schemas.openxmlformats.org/officeDocument/2006/customXml" ds:itemID="{8D289AE2-D2AE-49D1-AFAC-3A79F6794255}">
+  <ds:schemaRefs>
+    <ds:schemaRef ds:uri="http://schemas.microsoft.com/office/2006/metadata/properties"/>
+    <ds:schemaRef ds:uri="http://schemas.microsoft.com/office/infopath/2007/PartnerControls"/>
+    <ds:schemaRef ds:uri="71af3243-3dd4-4a8d-8c0d-dd76da1f02a5"/>
+  </ds:schemaRefs>
+</ds:datastoreItem>
+</file>
+
 <file path=customXml/itemProps3.xml><?xml version="1.0" encoding="utf-8"?>
 <ds:datastoreItem xmlns:ds="http://schemas.openxmlformats.org/officeDocument/2006/customXml" ds:itemID="{927BD4C1-B6B1-4715-ABF9-E660A51A4EA0}">
   <ds:schemaRefs>

--- a/Final_Project/CA Housing Prices Analysis.pptx
+++ b/Final_Project/CA Housing Prices Analysis.pptx
@@ -5,7 +5,7 @@
     <p:sldMasterId id="2147483712" r:id="rId4"/>
   </p:sldMasterIdLst>
   <p:notesMasterIdLst>
-    <p:notesMasterId r:id="rId23"/>
+    <p:notesMasterId r:id="rId26"/>
   </p:notesMasterIdLst>
   <p:sldIdLst>
     <p:sldId id="259" r:id="rId5"/>
@@ -16,16 +16,19 @@
     <p:sldId id="278" r:id="rId10"/>
     <p:sldId id="270" r:id="rId11"/>
     <p:sldId id="267" r:id="rId12"/>
-    <p:sldId id="264" r:id="rId13"/>
-    <p:sldId id="263" r:id="rId14"/>
-    <p:sldId id="273" r:id="rId15"/>
-    <p:sldId id="261" r:id="rId16"/>
-    <p:sldId id="262" r:id="rId17"/>
-    <p:sldId id="265" r:id="rId18"/>
-    <p:sldId id="271" r:id="rId19"/>
-    <p:sldId id="272" r:id="rId20"/>
-    <p:sldId id="274" r:id="rId21"/>
-    <p:sldId id="275" r:id="rId22"/>
+    <p:sldId id="257" r:id="rId13"/>
+    <p:sldId id="280" r:id="rId14"/>
+    <p:sldId id="281" r:id="rId15"/>
+    <p:sldId id="264" r:id="rId16"/>
+    <p:sldId id="263" r:id="rId17"/>
+    <p:sldId id="273" r:id="rId18"/>
+    <p:sldId id="261" r:id="rId19"/>
+    <p:sldId id="262" r:id="rId20"/>
+    <p:sldId id="265" r:id="rId21"/>
+    <p:sldId id="271" r:id="rId22"/>
+    <p:sldId id="272" r:id="rId23"/>
+    <p:sldId id="274" r:id="rId24"/>
+    <p:sldId id="275" r:id="rId25"/>
   </p:sldIdLst>
   <p:sldSz cx="12192000" cy="6858000"/>
   <p:notesSz cx="6858000" cy="9144000"/>
@@ -135,7 +138,7 @@
 <file path=ppt/revisionInfo.xml><?xml version="1.0" encoding="utf-8"?>
 <p1510:revInfo xmlns:a="http://schemas.openxmlformats.org/drawingml/2006/main" xmlns:r="http://schemas.openxmlformats.org/officeDocument/2006/relationships" xmlns:p1510="http://schemas.microsoft.com/office/powerpoint/2015/10/main">
   <p1510:revLst>
-    <p1510:client id="{F255ABD9-DD32-49C2-95D1-D3F9DBAF0468}" v="1" dt="2021-08-16T07:04:11.095"/>
+    <p1510:client id="{F255ABD9-DD32-49C2-95D1-D3F9DBAF0468}" v="4" dt="2021-08-16T07:17:32.427"/>
   </p1510:revLst>
 </p1510:revInfo>
 </file>
@@ -487,16 +490,710 @@
   </pc:docChgLst>
   <pc:docChgLst>
     <pc:chgData name="mikez zaatri" userId="dc7c058cd1c617f1" providerId="LiveId" clId="{F255ABD9-DD32-49C2-95D1-D3F9DBAF0468}"/>
-    <pc:docChg chg="addSld delSld modSld">
-      <pc:chgData name="mikez zaatri" userId="dc7c058cd1c617f1" providerId="LiveId" clId="{F255ABD9-DD32-49C2-95D1-D3F9DBAF0468}" dt="2021-08-16T07:04:11.092" v="1"/>
+    <pc:docChg chg="undo custSel addSld delSld modSld">
+      <pc:chgData name="mikez zaatri" userId="dc7c058cd1c617f1" providerId="LiveId" clId="{F255ABD9-DD32-49C2-95D1-D3F9DBAF0468}" dt="2021-08-16T07:25:32.276" v="761" actId="6549"/>
       <pc:docMkLst>
         <pc:docMk/>
       </pc:docMkLst>
+      <pc:sldChg chg="addSp delSp modSp add mod setBg modClrScheme setClrOvrMap delDesignElem chgLayout">
+        <pc:chgData name="mikez zaatri" userId="dc7c058cd1c617f1" providerId="LiveId" clId="{F255ABD9-DD32-49C2-95D1-D3F9DBAF0468}" dt="2021-08-16T07:20:15.446" v="255" actId="26606"/>
+        <pc:sldMkLst>
+          <pc:docMk/>
+          <pc:sldMk cId="95992585" sldId="257"/>
+        </pc:sldMkLst>
+        <pc:spChg chg="add del mod ord">
+          <ac:chgData name="mikez zaatri" userId="dc7c058cd1c617f1" providerId="LiveId" clId="{F255ABD9-DD32-49C2-95D1-D3F9DBAF0468}" dt="2021-08-16T07:11:32.555" v="47" actId="478"/>
+          <ac:spMkLst>
+            <pc:docMk/>
+            <pc:sldMk cId="95992585" sldId="257"/>
+            <ac:spMk id="3" creationId="{7FAFC4F9-3D37-4D05-98AC-2A59A56328CC}"/>
+          </ac:spMkLst>
+        </pc:spChg>
+        <pc:spChg chg="add del mod ord">
+          <ac:chgData name="mikez zaatri" userId="dc7c058cd1c617f1" providerId="LiveId" clId="{F255ABD9-DD32-49C2-95D1-D3F9DBAF0468}" dt="2021-08-16T07:11:40.219" v="49" actId="478"/>
+          <ac:spMkLst>
+            <pc:docMk/>
+            <pc:sldMk cId="95992585" sldId="257"/>
+            <ac:spMk id="4" creationId="{FA3D2BEE-72B1-4A76-BC70-BE7DE56090B4}"/>
+          </ac:spMkLst>
+        </pc:spChg>
+        <pc:spChg chg="add del mod ord">
+          <ac:chgData name="mikez zaatri" userId="dc7c058cd1c617f1" providerId="LiveId" clId="{F255ABD9-DD32-49C2-95D1-D3F9DBAF0468}" dt="2021-08-16T07:11:33.923" v="48" actId="478"/>
+          <ac:spMkLst>
+            <pc:docMk/>
+            <pc:sldMk cId="95992585" sldId="257"/>
+            <ac:spMk id="5" creationId="{AF2B1E7B-3911-4DD9-BB2A-C98CC6F36EA3}"/>
+          </ac:spMkLst>
+        </pc:spChg>
+        <pc:spChg chg="add mod ord">
+          <ac:chgData name="mikez zaatri" userId="dc7c058cd1c617f1" providerId="LiveId" clId="{F255ABD9-DD32-49C2-95D1-D3F9DBAF0468}" dt="2021-08-16T07:20:15.446" v="255" actId="26606"/>
+          <ac:spMkLst>
+            <pc:docMk/>
+            <pc:sldMk cId="95992585" sldId="257"/>
+            <ac:spMk id="8" creationId="{26C39FAB-5AD5-4AF2-8970-761429E3AEFC}"/>
+          </ac:spMkLst>
+        </pc:spChg>
+        <pc:spChg chg="add del mod ord">
+          <ac:chgData name="mikez zaatri" userId="dc7c058cd1c617f1" providerId="LiveId" clId="{F255ABD9-DD32-49C2-95D1-D3F9DBAF0468}" dt="2021-08-16T07:15:34.923" v="118" actId="478"/>
+          <ac:spMkLst>
+            <pc:docMk/>
+            <pc:sldMk cId="95992585" sldId="257"/>
+            <ac:spMk id="9" creationId="{1DC9C372-3062-43E3-AD3B-DA4FDD4A1787}"/>
+          </ac:spMkLst>
+        </pc:spChg>
+        <pc:spChg chg="add mod ord">
+          <ac:chgData name="mikez zaatri" userId="dc7c058cd1c617f1" providerId="LiveId" clId="{F255ABD9-DD32-49C2-95D1-D3F9DBAF0468}" dt="2021-08-16T07:20:15.446" v="255" actId="26606"/>
+          <ac:spMkLst>
+            <pc:docMk/>
+            <pc:sldMk cId="95992585" sldId="257"/>
+            <ac:spMk id="10" creationId="{B5FEDBAE-ABA3-4F3C-AA95-96E298B91A08}"/>
+          </ac:spMkLst>
+        </pc:spChg>
+        <pc:spChg chg="add del">
+          <ac:chgData name="mikez zaatri" userId="dc7c058cd1c617f1" providerId="LiveId" clId="{F255ABD9-DD32-49C2-95D1-D3F9DBAF0468}" dt="2021-08-16T07:13:07.886" v="79" actId="26606"/>
+          <ac:spMkLst>
+            <pc:docMk/>
+            <pc:sldMk cId="95992585" sldId="257"/>
+            <ac:spMk id="12" creationId="{1DDC3EF6-2EA5-44B3-94C7-9DDA67A127D0}"/>
+          </ac:spMkLst>
+        </pc:spChg>
+        <pc:spChg chg="add del">
+          <ac:chgData name="mikez zaatri" userId="dc7c058cd1c617f1" providerId="LiveId" clId="{F255ABD9-DD32-49C2-95D1-D3F9DBAF0468}" dt="2021-08-16T07:13:07.886" v="79" actId="26606"/>
+          <ac:spMkLst>
+            <pc:docMk/>
+            <pc:sldMk cId="95992585" sldId="257"/>
+            <ac:spMk id="14" creationId="{87925A9A-E9FA-496E-9C09-7C2845E0062B}"/>
+          </ac:spMkLst>
+        </pc:spChg>
+        <pc:spChg chg="add del">
+          <ac:chgData name="mikez zaatri" userId="dc7c058cd1c617f1" providerId="LiveId" clId="{F255ABD9-DD32-49C2-95D1-D3F9DBAF0468}" dt="2021-08-16T07:13:07.886" v="79" actId="26606"/>
+          <ac:spMkLst>
+            <pc:docMk/>
+            <pc:sldMk cId="95992585" sldId="257"/>
+            <ac:spMk id="16" creationId="{2073ABB4-E164-4CBF-ADFF-25552BB7913B}"/>
+          </ac:spMkLst>
+        </pc:spChg>
+        <pc:spChg chg="add del">
+          <ac:chgData name="mikez zaatri" userId="dc7c058cd1c617f1" providerId="LiveId" clId="{F255ABD9-DD32-49C2-95D1-D3F9DBAF0468}" dt="2021-08-16T07:13:07.886" v="79" actId="26606"/>
+          <ac:spMkLst>
+            <pc:docMk/>
+            <pc:sldMk cId="95992585" sldId="257"/>
+            <ac:spMk id="18" creationId="{1259A422-0023-4292-8200-E080556F30F9}"/>
+          </ac:spMkLst>
+        </pc:spChg>
+        <pc:spChg chg="add del">
+          <ac:chgData name="mikez zaatri" userId="dc7c058cd1c617f1" providerId="LiveId" clId="{F255ABD9-DD32-49C2-95D1-D3F9DBAF0468}" dt="2021-08-16T07:13:07.886" v="79" actId="26606"/>
+          <ac:spMkLst>
+            <pc:docMk/>
+            <pc:sldMk cId="95992585" sldId="257"/>
+            <ac:spMk id="20" creationId="{A2413CA5-4739-4BC9-8BB3-B0A4928D314F}"/>
+          </ac:spMkLst>
+        </pc:spChg>
+        <pc:spChg chg="add del">
+          <ac:chgData name="mikez zaatri" userId="dc7c058cd1c617f1" providerId="LiveId" clId="{F255ABD9-DD32-49C2-95D1-D3F9DBAF0468}" dt="2021-08-16T07:13:10.007" v="81" actId="26606"/>
+          <ac:spMkLst>
+            <pc:docMk/>
+            <pc:sldMk cId="95992585" sldId="257"/>
+            <ac:spMk id="22" creationId="{1264404B-1C0F-4383-8FC3-A3E3264AA4C3}"/>
+          </ac:spMkLst>
+        </pc:spChg>
+        <pc:spChg chg="add del">
+          <ac:chgData name="mikez zaatri" userId="dc7c058cd1c617f1" providerId="LiveId" clId="{F255ABD9-DD32-49C2-95D1-D3F9DBAF0468}" dt="2021-08-16T07:13:10.007" v="81" actId="26606"/>
+          <ac:spMkLst>
+            <pc:docMk/>
+            <pc:sldMk cId="95992585" sldId="257"/>
+            <ac:spMk id="23" creationId="{1DDC3EF6-2EA5-44B3-94C7-9DDA67A127D0}"/>
+          </ac:spMkLst>
+        </pc:spChg>
+        <pc:spChg chg="add del">
+          <ac:chgData name="mikez zaatri" userId="dc7c058cd1c617f1" providerId="LiveId" clId="{F255ABD9-DD32-49C2-95D1-D3F9DBAF0468}" dt="2021-08-16T07:13:10.007" v="81" actId="26606"/>
+          <ac:spMkLst>
+            <pc:docMk/>
+            <pc:sldMk cId="95992585" sldId="257"/>
+            <ac:spMk id="24" creationId="{619F5C88-C232-4D01-8DB1-8A0C673DDBC3}"/>
+          </ac:spMkLst>
+        </pc:spChg>
+        <pc:spChg chg="add del">
+          <ac:chgData name="mikez zaatri" userId="dc7c058cd1c617f1" providerId="LiveId" clId="{F255ABD9-DD32-49C2-95D1-D3F9DBAF0468}" dt="2021-08-16T07:13:10.007" v="81" actId="26606"/>
+          <ac:spMkLst>
+            <pc:docMk/>
+            <pc:sldMk cId="95992585" sldId="257"/>
+            <ac:spMk id="25" creationId="{87925A9A-E9FA-496E-9C09-7C2845E0062B}"/>
+          </ac:spMkLst>
+        </pc:spChg>
+        <pc:spChg chg="add del">
+          <ac:chgData name="mikez zaatri" userId="dc7c058cd1c617f1" providerId="LiveId" clId="{F255ABD9-DD32-49C2-95D1-D3F9DBAF0468}" dt="2021-08-16T07:13:10.007" v="81" actId="26606"/>
+          <ac:spMkLst>
+            <pc:docMk/>
+            <pc:sldMk cId="95992585" sldId="257"/>
+            <ac:spMk id="26" creationId="{1EEE7F17-8E08-4C69-8E22-661908E6DF72}"/>
+          </ac:spMkLst>
+        </pc:spChg>
+        <pc:spChg chg="add del">
+          <ac:chgData name="mikez zaatri" userId="dc7c058cd1c617f1" providerId="LiveId" clId="{F255ABD9-DD32-49C2-95D1-D3F9DBAF0468}" dt="2021-08-16T07:13:10.007" v="81" actId="26606"/>
+          <ac:spMkLst>
+            <pc:docMk/>
+            <pc:sldMk cId="95992585" sldId="257"/>
+            <ac:spMk id="27" creationId="{2073ABB4-E164-4CBF-ADFF-25552BB7913B}"/>
+          </ac:spMkLst>
+        </pc:spChg>
+        <pc:spChg chg="add del">
+          <ac:chgData name="mikez zaatri" userId="dc7c058cd1c617f1" providerId="LiveId" clId="{F255ABD9-DD32-49C2-95D1-D3F9DBAF0468}" dt="2021-08-16T07:13:10.007" v="81" actId="26606"/>
+          <ac:spMkLst>
+            <pc:docMk/>
+            <pc:sldMk cId="95992585" sldId="257"/>
+            <ac:spMk id="28" creationId="{8C266B9D-DC87-430A-8D3A-2E83639A1768}"/>
+          </ac:spMkLst>
+        </pc:spChg>
+        <pc:spChg chg="add del">
+          <ac:chgData name="mikez zaatri" userId="dc7c058cd1c617f1" providerId="LiveId" clId="{F255ABD9-DD32-49C2-95D1-D3F9DBAF0468}" dt="2021-08-16T07:13:10.007" v="81" actId="26606"/>
+          <ac:spMkLst>
+            <pc:docMk/>
+            <pc:sldMk cId="95992585" sldId="257"/>
+            <ac:spMk id="29" creationId="{254B162D-1BD7-41E0-844F-F94AE2CE2B87}"/>
+          </ac:spMkLst>
+        </pc:spChg>
+        <pc:spChg chg="add del">
+          <ac:chgData name="mikez zaatri" userId="dc7c058cd1c617f1" providerId="LiveId" clId="{F255ABD9-DD32-49C2-95D1-D3F9DBAF0468}" dt="2021-08-16T07:20:09.030" v="253" actId="26606"/>
+          <ac:spMkLst>
+            <pc:docMk/>
+            <pc:sldMk cId="95992585" sldId="257"/>
+            <ac:spMk id="30" creationId="{10AE8D57-436A-4073-9A75-15BB5949F8B4}"/>
+          </ac:spMkLst>
+        </pc:spChg>
+        <pc:spChg chg="add del">
+          <ac:chgData name="mikez zaatri" userId="dc7c058cd1c617f1" providerId="LiveId" clId="{F255ABD9-DD32-49C2-95D1-D3F9DBAF0468}" dt="2021-08-16T07:13:11.616" v="83" actId="26606"/>
+          <ac:spMkLst>
+            <pc:docMk/>
+            <pc:sldMk cId="95992585" sldId="257"/>
+            <ac:spMk id="31" creationId="{1DDC3EF6-2EA5-44B3-94C7-9DDA67A127D0}"/>
+          </ac:spMkLst>
+        </pc:spChg>
+        <pc:spChg chg="add del">
+          <ac:chgData name="mikez zaatri" userId="dc7c058cd1c617f1" providerId="LiveId" clId="{F255ABD9-DD32-49C2-95D1-D3F9DBAF0468}" dt="2021-08-16T07:13:11.616" v="83" actId="26606"/>
+          <ac:spMkLst>
+            <pc:docMk/>
+            <pc:sldMk cId="95992585" sldId="257"/>
+            <ac:spMk id="32" creationId="{87925A9A-E9FA-496E-9C09-7C2845E0062B}"/>
+          </ac:spMkLst>
+        </pc:spChg>
+        <pc:spChg chg="add del">
+          <ac:chgData name="mikez zaatri" userId="dc7c058cd1c617f1" providerId="LiveId" clId="{F255ABD9-DD32-49C2-95D1-D3F9DBAF0468}" dt="2021-08-16T07:13:11.616" v="83" actId="26606"/>
+          <ac:spMkLst>
+            <pc:docMk/>
+            <pc:sldMk cId="95992585" sldId="257"/>
+            <ac:spMk id="33" creationId="{2073ABB4-E164-4CBF-ADFF-25552BB7913B}"/>
+          </ac:spMkLst>
+        </pc:spChg>
+        <pc:spChg chg="add del">
+          <ac:chgData name="mikez zaatri" userId="dc7c058cd1c617f1" providerId="LiveId" clId="{F255ABD9-DD32-49C2-95D1-D3F9DBAF0468}" dt="2021-08-16T07:13:11.616" v="83" actId="26606"/>
+          <ac:spMkLst>
+            <pc:docMk/>
+            <pc:sldMk cId="95992585" sldId="257"/>
+            <ac:spMk id="34" creationId="{587D26DA-9773-4A0E-B213-DDF20A1F1F27}"/>
+          </ac:spMkLst>
+        </pc:spChg>
+        <pc:spChg chg="add del">
+          <ac:chgData name="mikez zaatri" userId="dc7c058cd1c617f1" providerId="LiveId" clId="{F255ABD9-DD32-49C2-95D1-D3F9DBAF0468}" dt="2021-08-16T07:20:09.030" v="253" actId="26606"/>
+          <ac:spMkLst>
+            <pc:docMk/>
+            <pc:sldMk cId="95992585" sldId="257"/>
+            <ac:spMk id="35" creationId="{DD651B61-325E-4E73-8445-38B0DE8AAAB6}"/>
+          </ac:spMkLst>
+        </pc:spChg>
+        <pc:spChg chg="add del">
+          <ac:chgData name="mikez zaatri" userId="dc7c058cd1c617f1" providerId="LiveId" clId="{F255ABD9-DD32-49C2-95D1-D3F9DBAF0468}" dt="2021-08-16T07:13:13.096" v="85" actId="26606"/>
+          <ac:spMkLst>
+            <pc:docMk/>
+            <pc:sldMk cId="95992585" sldId="257"/>
+            <ac:spMk id="36" creationId="{1DDC3EF6-2EA5-44B3-94C7-9DDA67A127D0}"/>
+          </ac:spMkLst>
+        </pc:spChg>
+        <pc:spChg chg="add del">
+          <ac:chgData name="mikez zaatri" userId="dc7c058cd1c617f1" providerId="LiveId" clId="{F255ABD9-DD32-49C2-95D1-D3F9DBAF0468}" dt="2021-08-16T07:13:13.096" v="85" actId="26606"/>
+          <ac:spMkLst>
+            <pc:docMk/>
+            <pc:sldMk cId="95992585" sldId="257"/>
+            <ac:spMk id="37" creationId="{87925A9A-E9FA-496E-9C09-7C2845E0062B}"/>
+          </ac:spMkLst>
+        </pc:spChg>
+        <pc:spChg chg="add del">
+          <ac:chgData name="mikez zaatri" userId="dc7c058cd1c617f1" providerId="LiveId" clId="{F255ABD9-DD32-49C2-95D1-D3F9DBAF0468}" dt="2021-08-16T07:13:13.096" v="85" actId="26606"/>
+          <ac:spMkLst>
+            <pc:docMk/>
+            <pc:sldMk cId="95992585" sldId="257"/>
+            <ac:spMk id="38" creationId="{2073ABB4-E164-4CBF-ADFF-25552BB7913B}"/>
+          </ac:spMkLst>
+        </pc:spChg>
+        <pc:spChg chg="add del">
+          <ac:chgData name="mikez zaatri" userId="dc7c058cd1c617f1" providerId="LiveId" clId="{F255ABD9-DD32-49C2-95D1-D3F9DBAF0468}" dt="2021-08-16T07:13:13.096" v="85" actId="26606"/>
+          <ac:spMkLst>
+            <pc:docMk/>
+            <pc:sldMk cId="95992585" sldId="257"/>
+            <ac:spMk id="39" creationId="{0F161291-765C-4033-9E84-52C51C6A5A63}"/>
+          </ac:spMkLst>
+        </pc:spChg>
+        <pc:spChg chg="add del">
+          <ac:chgData name="mikez zaatri" userId="dc7c058cd1c617f1" providerId="LiveId" clId="{F255ABD9-DD32-49C2-95D1-D3F9DBAF0468}" dt="2021-08-16T07:13:13.096" v="85" actId="26606"/>
+          <ac:spMkLst>
+            <pc:docMk/>
+            <pc:sldMk cId="95992585" sldId="257"/>
+            <ac:spMk id="40" creationId="{37F69638-8A6F-45AB-B9EC-9D8C8FC37180}"/>
+          </ac:spMkLst>
+        </pc:spChg>
+        <pc:spChg chg="add del">
+          <ac:chgData name="mikez zaatri" userId="dc7c058cd1c617f1" providerId="LiveId" clId="{F255ABD9-DD32-49C2-95D1-D3F9DBAF0468}" dt="2021-08-16T07:20:09.030" v="253" actId="26606"/>
+          <ac:spMkLst>
+            <pc:docMk/>
+            <pc:sldMk cId="95992585" sldId="257"/>
+            <ac:spMk id="41" creationId="{B42E5253-D3AC-4AC2-B766-8B34F13C2F5E}"/>
+          </ac:spMkLst>
+        </pc:spChg>
+        <pc:spChg chg="add del">
+          <ac:chgData name="mikez zaatri" userId="dc7c058cd1c617f1" providerId="LiveId" clId="{F255ABD9-DD32-49C2-95D1-D3F9DBAF0468}" dt="2021-08-16T07:13:14.393" v="87" actId="26606"/>
+          <ac:spMkLst>
+            <pc:docMk/>
+            <pc:sldMk cId="95992585" sldId="257"/>
+            <ac:spMk id="42" creationId="{C05729A4-6F0F-4423-AD0C-EF27345E6187}"/>
+          </ac:spMkLst>
+        </pc:spChg>
+        <pc:spChg chg="add del">
+          <ac:chgData name="mikez zaatri" userId="dc7c058cd1c617f1" providerId="LiveId" clId="{F255ABD9-DD32-49C2-95D1-D3F9DBAF0468}" dt="2021-08-16T07:13:14.393" v="87" actId="26606"/>
+          <ac:spMkLst>
+            <pc:docMk/>
+            <pc:sldMk cId="95992585" sldId="257"/>
+            <ac:spMk id="43" creationId="{204CB79E-F775-42E6-994C-D5FA8C176B65}"/>
+          </ac:spMkLst>
+        </pc:spChg>
+        <pc:spChg chg="add del">
+          <ac:chgData name="mikez zaatri" userId="dc7c058cd1c617f1" providerId="LiveId" clId="{F255ABD9-DD32-49C2-95D1-D3F9DBAF0468}" dt="2021-08-16T07:13:14.393" v="87" actId="26606"/>
+          <ac:spMkLst>
+            <pc:docMk/>
+            <pc:sldMk cId="95992585" sldId="257"/>
+            <ac:spMk id="44" creationId="{3AAB5B94-95EF-4963-859C-1FA406D62CA2}"/>
+          </ac:spMkLst>
+        </pc:spChg>
+        <pc:spChg chg="add del">
+          <ac:chgData name="mikez zaatri" userId="dc7c058cd1c617f1" providerId="LiveId" clId="{F255ABD9-DD32-49C2-95D1-D3F9DBAF0468}" dt="2021-08-16T07:13:14.393" v="87" actId="26606"/>
+          <ac:spMkLst>
+            <pc:docMk/>
+            <pc:sldMk cId="95992585" sldId="257"/>
+            <ac:spMk id="45" creationId="{00C418F9-B1A3-4097-9C97-E1C9F3149701}"/>
+          </ac:spMkLst>
+        </pc:spChg>
+        <pc:spChg chg="add del">
+          <ac:chgData name="mikez zaatri" userId="dc7c058cd1c617f1" providerId="LiveId" clId="{F255ABD9-DD32-49C2-95D1-D3F9DBAF0468}" dt="2021-08-16T07:13:14.393" v="87" actId="26606"/>
+          <ac:spMkLst>
+            <pc:docMk/>
+            <pc:sldMk cId="95992585" sldId="257"/>
+            <ac:spMk id="46" creationId="{6B5E8ED2-C3EC-40AD-BDB9-27E589B52DAA}"/>
+          </ac:spMkLst>
+        </pc:spChg>
+        <pc:spChg chg="add del">
+          <ac:chgData name="mikez zaatri" userId="dc7c058cd1c617f1" providerId="LiveId" clId="{F255ABD9-DD32-49C2-95D1-D3F9DBAF0468}" dt="2021-08-16T07:20:09.030" v="253" actId="26606"/>
+          <ac:spMkLst>
+            <pc:docMk/>
+            <pc:sldMk cId="95992585" sldId="257"/>
+            <ac:spMk id="47" creationId="{88C97474-5879-4DB5-B4F3-F0357104BC8E}"/>
+          </ac:spMkLst>
+        </pc:spChg>
+        <pc:spChg chg="add del">
+          <ac:chgData name="mikez zaatri" userId="dc7c058cd1c617f1" providerId="LiveId" clId="{F255ABD9-DD32-49C2-95D1-D3F9DBAF0468}" dt="2021-08-16T07:13:16.181" v="89" actId="26606"/>
+          <ac:spMkLst>
+            <pc:docMk/>
+            <pc:sldMk cId="95992585" sldId="257"/>
+            <ac:spMk id="48" creationId="{1DDC3EF6-2EA5-44B3-94C7-9DDA67A127D0}"/>
+          </ac:spMkLst>
+        </pc:spChg>
+        <pc:spChg chg="add del">
+          <ac:chgData name="mikez zaatri" userId="dc7c058cd1c617f1" providerId="LiveId" clId="{F255ABD9-DD32-49C2-95D1-D3F9DBAF0468}" dt="2021-08-16T07:13:16.181" v="89" actId="26606"/>
+          <ac:spMkLst>
+            <pc:docMk/>
+            <pc:sldMk cId="95992585" sldId="257"/>
+            <ac:spMk id="49" creationId="{87925A9A-E9FA-496E-9C09-7C2845E0062B}"/>
+          </ac:spMkLst>
+        </pc:spChg>
+        <pc:spChg chg="add del">
+          <ac:chgData name="mikez zaatri" userId="dc7c058cd1c617f1" providerId="LiveId" clId="{F255ABD9-DD32-49C2-95D1-D3F9DBAF0468}" dt="2021-08-16T07:13:16.181" v="89" actId="26606"/>
+          <ac:spMkLst>
+            <pc:docMk/>
+            <pc:sldMk cId="95992585" sldId="257"/>
+            <ac:spMk id="50" creationId="{2073ABB4-E164-4CBF-ADFF-25552BB7913B}"/>
+          </ac:spMkLst>
+        </pc:spChg>
+        <pc:spChg chg="add del">
+          <ac:chgData name="mikez zaatri" userId="dc7c058cd1c617f1" providerId="LiveId" clId="{F255ABD9-DD32-49C2-95D1-D3F9DBAF0468}" dt="2021-08-16T07:13:16.181" v="89" actId="26606"/>
+          <ac:spMkLst>
+            <pc:docMk/>
+            <pc:sldMk cId="95992585" sldId="257"/>
+            <ac:spMk id="51" creationId="{20C97E5C-C165-417B-BBDE-6701E226BE3D}"/>
+          </ac:spMkLst>
+        </pc:spChg>
+        <pc:spChg chg="add del">
+          <ac:chgData name="mikez zaatri" userId="dc7c058cd1c617f1" providerId="LiveId" clId="{F255ABD9-DD32-49C2-95D1-D3F9DBAF0468}" dt="2021-08-16T07:13:16.181" v="89" actId="26606"/>
+          <ac:spMkLst>
+            <pc:docMk/>
+            <pc:sldMk cId="95992585" sldId="257"/>
+            <ac:spMk id="52" creationId="{95D0E1C6-221C-4835-B0D4-24184F6B6E21}"/>
+          </ac:spMkLst>
+        </pc:spChg>
+        <pc:spChg chg="add del">
+          <ac:chgData name="mikez zaatri" userId="dc7c058cd1c617f1" providerId="LiveId" clId="{F255ABD9-DD32-49C2-95D1-D3F9DBAF0468}" dt="2021-08-16T07:13:16.181" v="89" actId="26606"/>
+          <ac:spMkLst>
+            <pc:docMk/>
+            <pc:sldMk cId="95992585" sldId="257"/>
+            <ac:spMk id="53" creationId="{A98F2782-0AD1-4AB6-BBB8-3BA1BB416CE2}"/>
+          </ac:spMkLst>
+        </pc:spChg>
+        <pc:spChg chg="add del">
+          <ac:chgData name="mikez zaatri" userId="dc7c058cd1c617f1" providerId="LiveId" clId="{F255ABD9-DD32-49C2-95D1-D3F9DBAF0468}" dt="2021-08-16T07:20:09.030" v="253" actId="26606"/>
+          <ac:spMkLst>
+            <pc:docMk/>
+            <pc:sldMk cId="95992585" sldId="257"/>
+            <ac:spMk id="54" creationId="{9831CBB7-4817-4B54-A7F9-0AE2D0C47870}"/>
+          </ac:spMkLst>
+        </pc:spChg>
+        <pc:spChg chg="add del">
+          <ac:chgData name="mikez zaatri" userId="dc7c058cd1c617f1" providerId="LiveId" clId="{F255ABD9-DD32-49C2-95D1-D3F9DBAF0468}" dt="2021-08-16T07:13:18.088" v="91" actId="26606"/>
+          <ac:spMkLst>
+            <pc:docMk/>
+            <pc:sldMk cId="95992585" sldId="257"/>
+            <ac:spMk id="55" creationId="{1DDC3EF6-2EA5-44B3-94C7-9DDA67A127D0}"/>
+          </ac:spMkLst>
+        </pc:spChg>
+        <pc:spChg chg="add del">
+          <ac:chgData name="mikez zaatri" userId="dc7c058cd1c617f1" providerId="LiveId" clId="{F255ABD9-DD32-49C2-95D1-D3F9DBAF0468}" dt="2021-08-16T07:13:18.088" v="91" actId="26606"/>
+          <ac:spMkLst>
+            <pc:docMk/>
+            <pc:sldMk cId="95992585" sldId="257"/>
+            <ac:spMk id="56" creationId="{87925A9A-E9FA-496E-9C09-7C2845E0062B}"/>
+          </ac:spMkLst>
+        </pc:spChg>
+        <pc:spChg chg="add del">
+          <ac:chgData name="mikez zaatri" userId="dc7c058cd1c617f1" providerId="LiveId" clId="{F255ABD9-DD32-49C2-95D1-D3F9DBAF0468}" dt="2021-08-16T07:13:18.088" v="91" actId="26606"/>
+          <ac:spMkLst>
+            <pc:docMk/>
+            <pc:sldMk cId="95992585" sldId="257"/>
+            <ac:spMk id="57" creationId="{2073ABB4-E164-4CBF-ADFF-25552BB7913B}"/>
+          </ac:spMkLst>
+        </pc:spChg>
+        <pc:spChg chg="add del">
+          <ac:chgData name="mikez zaatri" userId="dc7c058cd1c617f1" providerId="LiveId" clId="{F255ABD9-DD32-49C2-95D1-D3F9DBAF0468}" dt="2021-08-16T07:13:18.088" v="91" actId="26606"/>
+          <ac:spMkLst>
+            <pc:docMk/>
+            <pc:sldMk cId="95992585" sldId="257"/>
+            <ac:spMk id="58" creationId="{2F8F80BB-E8B6-43B3-9462-B4D497D2802A}"/>
+          </ac:spMkLst>
+        </pc:spChg>
+        <pc:spChg chg="add del">
+          <ac:chgData name="mikez zaatri" userId="dc7c058cd1c617f1" providerId="LiveId" clId="{F255ABD9-DD32-49C2-95D1-D3F9DBAF0468}" dt="2021-08-16T07:13:18.088" v="91" actId="26606"/>
+          <ac:spMkLst>
+            <pc:docMk/>
+            <pc:sldMk cId="95992585" sldId="257"/>
+            <ac:spMk id="59" creationId="{942C8AD6-8796-482B-ACC1-6D686B08E7AC}"/>
+          </ac:spMkLst>
+        </pc:spChg>
+        <pc:spChg chg="add del">
+          <ac:chgData name="mikez zaatri" userId="dc7c058cd1c617f1" providerId="LiveId" clId="{F255ABD9-DD32-49C2-95D1-D3F9DBAF0468}" dt="2021-08-16T07:13:18.088" v="91" actId="26606"/>
+          <ac:spMkLst>
+            <pc:docMk/>
+            <pc:sldMk cId="95992585" sldId="257"/>
+            <ac:spMk id="60" creationId="{B6B3BF72-6DFA-42DA-A667-9E3A1BCFF7EB}"/>
+          </ac:spMkLst>
+        </pc:spChg>
+        <pc:spChg chg="add del">
+          <ac:chgData name="mikez zaatri" userId="dc7c058cd1c617f1" providerId="LiveId" clId="{F255ABD9-DD32-49C2-95D1-D3F9DBAF0468}" dt="2021-08-16T07:20:09.030" v="253" actId="26606"/>
+          <ac:spMkLst>
+            <pc:docMk/>
+            <pc:sldMk cId="95992585" sldId="257"/>
+            <ac:spMk id="61" creationId="{96BC321D-B05F-4857-8880-97F61B9B7858}"/>
+          </ac:spMkLst>
+        </pc:spChg>
+        <pc:spChg chg="add del">
+          <ac:chgData name="mikez zaatri" userId="dc7c058cd1c617f1" providerId="LiveId" clId="{F255ABD9-DD32-49C2-95D1-D3F9DBAF0468}" dt="2021-08-16T07:13:19.826" v="93" actId="26606"/>
+          <ac:spMkLst>
+            <pc:docMk/>
+            <pc:sldMk cId="95992585" sldId="257"/>
+            <ac:spMk id="62" creationId="{1DDC3EF6-2EA5-44B3-94C7-9DDA67A127D0}"/>
+          </ac:spMkLst>
+        </pc:spChg>
+        <pc:spChg chg="add del">
+          <ac:chgData name="mikez zaatri" userId="dc7c058cd1c617f1" providerId="LiveId" clId="{F255ABD9-DD32-49C2-95D1-D3F9DBAF0468}" dt="2021-08-16T07:13:19.826" v="93" actId="26606"/>
+          <ac:spMkLst>
+            <pc:docMk/>
+            <pc:sldMk cId="95992585" sldId="257"/>
+            <ac:spMk id="63" creationId="{87925A9A-E9FA-496E-9C09-7C2845E0062B}"/>
+          </ac:spMkLst>
+        </pc:spChg>
+        <pc:spChg chg="add del">
+          <ac:chgData name="mikez zaatri" userId="dc7c058cd1c617f1" providerId="LiveId" clId="{F255ABD9-DD32-49C2-95D1-D3F9DBAF0468}" dt="2021-08-16T07:13:19.826" v="93" actId="26606"/>
+          <ac:spMkLst>
+            <pc:docMk/>
+            <pc:sldMk cId="95992585" sldId="257"/>
+            <ac:spMk id="64" creationId="{2073ABB4-E164-4CBF-ADFF-25552BB7913B}"/>
+          </ac:spMkLst>
+        </pc:spChg>
+        <pc:spChg chg="add del">
+          <ac:chgData name="mikez zaatri" userId="dc7c058cd1c617f1" providerId="LiveId" clId="{F255ABD9-DD32-49C2-95D1-D3F9DBAF0468}" dt="2021-08-16T07:13:19.826" v="93" actId="26606"/>
+          <ac:spMkLst>
+            <pc:docMk/>
+            <pc:sldMk cId="95992585" sldId="257"/>
+            <ac:spMk id="65" creationId="{65D9C196-56A3-4D2B-B250-2501F51B4C14}"/>
+          </ac:spMkLst>
+        </pc:spChg>
+        <pc:spChg chg="add del">
+          <ac:chgData name="mikez zaatri" userId="dc7c058cd1c617f1" providerId="LiveId" clId="{F255ABD9-DD32-49C2-95D1-D3F9DBAF0468}" dt="2021-08-16T07:13:19.826" v="93" actId="26606"/>
+          <ac:spMkLst>
+            <pc:docMk/>
+            <pc:sldMk cId="95992585" sldId="257"/>
+            <ac:spMk id="66" creationId="{3A6EBF77-A535-4798-83D5-C5D9C36BFA83}"/>
+          </ac:spMkLst>
+        </pc:spChg>
+        <pc:spChg chg="add del">
+          <ac:chgData name="mikez zaatri" userId="dc7c058cd1c617f1" providerId="LiveId" clId="{F255ABD9-DD32-49C2-95D1-D3F9DBAF0468}" dt="2021-08-16T07:13:19.826" v="93" actId="26606"/>
+          <ac:spMkLst>
+            <pc:docMk/>
+            <pc:sldMk cId="95992585" sldId="257"/>
+            <ac:spMk id="67" creationId="{DDB2DB23-D2D0-4E56-A97D-E9B80FD3E4A7}"/>
+          </ac:spMkLst>
+        </pc:spChg>
+        <pc:spChg chg="add del">
+          <ac:chgData name="mikez zaatri" userId="dc7c058cd1c617f1" providerId="LiveId" clId="{F255ABD9-DD32-49C2-95D1-D3F9DBAF0468}" dt="2021-08-16T07:20:15.446" v="255" actId="26606"/>
+          <ac:spMkLst>
+            <pc:docMk/>
+            <pc:sldMk cId="95992585" sldId="257"/>
+            <ac:spMk id="68" creationId="{DD651B61-325E-4E73-8445-38B0DE8AAAB6}"/>
+          </ac:spMkLst>
+        </pc:spChg>
+        <pc:spChg chg="add del">
+          <ac:chgData name="mikez zaatri" userId="dc7c058cd1c617f1" providerId="LiveId" clId="{F255ABD9-DD32-49C2-95D1-D3F9DBAF0468}" dt="2021-08-16T07:13:22.035" v="95" actId="26606"/>
+          <ac:spMkLst>
+            <pc:docMk/>
+            <pc:sldMk cId="95992585" sldId="257"/>
+            <ac:spMk id="69" creationId="{1DDC3EF6-2EA5-44B3-94C7-9DDA67A127D0}"/>
+          </ac:spMkLst>
+        </pc:spChg>
+        <pc:spChg chg="add del">
+          <ac:chgData name="mikez zaatri" userId="dc7c058cd1c617f1" providerId="LiveId" clId="{F255ABD9-DD32-49C2-95D1-D3F9DBAF0468}" dt="2021-08-16T07:13:22.035" v="95" actId="26606"/>
+          <ac:spMkLst>
+            <pc:docMk/>
+            <pc:sldMk cId="95992585" sldId="257"/>
+            <ac:spMk id="70" creationId="{87925A9A-E9FA-496E-9C09-7C2845E0062B}"/>
+          </ac:spMkLst>
+        </pc:spChg>
+        <pc:spChg chg="add del">
+          <ac:chgData name="mikez zaatri" userId="dc7c058cd1c617f1" providerId="LiveId" clId="{F255ABD9-DD32-49C2-95D1-D3F9DBAF0468}" dt="2021-08-16T07:13:22.035" v="95" actId="26606"/>
+          <ac:spMkLst>
+            <pc:docMk/>
+            <pc:sldMk cId="95992585" sldId="257"/>
+            <ac:spMk id="71" creationId="{2073ABB4-E164-4CBF-ADFF-25552BB7913B}"/>
+          </ac:spMkLst>
+        </pc:spChg>
+        <pc:spChg chg="add del">
+          <ac:chgData name="mikez zaatri" userId="dc7c058cd1c617f1" providerId="LiveId" clId="{F255ABD9-DD32-49C2-95D1-D3F9DBAF0468}" dt="2021-08-16T07:13:22.035" v="95" actId="26606"/>
+          <ac:spMkLst>
+            <pc:docMk/>
+            <pc:sldMk cId="95992585" sldId="257"/>
+            <ac:spMk id="72" creationId="{2F8F80BB-E8B6-43B3-9462-B4D497D2802A}"/>
+          </ac:spMkLst>
+        </pc:spChg>
+        <pc:spChg chg="add del">
+          <ac:chgData name="mikez zaatri" userId="dc7c058cd1c617f1" providerId="LiveId" clId="{F255ABD9-DD32-49C2-95D1-D3F9DBAF0468}" dt="2021-08-16T07:13:22.035" v="95" actId="26606"/>
+          <ac:spMkLst>
+            <pc:docMk/>
+            <pc:sldMk cId="95992585" sldId="257"/>
+            <ac:spMk id="73" creationId="{942C8AD6-8796-482B-ACC1-6D686B08E7AC}"/>
+          </ac:spMkLst>
+        </pc:spChg>
+        <pc:spChg chg="add del">
+          <ac:chgData name="mikez zaatri" userId="dc7c058cd1c617f1" providerId="LiveId" clId="{F255ABD9-DD32-49C2-95D1-D3F9DBAF0468}" dt="2021-08-16T07:13:22.035" v="95" actId="26606"/>
+          <ac:spMkLst>
+            <pc:docMk/>
+            <pc:sldMk cId="95992585" sldId="257"/>
+            <ac:spMk id="74" creationId="{B6B3BF72-6DFA-42DA-A667-9E3A1BCFF7EB}"/>
+          </ac:spMkLst>
+        </pc:spChg>
+        <pc:spChg chg="add del">
+          <ac:chgData name="mikez zaatri" userId="dc7c058cd1c617f1" providerId="LiveId" clId="{F255ABD9-DD32-49C2-95D1-D3F9DBAF0468}" dt="2021-08-16T07:20:15.446" v="255" actId="26606"/>
+          <ac:spMkLst>
+            <pc:docMk/>
+            <pc:sldMk cId="95992585" sldId="257"/>
+            <ac:spMk id="75" creationId="{B42E5253-D3AC-4AC2-B766-8B34F13C2F5E}"/>
+          </ac:spMkLst>
+        </pc:spChg>
+        <pc:spChg chg="add del">
+          <ac:chgData name="mikez zaatri" userId="dc7c058cd1c617f1" providerId="LiveId" clId="{F255ABD9-DD32-49C2-95D1-D3F9DBAF0468}" dt="2021-08-16T07:13:23.635" v="97" actId="26606"/>
+          <ac:spMkLst>
+            <pc:docMk/>
+            <pc:sldMk cId="95992585" sldId="257"/>
+            <ac:spMk id="76" creationId="{1DDC3EF6-2EA5-44B3-94C7-9DDA67A127D0}"/>
+          </ac:spMkLst>
+        </pc:spChg>
+        <pc:spChg chg="add del">
+          <ac:chgData name="mikez zaatri" userId="dc7c058cd1c617f1" providerId="LiveId" clId="{F255ABD9-DD32-49C2-95D1-D3F9DBAF0468}" dt="2021-08-16T07:13:23.635" v="97" actId="26606"/>
+          <ac:spMkLst>
+            <pc:docMk/>
+            <pc:sldMk cId="95992585" sldId="257"/>
+            <ac:spMk id="77" creationId="{87925A9A-E9FA-496E-9C09-7C2845E0062B}"/>
+          </ac:spMkLst>
+        </pc:spChg>
+        <pc:spChg chg="add del">
+          <ac:chgData name="mikez zaatri" userId="dc7c058cd1c617f1" providerId="LiveId" clId="{F255ABD9-DD32-49C2-95D1-D3F9DBAF0468}" dt="2021-08-16T07:13:23.635" v="97" actId="26606"/>
+          <ac:spMkLst>
+            <pc:docMk/>
+            <pc:sldMk cId="95992585" sldId="257"/>
+            <ac:spMk id="78" creationId="{2073ABB4-E164-4CBF-ADFF-25552BB7913B}"/>
+          </ac:spMkLst>
+        </pc:spChg>
+        <pc:spChg chg="add del">
+          <ac:chgData name="mikez zaatri" userId="dc7c058cd1c617f1" providerId="LiveId" clId="{F255ABD9-DD32-49C2-95D1-D3F9DBAF0468}" dt="2021-08-16T07:13:23.635" v="97" actId="26606"/>
+          <ac:spMkLst>
+            <pc:docMk/>
+            <pc:sldMk cId="95992585" sldId="257"/>
+            <ac:spMk id="79" creationId="{20C97E5C-C165-417B-BBDE-6701E226BE3D}"/>
+          </ac:spMkLst>
+        </pc:spChg>
+        <pc:spChg chg="add del">
+          <ac:chgData name="mikez zaatri" userId="dc7c058cd1c617f1" providerId="LiveId" clId="{F255ABD9-DD32-49C2-95D1-D3F9DBAF0468}" dt="2021-08-16T07:13:23.635" v="97" actId="26606"/>
+          <ac:spMkLst>
+            <pc:docMk/>
+            <pc:sldMk cId="95992585" sldId="257"/>
+            <ac:spMk id="80" creationId="{95D0E1C6-221C-4835-B0D4-24184F6B6E21}"/>
+          </ac:spMkLst>
+        </pc:spChg>
+        <pc:spChg chg="add del">
+          <ac:chgData name="mikez zaatri" userId="dc7c058cd1c617f1" providerId="LiveId" clId="{F255ABD9-DD32-49C2-95D1-D3F9DBAF0468}" dt="2021-08-16T07:13:23.635" v="97" actId="26606"/>
+          <ac:spMkLst>
+            <pc:docMk/>
+            <pc:sldMk cId="95992585" sldId="257"/>
+            <ac:spMk id="81" creationId="{A98F2782-0AD1-4AB6-BBB8-3BA1BB416CE2}"/>
+          </ac:spMkLst>
+        </pc:spChg>
+        <pc:spChg chg="add del">
+          <ac:chgData name="mikez zaatri" userId="dc7c058cd1c617f1" providerId="LiveId" clId="{F255ABD9-DD32-49C2-95D1-D3F9DBAF0468}" dt="2021-08-16T07:20:15.446" v="255" actId="26606"/>
+          <ac:spMkLst>
+            <pc:docMk/>
+            <pc:sldMk cId="95992585" sldId="257"/>
+            <ac:spMk id="82" creationId="{10AE8D57-436A-4073-9A75-15BB5949F8B4}"/>
+          </ac:spMkLst>
+        </pc:spChg>
+        <pc:spChg chg="add del">
+          <ac:chgData name="mikez zaatri" userId="dc7c058cd1c617f1" providerId="LiveId" clId="{F255ABD9-DD32-49C2-95D1-D3F9DBAF0468}" dt="2021-08-16T07:13:31.881" v="99" actId="700"/>
+          <ac:spMkLst>
+            <pc:docMk/>
+            <pc:sldMk cId="95992585" sldId="257"/>
+            <ac:spMk id="83" creationId="{C05729A4-6F0F-4423-AD0C-EF27345E6187}"/>
+          </ac:spMkLst>
+        </pc:spChg>
+        <pc:spChg chg="add del">
+          <ac:chgData name="mikez zaatri" userId="dc7c058cd1c617f1" providerId="LiveId" clId="{F255ABD9-DD32-49C2-95D1-D3F9DBAF0468}" dt="2021-08-16T07:13:31.881" v="99" actId="700"/>
+          <ac:spMkLst>
+            <pc:docMk/>
+            <pc:sldMk cId="95992585" sldId="257"/>
+            <ac:spMk id="84" creationId="{204CB79E-F775-42E6-994C-D5FA8C176B65}"/>
+          </ac:spMkLst>
+        </pc:spChg>
+        <pc:spChg chg="add del">
+          <ac:chgData name="mikez zaatri" userId="dc7c058cd1c617f1" providerId="LiveId" clId="{F255ABD9-DD32-49C2-95D1-D3F9DBAF0468}" dt="2021-08-16T07:13:31.881" v="99" actId="700"/>
+          <ac:spMkLst>
+            <pc:docMk/>
+            <pc:sldMk cId="95992585" sldId="257"/>
+            <ac:spMk id="85" creationId="{3AAB5B94-95EF-4963-859C-1FA406D62CA2}"/>
+          </ac:spMkLst>
+        </pc:spChg>
+        <pc:spChg chg="add del">
+          <ac:chgData name="mikez zaatri" userId="dc7c058cd1c617f1" providerId="LiveId" clId="{F255ABD9-DD32-49C2-95D1-D3F9DBAF0468}" dt="2021-08-16T07:13:31.881" v="99" actId="700"/>
+          <ac:spMkLst>
+            <pc:docMk/>
+            <pc:sldMk cId="95992585" sldId="257"/>
+            <ac:spMk id="86" creationId="{00C418F9-B1A3-4097-9C97-E1C9F3149701}"/>
+          </ac:spMkLst>
+        </pc:spChg>
+        <pc:spChg chg="add del">
+          <ac:chgData name="mikez zaatri" userId="dc7c058cd1c617f1" providerId="LiveId" clId="{F255ABD9-DD32-49C2-95D1-D3F9DBAF0468}" dt="2021-08-16T07:13:31.881" v="99" actId="700"/>
+          <ac:spMkLst>
+            <pc:docMk/>
+            <pc:sldMk cId="95992585" sldId="257"/>
+            <ac:spMk id="87" creationId="{6B5E8ED2-C3EC-40AD-BDB9-27E589B52DAA}"/>
+          </ac:spMkLst>
+        </pc:spChg>
+        <pc:spChg chg="add del">
+          <ac:chgData name="mikez zaatri" userId="dc7c058cd1c617f1" providerId="LiveId" clId="{F255ABD9-DD32-49C2-95D1-D3F9DBAF0468}" dt="2021-08-16T07:20:15.446" v="255" actId="26606"/>
+          <ac:spMkLst>
+            <pc:docMk/>
+            <pc:sldMk cId="95992585" sldId="257"/>
+            <ac:spMk id="88" creationId="{E2852671-8EB6-4EAF-8AF8-65CF3FD66456}"/>
+          </ac:spMkLst>
+        </pc:spChg>
+        <pc:spChg chg="add del">
+          <ac:chgData name="mikez zaatri" userId="dc7c058cd1c617f1" providerId="LiveId" clId="{F255ABD9-DD32-49C2-95D1-D3F9DBAF0468}" dt="2021-08-16T07:20:15.446" v="255" actId="26606"/>
+          <ac:spMkLst>
+            <pc:docMk/>
+            <pc:sldMk cId="95992585" sldId="257"/>
+            <ac:spMk id="89" creationId="{26B4480E-B7FF-4481-890E-043A69AE6FE2}"/>
+          </ac:spMkLst>
+        </pc:spChg>
+        <pc:grpChg chg="add del">
+          <ac:chgData name="mikez zaatri" userId="dc7c058cd1c617f1" providerId="LiveId" clId="{F255ABD9-DD32-49C2-95D1-D3F9DBAF0468}" dt="2021-08-16T07:20:15.446" v="255" actId="26606"/>
+          <ac:grpSpMkLst>
+            <pc:docMk/>
+            <pc:sldMk cId="95992585" sldId="257"/>
+            <ac:grpSpMk id="90" creationId="{79394E1F-0B5F-497D-B2A6-8383A2A54834}"/>
+          </ac:grpSpMkLst>
+        </pc:grpChg>
+        <pc:picChg chg="del mod">
+          <ac:chgData name="mikez zaatri" userId="dc7c058cd1c617f1" providerId="LiveId" clId="{F255ABD9-DD32-49C2-95D1-D3F9DBAF0468}" dt="2021-08-16T07:12:58.001" v="73" actId="478"/>
+          <ac:picMkLst>
+            <pc:docMk/>
+            <pc:sldMk cId="95992585" sldId="257"/>
+            <ac:picMk id="2" creationId="{B3BEA21F-3233-4543-BBDC-FEE037AF4CA7}"/>
+          </ac:picMkLst>
+        </pc:picChg>
+        <pc:picChg chg="add del mod">
+          <ac:chgData name="mikez zaatri" userId="dc7c058cd1c617f1" providerId="LiveId" clId="{F255ABD9-DD32-49C2-95D1-D3F9DBAF0468}" dt="2021-08-16T07:14:16.019" v="103" actId="478"/>
+          <ac:picMkLst>
+            <pc:docMk/>
+            <pc:sldMk cId="95992585" sldId="257"/>
+            <ac:picMk id="7" creationId="{73EC9B02-05DA-4931-BCB1-C8C7AFC44F61}"/>
+          </ac:picMkLst>
+        </pc:picChg>
+        <pc:picChg chg="add del mod ord">
+          <ac:chgData name="mikez zaatri" userId="dc7c058cd1c617f1" providerId="LiveId" clId="{F255ABD9-DD32-49C2-95D1-D3F9DBAF0468}" dt="2021-08-16T07:14:46.824" v="108" actId="22"/>
+          <ac:picMkLst>
+            <pc:docMk/>
+            <pc:sldMk cId="95992585" sldId="257"/>
+            <ac:picMk id="13" creationId="{7222C65D-478A-44CD-AC4B-E739CD474557}"/>
+          </ac:picMkLst>
+        </pc:picChg>
+        <pc:picChg chg="add del mod">
+          <ac:chgData name="mikez zaatri" userId="dc7c058cd1c617f1" providerId="LiveId" clId="{F255ABD9-DD32-49C2-95D1-D3F9DBAF0468}" dt="2021-08-16T07:16:48.140" v="137" actId="478"/>
+          <ac:picMkLst>
+            <pc:docMk/>
+            <pc:sldMk cId="95992585" sldId="257"/>
+            <ac:picMk id="17" creationId="{CCD8FEE0-7473-44CA-A9A8-06D537B890DE}"/>
+          </ac:picMkLst>
+        </pc:picChg>
+        <pc:picChg chg="add mod ord">
+          <ac:chgData name="mikez zaatri" userId="dc7c058cd1c617f1" providerId="LiveId" clId="{F255ABD9-DD32-49C2-95D1-D3F9DBAF0468}" dt="2021-08-16T07:20:15.446" v="255" actId="26606"/>
+          <ac:picMkLst>
+            <pc:docMk/>
+            <pc:sldMk cId="95992585" sldId="257"/>
+            <ac:picMk id="21" creationId="{E574263B-434B-452B-A016-0B3F1A9D57A5}"/>
+          </ac:picMkLst>
+        </pc:picChg>
+      </pc:sldChg>
+      <pc:sldChg chg="add del">
+        <pc:chgData name="mikez zaatri" userId="dc7c058cd1c617f1" providerId="LiveId" clId="{F255ABD9-DD32-49C2-95D1-D3F9DBAF0468}" dt="2021-08-16T07:17:34.558" v="145" actId="47"/>
+        <pc:sldMkLst>
+          <pc:docMk/>
+          <pc:sldMk cId="3304426644" sldId="258"/>
+        </pc:sldMkLst>
+      </pc:sldChg>
       <pc:sldChg chg="del">
         <pc:chgData name="mikez zaatri" userId="dc7c058cd1c617f1" providerId="LiveId" clId="{F255ABD9-DD32-49C2-95D1-D3F9DBAF0468}" dt="2021-08-16T07:04:01.225" v="0" actId="2696"/>
         <pc:sldMkLst>
           <pc:docMk/>
-          <pc:sldMk cId="0" sldId="261"/>
+          <pc:sldMk cId="3923756508" sldId="261"/>
         </pc:sldMkLst>
       </pc:sldChg>
       <pc:sldChg chg="add">
@@ -510,7 +1207,7 @@
         <pc:chgData name="mikez zaatri" userId="dc7c058cd1c617f1" providerId="LiveId" clId="{F255ABD9-DD32-49C2-95D1-D3F9DBAF0468}" dt="2021-08-16T07:04:01.225" v="0" actId="2696"/>
         <pc:sldMkLst>
           <pc:docMk/>
-          <pc:sldMk cId="0" sldId="262"/>
+          <pc:sldMk cId="1929161778" sldId="262"/>
         </pc:sldMkLst>
       </pc:sldChg>
       <pc:sldChg chg="add">
@@ -519,6 +1216,186 @@
           <pc:docMk/>
           <pc:sldMk cId="1929161778" sldId="262"/>
         </pc:sldMkLst>
+      </pc:sldChg>
+      <pc:sldChg chg="delSp modSp mod">
+        <pc:chgData name="mikez zaatri" userId="dc7c058cd1c617f1" providerId="LiveId" clId="{F255ABD9-DD32-49C2-95D1-D3F9DBAF0468}" dt="2021-08-16T07:07:51.061" v="44" actId="6549"/>
+        <pc:sldMkLst>
+          <pc:docMk/>
+          <pc:sldMk cId="0" sldId="267"/>
+        </pc:sldMkLst>
+        <pc:spChg chg="del">
+          <ac:chgData name="mikez zaatri" userId="dc7c058cd1c617f1" providerId="LiveId" clId="{F255ABD9-DD32-49C2-95D1-D3F9DBAF0468}" dt="2021-08-16T07:06:30.082" v="2" actId="478"/>
+          <ac:spMkLst>
+            <pc:docMk/>
+            <pc:sldMk cId="0" sldId="267"/>
+            <ac:spMk id="4" creationId="{54751FBC-7BCC-4392-925A-25CAC9EB7E35}"/>
+          </ac:spMkLst>
+        </pc:spChg>
+        <pc:spChg chg="mod">
+          <ac:chgData name="mikez zaatri" userId="dc7c058cd1c617f1" providerId="LiveId" clId="{F255ABD9-DD32-49C2-95D1-D3F9DBAF0468}" dt="2021-08-16T07:07:44.483" v="43" actId="20577"/>
+          <ac:spMkLst>
+            <pc:docMk/>
+            <pc:sldMk cId="0" sldId="267"/>
+            <ac:spMk id="170" creationId="{00000000-0000-0000-0000-000000000000}"/>
+          </ac:spMkLst>
+        </pc:spChg>
+        <pc:spChg chg="mod">
+          <ac:chgData name="mikez zaatri" userId="dc7c058cd1c617f1" providerId="LiveId" clId="{F255ABD9-DD32-49C2-95D1-D3F9DBAF0468}" dt="2021-08-16T07:07:51.061" v="44" actId="6549"/>
+          <ac:spMkLst>
+            <pc:docMk/>
+            <pc:sldMk cId="0" sldId="267"/>
+            <ac:spMk id="171" creationId="{00000000-0000-0000-0000-000000000000}"/>
+          </ac:spMkLst>
+        </pc:spChg>
+      </pc:sldChg>
+      <pc:sldChg chg="add del">
+        <pc:chgData name="mikez zaatri" userId="dc7c058cd1c617f1" providerId="LiveId" clId="{F255ABD9-DD32-49C2-95D1-D3F9DBAF0468}" dt="2021-08-16T07:17:35.564" v="146" actId="47"/>
+        <pc:sldMkLst>
+          <pc:docMk/>
+          <pc:sldMk cId="897138782" sldId="279"/>
+        </pc:sldMkLst>
+      </pc:sldChg>
+      <pc:sldChg chg="addSp delSp modSp add mod setBg setClrOvrMap">
+        <pc:chgData name="mikez zaatri" userId="dc7c058cd1c617f1" providerId="LiveId" clId="{F255ABD9-DD32-49C2-95D1-D3F9DBAF0468}" dt="2021-08-16T07:19:26.004" v="208" actId="20577"/>
+        <pc:sldMkLst>
+          <pc:docMk/>
+          <pc:sldMk cId="425088015" sldId="280"/>
+        </pc:sldMkLst>
+        <pc:spChg chg="mod">
+          <ac:chgData name="mikez zaatri" userId="dc7c058cd1c617f1" providerId="LiveId" clId="{F255ABD9-DD32-49C2-95D1-D3F9DBAF0468}" dt="2021-08-16T07:19:26.004" v="208" actId="20577"/>
+          <ac:spMkLst>
+            <pc:docMk/>
+            <pc:sldMk cId="425088015" sldId="280"/>
+            <ac:spMk id="8" creationId="{26C39FAB-5AD5-4AF2-8970-761429E3AEFC}"/>
+          </ac:spMkLst>
+        </pc:spChg>
+        <pc:spChg chg="mod">
+          <ac:chgData name="mikez zaatri" userId="dc7c058cd1c617f1" providerId="LiveId" clId="{F255ABD9-DD32-49C2-95D1-D3F9DBAF0468}" dt="2021-08-16T07:16:24.444" v="126" actId="26606"/>
+          <ac:spMkLst>
+            <pc:docMk/>
+            <pc:sldMk cId="425088015" sldId="280"/>
+            <ac:spMk id="10" creationId="{B5FEDBAE-ABA3-4F3C-AA95-96E298B91A08}"/>
+          </ac:spMkLst>
+        </pc:spChg>
+        <pc:spChg chg="add del">
+          <ac:chgData name="mikez zaatri" userId="dc7c058cd1c617f1" providerId="LiveId" clId="{F255ABD9-DD32-49C2-95D1-D3F9DBAF0468}" dt="2021-08-16T07:16:24.444" v="126" actId="26606"/>
+          <ac:spMkLst>
+            <pc:docMk/>
+            <pc:sldMk cId="425088015" sldId="280"/>
+            <ac:spMk id="12" creationId="{B5B90362-AFCC-46A9-B41C-A257A8C5B314}"/>
+          </ac:spMkLst>
+        </pc:spChg>
+        <pc:spChg chg="add del">
+          <ac:chgData name="mikez zaatri" userId="dc7c058cd1c617f1" providerId="LiveId" clId="{F255ABD9-DD32-49C2-95D1-D3F9DBAF0468}" dt="2021-08-16T07:16:24.444" v="126" actId="26606"/>
+          <ac:spMkLst>
+            <pc:docMk/>
+            <pc:sldMk cId="425088015" sldId="280"/>
+            <ac:spMk id="15" creationId="{E6C8E6EB-4C59-429B-97E4-72A058CFC4FB}"/>
+          </ac:spMkLst>
+        </pc:spChg>
+        <pc:spChg chg="add del">
+          <ac:chgData name="mikez zaatri" userId="dc7c058cd1c617f1" providerId="LiveId" clId="{F255ABD9-DD32-49C2-95D1-D3F9DBAF0468}" dt="2021-08-16T07:16:24.444" v="126" actId="26606"/>
+          <ac:spMkLst>
+            <pc:docMk/>
+            <pc:sldMk cId="425088015" sldId="280"/>
+            <ac:spMk id="19" creationId="{F71EF7F1-38BA-471D-8CD4-2A9AE8E35527}"/>
+          </ac:spMkLst>
+        </pc:spChg>
+        <pc:spChg chg="add del">
+          <ac:chgData name="mikez zaatri" userId="dc7c058cd1c617f1" providerId="LiveId" clId="{F255ABD9-DD32-49C2-95D1-D3F9DBAF0468}" dt="2021-08-16T07:16:24.444" v="126" actId="26606"/>
+          <ac:spMkLst>
+            <pc:docMk/>
+            <pc:sldMk cId="425088015" sldId="280"/>
+            <ac:spMk id="21" creationId="{1BB56EB9-078F-4952-AC1F-149C7A0AE4D5}"/>
+          </ac:spMkLst>
+        </pc:spChg>
+        <pc:spChg chg="add del">
+          <ac:chgData name="mikez zaatri" userId="dc7c058cd1c617f1" providerId="LiveId" clId="{F255ABD9-DD32-49C2-95D1-D3F9DBAF0468}" dt="2021-08-16T07:16:24.444" v="126" actId="26606"/>
+          <ac:spMkLst>
+            <pc:docMk/>
+            <pc:sldMk cId="425088015" sldId="280"/>
+            <ac:spMk id="23" creationId="{D3772EE4-ED5E-4D3A-A306-B22CF866786D}"/>
+          </ac:spMkLst>
+        </pc:spChg>
+        <pc:spChg chg="add del">
+          <ac:chgData name="mikez zaatri" userId="dc7c058cd1c617f1" providerId="LiveId" clId="{F255ABD9-DD32-49C2-95D1-D3F9DBAF0468}" dt="2021-08-16T07:16:24.444" v="126" actId="26606"/>
+          <ac:spMkLst>
+            <pc:docMk/>
+            <pc:sldMk cId="425088015" sldId="280"/>
+            <ac:spMk id="25" creationId="{10058680-D07C-4893-B2B7-91543F18AB32}"/>
+          </ac:spMkLst>
+        </pc:spChg>
+        <pc:spChg chg="add del">
+          <ac:chgData name="mikez zaatri" userId="dc7c058cd1c617f1" providerId="LiveId" clId="{F255ABD9-DD32-49C2-95D1-D3F9DBAF0468}" dt="2021-08-16T07:16:24.444" v="126" actId="26606"/>
+          <ac:spMkLst>
+            <pc:docMk/>
+            <pc:sldMk cId="425088015" sldId="280"/>
+            <ac:spMk id="27" creationId="{7B42427A-0A1F-4A55-8705-D9179F1E0CFB}"/>
+          </ac:spMkLst>
+        </pc:spChg>
+        <pc:spChg chg="add del">
+          <ac:chgData name="mikez zaatri" userId="dc7c058cd1c617f1" providerId="LiveId" clId="{F255ABD9-DD32-49C2-95D1-D3F9DBAF0468}" dt="2021-08-16T07:16:24.444" v="126" actId="26606"/>
+          <ac:spMkLst>
+            <pc:docMk/>
+            <pc:sldMk cId="425088015" sldId="280"/>
+            <ac:spMk id="29" creationId="{EE54A6FE-D8CB-48A3-900B-053D4EBD3B85}"/>
+          </ac:spMkLst>
+        </pc:spChg>
+        <pc:picChg chg="add mod">
+          <ac:chgData name="mikez zaatri" userId="dc7c058cd1c617f1" providerId="LiveId" clId="{F255ABD9-DD32-49C2-95D1-D3F9DBAF0468}" dt="2021-08-16T07:16:37.867" v="136" actId="1035"/>
+          <ac:picMkLst>
+            <pc:docMk/>
+            <pc:sldMk cId="425088015" sldId="280"/>
+            <ac:picMk id="3" creationId="{ED4111F9-C37C-46CC-AA76-FD010D62D3B4}"/>
+          </ac:picMkLst>
+        </pc:picChg>
+        <pc:picChg chg="del">
+          <ac:chgData name="mikez zaatri" userId="dc7c058cd1c617f1" providerId="LiveId" clId="{F255ABD9-DD32-49C2-95D1-D3F9DBAF0468}" dt="2021-08-16T07:16:12.875" v="121" actId="478"/>
+          <ac:picMkLst>
+            <pc:docMk/>
+            <pc:sldMk cId="425088015" sldId="280"/>
+            <ac:picMk id="17" creationId="{CCD8FEE0-7473-44CA-A9A8-06D537B890DE}"/>
+          </ac:picMkLst>
+        </pc:picChg>
+      </pc:sldChg>
+      <pc:sldChg chg="addSp delSp modSp add mod">
+        <pc:chgData name="mikez zaatri" userId="dc7c058cd1c617f1" providerId="LiveId" clId="{F255ABD9-DD32-49C2-95D1-D3F9DBAF0468}" dt="2021-08-16T07:25:32.276" v="761" actId="6549"/>
+        <pc:sldMkLst>
+          <pc:docMk/>
+          <pc:sldMk cId="2503923824" sldId="281"/>
+        </pc:sldMkLst>
+        <pc:spChg chg="mod">
+          <ac:chgData name="mikez zaatri" userId="dc7c058cd1c617f1" providerId="LiveId" clId="{F255ABD9-DD32-49C2-95D1-D3F9DBAF0468}" dt="2021-08-16T07:20:55.500" v="283" actId="20577"/>
+          <ac:spMkLst>
+            <pc:docMk/>
+            <pc:sldMk cId="2503923824" sldId="281"/>
+            <ac:spMk id="8" creationId="{26C39FAB-5AD5-4AF2-8970-761429E3AEFC}"/>
+          </ac:spMkLst>
+        </pc:spChg>
+        <pc:spChg chg="mod">
+          <ac:chgData name="mikez zaatri" userId="dc7c058cd1c617f1" providerId="LiveId" clId="{F255ABD9-DD32-49C2-95D1-D3F9DBAF0468}" dt="2021-08-16T07:25:32.276" v="761" actId="6549"/>
+          <ac:spMkLst>
+            <pc:docMk/>
+            <pc:sldMk cId="2503923824" sldId="281"/>
+            <ac:spMk id="10" creationId="{B5FEDBAE-ABA3-4F3C-AA95-96E298B91A08}"/>
+          </ac:spMkLst>
+        </pc:spChg>
+        <pc:picChg chg="del">
+          <ac:chgData name="mikez zaatri" userId="dc7c058cd1c617f1" providerId="LiveId" clId="{F255ABD9-DD32-49C2-95D1-D3F9DBAF0468}" dt="2021-08-16T07:17:39.028" v="147" actId="478"/>
+          <ac:picMkLst>
+            <pc:docMk/>
+            <pc:sldMk cId="2503923824" sldId="281"/>
+            <ac:picMk id="3" creationId="{ED4111F9-C37C-46CC-AA76-FD010D62D3B4}"/>
+          </ac:picMkLst>
+        </pc:picChg>
+        <pc:picChg chg="add mod">
+          <ac:chgData name="mikez zaatri" userId="dc7c058cd1c617f1" providerId="LiveId" clId="{F255ABD9-DD32-49C2-95D1-D3F9DBAF0468}" dt="2021-08-16T07:19:04.693" v="157" actId="14100"/>
+          <ac:picMkLst>
+            <pc:docMk/>
+            <pc:sldMk cId="2503923824" sldId="281"/>
+            <ac:picMk id="4" creationId="{BE707EF3-F780-4D11-9A9A-D9916B24B05E}"/>
+          </ac:picMkLst>
+        </pc:picChg>
       </pc:sldChg>
     </pc:docChg>
   </pc:docChgLst>
@@ -533,7 +1410,7 @@
         <pc:chgData name="mikez zaatri" userId="dc7c058cd1c617f1" providerId="LiveId" clId="{3609CF1C-7F59-43CD-9E2F-3C5D15BF5220}" dt="2021-08-08T21:06:15.059" v="136" actId="729"/>
         <pc:sldMkLst>
           <pc:docMk/>
-          <pc:sldMk cId="0" sldId="262"/>
+          <pc:sldMk cId="1929161778" sldId="262"/>
         </pc:sldMkLst>
       </pc:sldChg>
       <pc:sldChg chg="ord">
@@ -8100,7 +8977,7 @@
   <p:cSld>
     <p:spTree>
       <p:nvGrpSpPr>
-        <p:cNvPr id="1" name="Shape 175"/>
+        <p:cNvPr id="1" name=""/>
         <p:cNvGrpSpPr/>
         <p:nvPr/>
       </p:nvGrpSpPr>
@@ -8114,116 +8991,93 @@
       </p:grpSpPr>
       <p:sp>
         <p:nvSpPr>
-          <p:cNvPr id="176" name="Google Shape;176;p20"/>
-          <p:cNvSpPr txBox="1">
+          <p:cNvPr id="8" name="Title 7">
+            <a:extLst>
+              <a:ext uri="{FF2B5EF4-FFF2-40B4-BE49-F238E27FC236}">
+                <a16:creationId xmlns:a16="http://schemas.microsoft.com/office/drawing/2014/main" id="{26C39FAB-5AD5-4AF2-8970-761429E3AEFC}"/>
+              </a:ext>
+            </a:extLst>
+          </p:cNvPr>
+          <p:cNvSpPr>
             <a:spLocks noGrp="1"/>
           </p:cNvSpPr>
           <p:nvPr>
             <p:ph type="title"/>
           </p:nvPr>
         </p:nvSpPr>
-        <p:spPr>
-          <a:xfrm>
-            <a:off x="1730000" y="525000"/>
-            <a:ext cx="9385200" cy="1218800"/>
+        <p:spPr/>
+        <p:txBody>
+          <a:bodyPr/>
+          <a:lstStyle/>
+          <a:p>
+            <a:r>
+              <a:rPr lang="en-US" dirty="0"/>
+              <a:t>House Pricing Regression Charts</a:t>
+            </a:r>
+          </a:p>
+        </p:txBody>
+      </p:sp>
+      <p:sp>
+        <p:nvSpPr>
+          <p:cNvPr id="10" name="Text Placeholder 9">
+            <a:extLst>
+              <a:ext uri="{FF2B5EF4-FFF2-40B4-BE49-F238E27FC236}">
+                <a16:creationId xmlns:a16="http://schemas.microsoft.com/office/drawing/2014/main" id="{B5FEDBAE-ABA3-4F3C-AA95-96E298B91A08}"/>
+              </a:ext>
+            </a:extLst>
+          </p:cNvPr>
+          <p:cNvSpPr>
+            <a:spLocks noGrp="1"/>
+          </p:cNvSpPr>
+          <p:nvPr>
+            <p:ph type="body" sz="half" idx="2"/>
+          </p:nvPr>
+        </p:nvSpPr>
+        <p:spPr/>
+        <p:txBody>
+          <a:bodyPr/>
+          <a:lstStyle/>
+          <a:p>
+            <a:endParaRPr lang="en-US"/>
+          </a:p>
+        </p:txBody>
+      </p:sp>
+      <p:pic>
+        <p:nvPicPr>
+          <p:cNvPr id="3" name="Picture 2" descr="Chart, line chart&#10;&#10;Description automatically generated">
+            <a:extLst>
+              <a:ext uri="{FF2B5EF4-FFF2-40B4-BE49-F238E27FC236}">
+                <a16:creationId xmlns:a16="http://schemas.microsoft.com/office/drawing/2014/main" id="{ED4111F9-C37C-46CC-AA76-FD010D62D3B4}"/>
+              </a:ext>
+            </a:extLst>
+          </p:cNvPr>
+          <p:cNvPicPr>
+            <a:picLocks noChangeAspect="1"/>
+          </p:cNvPicPr>
+          <p:nvPr/>
+        </p:nvPicPr>
+        <p:blipFill>
+          <a:blip r:embed="rId2"/>
+          <a:stretch>
+            <a:fillRect/>
+          </a:stretch>
+        </p:blipFill>
+        <p:spPr>
+          <a:xfrm>
+            <a:off x="4834645" y="612605"/>
+            <a:ext cx="6918575" cy="6196755"/>
           </a:xfrm>
           <a:prstGeom prst="rect">
             <a:avLst/>
           </a:prstGeom>
         </p:spPr>
-        <p:txBody>
-          <a:bodyPr spcFirstLastPara="1" vert="horz" wrap="square" lIns="121900" tIns="121900" rIns="121900" bIns="121900" rtlCol="0" anchor="t" anchorCtr="0">
-            <a:normAutofit/>
-          </a:bodyPr>
-          <a:lstStyle/>
-          <a:p>
-            <a:r>
-              <a:rPr lang="en" sz="2800">
-                <a:latin typeface="Lato"/>
-                <a:ea typeface="Lato"/>
-                <a:cs typeface="Lato"/>
-                <a:sym typeface="Lato"/>
-              </a:rPr>
-              <a:t>Technologies, languages, tools, and algorithms used throughout the project</a:t>
-            </a:r>
-            <a:endParaRPr sz="2800">
-              <a:latin typeface="Lato"/>
-              <a:ea typeface="Lato"/>
-              <a:cs typeface="Lato"/>
-              <a:sym typeface="Lato"/>
-            </a:endParaRPr>
-          </a:p>
-        </p:txBody>
-      </p:sp>
-      <p:sp>
-        <p:nvSpPr>
-          <p:cNvPr id="177" name="Google Shape;177;p20"/>
-          <p:cNvSpPr txBox="1">
-            <a:spLocks noGrp="1"/>
-          </p:cNvSpPr>
-          <p:nvPr>
-            <p:ph type="body" idx="1"/>
-          </p:nvPr>
-        </p:nvSpPr>
-        <p:spPr>
-          <a:xfrm>
-            <a:off x="1730000" y="2090067"/>
-            <a:ext cx="9385200" cy="3881600"/>
-          </a:xfrm>
-          <a:prstGeom prst="rect">
-            <a:avLst/>
-          </a:prstGeom>
-        </p:spPr>
-        <p:txBody>
-          <a:bodyPr spcFirstLastPara="1" vert="horz" wrap="square" lIns="121900" tIns="121900" rIns="121900" bIns="121900" rtlCol="0" anchor="t" anchorCtr="0">
-            <a:normAutofit/>
-          </a:bodyPr>
-          <a:lstStyle/>
-          <a:p>
-            <a:r>
-              <a:rPr lang="en"/>
-              <a:t>Python :  Pandas, PySpark </a:t>
-            </a:r>
-            <a:endParaRPr/>
-          </a:p>
-          <a:p>
-            <a:r>
-              <a:rPr lang="en"/>
-              <a:t>SQLAlchemy </a:t>
-            </a:r>
-            <a:endParaRPr/>
-          </a:p>
-          <a:p>
-            <a:r>
-              <a:rPr lang="en"/>
-              <a:t>Postgres </a:t>
-            </a:r>
-            <a:endParaRPr/>
-          </a:p>
-          <a:p>
-            <a:r>
-              <a:rPr lang="en"/>
-              <a:t>Google CoLab </a:t>
-            </a:r>
-            <a:endParaRPr/>
-          </a:p>
-          <a:p>
-            <a:r>
-              <a:rPr lang="en"/>
-              <a:t>Google Docs. </a:t>
-            </a:r>
-            <a:endParaRPr/>
-          </a:p>
-          <a:p>
-            <a:r>
-              <a:rPr lang="en"/>
-              <a:t>Python ML Models: Linear regression , Keras for neural network ML Model. </a:t>
-            </a:r>
-            <a:endParaRPr/>
-          </a:p>
-        </p:txBody>
-      </p:sp>
+      </p:pic>
     </p:spTree>
+    <p:extLst>
+      <p:ext uri="{BB962C8B-B14F-4D97-AF65-F5344CB8AC3E}">
+        <p14:creationId xmlns:p14="http://schemas.microsoft.com/office/powerpoint/2010/main" val="425088015"/>
+      </p:ext>
+    </p:extLst>
   </p:cSld>
   <p:clrMapOvr>
     <a:masterClrMapping/>
@@ -8232,6 +9086,172 @@
 </file>
 
 <file path=ppt/slides/slide11.xml><?xml version="1.0" encoding="utf-8"?>
+<p:sld xmlns:a="http://schemas.openxmlformats.org/drawingml/2006/main" xmlns:r="http://schemas.openxmlformats.org/officeDocument/2006/relationships" xmlns:p="http://schemas.openxmlformats.org/presentationml/2006/main">
+  <p:cSld>
+    <p:spTree>
+      <p:nvGrpSpPr>
+        <p:cNvPr id="1" name=""/>
+        <p:cNvGrpSpPr/>
+        <p:nvPr/>
+      </p:nvGrpSpPr>
+      <p:grpSpPr>
+        <a:xfrm>
+          <a:off x="0" y="0"/>
+          <a:ext cx="0" cy="0"/>
+          <a:chOff x="0" y="0"/>
+          <a:chExt cx="0" cy="0"/>
+        </a:xfrm>
+      </p:grpSpPr>
+      <p:sp>
+        <p:nvSpPr>
+          <p:cNvPr id="8" name="Title 7">
+            <a:extLst>
+              <a:ext uri="{FF2B5EF4-FFF2-40B4-BE49-F238E27FC236}">
+                <a16:creationId xmlns:a16="http://schemas.microsoft.com/office/drawing/2014/main" id="{26C39FAB-5AD5-4AF2-8970-761429E3AEFC}"/>
+              </a:ext>
+            </a:extLst>
+          </p:cNvPr>
+          <p:cNvSpPr>
+            <a:spLocks noGrp="1"/>
+          </p:cNvSpPr>
+          <p:nvPr>
+            <p:ph type="title"/>
+          </p:nvPr>
+        </p:nvSpPr>
+        <p:spPr/>
+        <p:txBody>
+          <a:bodyPr/>
+          <a:lstStyle/>
+          <a:p>
+            <a:r>
+              <a:rPr lang="en-US" dirty="0"/>
+              <a:t>Housing Analysis Drill down </a:t>
+            </a:r>
+          </a:p>
+        </p:txBody>
+      </p:sp>
+      <p:sp>
+        <p:nvSpPr>
+          <p:cNvPr id="10" name="Text Placeholder 9">
+            <a:extLst>
+              <a:ext uri="{FF2B5EF4-FFF2-40B4-BE49-F238E27FC236}">
+                <a16:creationId xmlns:a16="http://schemas.microsoft.com/office/drawing/2014/main" id="{B5FEDBAE-ABA3-4F3C-AA95-96E298B91A08}"/>
+              </a:ext>
+            </a:extLst>
+          </p:cNvPr>
+          <p:cNvSpPr>
+            <a:spLocks noGrp="1"/>
+          </p:cNvSpPr>
+          <p:nvPr>
+            <p:ph type="body" sz="half" idx="2"/>
+          </p:nvPr>
+        </p:nvSpPr>
+        <p:spPr/>
+        <p:txBody>
+          <a:bodyPr/>
+          <a:lstStyle/>
+          <a:p>
+            <a:pPr marL="285750" indent="-285750">
+              <a:buFont typeface="Arial" panose="020B0604020202020204" pitchFamily="34" charset="0"/>
+              <a:buChar char="•"/>
+            </a:pPr>
+            <a:r>
+              <a:rPr lang="en-US" dirty="0">
+                <a:solidFill>
+                  <a:schemeClr val="bg1"/>
+                </a:solidFill>
+              </a:rPr>
+              <a:t>This Dashboard present :</a:t>
+            </a:r>
+          </a:p>
+          <a:p>
+            <a:pPr marL="742950" lvl="1" indent="-285750">
+              <a:buFont typeface="Arial" panose="020B0604020202020204" pitchFamily="34" charset="0"/>
+              <a:buChar char="•"/>
+            </a:pPr>
+            <a:r>
+              <a:rPr lang="en-US" dirty="0">
+                <a:solidFill>
+                  <a:schemeClr val="bg1"/>
+                </a:solidFill>
+              </a:rPr>
+              <a:t>Days on Market analysis : Avg. Number of Days from Publish to Close .</a:t>
+            </a:r>
+          </a:p>
+          <a:p>
+            <a:pPr marL="742950" lvl="1" indent="-285750">
+              <a:buFont typeface="Arial" panose="020B0604020202020204" pitchFamily="34" charset="0"/>
+              <a:buChar char="•"/>
+            </a:pPr>
+            <a:r>
+              <a:rPr lang="en-US" dirty="0">
+                <a:solidFill>
+                  <a:schemeClr val="bg1"/>
+                </a:solidFill>
+              </a:rPr>
+              <a:t>Sale Distribution Per SQF: Distribution of House sales transactions per SQF.  </a:t>
+            </a:r>
+          </a:p>
+          <a:p>
+            <a:pPr marL="742950" lvl="1" indent="-285750">
+              <a:buFont typeface="Arial" panose="020B0604020202020204" pitchFamily="34" charset="0"/>
+              <a:buChar char="•"/>
+            </a:pPr>
+            <a:r>
+              <a:rPr lang="en-US" dirty="0">
+                <a:solidFill>
+                  <a:schemeClr val="bg1"/>
+                </a:solidFill>
+              </a:rPr>
+              <a:t>Sale Distribution per # of rooms shows the distribution of House sales transactions per # of rooms. </a:t>
+            </a:r>
+          </a:p>
+        </p:txBody>
+      </p:sp>
+      <p:pic>
+        <p:nvPicPr>
+          <p:cNvPr id="4" name="Picture 3" descr="Graphical user interface, application, table&#10;&#10;Description automatically generated">
+            <a:extLst>
+              <a:ext uri="{FF2B5EF4-FFF2-40B4-BE49-F238E27FC236}">
+                <a16:creationId xmlns:a16="http://schemas.microsoft.com/office/drawing/2014/main" id="{BE707EF3-F780-4D11-9A9A-D9916B24B05E}"/>
+              </a:ext>
+            </a:extLst>
+          </p:cNvPr>
+          <p:cNvPicPr>
+            <a:picLocks noChangeAspect="1"/>
+          </p:cNvPicPr>
+          <p:nvPr/>
+        </p:nvPicPr>
+        <p:blipFill>
+          <a:blip r:embed="rId2"/>
+          <a:stretch>
+            <a:fillRect/>
+          </a:stretch>
+        </p:blipFill>
+        <p:spPr>
+          <a:xfrm>
+            <a:off x="4615912" y="607978"/>
+            <a:ext cx="6960003" cy="6235288"/>
+          </a:xfrm>
+          <a:prstGeom prst="rect">
+            <a:avLst/>
+          </a:prstGeom>
+        </p:spPr>
+      </p:pic>
+    </p:spTree>
+    <p:extLst>
+      <p:ext uri="{BB962C8B-B14F-4D97-AF65-F5344CB8AC3E}">
+        <p14:creationId xmlns:p14="http://schemas.microsoft.com/office/powerpoint/2010/main" val="2503923824"/>
+      </p:ext>
+    </p:extLst>
+  </p:cSld>
+  <p:clrMapOvr>
+    <a:masterClrMapping/>
+  </p:clrMapOvr>
+</p:sld>
+</file>
+
+<file path=ppt/slides/slide12.xml><?xml version="1.0" encoding="utf-8"?>
 <p:sld xmlns:a="http://schemas.openxmlformats.org/drawingml/2006/main" xmlns:r="http://schemas.openxmlformats.org/officeDocument/2006/relationships" xmlns:p="http://schemas.openxmlformats.org/presentationml/2006/main">
   <p:cSld>
     <p:spTree>
@@ -8260,6 +9280,299 @@
         </p:nvSpPr>
         <p:spPr>
           <a:xfrm>
+            <a:off x="1730000" y="525000"/>
+            <a:ext cx="9385200" cy="1218800"/>
+          </a:xfrm>
+          <a:prstGeom prst="rect">
+            <a:avLst/>
+          </a:prstGeom>
+        </p:spPr>
+        <p:txBody>
+          <a:bodyPr spcFirstLastPara="1" vert="horz" wrap="square" lIns="121900" tIns="121900" rIns="121900" bIns="121900" rtlCol="0" anchor="t" anchorCtr="0">
+            <a:normAutofit/>
+          </a:bodyPr>
+          <a:lstStyle/>
+          <a:p>
+            <a:r>
+              <a:rPr lang="en" sz="2800">
+                <a:latin typeface="Lato"/>
+                <a:ea typeface="Lato"/>
+                <a:cs typeface="Lato"/>
+                <a:sym typeface="Lato"/>
+              </a:rPr>
+              <a:t>Recommendation for future analysis</a:t>
+            </a:r>
+            <a:endParaRPr sz="2800">
+              <a:latin typeface="Lato"/>
+              <a:ea typeface="Lato"/>
+              <a:cs typeface="Lato"/>
+              <a:sym typeface="Lato"/>
+            </a:endParaRPr>
+          </a:p>
+        </p:txBody>
+      </p:sp>
+      <p:sp>
+        <p:nvSpPr>
+          <p:cNvPr id="183" name="Google Shape;183;p21"/>
+          <p:cNvSpPr txBox="1">
+            <a:spLocks noGrp="1"/>
+          </p:cNvSpPr>
+          <p:nvPr>
+            <p:ph type="body" idx="1"/>
+          </p:nvPr>
+        </p:nvSpPr>
+        <p:spPr>
+          <a:xfrm>
+            <a:off x="1730000" y="2090067"/>
+            <a:ext cx="9385200" cy="3881600"/>
+          </a:xfrm>
+          <a:prstGeom prst="rect">
+            <a:avLst/>
+          </a:prstGeom>
+        </p:spPr>
+        <p:txBody>
+          <a:bodyPr spcFirstLastPara="1" vert="horz" wrap="square" lIns="121900" tIns="121900" rIns="121900" bIns="121900" rtlCol="0" anchor="t" anchorCtr="0">
+            <a:normAutofit/>
+          </a:bodyPr>
+          <a:lstStyle/>
+          <a:p>
+            <a:pPr marL="0" indent="0">
+              <a:spcAft>
+                <a:spcPts val="1600"/>
+              </a:spcAft>
+              <a:buNone/>
+            </a:pPr>
+            <a:r>
+              <a:rPr lang="en"/>
+              <a:t>TBD </a:t>
+            </a:r>
+            <a:endParaRPr/>
+          </a:p>
+        </p:txBody>
+      </p:sp>
+      <p:sp>
+        <p:nvSpPr>
+          <p:cNvPr id="4" name="TextBox 3">
+            <a:extLst>
+              <a:ext uri="{FF2B5EF4-FFF2-40B4-BE49-F238E27FC236}">
+                <a16:creationId xmlns:a16="http://schemas.microsoft.com/office/drawing/2014/main" id="{518EAEA7-0B74-4BEC-9516-1ED4161D7DF1}"/>
+              </a:ext>
+            </a:extLst>
+          </p:cNvPr>
+          <p:cNvSpPr txBox="1"/>
+          <p:nvPr/>
+        </p:nvSpPr>
+        <p:spPr>
+          <a:xfrm>
+            <a:off x="2727159" y="3565175"/>
+            <a:ext cx="6096000" cy="369332"/>
+          </a:xfrm>
+          <a:prstGeom prst="rect">
+            <a:avLst/>
+          </a:prstGeom>
+          <a:noFill/>
+        </p:spPr>
+        <p:txBody>
+          <a:bodyPr wrap="square">
+            <a:spAutoFit/>
+          </a:bodyPr>
+          <a:lstStyle/>
+          <a:p>
+            <a:r>
+              <a:rPr lang="en-US" dirty="0">
+                <a:solidFill>
+                  <a:srgbClr val="FF0000"/>
+                </a:solidFill>
+                <a:highlight>
+                  <a:srgbClr val="FFFF00"/>
+                </a:highlight>
+              </a:rPr>
+              <a:t>Michael</a:t>
+            </a:r>
+            <a:r>
+              <a:rPr lang="en-US" dirty="0">
+                <a:highlight>
+                  <a:srgbClr val="FFFF00"/>
+                </a:highlight>
+              </a:rPr>
+              <a:t>  to add key point to describe the Process </a:t>
+            </a:r>
+          </a:p>
+        </p:txBody>
+      </p:sp>
+    </p:spTree>
+  </p:cSld>
+  <p:clrMapOvr>
+    <a:masterClrMapping/>
+  </p:clrMapOvr>
+</p:sld>
+</file>
+
+<file path=ppt/slides/slide13.xml><?xml version="1.0" encoding="utf-8"?>
+<p:sld xmlns:a="http://schemas.openxmlformats.org/drawingml/2006/main" xmlns:r="http://schemas.openxmlformats.org/officeDocument/2006/relationships" xmlns:p="http://schemas.openxmlformats.org/presentationml/2006/main">
+  <p:cSld>
+    <p:spTree>
+      <p:nvGrpSpPr>
+        <p:cNvPr id="1" name="Shape 175"/>
+        <p:cNvGrpSpPr/>
+        <p:nvPr/>
+      </p:nvGrpSpPr>
+      <p:grpSpPr>
+        <a:xfrm>
+          <a:off x="0" y="0"/>
+          <a:ext cx="0" cy="0"/>
+          <a:chOff x="0" y="0"/>
+          <a:chExt cx="0" cy="0"/>
+        </a:xfrm>
+      </p:grpSpPr>
+      <p:sp>
+        <p:nvSpPr>
+          <p:cNvPr id="176" name="Google Shape;176;p20"/>
+          <p:cNvSpPr txBox="1">
+            <a:spLocks noGrp="1"/>
+          </p:cNvSpPr>
+          <p:nvPr>
+            <p:ph type="title"/>
+          </p:nvPr>
+        </p:nvSpPr>
+        <p:spPr>
+          <a:xfrm>
+            <a:off x="1730000" y="525000"/>
+            <a:ext cx="9385200" cy="1218800"/>
+          </a:xfrm>
+          <a:prstGeom prst="rect">
+            <a:avLst/>
+          </a:prstGeom>
+        </p:spPr>
+        <p:txBody>
+          <a:bodyPr spcFirstLastPara="1" vert="horz" wrap="square" lIns="121900" tIns="121900" rIns="121900" bIns="121900" rtlCol="0" anchor="t" anchorCtr="0">
+            <a:normAutofit/>
+          </a:bodyPr>
+          <a:lstStyle/>
+          <a:p>
+            <a:r>
+              <a:rPr lang="en" sz="2800">
+                <a:latin typeface="Lato"/>
+                <a:ea typeface="Lato"/>
+                <a:cs typeface="Lato"/>
+                <a:sym typeface="Lato"/>
+              </a:rPr>
+              <a:t>Technologies, languages, tools, and algorithms used throughout the project</a:t>
+            </a:r>
+            <a:endParaRPr sz="2800">
+              <a:latin typeface="Lato"/>
+              <a:ea typeface="Lato"/>
+              <a:cs typeface="Lato"/>
+              <a:sym typeface="Lato"/>
+            </a:endParaRPr>
+          </a:p>
+        </p:txBody>
+      </p:sp>
+      <p:sp>
+        <p:nvSpPr>
+          <p:cNvPr id="177" name="Google Shape;177;p20"/>
+          <p:cNvSpPr txBox="1">
+            <a:spLocks noGrp="1"/>
+          </p:cNvSpPr>
+          <p:nvPr>
+            <p:ph type="body" idx="1"/>
+          </p:nvPr>
+        </p:nvSpPr>
+        <p:spPr>
+          <a:xfrm>
+            <a:off x="1730000" y="2090067"/>
+            <a:ext cx="9385200" cy="3881600"/>
+          </a:xfrm>
+          <a:prstGeom prst="rect">
+            <a:avLst/>
+          </a:prstGeom>
+        </p:spPr>
+        <p:txBody>
+          <a:bodyPr spcFirstLastPara="1" vert="horz" wrap="square" lIns="121900" tIns="121900" rIns="121900" bIns="121900" rtlCol="0" anchor="t" anchorCtr="0">
+            <a:normAutofit/>
+          </a:bodyPr>
+          <a:lstStyle/>
+          <a:p>
+            <a:r>
+              <a:rPr lang="en"/>
+              <a:t>Python :  Pandas, PySpark </a:t>
+            </a:r>
+            <a:endParaRPr/>
+          </a:p>
+          <a:p>
+            <a:r>
+              <a:rPr lang="en"/>
+              <a:t>SQLAlchemy </a:t>
+            </a:r>
+            <a:endParaRPr/>
+          </a:p>
+          <a:p>
+            <a:r>
+              <a:rPr lang="en"/>
+              <a:t>Postgres </a:t>
+            </a:r>
+            <a:endParaRPr/>
+          </a:p>
+          <a:p>
+            <a:r>
+              <a:rPr lang="en"/>
+              <a:t>Google CoLab </a:t>
+            </a:r>
+            <a:endParaRPr/>
+          </a:p>
+          <a:p>
+            <a:r>
+              <a:rPr lang="en"/>
+              <a:t>Google Docs. </a:t>
+            </a:r>
+            <a:endParaRPr/>
+          </a:p>
+          <a:p>
+            <a:r>
+              <a:rPr lang="en"/>
+              <a:t>Python ML Models: Linear regression , Keras for neural network ML Model. </a:t>
+            </a:r>
+            <a:endParaRPr/>
+          </a:p>
+        </p:txBody>
+      </p:sp>
+    </p:spTree>
+  </p:cSld>
+  <p:clrMapOvr>
+    <a:masterClrMapping/>
+  </p:clrMapOvr>
+</p:sld>
+</file>
+
+<file path=ppt/slides/slide14.xml><?xml version="1.0" encoding="utf-8"?>
+<p:sld xmlns:a="http://schemas.openxmlformats.org/drawingml/2006/main" xmlns:r="http://schemas.openxmlformats.org/officeDocument/2006/relationships" xmlns:p="http://schemas.openxmlformats.org/presentationml/2006/main">
+  <p:cSld>
+    <p:spTree>
+      <p:nvGrpSpPr>
+        <p:cNvPr id="1" name="Shape 181"/>
+        <p:cNvGrpSpPr/>
+        <p:nvPr/>
+      </p:nvGrpSpPr>
+      <p:grpSpPr>
+        <a:xfrm>
+          <a:off x="0" y="0"/>
+          <a:ext cx="0" cy="0"/>
+          <a:chOff x="0" y="0"/>
+          <a:chExt cx="0" cy="0"/>
+        </a:xfrm>
+      </p:grpSpPr>
+      <p:sp>
+        <p:nvSpPr>
+          <p:cNvPr id="182" name="Google Shape;182;p21"/>
+          <p:cNvSpPr txBox="1">
+            <a:spLocks noGrp="1"/>
+          </p:cNvSpPr>
+          <p:nvPr>
+            <p:ph type="title"/>
+          </p:nvPr>
+        </p:nvSpPr>
+        <p:spPr>
+          <a:xfrm>
             <a:off x="1525814" y="3126157"/>
             <a:ext cx="9385200" cy="1218800"/>
           </a:xfrm>
@@ -8304,7 +9617,7 @@
 </p:sld>
 </file>
 
-<file path=ppt/slides/slide12.xml><?xml version="1.0" encoding="utf-8"?>
+<file path=ppt/slides/slide15.xml><?xml version="1.0" encoding="utf-8"?>
 <p:sld xmlns:a="http://schemas.openxmlformats.org/drawingml/2006/main" xmlns:r="http://schemas.openxmlformats.org/officeDocument/2006/relationships" xmlns:p="http://schemas.openxmlformats.org/presentationml/2006/main">
   <p:cSld>
     <p:spTree>
@@ -8532,7 +9845,7 @@
 </p:sld>
 </file>
 
-<file path=ppt/slides/slide13.xml><?xml version="1.0" encoding="utf-8"?>
+<file path=ppt/slides/slide16.xml><?xml version="1.0" encoding="utf-8"?>
 <p:sld xmlns:a="http://schemas.openxmlformats.org/drawingml/2006/main" xmlns:r="http://schemas.openxmlformats.org/officeDocument/2006/relationships" xmlns:p="http://schemas.openxmlformats.org/presentationml/2006/main" show="0">
   <p:cSld>
     <p:spTree>
@@ -8764,7 +10077,7 @@
 </p:sld>
 </file>
 
-<file path=ppt/slides/slide14.xml><?xml version="1.0" encoding="utf-8"?>
+<file path=ppt/slides/slide17.xml><?xml version="1.0" encoding="utf-8"?>
 <p:sld xmlns:a="http://schemas.openxmlformats.org/drawingml/2006/main" xmlns:r="http://schemas.openxmlformats.org/officeDocument/2006/relationships" xmlns:p="http://schemas.openxmlformats.org/presentationml/2006/main">
   <p:cSld>
     <p:spTree>
@@ -8885,7 +10198,7 @@
 </p:sld>
 </file>
 
-<file path=ppt/slides/slide15.xml><?xml version="1.0" encoding="utf-8"?>
+<file path=ppt/slides/slide18.xml><?xml version="1.0" encoding="utf-8"?>
 <p:sld xmlns:a="http://schemas.openxmlformats.org/drawingml/2006/main" xmlns:r="http://schemas.openxmlformats.org/officeDocument/2006/relationships" xmlns:p="http://schemas.openxmlformats.org/presentationml/2006/main">
   <p:cSld>
     <p:bg>
@@ -9534,7 +10847,7 @@
 </p:sld>
 </file>
 
-<file path=ppt/slides/slide16.xml><?xml version="1.0" encoding="utf-8"?>
+<file path=ppt/slides/slide19.xml><?xml version="1.0" encoding="utf-8"?>
 <p:sld xmlns:a="http://schemas.openxmlformats.org/drawingml/2006/main" xmlns:r="http://schemas.openxmlformats.org/officeDocument/2006/relationships" xmlns:p="http://schemas.openxmlformats.org/presentationml/2006/main">
   <p:cSld>
     <p:spTree>
@@ -9738,375 +11051,6 @@
     <p:extLst>
       <p:ext uri="{BB962C8B-B14F-4D97-AF65-F5344CB8AC3E}">
         <p14:creationId xmlns:p14="http://schemas.microsoft.com/office/powerpoint/2010/main" val="2431828473"/>
-      </p:ext>
-    </p:extLst>
-  </p:cSld>
-  <p:clrMapOvr>
-    <a:masterClrMapping/>
-  </p:clrMapOvr>
-</p:sld>
-</file>
-
-<file path=ppt/slides/slide17.xml><?xml version="1.0" encoding="utf-8"?>
-<p:sld xmlns:a="http://schemas.openxmlformats.org/drawingml/2006/main" xmlns:r="http://schemas.openxmlformats.org/officeDocument/2006/relationships" xmlns:p="http://schemas.openxmlformats.org/presentationml/2006/main">
-  <p:cSld>
-    <p:spTree>
-      <p:nvGrpSpPr>
-        <p:cNvPr id="1" name=""/>
-        <p:cNvGrpSpPr/>
-        <p:nvPr/>
-      </p:nvGrpSpPr>
-      <p:grpSpPr>
-        <a:xfrm>
-          <a:off x="0" y="0"/>
-          <a:ext cx="0" cy="0"/>
-          <a:chOff x="0" y="0"/>
-          <a:chExt cx="0" cy="0"/>
-        </a:xfrm>
-      </p:grpSpPr>
-      <p:sp>
-        <p:nvSpPr>
-          <p:cNvPr id="2" name="Title 1">
-            <a:extLst>
-              <a:ext uri="{FF2B5EF4-FFF2-40B4-BE49-F238E27FC236}">
-                <a16:creationId xmlns:a16="http://schemas.microsoft.com/office/drawing/2014/main" id="{B55F5714-2E8E-4ACD-A2CD-04641C08956A}"/>
-              </a:ext>
-            </a:extLst>
-          </p:cNvPr>
-          <p:cNvSpPr>
-            <a:spLocks noGrp="1"/>
-          </p:cNvSpPr>
-          <p:nvPr>
-            <p:ph type="title"/>
-          </p:nvPr>
-        </p:nvSpPr>
-        <p:spPr>
-          <a:xfrm>
-            <a:off x="601255" y="702155"/>
-            <a:ext cx="3409783" cy="1300365"/>
-          </a:xfrm>
-        </p:spPr>
-        <p:txBody>
-          <a:bodyPr vert="horz" lIns="91440" tIns="45720" rIns="91440" bIns="45720" rtlCol="0" anchor="b">
-            <a:normAutofit/>
-          </a:bodyPr>
-          <a:lstStyle/>
-          <a:p>
-            <a:pPr>
-              <a:spcBef>
-                <a:spcPct val="0"/>
-              </a:spcBef>
-            </a:pPr>
-            <a:r>
-              <a:rPr lang="en-US" sz="2800" dirty="0">
-                <a:solidFill>
-                  <a:srgbClr val="FFFFFF"/>
-                </a:solidFill>
-              </a:rPr>
-              <a:t>Deep Learning  model</a:t>
-            </a:r>
-          </a:p>
-        </p:txBody>
-      </p:sp>
-      <p:sp>
-        <p:nvSpPr>
-          <p:cNvPr id="3" name="Text Placeholder 2">
-            <a:extLst>
-              <a:ext uri="{FF2B5EF4-FFF2-40B4-BE49-F238E27FC236}">
-                <a16:creationId xmlns:a16="http://schemas.microsoft.com/office/drawing/2014/main" id="{69967516-9E99-4B4D-AD6B-5B2B788CBAC4}"/>
-              </a:ext>
-            </a:extLst>
-          </p:cNvPr>
-          <p:cNvSpPr>
-            <a:spLocks noGrp="1"/>
-          </p:cNvSpPr>
-          <p:nvPr>
-            <p:ph type="body" idx="1"/>
-          </p:nvPr>
-        </p:nvSpPr>
-        <p:spPr>
-          <a:xfrm>
-            <a:off x="601255" y="2177142"/>
-            <a:ext cx="3409782" cy="3823607"/>
-          </a:xfrm>
-        </p:spPr>
-        <p:txBody>
-          <a:bodyPr vert="horz" lIns="91440" tIns="45720" rIns="91440" bIns="45720" rtlCol="0" anchor="ctr">
-            <a:normAutofit/>
-          </a:bodyPr>
-          <a:lstStyle/>
-          <a:p>
-            <a:pPr>
-              <a:spcBef>
-                <a:spcPct val="20000"/>
-              </a:spcBef>
-              <a:spcAft>
-                <a:spcPts val="600"/>
-              </a:spcAft>
-              <a:buSzPct val="92000"/>
-              <a:buFont typeface="Wingdings 2" panose="05020102010507070707" pitchFamily="18" charset="2"/>
-              <a:buChar char=""/>
-            </a:pPr>
-            <a:r>
-              <a:rPr lang="en-US" dirty="0">
-                <a:solidFill>
-                  <a:srgbClr val="FFFFFF"/>
-                </a:solidFill>
-              </a:rPr>
-              <a:t>Run ML Neural Network DL ML Model </a:t>
-            </a:r>
-          </a:p>
-        </p:txBody>
-      </p:sp>
-      <p:pic>
-        <p:nvPicPr>
-          <p:cNvPr id="5" name="Picture 4" descr="Text&#10;&#10;Description automatically generated">
-            <a:extLst>
-              <a:ext uri="{FF2B5EF4-FFF2-40B4-BE49-F238E27FC236}">
-                <a16:creationId xmlns:a16="http://schemas.microsoft.com/office/drawing/2014/main" id="{5D8CD567-4A52-4166-8A27-0CD5C20D03BA}"/>
-              </a:ext>
-            </a:extLst>
-          </p:cNvPr>
-          <p:cNvPicPr>
-            <a:picLocks noChangeAspect="1"/>
-          </p:cNvPicPr>
-          <p:nvPr/>
-        </p:nvPicPr>
-        <p:blipFill>
-          <a:blip r:embed="rId2"/>
-          <a:stretch>
-            <a:fillRect/>
-          </a:stretch>
-        </p:blipFill>
-        <p:spPr>
-          <a:xfrm>
-            <a:off x="4592230" y="841237"/>
-            <a:ext cx="7337529" cy="1467504"/>
-          </a:xfrm>
-          <a:prstGeom prst="rect">
-            <a:avLst/>
-          </a:prstGeom>
-        </p:spPr>
-      </p:pic>
-      <p:pic>
-        <p:nvPicPr>
-          <p:cNvPr id="8" name="Picture 7" descr="Text&#10;&#10;Description automatically generated">
-            <a:extLst>
-              <a:ext uri="{FF2B5EF4-FFF2-40B4-BE49-F238E27FC236}">
-                <a16:creationId xmlns:a16="http://schemas.microsoft.com/office/drawing/2014/main" id="{DD4EC2D4-8A09-42FF-AF5F-35A756471C4B}"/>
-              </a:ext>
-            </a:extLst>
-          </p:cNvPr>
-          <p:cNvPicPr>
-            <a:picLocks noChangeAspect="1"/>
-          </p:cNvPicPr>
-          <p:nvPr/>
-        </p:nvPicPr>
-        <p:blipFill>
-          <a:blip r:embed="rId3"/>
-          <a:stretch>
-            <a:fillRect/>
-          </a:stretch>
-        </p:blipFill>
-        <p:spPr>
-          <a:xfrm>
-            <a:off x="4592230" y="2601339"/>
-            <a:ext cx="7335903" cy="3399410"/>
-          </a:xfrm>
-          <a:prstGeom prst="rect">
-            <a:avLst/>
-          </a:prstGeom>
-        </p:spPr>
-      </p:pic>
-    </p:spTree>
-    <p:extLst>
-      <p:ext uri="{BB962C8B-B14F-4D97-AF65-F5344CB8AC3E}">
-        <p14:creationId xmlns:p14="http://schemas.microsoft.com/office/powerpoint/2010/main" val="2030732977"/>
-      </p:ext>
-    </p:extLst>
-  </p:cSld>
-  <p:clrMapOvr>
-    <a:masterClrMapping/>
-  </p:clrMapOvr>
-</p:sld>
-</file>
-
-<file path=ppt/slides/slide18.xml><?xml version="1.0" encoding="utf-8"?>
-<p:sld xmlns:a="http://schemas.openxmlformats.org/drawingml/2006/main" xmlns:r="http://schemas.openxmlformats.org/officeDocument/2006/relationships" xmlns:p="http://schemas.openxmlformats.org/presentationml/2006/main">
-  <p:cSld>
-    <p:spTree>
-      <p:nvGrpSpPr>
-        <p:cNvPr id="1" name=""/>
-        <p:cNvGrpSpPr/>
-        <p:nvPr/>
-      </p:nvGrpSpPr>
-      <p:grpSpPr>
-        <a:xfrm>
-          <a:off x="0" y="0"/>
-          <a:ext cx="0" cy="0"/>
-          <a:chOff x="0" y="0"/>
-          <a:chExt cx="0" cy="0"/>
-        </a:xfrm>
-      </p:grpSpPr>
-      <p:sp>
-        <p:nvSpPr>
-          <p:cNvPr id="2" name="Title 1">
-            <a:extLst>
-              <a:ext uri="{FF2B5EF4-FFF2-40B4-BE49-F238E27FC236}">
-                <a16:creationId xmlns:a16="http://schemas.microsoft.com/office/drawing/2014/main" id="{B55F5714-2E8E-4ACD-A2CD-04641C08956A}"/>
-              </a:ext>
-            </a:extLst>
-          </p:cNvPr>
-          <p:cNvSpPr>
-            <a:spLocks noGrp="1"/>
-          </p:cNvSpPr>
-          <p:nvPr>
-            <p:ph type="title"/>
-          </p:nvPr>
-        </p:nvSpPr>
-        <p:spPr>
-          <a:xfrm>
-            <a:off x="700218" y="1656292"/>
-            <a:ext cx="3150659" cy="2085869"/>
-          </a:xfrm>
-        </p:spPr>
-        <p:txBody>
-          <a:bodyPr vert="horz" lIns="91440" tIns="45720" rIns="91440" bIns="45720" rtlCol="0" anchor="b">
-            <a:normAutofit/>
-          </a:bodyPr>
-          <a:lstStyle/>
-          <a:p>
-            <a:pPr>
-              <a:spcBef>
-                <a:spcPct val="0"/>
-              </a:spcBef>
-            </a:pPr>
-            <a:r>
-              <a:rPr lang="en-US" sz="3600">
-                <a:solidFill>
-                  <a:srgbClr val="FFFFFF"/>
-                </a:solidFill>
-              </a:rPr>
-              <a:t>Deep Learning  model</a:t>
-            </a:r>
-          </a:p>
-        </p:txBody>
-      </p:sp>
-      <p:sp>
-        <p:nvSpPr>
-          <p:cNvPr id="3" name="Text Placeholder 2">
-            <a:extLst>
-              <a:ext uri="{FF2B5EF4-FFF2-40B4-BE49-F238E27FC236}">
-                <a16:creationId xmlns:a16="http://schemas.microsoft.com/office/drawing/2014/main" id="{69967516-9E99-4B4D-AD6B-5B2B788CBAC4}"/>
-              </a:ext>
-            </a:extLst>
-          </p:cNvPr>
-          <p:cNvSpPr>
-            <a:spLocks noGrp="1"/>
-          </p:cNvSpPr>
-          <p:nvPr>
-            <p:ph type="body" idx="1"/>
-          </p:nvPr>
-        </p:nvSpPr>
-        <p:spPr>
-          <a:xfrm>
-            <a:off x="700218" y="3742162"/>
-            <a:ext cx="3150659" cy="1733655"/>
-          </a:xfrm>
-        </p:spPr>
-        <p:txBody>
-          <a:bodyPr vert="horz" lIns="91440" tIns="45720" rIns="91440" bIns="45720" rtlCol="0" anchor="t">
-            <a:normAutofit/>
-          </a:bodyPr>
-          <a:lstStyle/>
-          <a:p>
-            <a:pPr marL="0" indent="0">
-              <a:spcBef>
-                <a:spcPct val="20000"/>
-              </a:spcBef>
-              <a:spcAft>
-                <a:spcPts val="600"/>
-              </a:spcAft>
-              <a:buSzPct val="92000"/>
-              <a:buNone/>
-            </a:pPr>
-            <a:r>
-              <a:rPr lang="en-US" sz="1600" cap="all">
-                <a:solidFill>
-                  <a:srgbClr val="FFFFFF">
-                    <a:alpha val="75000"/>
-                  </a:srgbClr>
-                </a:solidFill>
-              </a:rPr>
-              <a:t>Run ML Neural Network DL ML Model - Cont </a:t>
-            </a:r>
-          </a:p>
-        </p:txBody>
-      </p:sp>
-      <p:pic>
-        <p:nvPicPr>
-          <p:cNvPr id="6" name="Picture 5" descr="Text&#10;&#10;Description automatically generated with medium confidence">
-            <a:extLst>
-              <a:ext uri="{FF2B5EF4-FFF2-40B4-BE49-F238E27FC236}">
-                <a16:creationId xmlns:a16="http://schemas.microsoft.com/office/drawing/2014/main" id="{3F470C4A-4AD1-47A3-A5CA-847F89F3DAB1}"/>
-              </a:ext>
-            </a:extLst>
-          </p:cNvPr>
-          <p:cNvPicPr>
-            <a:picLocks noChangeAspect="1"/>
-          </p:cNvPicPr>
-          <p:nvPr/>
-        </p:nvPicPr>
-        <p:blipFill>
-          <a:blip r:embed="rId2"/>
-          <a:stretch>
-            <a:fillRect/>
-          </a:stretch>
-        </p:blipFill>
-        <p:spPr>
-          <a:xfrm>
-            <a:off x="4625432" y="1633813"/>
-            <a:ext cx="7117916" cy="1997033"/>
-          </a:xfrm>
-          <a:prstGeom prst="rect">
-            <a:avLst/>
-          </a:prstGeom>
-        </p:spPr>
-      </p:pic>
-      <p:pic>
-        <p:nvPicPr>
-          <p:cNvPr id="9" name="Picture 8" descr="Text&#10;&#10;Description automatically generated">
-            <a:extLst>
-              <a:ext uri="{FF2B5EF4-FFF2-40B4-BE49-F238E27FC236}">
-                <a16:creationId xmlns:a16="http://schemas.microsoft.com/office/drawing/2014/main" id="{15A818AF-D1C2-4E14-8314-97A84FE0621D}"/>
-              </a:ext>
-            </a:extLst>
-          </p:cNvPr>
-          <p:cNvPicPr>
-            <a:picLocks noChangeAspect="1"/>
-          </p:cNvPicPr>
-          <p:nvPr/>
-        </p:nvPicPr>
-        <p:blipFill>
-          <a:blip r:embed="rId3"/>
-          <a:stretch>
-            <a:fillRect/>
-          </a:stretch>
-        </p:blipFill>
-        <p:spPr>
-          <a:xfrm>
-            <a:off x="4595946" y="3937465"/>
-            <a:ext cx="7185188" cy="1619955"/>
-          </a:xfrm>
-          <a:prstGeom prst="rect">
-            <a:avLst/>
-          </a:prstGeom>
-        </p:spPr>
-      </p:pic>
-    </p:spTree>
-    <p:extLst>
-      <p:ext uri="{BB962C8B-B14F-4D97-AF65-F5344CB8AC3E}">
-        <p14:creationId xmlns:p14="http://schemas.microsoft.com/office/powerpoint/2010/main" val="4051875976"/>
       </p:ext>
     </p:extLst>
   </p:cSld>
@@ -10259,6 +11203,375 @@
         </p:txBody>
       </p:sp>
     </p:spTree>
+  </p:cSld>
+  <p:clrMapOvr>
+    <a:masterClrMapping/>
+  </p:clrMapOvr>
+</p:sld>
+</file>
+
+<file path=ppt/slides/slide20.xml><?xml version="1.0" encoding="utf-8"?>
+<p:sld xmlns:a="http://schemas.openxmlformats.org/drawingml/2006/main" xmlns:r="http://schemas.openxmlformats.org/officeDocument/2006/relationships" xmlns:p="http://schemas.openxmlformats.org/presentationml/2006/main">
+  <p:cSld>
+    <p:spTree>
+      <p:nvGrpSpPr>
+        <p:cNvPr id="1" name=""/>
+        <p:cNvGrpSpPr/>
+        <p:nvPr/>
+      </p:nvGrpSpPr>
+      <p:grpSpPr>
+        <a:xfrm>
+          <a:off x="0" y="0"/>
+          <a:ext cx="0" cy="0"/>
+          <a:chOff x="0" y="0"/>
+          <a:chExt cx="0" cy="0"/>
+        </a:xfrm>
+      </p:grpSpPr>
+      <p:sp>
+        <p:nvSpPr>
+          <p:cNvPr id="2" name="Title 1">
+            <a:extLst>
+              <a:ext uri="{FF2B5EF4-FFF2-40B4-BE49-F238E27FC236}">
+                <a16:creationId xmlns:a16="http://schemas.microsoft.com/office/drawing/2014/main" id="{B55F5714-2E8E-4ACD-A2CD-04641C08956A}"/>
+              </a:ext>
+            </a:extLst>
+          </p:cNvPr>
+          <p:cNvSpPr>
+            <a:spLocks noGrp="1"/>
+          </p:cNvSpPr>
+          <p:nvPr>
+            <p:ph type="title"/>
+          </p:nvPr>
+        </p:nvSpPr>
+        <p:spPr>
+          <a:xfrm>
+            <a:off x="601255" y="702155"/>
+            <a:ext cx="3409783" cy="1300365"/>
+          </a:xfrm>
+        </p:spPr>
+        <p:txBody>
+          <a:bodyPr vert="horz" lIns="91440" tIns="45720" rIns="91440" bIns="45720" rtlCol="0" anchor="b">
+            <a:normAutofit/>
+          </a:bodyPr>
+          <a:lstStyle/>
+          <a:p>
+            <a:pPr>
+              <a:spcBef>
+                <a:spcPct val="0"/>
+              </a:spcBef>
+            </a:pPr>
+            <a:r>
+              <a:rPr lang="en-US" sz="2800" dirty="0">
+                <a:solidFill>
+                  <a:srgbClr val="FFFFFF"/>
+                </a:solidFill>
+              </a:rPr>
+              <a:t>Deep Learning  model</a:t>
+            </a:r>
+          </a:p>
+        </p:txBody>
+      </p:sp>
+      <p:sp>
+        <p:nvSpPr>
+          <p:cNvPr id="3" name="Text Placeholder 2">
+            <a:extLst>
+              <a:ext uri="{FF2B5EF4-FFF2-40B4-BE49-F238E27FC236}">
+                <a16:creationId xmlns:a16="http://schemas.microsoft.com/office/drawing/2014/main" id="{69967516-9E99-4B4D-AD6B-5B2B788CBAC4}"/>
+              </a:ext>
+            </a:extLst>
+          </p:cNvPr>
+          <p:cNvSpPr>
+            <a:spLocks noGrp="1"/>
+          </p:cNvSpPr>
+          <p:nvPr>
+            <p:ph type="body" idx="1"/>
+          </p:nvPr>
+        </p:nvSpPr>
+        <p:spPr>
+          <a:xfrm>
+            <a:off x="601255" y="2177142"/>
+            <a:ext cx="3409782" cy="3823607"/>
+          </a:xfrm>
+        </p:spPr>
+        <p:txBody>
+          <a:bodyPr vert="horz" lIns="91440" tIns="45720" rIns="91440" bIns="45720" rtlCol="0" anchor="ctr">
+            <a:normAutofit/>
+          </a:bodyPr>
+          <a:lstStyle/>
+          <a:p>
+            <a:pPr>
+              <a:spcBef>
+                <a:spcPct val="20000"/>
+              </a:spcBef>
+              <a:spcAft>
+                <a:spcPts val="600"/>
+              </a:spcAft>
+              <a:buSzPct val="92000"/>
+              <a:buFont typeface="Wingdings 2" panose="05020102010507070707" pitchFamily="18" charset="2"/>
+              <a:buChar char=""/>
+            </a:pPr>
+            <a:r>
+              <a:rPr lang="en-US" dirty="0">
+                <a:solidFill>
+                  <a:srgbClr val="FFFFFF"/>
+                </a:solidFill>
+              </a:rPr>
+              <a:t>Run ML Neural Network DL ML Model </a:t>
+            </a:r>
+          </a:p>
+        </p:txBody>
+      </p:sp>
+      <p:pic>
+        <p:nvPicPr>
+          <p:cNvPr id="5" name="Picture 4" descr="Text&#10;&#10;Description automatically generated">
+            <a:extLst>
+              <a:ext uri="{FF2B5EF4-FFF2-40B4-BE49-F238E27FC236}">
+                <a16:creationId xmlns:a16="http://schemas.microsoft.com/office/drawing/2014/main" id="{5D8CD567-4A52-4166-8A27-0CD5C20D03BA}"/>
+              </a:ext>
+            </a:extLst>
+          </p:cNvPr>
+          <p:cNvPicPr>
+            <a:picLocks noChangeAspect="1"/>
+          </p:cNvPicPr>
+          <p:nvPr/>
+        </p:nvPicPr>
+        <p:blipFill>
+          <a:blip r:embed="rId2"/>
+          <a:stretch>
+            <a:fillRect/>
+          </a:stretch>
+        </p:blipFill>
+        <p:spPr>
+          <a:xfrm>
+            <a:off x="4592230" y="841237"/>
+            <a:ext cx="7337529" cy="1467504"/>
+          </a:xfrm>
+          <a:prstGeom prst="rect">
+            <a:avLst/>
+          </a:prstGeom>
+        </p:spPr>
+      </p:pic>
+      <p:pic>
+        <p:nvPicPr>
+          <p:cNvPr id="8" name="Picture 7" descr="Text&#10;&#10;Description automatically generated">
+            <a:extLst>
+              <a:ext uri="{FF2B5EF4-FFF2-40B4-BE49-F238E27FC236}">
+                <a16:creationId xmlns:a16="http://schemas.microsoft.com/office/drawing/2014/main" id="{DD4EC2D4-8A09-42FF-AF5F-35A756471C4B}"/>
+              </a:ext>
+            </a:extLst>
+          </p:cNvPr>
+          <p:cNvPicPr>
+            <a:picLocks noChangeAspect="1"/>
+          </p:cNvPicPr>
+          <p:nvPr/>
+        </p:nvPicPr>
+        <p:blipFill>
+          <a:blip r:embed="rId3"/>
+          <a:stretch>
+            <a:fillRect/>
+          </a:stretch>
+        </p:blipFill>
+        <p:spPr>
+          <a:xfrm>
+            <a:off x="4592230" y="2601339"/>
+            <a:ext cx="7335903" cy="3399410"/>
+          </a:xfrm>
+          <a:prstGeom prst="rect">
+            <a:avLst/>
+          </a:prstGeom>
+        </p:spPr>
+      </p:pic>
+    </p:spTree>
+    <p:extLst>
+      <p:ext uri="{BB962C8B-B14F-4D97-AF65-F5344CB8AC3E}">
+        <p14:creationId xmlns:p14="http://schemas.microsoft.com/office/powerpoint/2010/main" val="2030732977"/>
+      </p:ext>
+    </p:extLst>
+  </p:cSld>
+  <p:clrMapOvr>
+    <a:masterClrMapping/>
+  </p:clrMapOvr>
+</p:sld>
+</file>
+
+<file path=ppt/slides/slide21.xml><?xml version="1.0" encoding="utf-8"?>
+<p:sld xmlns:a="http://schemas.openxmlformats.org/drawingml/2006/main" xmlns:r="http://schemas.openxmlformats.org/officeDocument/2006/relationships" xmlns:p="http://schemas.openxmlformats.org/presentationml/2006/main">
+  <p:cSld>
+    <p:spTree>
+      <p:nvGrpSpPr>
+        <p:cNvPr id="1" name=""/>
+        <p:cNvGrpSpPr/>
+        <p:nvPr/>
+      </p:nvGrpSpPr>
+      <p:grpSpPr>
+        <a:xfrm>
+          <a:off x="0" y="0"/>
+          <a:ext cx="0" cy="0"/>
+          <a:chOff x="0" y="0"/>
+          <a:chExt cx="0" cy="0"/>
+        </a:xfrm>
+      </p:grpSpPr>
+      <p:sp>
+        <p:nvSpPr>
+          <p:cNvPr id="2" name="Title 1">
+            <a:extLst>
+              <a:ext uri="{FF2B5EF4-FFF2-40B4-BE49-F238E27FC236}">
+                <a16:creationId xmlns:a16="http://schemas.microsoft.com/office/drawing/2014/main" id="{B55F5714-2E8E-4ACD-A2CD-04641C08956A}"/>
+              </a:ext>
+            </a:extLst>
+          </p:cNvPr>
+          <p:cNvSpPr>
+            <a:spLocks noGrp="1"/>
+          </p:cNvSpPr>
+          <p:nvPr>
+            <p:ph type="title"/>
+          </p:nvPr>
+        </p:nvSpPr>
+        <p:spPr>
+          <a:xfrm>
+            <a:off x="700218" y="1656292"/>
+            <a:ext cx="3150659" cy="2085869"/>
+          </a:xfrm>
+        </p:spPr>
+        <p:txBody>
+          <a:bodyPr vert="horz" lIns="91440" tIns="45720" rIns="91440" bIns="45720" rtlCol="0" anchor="b">
+            <a:normAutofit/>
+          </a:bodyPr>
+          <a:lstStyle/>
+          <a:p>
+            <a:pPr>
+              <a:spcBef>
+                <a:spcPct val="0"/>
+              </a:spcBef>
+            </a:pPr>
+            <a:r>
+              <a:rPr lang="en-US" sz="3600">
+                <a:solidFill>
+                  <a:srgbClr val="FFFFFF"/>
+                </a:solidFill>
+              </a:rPr>
+              <a:t>Deep Learning  model</a:t>
+            </a:r>
+          </a:p>
+        </p:txBody>
+      </p:sp>
+      <p:sp>
+        <p:nvSpPr>
+          <p:cNvPr id="3" name="Text Placeholder 2">
+            <a:extLst>
+              <a:ext uri="{FF2B5EF4-FFF2-40B4-BE49-F238E27FC236}">
+                <a16:creationId xmlns:a16="http://schemas.microsoft.com/office/drawing/2014/main" id="{69967516-9E99-4B4D-AD6B-5B2B788CBAC4}"/>
+              </a:ext>
+            </a:extLst>
+          </p:cNvPr>
+          <p:cNvSpPr>
+            <a:spLocks noGrp="1"/>
+          </p:cNvSpPr>
+          <p:nvPr>
+            <p:ph type="body" idx="1"/>
+          </p:nvPr>
+        </p:nvSpPr>
+        <p:spPr>
+          <a:xfrm>
+            <a:off x="700218" y="3742162"/>
+            <a:ext cx="3150659" cy="1733655"/>
+          </a:xfrm>
+        </p:spPr>
+        <p:txBody>
+          <a:bodyPr vert="horz" lIns="91440" tIns="45720" rIns="91440" bIns="45720" rtlCol="0" anchor="t">
+            <a:normAutofit/>
+          </a:bodyPr>
+          <a:lstStyle/>
+          <a:p>
+            <a:pPr marL="0" indent="0">
+              <a:spcBef>
+                <a:spcPct val="20000"/>
+              </a:spcBef>
+              <a:spcAft>
+                <a:spcPts val="600"/>
+              </a:spcAft>
+              <a:buSzPct val="92000"/>
+              <a:buNone/>
+            </a:pPr>
+            <a:r>
+              <a:rPr lang="en-US" sz="1600" cap="all">
+                <a:solidFill>
+                  <a:srgbClr val="FFFFFF">
+                    <a:alpha val="75000"/>
+                  </a:srgbClr>
+                </a:solidFill>
+              </a:rPr>
+              <a:t>Run ML Neural Network DL ML Model - Cont </a:t>
+            </a:r>
+          </a:p>
+        </p:txBody>
+      </p:sp>
+      <p:pic>
+        <p:nvPicPr>
+          <p:cNvPr id="6" name="Picture 5" descr="Text&#10;&#10;Description automatically generated with medium confidence">
+            <a:extLst>
+              <a:ext uri="{FF2B5EF4-FFF2-40B4-BE49-F238E27FC236}">
+                <a16:creationId xmlns:a16="http://schemas.microsoft.com/office/drawing/2014/main" id="{3F470C4A-4AD1-47A3-A5CA-847F89F3DAB1}"/>
+              </a:ext>
+            </a:extLst>
+          </p:cNvPr>
+          <p:cNvPicPr>
+            <a:picLocks noChangeAspect="1"/>
+          </p:cNvPicPr>
+          <p:nvPr/>
+        </p:nvPicPr>
+        <p:blipFill>
+          <a:blip r:embed="rId2"/>
+          <a:stretch>
+            <a:fillRect/>
+          </a:stretch>
+        </p:blipFill>
+        <p:spPr>
+          <a:xfrm>
+            <a:off x="4625432" y="1633813"/>
+            <a:ext cx="7117916" cy="1997033"/>
+          </a:xfrm>
+          <a:prstGeom prst="rect">
+            <a:avLst/>
+          </a:prstGeom>
+        </p:spPr>
+      </p:pic>
+      <p:pic>
+        <p:nvPicPr>
+          <p:cNvPr id="9" name="Picture 8" descr="Text&#10;&#10;Description automatically generated">
+            <a:extLst>
+              <a:ext uri="{FF2B5EF4-FFF2-40B4-BE49-F238E27FC236}">
+                <a16:creationId xmlns:a16="http://schemas.microsoft.com/office/drawing/2014/main" id="{15A818AF-D1C2-4E14-8314-97A84FE0621D}"/>
+              </a:ext>
+            </a:extLst>
+          </p:cNvPr>
+          <p:cNvPicPr>
+            <a:picLocks noChangeAspect="1"/>
+          </p:cNvPicPr>
+          <p:nvPr/>
+        </p:nvPicPr>
+        <p:blipFill>
+          <a:blip r:embed="rId3"/>
+          <a:stretch>
+            <a:fillRect/>
+          </a:stretch>
+        </p:blipFill>
+        <p:spPr>
+          <a:xfrm>
+            <a:off x="4595946" y="3937465"/>
+            <a:ext cx="7185188" cy="1619955"/>
+          </a:xfrm>
+          <a:prstGeom prst="rect">
+            <a:avLst/>
+          </a:prstGeom>
+        </p:spPr>
+      </p:pic>
+    </p:spTree>
+    <p:extLst>
+      <p:ext uri="{BB962C8B-B14F-4D97-AF65-F5344CB8AC3E}">
+        <p14:creationId xmlns:p14="http://schemas.microsoft.com/office/powerpoint/2010/main" val="4051875976"/>
+      </p:ext>
+    </p:extLst>
   </p:cSld>
   <p:clrMapOvr>
     <a:masterClrMapping/>
@@ -11624,7 +12937,7 @@
         <p:spPr>
           <a:xfrm>
             <a:off x="1730000" y="525000"/>
-            <a:ext cx="9385200" cy="1218800"/>
+            <a:ext cx="9385200" cy="750347"/>
           </a:xfrm>
           <a:prstGeom prst="rect">
             <a:avLst/>
@@ -11640,15 +12953,15 @@
               <a:buSzPts val="990"/>
             </a:pPr>
             <a:r>
-              <a:rPr lang="en" sz="2800">
+              <a:rPr lang="en" sz="2800" dirty="0">
                 <a:latin typeface="Lato"/>
                 <a:ea typeface="Lato"/>
                 <a:cs typeface="Lato"/>
                 <a:sym typeface="Lato"/>
               </a:rPr>
-              <a:t>Final Project outcome , Dashboard and visualization</a:t>
-            </a:r>
-            <a:endParaRPr sz="2800">
+              <a:t>Dashboard and visualization using Tableau</a:t>
+            </a:r>
+            <a:endParaRPr sz="2800" dirty="0">
               <a:latin typeface="Lato"/>
               <a:ea typeface="Lato"/>
               <a:cs typeface="Lato"/>
@@ -11669,8 +12982,8 @@
         </p:nvSpPr>
         <p:spPr>
           <a:xfrm>
-            <a:off x="1730000" y="2090067"/>
-            <a:ext cx="9385200" cy="3881600"/>
+            <a:off x="1730000" y="1676400"/>
+            <a:ext cx="9385200" cy="4295267"/>
           </a:xfrm>
           <a:prstGeom prst="rect">
             <a:avLst/>
@@ -11682,85 +12995,7 @@
           </a:bodyPr>
           <a:lstStyle/>
           <a:p>
-            <a:r>
-              <a:rPr lang="en" dirty="0"/>
-              <a:t>Using  Tableau to visualize the following analysis outcome:</a:t>
-            </a:r>
             <a:endParaRPr dirty="0"/>
-          </a:p>
-          <a:p>
-            <a:pPr lvl="1"/>
-            <a:r>
-              <a:rPr lang="en" dirty="0"/>
-              <a:t>Present at the county level in Ca  the  Avg. Sale Price vs. Predicted Ang. Price, Min Max Price Per SQF </a:t>
-            </a:r>
-            <a:endParaRPr dirty="0"/>
-          </a:p>
-          <a:p>
-            <a:pPr lvl="1"/>
-            <a:r>
-              <a:rPr lang="en" dirty="0"/>
-              <a:t>Top 5 Areas with the Highest prices. </a:t>
-            </a:r>
-            <a:endParaRPr dirty="0"/>
-          </a:p>
-          <a:p>
-            <a:pPr lvl="1"/>
-            <a:r>
-              <a:rPr lang="en" dirty="0"/>
-              <a:t>Bottom 5 areas with the lowest prices. l </a:t>
-            </a:r>
-            <a:endParaRPr dirty="0"/>
-          </a:p>
-        </p:txBody>
-      </p:sp>
-      <p:sp>
-        <p:nvSpPr>
-          <p:cNvPr id="4" name="TextBox 3">
-            <a:extLst>
-              <a:ext uri="{FF2B5EF4-FFF2-40B4-BE49-F238E27FC236}">
-                <a16:creationId xmlns:a16="http://schemas.microsoft.com/office/drawing/2014/main" id="{54751FBC-7BCC-4392-925A-25CAC9EB7E35}"/>
-              </a:ext>
-            </a:extLst>
-          </p:cNvPr>
-          <p:cNvSpPr txBox="1"/>
-          <p:nvPr/>
-        </p:nvSpPr>
-        <p:spPr>
-          <a:xfrm>
-            <a:off x="4475748" y="2698902"/>
-            <a:ext cx="6096000" cy="369332"/>
-          </a:xfrm>
-          <a:prstGeom prst="rect">
-            <a:avLst/>
-          </a:prstGeom>
-          <a:noFill/>
-        </p:spPr>
-        <p:txBody>
-          <a:bodyPr wrap="square">
-            <a:spAutoFit/>
-          </a:bodyPr>
-          <a:lstStyle/>
-          <a:p>
-            <a:r>
-              <a:rPr lang="en-US" dirty="0">
-                <a:solidFill>
-                  <a:srgbClr val="FF0000"/>
-                </a:solidFill>
-                <a:highlight>
-                  <a:srgbClr val="FFFF00"/>
-                </a:highlight>
-              </a:rPr>
-              <a:t>Michael</a:t>
-            </a:r>
-            <a:r>
-              <a:rPr lang="en-US" dirty="0">
-                <a:highlight>
-                  <a:srgbClr val="FFFF00"/>
-                </a:highlight>
-              </a:rPr>
-              <a:t>  to add key point to describe the Process </a:t>
-            </a:r>
           </a:p>
         </p:txBody>
       </p:sp>
@@ -11775,9 +13010,17 @@
 <file path=ppt/slides/slide9.xml><?xml version="1.0" encoding="utf-8"?>
 <p:sld xmlns:a="http://schemas.openxmlformats.org/drawingml/2006/main" xmlns:r="http://schemas.openxmlformats.org/officeDocument/2006/relationships" xmlns:p="http://schemas.openxmlformats.org/presentationml/2006/main">
   <p:cSld>
+    <p:bg>
+      <p:bgPr>
+        <a:solidFill>
+          <a:schemeClr val="bg1"/>
+        </a:solidFill>
+        <a:effectLst/>
+      </p:bgPr>
+    </p:bg>
     <p:spTree>
       <p:nvGrpSpPr>
-        <p:cNvPr id="1" name="Shape 181"/>
+        <p:cNvPr id="1" name=""/>
         <p:cNvGrpSpPr/>
         <p:nvPr/>
       </p:nvGrpSpPr>
@@ -11791,137 +13034,93 @@
       </p:grpSpPr>
       <p:sp>
         <p:nvSpPr>
-          <p:cNvPr id="182" name="Google Shape;182;p21"/>
-          <p:cNvSpPr txBox="1">
+          <p:cNvPr id="8" name="Title 7">
+            <a:extLst>
+              <a:ext uri="{FF2B5EF4-FFF2-40B4-BE49-F238E27FC236}">
+                <a16:creationId xmlns:a16="http://schemas.microsoft.com/office/drawing/2014/main" id="{26C39FAB-5AD5-4AF2-8970-761429E3AEFC}"/>
+              </a:ext>
+            </a:extLst>
+          </p:cNvPr>
+          <p:cNvSpPr>
             <a:spLocks noGrp="1"/>
           </p:cNvSpPr>
           <p:nvPr>
             <p:ph type="title"/>
           </p:nvPr>
         </p:nvSpPr>
-        <p:spPr>
-          <a:xfrm>
-            <a:off x="1730000" y="525000"/>
-            <a:ext cx="9385200" cy="1218800"/>
+        <p:spPr/>
+        <p:txBody>
+          <a:bodyPr/>
+          <a:lstStyle/>
+          <a:p>
+            <a:r>
+              <a:rPr lang="en-US" dirty="0"/>
+              <a:t>Housing Heat Maps Per Ang. Prices </a:t>
+            </a:r>
+          </a:p>
+        </p:txBody>
+      </p:sp>
+      <p:sp>
+        <p:nvSpPr>
+          <p:cNvPr id="10" name="Text Placeholder 9">
+            <a:extLst>
+              <a:ext uri="{FF2B5EF4-FFF2-40B4-BE49-F238E27FC236}">
+                <a16:creationId xmlns:a16="http://schemas.microsoft.com/office/drawing/2014/main" id="{B5FEDBAE-ABA3-4F3C-AA95-96E298B91A08}"/>
+              </a:ext>
+            </a:extLst>
+          </p:cNvPr>
+          <p:cNvSpPr>
+            <a:spLocks noGrp="1"/>
+          </p:cNvSpPr>
+          <p:nvPr>
+            <p:ph type="body" sz="half" idx="2"/>
+          </p:nvPr>
+        </p:nvSpPr>
+        <p:spPr/>
+        <p:txBody>
+          <a:bodyPr/>
+          <a:lstStyle/>
+          <a:p>
+            <a:endParaRPr lang="en-US" dirty="0"/>
+          </a:p>
+        </p:txBody>
+      </p:sp>
+      <p:pic>
+        <p:nvPicPr>
+          <p:cNvPr id="21" name="Picture 20" descr="Chart, treemap chart&#10;&#10;Description automatically generated">
+            <a:extLst>
+              <a:ext uri="{FF2B5EF4-FFF2-40B4-BE49-F238E27FC236}">
+                <a16:creationId xmlns:a16="http://schemas.microsoft.com/office/drawing/2014/main" id="{E574263B-434B-452B-A016-0B3F1A9D57A5}"/>
+              </a:ext>
+            </a:extLst>
+          </p:cNvPr>
+          <p:cNvPicPr>
+            <a:picLocks noChangeAspect="1"/>
+          </p:cNvPicPr>
+          <p:nvPr/>
+        </p:nvPicPr>
+        <p:blipFill>
+          <a:blip r:embed="rId2"/>
+          <a:stretch>
+            <a:fillRect/>
+          </a:stretch>
+        </p:blipFill>
+        <p:spPr>
+          <a:xfrm>
+            <a:off x="4595251" y="641616"/>
+            <a:ext cx="6828892" cy="6079787"/>
           </a:xfrm>
           <a:prstGeom prst="rect">
             <a:avLst/>
           </a:prstGeom>
         </p:spPr>
-        <p:txBody>
-          <a:bodyPr spcFirstLastPara="1" vert="horz" wrap="square" lIns="121900" tIns="121900" rIns="121900" bIns="121900" rtlCol="0" anchor="t" anchorCtr="0">
-            <a:normAutofit/>
-          </a:bodyPr>
-          <a:lstStyle/>
-          <a:p>
-            <a:r>
-              <a:rPr lang="en" sz="2800">
-                <a:latin typeface="Lato"/>
-                <a:ea typeface="Lato"/>
-                <a:cs typeface="Lato"/>
-                <a:sym typeface="Lato"/>
-              </a:rPr>
-              <a:t>Recommendation for future analysis</a:t>
-            </a:r>
-            <a:endParaRPr sz="2800">
-              <a:latin typeface="Lato"/>
-              <a:ea typeface="Lato"/>
-              <a:cs typeface="Lato"/>
-              <a:sym typeface="Lato"/>
-            </a:endParaRPr>
-          </a:p>
-        </p:txBody>
-      </p:sp>
-      <p:sp>
-        <p:nvSpPr>
-          <p:cNvPr id="183" name="Google Shape;183;p21"/>
-          <p:cNvSpPr txBox="1">
-            <a:spLocks noGrp="1"/>
-          </p:cNvSpPr>
-          <p:nvPr>
-            <p:ph type="body" idx="1"/>
-          </p:nvPr>
-        </p:nvSpPr>
-        <p:spPr>
-          <a:xfrm>
-            <a:off x="1730000" y="2090067"/>
-            <a:ext cx="9385200" cy="3881600"/>
-          </a:xfrm>
-          <a:prstGeom prst="rect">
-            <a:avLst/>
-          </a:prstGeom>
-        </p:spPr>
-        <p:txBody>
-          <a:bodyPr spcFirstLastPara="1" vert="horz" wrap="square" lIns="121900" tIns="121900" rIns="121900" bIns="121900" rtlCol="0" anchor="t" anchorCtr="0">
-            <a:normAutofit/>
-          </a:bodyPr>
-          <a:lstStyle/>
-          <a:p>
-            <a:pPr marL="0" indent="0">
-              <a:spcAft>
-                <a:spcPts val="1600"/>
-              </a:spcAft>
-              <a:buNone/>
-            </a:pPr>
-            <a:r>
-              <a:rPr lang="en"/>
-              <a:t>TBD </a:t>
-            </a:r>
-            <a:endParaRPr/>
-          </a:p>
-        </p:txBody>
-      </p:sp>
-      <p:sp>
-        <p:nvSpPr>
-          <p:cNvPr id="4" name="TextBox 3">
-            <a:extLst>
-              <a:ext uri="{FF2B5EF4-FFF2-40B4-BE49-F238E27FC236}">
-                <a16:creationId xmlns:a16="http://schemas.microsoft.com/office/drawing/2014/main" id="{518EAEA7-0B74-4BEC-9516-1ED4161D7DF1}"/>
-              </a:ext>
-            </a:extLst>
-          </p:cNvPr>
-          <p:cNvSpPr txBox="1"/>
-          <p:nvPr/>
-        </p:nvSpPr>
-        <p:spPr>
-          <a:xfrm>
-            <a:off x="2727159" y="3565175"/>
-            <a:ext cx="6096000" cy="369332"/>
-          </a:xfrm>
-          <a:prstGeom prst="rect">
-            <a:avLst/>
-          </a:prstGeom>
-          <a:noFill/>
-        </p:spPr>
-        <p:txBody>
-          <a:bodyPr wrap="square">
-            <a:spAutoFit/>
-          </a:bodyPr>
-          <a:lstStyle/>
-          <a:p>
-            <a:r>
-              <a:rPr lang="en-US" dirty="0">
-                <a:solidFill>
-                  <a:srgbClr val="FF0000"/>
-                </a:solidFill>
-                <a:highlight>
-                  <a:srgbClr val="FFFF00"/>
-                </a:highlight>
-              </a:rPr>
-              <a:t>Michael</a:t>
-            </a:r>
-            <a:r>
-              <a:rPr lang="en-US" dirty="0">
-                <a:highlight>
-                  <a:srgbClr val="FFFF00"/>
-                </a:highlight>
-              </a:rPr>
-              <a:t>  to add key point to describe the Process </a:t>
-            </a:r>
-          </a:p>
-        </p:txBody>
-      </p:sp>
+      </p:pic>
     </p:spTree>
+    <p:extLst>
+      <p:ext uri="{BB962C8B-B14F-4D97-AF65-F5344CB8AC3E}">
+        <p14:creationId xmlns:p14="http://schemas.microsoft.com/office/powerpoint/2010/main" val="95992585"/>
+      </p:ext>
+    </p:extLst>
   </p:cSld>
   <p:clrMapOvr>
     <a:masterClrMapping/>
@@ -12494,6 +13693,15 @@
 </file>
 
 <file path=customXml/item1.xml><?xml version="1.0" encoding="utf-8"?>
+<p:properties xmlns:p="http://schemas.microsoft.com/office/2006/metadata/properties" xmlns:xsi="http://www.w3.org/2001/XMLSchema-instance" xmlns:pc="http://schemas.microsoft.com/office/infopath/2007/PartnerControls">
+  <documentManagement>
+    <Status xmlns="71af3243-3dd4-4a8d-8c0d-dd76da1f02a5">Not started</Status>
+    <MediaServiceKeyPoints xmlns="71af3243-3dd4-4a8d-8c0d-dd76da1f02a5" xsi:nil="true"/>
+  </documentManagement>
+</p:properties>
+</file>
+
+<file path=customXml/item2.xml><?xml version="1.0" encoding="utf-8"?>
 <ct:contentTypeSchema xmlns:ct="http://schemas.microsoft.com/office/2006/metadata/contentType" xmlns:ma="http://schemas.microsoft.com/office/2006/metadata/properties/metaAttributes" ct:_="" ma:_="" ma:contentTypeName="Document" ma:contentTypeID="0x01010079F111ED35F8CC479449609E8A0923A6" ma:contentTypeVersion="12" ma:contentTypeDescription="Create a new document." ma:contentTypeScope="" ma:versionID="a410dd7f93c95333ffa1b60ed6adedd1">
   <xsd:schema xmlns:xsd="http://www.w3.org/2001/XMLSchema" xmlns:xs="http://www.w3.org/2001/XMLSchema" xmlns:p="http://schemas.microsoft.com/office/2006/metadata/properties" xmlns:ns2="71af3243-3dd4-4a8d-8c0d-dd76da1f02a5" xmlns:ns3="16c05727-aa75-4e4a-9b5f-8a80a1165891" targetNamespace="http://schemas.microsoft.com/office/2006/metadata/properties" ma:root="true" ma:fieldsID="a936d9baba76aa3866493feff160faab" ns2:_="" ns3:_="">
     <xsd:import namespace="71af3243-3dd4-4a8d-8c0d-dd76da1f02a5"/>
@@ -12714,15 +13922,6 @@
 </ct:contentTypeSchema>
 </file>
 
-<file path=customXml/item2.xml><?xml version="1.0" encoding="utf-8"?>
-<p:properties xmlns:p="http://schemas.microsoft.com/office/2006/metadata/properties" xmlns:xsi="http://www.w3.org/2001/XMLSchema-instance" xmlns:pc="http://schemas.microsoft.com/office/infopath/2007/PartnerControls">
-  <documentManagement>
-    <Status xmlns="71af3243-3dd4-4a8d-8c0d-dd76da1f02a5">Not started</Status>
-    <MediaServiceKeyPoints xmlns="71af3243-3dd4-4a8d-8c0d-dd76da1f02a5" xsi:nil="true"/>
-  </documentManagement>
-</p:properties>
-</file>
-
 <file path=customXml/item3.xml><?xml version="1.0" encoding="utf-8"?>
 <?mso-contentType ?>
 <FormTemplates xmlns="http://schemas.microsoft.com/sharepoint/v3/contenttype/forms">
@@ -12733,6 +13932,16 @@
 </file>
 
 <file path=customXml/itemProps1.xml><?xml version="1.0" encoding="utf-8"?>
+<ds:datastoreItem xmlns:ds="http://schemas.openxmlformats.org/officeDocument/2006/customXml" ds:itemID="{8D289AE2-D2AE-49D1-AFAC-3A79F6794255}">
+  <ds:schemaRefs>
+    <ds:schemaRef ds:uri="http://schemas.microsoft.com/office/2006/metadata/properties"/>
+    <ds:schemaRef ds:uri="http://schemas.microsoft.com/office/infopath/2007/PartnerControls"/>
+    <ds:schemaRef ds:uri="71af3243-3dd4-4a8d-8c0d-dd76da1f02a5"/>
+  </ds:schemaRefs>
+</ds:datastoreItem>
+</file>
+
+<file path=customXml/itemProps2.xml><?xml version="1.0" encoding="utf-8"?>
 <ds:datastoreItem xmlns:ds="http://schemas.openxmlformats.org/officeDocument/2006/customXml" ds:itemID="{41E7CA09-9778-4414-AE97-8064B12DA30E}">
   <ds:schemaRefs>
     <ds:schemaRef ds:uri="http://schemas.microsoft.com/office/2006/metadata/contentType"/>
@@ -12751,16 +13960,6 @@
 </ds:datastoreItem>
 </file>
 
-<file path=customXml/itemProps2.xml><?xml version="1.0" encoding="utf-8"?>
-<ds:datastoreItem xmlns:ds="http://schemas.openxmlformats.org/officeDocument/2006/customXml" ds:itemID="{8D289AE2-D2AE-49D1-AFAC-3A79F6794255}">
-  <ds:schemaRefs>
-    <ds:schemaRef ds:uri="http://schemas.microsoft.com/office/2006/metadata/properties"/>
-    <ds:schemaRef ds:uri="http://schemas.microsoft.com/office/infopath/2007/PartnerControls"/>
-    <ds:schemaRef ds:uri="71af3243-3dd4-4a8d-8c0d-dd76da1f02a5"/>
-  </ds:schemaRefs>
-</ds:datastoreItem>
-</file>
-
 <file path=customXml/itemProps3.xml><?xml version="1.0" encoding="utf-8"?>
 <ds:datastoreItem xmlns:ds="http://schemas.openxmlformats.org/officeDocument/2006/customXml" ds:itemID="{927BD4C1-B6B1-4715-ABF9-E660A51A4EA0}">
   <ds:schemaRefs>
